--- a/Presentation/NOLA_Midterm_Presentation.pptx
+++ b/Presentation/NOLA_Midterm_Presentation.pptx
@@ -5,11 +5,20 @@
     <p:sldMasterId id="2147483648" r:id="rId1"/>
   </p:sldMasterIdLst>
   <p:notesMasterIdLst>
-    <p:notesMasterId r:id="rId4"/>
+    <p:notesMasterId r:id="rId13"/>
   </p:notesMasterIdLst>
   <p:sldIdLst>
     <p:sldId id="258" r:id="rId2"/>
     <p:sldId id="257" r:id="rId3"/>
+    <p:sldId id="265" r:id="rId4"/>
+    <p:sldId id="260" r:id="rId5"/>
+    <p:sldId id="261" r:id="rId6"/>
+    <p:sldId id="262" r:id="rId7"/>
+    <p:sldId id="263" r:id="rId8"/>
+    <p:sldId id="264" r:id="rId9"/>
+    <p:sldId id="268" r:id="rId10"/>
+    <p:sldId id="269" r:id="rId11"/>
+    <p:sldId id="266" r:id="rId12"/>
   </p:sldIdLst>
   <p:sldSz cx="12192000" cy="6858000"/>
   <p:notesSz cx="6858000" cy="9144000"/>
@@ -198,7 +207,7 @@
           <a:p>
             <a:fld id="{90DB365B-6AE9-44E6-871F-DF1446F7C992}" type="datetimeFigureOut">
               <a:rPr lang="en-IN" smtClean="0"/>
-              <a:t>17-02-2017</a:t>
+              <a:t>17/02/17</a:t>
             </a:fld>
             <a:endParaRPr lang="en-IN"/>
           </a:p>
@@ -617,6 +626,1365 @@
 </p:notes>
 </file>
 
+<file path=ppt/notesSlides/notesSlide10.xml><?xml version="1.0" encoding="utf-8"?>
+<p:notes xmlns:a="http://schemas.openxmlformats.org/drawingml/2006/main" xmlns:r="http://schemas.openxmlformats.org/officeDocument/2006/relationships" xmlns:p="http://schemas.openxmlformats.org/presentationml/2006/main">
+  <p:cSld>
+    <p:spTree>
+      <p:nvGrpSpPr>
+        <p:cNvPr id="1" name=""/>
+        <p:cNvGrpSpPr/>
+        <p:nvPr/>
+      </p:nvGrpSpPr>
+      <p:grpSpPr>
+        <a:xfrm>
+          <a:off x="0" y="0"/>
+          <a:ext cx="0" cy="0"/>
+          <a:chOff x="0" y="0"/>
+          <a:chExt cx="0" cy="0"/>
+        </a:xfrm>
+      </p:grpSpPr>
+      <p:sp>
+        <p:nvSpPr>
+          <p:cNvPr id="5" name="Rectangle 7"/>
+          <p:cNvSpPr>
+            <a:spLocks noGrp="1" noChangeArrowheads="1"/>
+          </p:cNvSpPr>
+          <p:nvPr>
+            <p:ph type="sldNum" sz="quarter" idx="5"/>
+          </p:nvPr>
+        </p:nvSpPr>
+        <p:spPr>
+          <a:ln/>
+        </p:spPr>
+        <p:txBody>
+          <a:bodyPr/>
+          <a:lstStyle/>
+          <a:p>
+            <a:fld id="{0DF56205-2175-4719-A8F4-A98ECF521A31}" type="slidenum">
+              <a:rPr lang="en-US" altLang="en-US"/>
+              <a:pPr/>
+              <a:t>11</a:t>
+            </a:fld>
+            <a:endParaRPr lang="en-US" altLang="en-US"/>
+          </a:p>
+        </p:txBody>
+      </p:sp>
+      <p:sp>
+        <p:nvSpPr>
+          <p:cNvPr id="906242" name="Rectangle 2"/>
+          <p:cNvSpPr>
+            <a:spLocks noGrp="1" noRot="1" noChangeAspect="1" noChangeArrowheads="1" noTextEdit="1"/>
+          </p:cNvSpPr>
+          <p:nvPr>
+            <p:ph type="sldImg"/>
+          </p:nvPr>
+        </p:nvSpPr>
+        <p:spPr>
+          <a:xfrm>
+            <a:off x="-876300" y="354013"/>
+            <a:ext cx="8501063" cy="4783137"/>
+          </a:xfrm>
+          <a:ln/>
+        </p:spPr>
+      </p:sp>
+      <p:sp>
+        <p:nvSpPr>
+          <p:cNvPr id="906243" name="Rectangle 3"/>
+          <p:cNvSpPr>
+            <a:spLocks noGrp="1" noChangeArrowheads="1"/>
+          </p:cNvSpPr>
+          <p:nvPr>
+            <p:ph type="body" idx="1"/>
+          </p:nvPr>
+        </p:nvSpPr>
+        <p:spPr>
+          <a:xfrm>
+            <a:off x="458788" y="5368925"/>
+            <a:ext cx="5835650" cy="244475"/>
+          </a:xfrm>
+        </p:spPr>
+        <p:txBody>
+          <a:bodyPr/>
+          <a:lstStyle/>
+          <a:p>
+            <a:endParaRPr lang="en-GB" altLang="en-US"/>
+          </a:p>
+        </p:txBody>
+      </p:sp>
+      <p:sp>
+        <p:nvSpPr>
+          <p:cNvPr id="906244" name="McK Separator"/>
+          <p:cNvSpPr>
+            <a:spLocks noChangeShapeType="1"/>
+          </p:cNvSpPr>
+          <p:nvPr/>
+        </p:nvSpPr>
+        <p:spPr bwMode="auto">
+          <a:xfrm>
+            <a:off x="1304925" y="2286000"/>
+            <a:ext cx="4835525" cy="0"/>
+          </a:xfrm>
+          <a:prstGeom prst="line">
+            <a:avLst/>
+          </a:prstGeom>
+          <a:noFill/>
+          <a:ln w="9525">
+            <a:solidFill>
+              <a:schemeClr val="tx1"/>
+            </a:solidFill>
+            <a:round/>
+            <a:headEnd/>
+            <a:tailEnd/>
+          </a:ln>
+          <a:effectLst/>
+          <a:extLst>
+            <a:ext uri="{909E8E84-426E-40DD-AFC4-6F175D3DCCD1}">
+              <a14:hiddenFill xmlns:a14="http://schemas.microsoft.com/office/drawing/2010/main">
+                <a:noFill/>
+              </a14:hiddenFill>
+            </a:ext>
+            <a:ext uri="{AF507438-7753-43E0-B8FC-AC1667EBCBE1}">
+              <a14:hiddenEffects xmlns:a14="http://schemas.microsoft.com/office/drawing/2010/main">
+                <a:effectLst>
+                  <a:outerShdw dist="35921" dir="2700000" algn="ctr" rotWithShape="0">
+                    <a:schemeClr val="bg2"/>
+                  </a:outerShdw>
+                </a:effectLst>
+              </a14:hiddenEffects>
+            </a:ext>
+          </a:extLst>
+        </p:spPr>
+        <p:txBody>
+          <a:bodyPr lIns="0" tIns="0" rIns="0" bIns="0" anchor="ctr">
+            <a:spAutoFit/>
+          </a:bodyPr>
+          <a:lstStyle/>
+          <a:p>
+            <a:endParaRPr lang="en-IN"/>
+          </a:p>
+        </p:txBody>
+      </p:sp>
+    </p:spTree>
+    <p:extLst>
+      <p:ext uri="{BB962C8B-B14F-4D97-AF65-F5344CB8AC3E}">
+        <p14:creationId xmlns:p14="http://schemas.microsoft.com/office/powerpoint/2010/main" val="127579199"/>
+      </p:ext>
+    </p:extLst>
+  </p:cSld>
+  <p:clrMapOvr>
+    <a:masterClrMapping/>
+  </p:clrMapOvr>
+</p:notes>
+</file>
+
+<file path=ppt/notesSlides/notesSlide2.xml><?xml version="1.0" encoding="utf-8"?>
+<p:notes xmlns:a="http://schemas.openxmlformats.org/drawingml/2006/main" xmlns:r="http://schemas.openxmlformats.org/officeDocument/2006/relationships" xmlns:p="http://schemas.openxmlformats.org/presentationml/2006/main">
+  <p:cSld>
+    <p:spTree>
+      <p:nvGrpSpPr>
+        <p:cNvPr id="1" name=""/>
+        <p:cNvGrpSpPr/>
+        <p:nvPr/>
+      </p:nvGrpSpPr>
+      <p:grpSpPr>
+        <a:xfrm>
+          <a:off x="0" y="0"/>
+          <a:ext cx="0" cy="0"/>
+          <a:chOff x="0" y="0"/>
+          <a:chExt cx="0" cy="0"/>
+        </a:xfrm>
+      </p:grpSpPr>
+      <p:sp>
+        <p:nvSpPr>
+          <p:cNvPr id="5" name="Rectangle 7"/>
+          <p:cNvSpPr>
+            <a:spLocks noGrp="1" noChangeArrowheads="1"/>
+          </p:cNvSpPr>
+          <p:nvPr>
+            <p:ph type="sldNum" sz="quarter" idx="5"/>
+          </p:nvPr>
+        </p:nvSpPr>
+        <p:spPr>
+          <a:ln/>
+        </p:spPr>
+        <p:txBody>
+          <a:bodyPr/>
+          <a:lstStyle/>
+          <a:p>
+            <a:fld id="{0DF56205-2175-4719-A8F4-A98ECF521A31}" type="slidenum">
+              <a:rPr lang="en-US" altLang="en-US"/>
+              <a:pPr/>
+              <a:t>3</a:t>
+            </a:fld>
+            <a:endParaRPr lang="en-US" altLang="en-US"/>
+          </a:p>
+        </p:txBody>
+      </p:sp>
+      <p:sp>
+        <p:nvSpPr>
+          <p:cNvPr id="906242" name="Rectangle 2"/>
+          <p:cNvSpPr>
+            <a:spLocks noGrp="1" noRot="1" noChangeAspect="1" noChangeArrowheads="1" noTextEdit="1"/>
+          </p:cNvSpPr>
+          <p:nvPr>
+            <p:ph type="sldImg"/>
+          </p:nvPr>
+        </p:nvSpPr>
+        <p:spPr>
+          <a:xfrm>
+            <a:off x="-876300" y="354013"/>
+            <a:ext cx="8501063" cy="4783137"/>
+          </a:xfrm>
+          <a:ln/>
+        </p:spPr>
+      </p:sp>
+      <p:sp>
+        <p:nvSpPr>
+          <p:cNvPr id="906243" name="Rectangle 3"/>
+          <p:cNvSpPr>
+            <a:spLocks noGrp="1" noChangeArrowheads="1"/>
+          </p:cNvSpPr>
+          <p:nvPr>
+            <p:ph type="body" idx="1"/>
+          </p:nvPr>
+        </p:nvSpPr>
+        <p:spPr>
+          <a:xfrm>
+            <a:off x="458788" y="5368925"/>
+            <a:ext cx="5835650" cy="244475"/>
+          </a:xfrm>
+        </p:spPr>
+        <p:txBody>
+          <a:bodyPr/>
+          <a:lstStyle/>
+          <a:p>
+            <a:endParaRPr lang="en-GB" altLang="en-US"/>
+          </a:p>
+        </p:txBody>
+      </p:sp>
+      <p:sp>
+        <p:nvSpPr>
+          <p:cNvPr id="906244" name="McK Separator"/>
+          <p:cNvSpPr>
+            <a:spLocks noChangeShapeType="1"/>
+          </p:cNvSpPr>
+          <p:nvPr/>
+        </p:nvSpPr>
+        <p:spPr bwMode="auto">
+          <a:xfrm>
+            <a:off x="1304925" y="2286000"/>
+            <a:ext cx="4835525" cy="0"/>
+          </a:xfrm>
+          <a:prstGeom prst="line">
+            <a:avLst/>
+          </a:prstGeom>
+          <a:noFill/>
+          <a:ln w="9525">
+            <a:solidFill>
+              <a:schemeClr val="tx1"/>
+            </a:solidFill>
+            <a:round/>
+            <a:headEnd/>
+            <a:tailEnd/>
+          </a:ln>
+          <a:effectLst/>
+          <a:extLst>
+            <a:ext uri="{909E8E84-426E-40DD-AFC4-6F175D3DCCD1}">
+              <a14:hiddenFill xmlns:a14="http://schemas.microsoft.com/office/drawing/2010/main">
+                <a:noFill/>
+              </a14:hiddenFill>
+            </a:ext>
+            <a:ext uri="{AF507438-7753-43E0-B8FC-AC1667EBCBE1}">
+              <a14:hiddenEffects xmlns:a14="http://schemas.microsoft.com/office/drawing/2010/main">
+                <a:effectLst>
+                  <a:outerShdw dist="35921" dir="2700000" algn="ctr" rotWithShape="0">
+                    <a:schemeClr val="bg2"/>
+                  </a:outerShdw>
+                </a:effectLst>
+              </a14:hiddenEffects>
+            </a:ext>
+          </a:extLst>
+        </p:spPr>
+        <p:txBody>
+          <a:bodyPr lIns="0" tIns="0" rIns="0" bIns="0" anchor="ctr">
+            <a:spAutoFit/>
+          </a:bodyPr>
+          <a:lstStyle/>
+          <a:p>
+            <a:endParaRPr lang="en-IN"/>
+          </a:p>
+        </p:txBody>
+      </p:sp>
+    </p:spTree>
+    <p:extLst>
+      <p:ext uri="{BB962C8B-B14F-4D97-AF65-F5344CB8AC3E}">
+        <p14:creationId xmlns:p14="http://schemas.microsoft.com/office/powerpoint/2010/main" val="763696632"/>
+      </p:ext>
+    </p:extLst>
+  </p:cSld>
+  <p:clrMapOvr>
+    <a:masterClrMapping/>
+  </p:clrMapOvr>
+</p:notes>
+</file>
+
+<file path=ppt/notesSlides/notesSlide3.xml><?xml version="1.0" encoding="utf-8"?>
+<p:notes xmlns:a="http://schemas.openxmlformats.org/drawingml/2006/main" xmlns:r="http://schemas.openxmlformats.org/officeDocument/2006/relationships" xmlns:p="http://schemas.openxmlformats.org/presentationml/2006/main">
+  <p:cSld>
+    <p:spTree>
+      <p:nvGrpSpPr>
+        <p:cNvPr id="1" name=""/>
+        <p:cNvGrpSpPr/>
+        <p:nvPr/>
+      </p:nvGrpSpPr>
+      <p:grpSpPr>
+        <a:xfrm>
+          <a:off x="0" y="0"/>
+          <a:ext cx="0" cy="0"/>
+          <a:chOff x="0" y="0"/>
+          <a:chExt cx="0" cy="0"/>
+        </a:xfrm>
+      </p:grpSpPr>
+      <p:sp>
+        <p:nvSpPr>
+          <p:cNvPr id="5" name="Rectangle 7"/>
+          <p:cNvSpPr>
+            <a:spLocks noGrp="1" noChangeArrowheads="1"/>
+          </p:cNvSpPr>
+          <p:nvPr>
+            <p:ph type="sldNum" sz="quarter" idx="5"/>
+          </p:nvPr>
+        </p:nvSpPr>
+        <p:spPr>
+          <a:ln/>
+        </p:spPr>
+        <p:txBody>
+          <a:bodyPr/>
+          <a:lstStyle/>
+          <a:p>
+            <a:fld id="{0DF56205-2175-4719-A8F4-A98ECF521A31}" type="slidenum">
+              <a:rPr lang="en-US" altLang="en-US"/>
+              <a:pPr/>
+              <a:t>4</a:t>
+            </a:fld>
+            <a:endParaRPr lang="en-US" altLang="en-US"/>
+          </a:p>
+        </p:txBody>
+      </p:sp>
+      <p:sp>
+        <p:nvSpPr>
+          <p:cNvPr id="906242" name="Rectangle 2"/>
+          <p:cNvSpPr>
+            <a:spLocks noGrp="1" noRot="1" noChangeAspect="1" noChangeArrowheads="1" noTextEdit="1"/>
+          </p:cNvSpPr>
+          <p:nvPr>
+            <p:ph type="sldImg"/>
+          </p:nvPr>
+        </p:nvSpPr>
+        <p:spPr>
+          <a:xfrm>
+            <a:off x="-876300" y="354013"/>
+            <a:ext cx="8501063" cy="4783137"/>
+          </a:xfrm>
+          <a:ln/>
+        </p:spPr>
+      </p:sp>
+      <p:sp>
+        <p:nvSpPr>
+          <p:cNvPr id="906243" name="Rectangle 3"/>
+          <p:cNvSpPr>
+            <a:spLocks noGrp="1" noChangeArrowheads="1"/>
+          </p:cNvSpPr>
+          <p:nvPr>
+            <p:ph type="body" idx="1"/>
+          </p:nvPr>
+        </p:nvSpPr>
+        <p:spPr>
+          <a:xfrm>
+            <a:off x="458788" y="5368925"/>
+            <a:ext cx="5835650" cy="244475"/>
+          </a:xfrm>
+        </p:spPr>
+        <p:txBody>
+          <a:bodyPr/>
+          <a:lstStyle/>
+          <a:p>
+            <a:endParaRPr lang="en-GB" altLang="en-US"/>
+          </a:p>
+        </p:txBody>
+      </p:sp>
+      <p:sp>
+        <p:nvSpPr>
+          <p:cNvPr id="906244" name="McK Separator"/>
+          <p:cNvSpPr>
+            <a:spLocks noChangeShapeType="1"/>
+          </p:cNvSpPr>
+          <p:nvPr/>
+        </p:nvSpPr>
+        <p:spPr bwMode="auto">
+          <a:xfrm>
+            <a:off x="1304925" y="2286000"/>
+            <a:ext cx="4835525" cy="0"/>
+          </a:xfrm>
+          <a:prstGeom prst="line">
+            <a:avLst/>
+          </a:prstGeom>
+          <a:noFill/>
+          <a:ln w="9525">
+            <a:solidFill>
+              <a:schemeClr val="tx1"/>
+            </a:solidFill>
+            <a:round/>
+            <a:headEnd/>
+            <a:tailEnd/>
+          </a:ln>
+          <a:effectLst/>
+          <a:extLst>
+            <a:ext uri="{909E8E84-426E-40DD-AFC4-6F175D3DCCD1}">
+              <a14:hiddenFill xmlns:a14="http://schemas.microsoft.com/office/drawing/2010/main">
+                <a:noFill/>
+              </a14:hiddenFill>
+            </a:ext>
+            <a:ext uri="{AF507438-7753-43E0-B8FC-AC1667EBCBE1}">
+              <a14:hiddenEffects xmlns:a14="http://schemas.microsoft.com/office/drawing/2010/main">
+                <a:effectLst>
+                  <a:outerShdw dist="35921" dir="2700000" algn="ctr" rotWithShape="0">
+                    <a:schemeClr val="bg2"/>
+                  </a:outerShdw>
+                </a:effectLst>
+              </a14:hiddenEffects>
+            </a:ext>
+          </a:extLst>
+        </p:spPr>
+        <p:txBody>
+          <a:bodyPr lIns="0" tIns="0" rIns="0" bIns="0" anchor="ctr">
+            <a:spAutoFit/>
+          </a:bodyPr>
+          <a:lstStyle/>
+          <a:p>
+            <a:endParaRPr lang="en-IN"/>
+          </a:p>
+        </p:txBody>
+      </p:sp>
+    </p:spTree>
+    <p:extLst>
+      <p:ext uri="{BB962C8B-B14F-4D97-AF65-F5344CB8AC3E}">
+        <p14:creationId xmlns:p14="http://schemas.microsoft.com/office/powerpoint/2010/main" val="1764921915"/>
+      </p:ext>
+    </p:extLst>
+  </p:cSld>
+  <p:clrMapOvr>
+    <a:masterClrMapping/>
+  </p:clrMapOvr>
+</p:notes>
+</file>
+
+<file path=ppt/notesSlides/notesSlide4.xml><?xml version="1.0" encoding="utf-8"?>
+<p:notes xmlns:a="http://schemas.openxmlformats.org/drawingml/2006/main" xmlns:r="http://schemas.openxmlformats.org/officeDocument/2006/relationships" xmlns:p="http://schemas.openxmlformats.org/presentationml/2006/main">
+  <p:cSld>
+    <p:spTree>
+      <p:nvGrpSpPr>
+        <p:cNvPr id="1" name=""/>
+        <p:cNvGrpSpPr/>
+        <p:nvPr/>
+      </p:nvGrpSpPr>
+      <p:grpSpPr>
+        <a:xfrm>
+          <a:off x="0" y="0"/>
+          <a:ext cx="0" cy="0"/>
+          <a:chOff x="0" y="0"/>
+          <a:chExt cx="0" cy="0"/>
+        </a:xfrm>
+      </p:grpSpPr>
+      <p:sp>
+        <p:nvSpPr>
+          <p:cNvPr id="5" name="Rectangle 7"/>
+          <p:cNvSpPr>
+            <a:spLocks noGrp="1" noChangeArrowheads="1"/>
+          </p:cNvSpPr>
+          <p:nvPr>
+            <p:ph type="sldNum" sz="quarter" idx="5"/>
+          </p:nvPr>
+        </p:nvSpPr>
+        <p:spPr>
+          <a:ln/>
+        </p:spPr>
+        <p:txBody>
+          <a:bodyPr/>
+          <a:lstStyle/>
+          <a:p>
+            <a:fld id="{0DF56205-2175-4719-A8F4-A98ECF521A31}" type="slidenum">
+              <a:rPr lang="en-US" altLang="en-US"/>
+              <a:pPr/>
+              <a:t>5</a:t>
+            </a:fld>
+            <a:endParaRPr lang="en-US" altLang="en-US"/>
+          </a:p>
+        </p:txBody>
+      </p:sp>
+      <p:sp>
+        <p:nvSpPr>
+          <p:cNvPr id="906242" name="Rectangle 2"/>
+          <p:cNvSpPr>
+            <a:spLocks noGrp="1" noRot="1" noChangeAspect="1" noChangeArrowheads="1" noTextEdit="1"/>
+          </p:cNvSpPr>
+          <p:nvPr>
+            <p:ph type="sldImg"/>
+          </p:nvPr>
+        </p:nvSpPr>
+        <p:spPr>
+          <a:xfrm>
+            <a:off x="-876300" y="354013"/>
+            <a:ext cx="8501063" cy="4783137"/>
+          </a:xfrm>
+          <a:ln/>
+        </p:spPr>
+      </p:sp>
+      <p:sp>
+        <p:nvSpPr>
+          <p:cNvPr id="906243" name="Rectangle 3"/>
+          <p:cNvSpPr>
+            <a:spLocks noGrp="1" noChangeArrowheads="1"/>
+          </p:cNvSpPr>
+          <p:nvPr>
+            <p:ph type="body" idx="1"/>
+          </p:nvPr>
+        </p:nvSpPr>
+        <p:spPr>
+          <a:xfrm>
+            <a:off x="458788" y="5368925"/>
+            <a:ext cx="5835650" cy="244475"/>
+          </a:xfrm>
+        </p:spPr>
+        <p:txBody>
+          <a:bodyPr/>
+          <a:lstStyle/>
+          <a:p>
+            <a:endParaRPr lang="en-GB" altLang="en-US"/>
+          </a:p>
+        </p:txBody>
+      </p:sp>
+      <p:sp>
+        <p:nvSpPr>
+          <p:cNvPr id="906244" name="McK Separator"/>
+          <p:cNvSpPr>
+            <a:spLocks noChangeShapeType="1"/>
+          </p:cNvSpPr>
+          <p:nvPr/>
+        </p:nvSpPr>
+        <p:spPr bwMode="auto">
+          <a:xfrm>
+            <a:off x="1304925" y="2286000"/>
+            <a:ext cx="4835525" cy="0"/>
+          </a:xfrm>
+          <a:prstGeom prst="line">
+            <a:avLst/>
+          </a:prstGeom>
+          <a:noFill/>
+          <a:ln w="9525">
+            <a:solidFill>
+              <a:schemeClr val="tx1"/>
+            </a:solidFill>
+            <a:round/>
+            <a:headEnd/>
+            <a:tailEnd/>
+          </a:ln>
+          <a:effectLst/>
+          <a:extLst>
+            <a:ext uri="{909E8E84-426E-40DD-AFC4-6F175D3DCCD1}">
+              <a14:hiddenFill xmlns:a14="http://schemas.microsoft.com/office/drawing/2010/main">
+                <a:noFill/>
+              </a14:hiddenFill>
+            </a:ext>
+            <a:ext uri="{AF507438-7753-43E0-B8FC-AC1667EBCBE1}">
+              <a14:hiddenEffects xmlns:a14="http://schemas.microsoft.com/office/drawing/2010/main">
+                <a:effectLst>
+                  <a:outerShdw dist="35921" dir="2700000" algn="ctr" rotWithShape="0">
+                    <a:schemeClr val="bg2"/>
+                  </a:outerShdw>
+                </a:effectLst>
+              </a14:hiddenEffects>
+            </a:ext>
+          </a:extLst>
+        </p:spPr>
+        <p:txBody>
+          <a:bodyPr lIns="0" tIns="0" rIns="0" bIns="0" anchor="ctr">
+            <a:spAutoFit/>
+          </a:bodyPr>
+          <a:lstStyle/>
+          <a:p>
+            <a:endParaRPr lang="en-IN"/>
+          </a:p>
+        </p:txBody>
+      </p:sp>
+    </p:spTree>
+    <p:extLst>
+      <p:ext uri="{BB962C8B-B14F-4D97-AF65-F5344CB8AC3E}">
+        <p14:creationId xmlns:p14="http://schemas.microsoft.com/office/powerpoint/2010/main" val="1128961430"/>
+      </p:ext>
+    </p:extLst>
+  </p:cSld>
+  <p:clrMapOvr>
+    <a:masterClrMapping/>
+  </p:clrMapOvr>
+</p:notes>
+</file>
+
+<file path=ppt/notesSlides/notesSlide5.xml><?xml version="1.0" encoding="utf-8"?>
+<p:notes xmlns:a="http://schemas.openxmlformats.org/drawingml/2006/main" xmlns:r="http://schemas.openxmlformats.org/officeDocument/2006/relationships" xmlns:p="http://schemas.openxmlformats.org/presentationml/2006/main">
+  <p:cSld>
+    <p:spTree>
+      <p:nvGrpSpPr>
+        <p:cNvPr id="1" name=""/>
+        <p:cNvGrpSpPr/>
+        <p:nvPr/>
+      </p:nvGrpSpPr>
+      <p:grpSpPr>
+        <a:xfrm>
+          <a:off x="0" y="0"/>
+          <a:ext cx="0" cy="0"/>
+          <a:chOff x="0" y="0"/>
+          <a:chExt cx="0" cy="0"/>
+        </a:xfrm>
+      </p:grpSpPr>
+      <p:sp>
+        <p:nvSpPr>
+          <p:cNvPr id="5" name="Rectangle 7"/>
+          <p:cNvSpPr>
+            <a:spLocks noGrp="1" noChangeArrowheads="1"/>
+          </p:cNvSpPr>
+          <p:nvPr>
+            <p:ph type="sldNum" sz="quarter" idx="5"/>
+          </p:nvPr>
+        </p:nvSpPr>
+        <p:spPr>
+          <a:ln/>
+        </p:spPr>
+        <p:txBody>
+          <a:bodyPr/>
+          <a:lstStyle/>
+          <a:p>
+            <a:fld id="{0DF56205-2175-4719-A8F4-A98ECF521A31}" type="slidenum">
+              <a:rPr lang="en-US" altLang="en-US"/>
+              <a:pPr/>
+              <a:t>6</a:t>
+            </a:fld>
+            <a:endParaRPr lang="en-US" altLang="en-US"/>
+          </a:p>
+        </p:txBody>
+      </p:sp>
+      <p:sp>
+        <p:nvSpPr>
+          <p:cNvPr id="906242" name="Rectangle 2"/>
+          <p:cNvSpPr>
+            <a:spLocks noGrp="1" noRot="1" noChangeAspect="1" noChangeArrowheads="1" noTextEdit="1"/>
+          </p:cNvSpPr>
+          <p:nvPr>
+            <p:ph type="sldImg"/>
+          </p:nvPr>
+        </p:nvSpPr>
+        <p:spPr>
+          <a:xfrm>
+            <a:off x="-876300" y="354013"/>
+            <a:ext cx="8501063" cy="4783137"/>
+          </a:xfrm>
+          <a:ln/>
+        </p:spPr>
+      </p:sp>
+      <p:sp>
+        <p:nvSpPr>
+          <p:cNvPr id="906243" name="Rectangle 3"/>
+          <p:cNvSpPr>
+            <a:spLocks noGrp="1" noChangeArrowheads="1"/>
+          </p:cNvSpPr>
+          <p:nvPr>
+            <p:ph type="body" idx="1"/>
+          </p:nvPr>
+        </p:nvSpPr>
+        <p:spPr>
+          <a:xfrm>
+            <a:off x="458788" y="5368925"/>
+            <a:ext cx="5835650" cy="244475"/>
+          </a:xfrm>
+        </p:spPr>
+        <p:txBody>
+          <a:bodyPr/>
+          <a:lstStyle/>
+          <a:p>
+            <a:endParaRPr lang="en-GB" altLang="en-US"/>
+          </a:p>
+        </p:txBody>
+      </p:sp>
+      <p:sp>
+        <p:nvSpPr>
+          <p:cNvPr id="906244" name="McK Separator"/>
+          <p:cNvSpPr>
+            <a:spLocks noChangeShapeType="1"/>
+          </p:cNvSpPr>
+          <p:nvPr/>
+        </p:nvSpPr>
+        <p:spPr bwMode="auto">
+          <a:xfrm>
+            <a:off x="1304925" y="2286000"/>
+            <a:ext cx="4835525" cy="0"/>
+          </a:xfrm>
+          <a:prstGeom prst="line">
+            <a:avLst/>
+          </a:prstGeom>
+          <a:noFill/>
+          <a:ln w="9525">
+            <a:solidFill>
+              <a:schemeClr val="tx1"/>
+            </a:solidFill>
+            <a:round/>
+            <a:headEnd/>
+            <a:tailEnd/>
+          </a:ln>
+          <a:effectLst/>
+          <a:extLst>
+            <a:ext uri="{909E8E84-426E-40DD-AFC4-6F175D3DCCD1}">
+              <a14:hiddenFill xmlns:a14="http://schemas.microsoft.com/office/drawing/2010/main">
+                <a:noFill/>
+              </a14:hiddenFill>
+            </a:ext>
+            <a:ext uri="{AF507438-7753-43E0-B8FC-AC1667EBCBE1}">
+              <a14:hiddenEffects xmlns:a14="http://schemas.microsoft.com/office/drawing/2010/main">
+                <a:effectLst>
+                  <a:outerShdw dist="35921" dir="2700000" algn="ctr" rotWithShape="0">
+                    <a:schemeClr val="bg2"/>
+                  </a:outerShdw>
+                </a:effectLst>
+              </a14:hiddenEffects>
+            </a:ext>
+          </a:extLst>
+        </p:spPr>
+        <p:txBody>
+          <a:bodyPr lIns="0" tIns="0" rIns="0" bIns="0" anchor="ctr">
+            <a:spAutoFit/>
+          </a:bodyPr>
+          <a:lstStyle/>
+          <a:p>
+            <a:endParaRPr lang="en-IN"/>
+          </a:p>
+        </p:txBody>
+      </p:sp>
+    </p:spTree>
+    <p:extLst>
+      <p:ext uri="{BB962C8B-B14F-4D97-AF65-F5344CB8AC3E}">
+        <p14:creationId xmlns:p14="http://schemas.microsoft.com/office/powerpoint/2010/main" val="111811417"/>
+      </p:ext>
+    </p:extLst>
+  </p:cSld>
+  <p:clrMapOvr>
+    <a:masterClrMapping/>
+  </p:clrMapOvr>
+</p:notes>
+</file>
+
+<file path=ppt/notesSlides/notesSlide6.xml><?xml version="1.0" encoding="utf-8"?>
+<p:notes xmlns:a="http://schemas.openxmlformats.org/drawingml/2006/main" xmlns:r="http://schemas.openxmlformats.org/officeDocument/2006/relationships" xmlns:p="http://schemas.openxmlformats.org/presentationml/2006/main">
+  <p:cSld>
+    <p:spTree>
+      <p:nvGrpSpPr>
+        <p:cNvPr id="1" name=""/>
+        <p:cNvGrpSpPr/>
+        <p:nvPr/>
+      </p:nvGrpSpPr>
+      <p:grpSpPr>
+        <a:xfrm>
+          <a:off x="0" y="0"/>
+          <a:ext cx="0" cy="0"/>
+          <a:chOff x="0" y="0"/>
+          <a:chExt cx="0" cy="0"/>
+        </a:xfrm>
+      </p:grpSpPr>
+      <p:sp>
+        <p:nvSpPr>
+          <p:cNvPr id="5" name="Rectangle 7"/>
+          <p:cNvSpPr>
+            <a:spLocks noGrp="1" noChangeArrowheads="1"/>
+          </p:cNvSpPr>
+          <p:nvPr>
+            <p:ph type="sldNum" sz="quarter" idx="5"/>
+          </p:nvPr>
+        </p:nvSpPr>
+        <p:spPr>
+          <a:ln/>
+        </p:spPr>
+        <p:txBody>
+          <a:bodyPr/>
+          <a:lstStyle/>
+          <a:p>
+            <a:fld id="{0DF56205-2175-4719-A8F4-A98ECF521A31}" type="slidenum">
+              <a:rPr lang="en-US" altLang="en-US"/>
+              <a:pPr/>
+              <a:t>7</a:t>
+            </a:fld>
+            <a:endParaRPr lang="en-US" altLang="en-US"/>
+          </a:p>
+        </p:txBody>
+      </p:sp>
+      <p:sp>
+        <p:nvSpPr>
+          <p:cNvPr id="906242" name="Rectangle 2"/>
+          <p:cNvSpPr>
+            <a:spLocks noGrp="1" noRot="1" noChangeAspect="1" noChangeArrowheads="1" noTextEdit="1"/>
+          </p:cNvSpPr>
+          <p:nvPr>
+            <p:ph type="sldImg"/>
+          </p:nvPr>
+        </p:nvSpPr>
+        <p:spPr>
+          <a:xfrm>
+            <a:off x="-876300" y="354013"/>
+            <a:ext cx="8501063" cy="4783137"/>
+          </a:xfrm>
+          <a:ln/>
+        </p:spPr>
+      </p:sp>
+      <p:sp>
+        <p:nvSpPr>
+          <p:cNvPr id="906243" name="Rectangle 3"/>
+          <p:cNvSpPr>
+            <a:spLocks noGrp="1" noChangeArrowheads="1"/>
+          </p:cNvSpPr>
+          <p:nvPr>
+            <p:ph type="body" idx="1"/>
+          </p:nvPr>
+        </p:nvSpPr>
+        <p:spPr>
+          <a:xfrm>
+            <a:off x="458788" y="5368925"/>
+            <a:ext cx="5835650" cy="244475"/>
+          </a:xfrm>
+        </p:spPr>
+        <p:txBody>
+          <a:bodyPr/>
+          <a:lstStyle/>
+          <a:p>
+            <a:endParaRPr lang="en-GB" altLang="en-US"/>
+          </a:p>
+        </p:txBody>
+      </p:sp>
+      <p:sp>
+        <p:nvSpPr>
+          <p:cNvPr id="906244" name="McK Separator"/>
+          <p:cNvSpPr>
+            <a:spLocks noChangeShapeType="1"/>
+          </p:cNvSpPr>
+          <p:nvPr/>
+        </p:nvSpPr>
+        <p:spPr bwMode="auto">
+          <a:xfrm>
+            <a:off x="1304925" y="2286000"/>
+            <a:ext cx="4835525" cy="0"/>
+          </a:xfrm>
+          <a:prstGeom prst="line">
+            <a:avLst/>
+          </a:prstGeom>
+          <a:noFill/>
+          <a:ln w="9525">
+            <a:solidFill>
+              <a:schemeClr val="tx1"/>
+            </a:solidFill>
+            <a:round/>
+            <a:headEnd/>
+            <a:tailEnd/>
+          </a:ln>
+          <a:effectLst/>
+          <a:extLst>
+            <a:ext uri="{909E8E84-426E-40DD-AFC4-6F175D3DCCD1}">
+              <a14:hiddenFill xmlns:a14="http://schemas.microsoft.com/office/drawing/2010/main">
+                <a:noFill/>
+              </a14:hiddenFill>
+            </a:ext>
+            <a:ext uri="{AF507438-7753-43E0-B8FC-AC1667EBCBE1}">
+              <a14:hiddenEffects xmlns:a14="http://schemas.microsoft.com/office/drawing/2010/main">
+                <a:effectLst>
+                  <a:outerShdw dist="35921" dir="2700000" algn="ctr" rotWithShape="0">
+                    <a:schemeClr val="bg2"/>
+                  </a:outerShdw>
+                </a:effectLst>
+              </a14:hiddenEffects>
+            </a:ext>
+          </a:extLst>
+        </p:spPr>
+        <p:txBody>
+          <a:bodyPr lIns="0" tIns="0" rIns="0" bIns="0" anchor="ctr">
+            <a:spAutoFit/>
+          </a:bodyPr>
+          <a:lstStyle/>
+          <a:p>
+            <a:endParaRPr lang="en-IN"/>
+          </a:p>
+        </p:txBody>
+      </p:sp>
+    </p:spTree>
+    <p:extLst>
+      <p:ext uri="{BB962C8B-B14F-4D97-AF65-F5344CB8AC3E}">
+        <p14:creationId xmlns:p14="http://schemas.microsoft.com/office/powerpoint/2010/main" val="1612098546"/>
+      </p:ext>
+    </p:extLst>
+  </p:cSld>
+  <p:clrMapOvr>
+    <a:masterClrMapping/>
+  </p:clrMapOvr>
+</p:notes>
+</file>
+
+<file path=ppt/notesSlides/notesSlide7.xml><?xml version="1.0" encoding="utf-8"?>
+<p:notes xmlns:a="http://schemas.openxmlformats.org/drawingml/2006/main" xmlns:r="http://schemas.openxmlformats.org/officeDocument/2006/relationships" xmlns:p="http://schemas.openxmlformats.org/presentationml/2006/main">
+  <p:cSld>
+    <p:spTree>
+      <p:nvGrpSpPr>
+        <p:cNvPr id="1" name=""/>
+        <p:cNvGrpSpPr/>
+        <p:nvPr/>
+      </p:nvGrpSpPr>
+      <p:grpSpPr>
+        <a:xfrm>
+          <a:off x="0" y="0"/>
+          <a:ext cx="0" cy="0"/>
+          <a:chOff x="0" y="0"/>
+          <a:chExt cx="0" cy="0"/>
+        </a:xfrm>
+      </p:grpSpPr>
+      <p:sp>
+        <p:nvSpPr>
+          <p:cNvPr id="5" name="Rectangle 7"/>
+          <p:cNvSpPr>
+            <a:spLocks noGrp="1" noChangeArrowheads="1"/>
+          </p:cNvSpPr>
+          <p:nvPr>
+            <p:ph type="sldNum" sz="quarter" idx="5"/>
+          </p:nvPr>
+        </p:nvSpPr>
+        <p:spPr>
+          <a:ln/>
+        </p:spPr>
+        <p:txBody>
+          <a:bodyPr/>
+          <a:lstStyle/>
+          <a:p>
+            <a:fld id="{0DF56205-2175-4719-A8F4-A98ECF521A31}" type="slidenum">
+              <a:rPr lang="en-US" altLang="en-US"/>
+              <a:pPr/>
+              <a:t>8</a:t>
+            </a:fld>
+            <a:endParaRPr lang="en-US" altLang="en-US"/>
+          </a:p>
+        </p:txBody>
+      </p:sp>
+      <p:sp>
+        <p:nvSpPr>
+          <p:cNvPr id="906242" name="Rectangle 2"/>
+          <p:cNvSpPr>
+            <a:spLocks noGrp="1" noRot="1" noChangeAspect="1" noChangeArrowheads="1" noTextEdit="1"/>
+          </p:cNvSpPr>
+          <p:nvPr>
+            <p:ph type="sldImg"/>
+          </p:nvPr>
+        </p:nvSpPr>
+        <p:spPr>
+          <a:xfrm>
+            <a:off x="-876300" y="354013"/>
+            <a:ext cx="8501063" cy="4783137"/>
+          </a:xfrm>
+          <a:ln/>
+        </p:spPr>
+      </p:sp>
+      <p:sp>
+        <p:nvSpPr>
+          <p:cNvPr id="906243" name="Rectangle 3"/>
+          <p:cNvSpPr>
+            <a:spLocks noGrp="1" noChangeArrowheads="1"/>
+          </p:cNvSpPr>
+          <p:nvPr>
+            <p:ph type="body" idx="1"/>
+          </p:nvPr>
+        </p:nvSpPr>
+        <p:spPr>
+          <a:xfrm>
+            <a:off x="458788" y="5368925"/>
+            <a:ext cx="5835650" cy="244475"/>
+          </a:xfrm>
+        </p:spPr>
+        <p:txBody>
+          <a:bodyPr/>
+          <a:lstStyle/>
+          <a:p>
+            <a:endParaRPr lang="en-GB" altLang="en-US"/>
+          </a:p>
+        </p:txBody>
+      </p:sp>
+      <p:sp>
+        <p:nvSpPr>
+          <p:cNvPr id="906244" name="McK Separator"/>
+          <p:cNvSpPr>
+            <a:spLocks noChangeShapeType="1"/>
+          </p:cNvSpPr>
+          <p:nvPr/>
+        </p:nvSpPr>
+        <p:spPr bwMode="auto">
+          <a:xfrm>
+            <a:off x="1304925" y="2286000"/>
+            <a:ext cx="4835525" cy="0"/>
+          </a:xfrm>
+          <a:prstGeom prst="line">
+            <a:avLst/>
+          </a:prstGeom>
+          <a:noFill/>
+          <a:ln w="9525">
+            <a:solidFill>
+              <a:schemeClr val="tx1"/>
+            </a:solidFill>
+            <a:round/>
+            <a:headEnd/>
+            <a:tailEnd/>
+          </a:ln>
+          <a:effectLst/>
+          <a:extLst>
+            <a:ext uri="{909E8E84-426E-40DD-AFC4-6F175D3DCCD1}">
+              <a14:hiddenFill xmlns:a14="http://schemas.microsoft.com/office/drawing/2010/main">
+                <a:noFill/>
+              </a14:hiddenFill>
+            </a:ext>
+            <a:ext uri="{AF507438-7753-43E0-B8FC-AC1667EBCBE1}">
+              <a14:hiddenEffects xmlns:a14="http://schemas.microsoft.com/office/drawing/2010/main">
+                <a:effectLst>
+                  <a:outerShdw dist="35921" dir="2700000" algn="ctr" rotWithShape="0">
+                    <a:schemeClr val="bg2"/>
+                  </a:outerShdw>
+                </a:effectLst>
+              </a14:hiddenEffects>
+            </a:ext>
+          </a:extLst>
+        </p:spPr>
+        <p:txBody>
+          <a:bodyPr lIns="0" tIns="0" rIns="0" bIns="0" anchor="ctr">
+            <a:spAutoFit/>
+          </a:bodyPr>
+          <a:lstStyle/>
+          <a:p>
+            <a:endParaRPr lang="en-IN"/>
+          </a:p>
+        </p:txBody>
+      </p:sp>
+    </p:spTree>
+    <p:extLst>
+      <p:ext uri="{BB962C8B-B14F-4D97-AF65-F5344CB8AC3E}">
+        <p14:creationId xmlns:p14="http://schemas.microsoft.com/office/powerpoint/2010/main" val="316116774"/>
+      </p:ext>
+    </p:extLst>
+  </p:cSld>
+  <p:clrMapOvr>
+    <a:masterClrMapping/>
+  </p:clrMapOvr>
+</p:notes>
+</file>
+
+<file path=ppt/notesSlides/notesSlide8.xml><?xml version="1.0" encoding="utf-8"?>
+<p:notes xmlns:a="http://schemas.openxmlformats.org/drawingml/2006/main" xmlns:r="http://schemas.openxmlformats.org/officeDocument/2006/relationships" xmlns:p="http://schemas.openxmlformats.org/presentationml/2006/main">
+  <p:cSld>
+    <p:spTree>
+      <p:nvGrpSpPr>
+        <p:cNvPr id="1" name=""/>
+        <p:cNvGrpSpPr/>
+        <p:nvPr/>
+      </p:nvGrpSpPr>
+      <p:grpSpPr>
+        <a:xfrm>
+          <a:off x="0" y="0"/>
+          <a:ext cx="0" cy="0"/>
+          <a:chOff x="0" y="0"/>
+          <a:chExt cx="0" cy="0"/>
+        </a:xfrm>
+      </p:grpSpPr>
+      <p:sp>
+        <p:nvSpPr>
+          <p:cNvPr id="5" name="Rectangle 7"/>
+          <p:cNvSpPr>
+            <a:spLocks noGrp="1" noChangeArrowheads="1"/>
+          </p:cNvSpPr>
+          <p:nvPr>
+            <p:ph type="sldNum" sz="quarter" idx="5"/>
+          </p:nvPr>
+        </p:nvSpPr>
+        <p:spPr>
+          <a:ln/>
+        </p:spPr>
+        <p:txBody>
+          <a:bodyPr/>
+          <a:lstStyle/>
+          <a:p>
+            <a:fld id="{0DF56205-2175-4719-A8F4-A98ECF521A31}" type="slidenum">
+              <a:rPr lang="en-US" altLang="en-US"/>
+              <a:pPr/>
+              <a:t>9</a:t>
+            </a:fld>
+            <a:endParaRPr lang="en-US" altLang="en-US"/>
+          </a:p>
+        </p:txBody>
+      </p:sp>
+      <p:sp>
+        <p:nvSpPr>
+          <p:cNvPr id="906242" name="Rectangle 2"/>
+          <p:cNvSpPr>
+            <a:spLocks noGrp="1" noRot="1" noChangeAspect="1" noChangeArrowheads="1" noTextEdit="1"/>
+          </p:cNvSpPr>
+          <p:nvPr>
+            <p:ph type="sldImg"/>
+          </p:nvPr>
+        </p:nvSpPr>
+        <p:spPr>
+          <a:xfrm>
+            <a:off x="-876300" y="354013"/>
+            <a:ext cx="8501063" cy="4783137"/>
+          </a:xfrm>
+          <a:ln/>
+        </p:spPr>
+      </p:sp>
+      <p:sp>
+        <p:nvSpPr>
+          <p:cNvPr id="906243" name="Rectangle 3"/>
+          <p:cNvSpPr>
+            <a:spLocks noGrp="1" noChangeArrowheads="1"/>
+          </p:cNvSpPr>
+          <p:nvPr>
+            <p:ph type="body" idx="1"/>
+          </p:nvPr>
+        </p:nvSpPr>
+        <p:spPr>
+          <a:xfrm>
+            <a:off x="458788" y="5368925"/>
+            <a:ext cx="5835650" cy="244475"/>
+          </a:xfrm>
+        </p:spPr>
+        <p:txBody>
+          <a:bodyPr/>
+          <a:lstStyle/>
+          <a:p>
+            <a:endParaRPr lang="en-GB" altLang="en-US"/>
+          </a:p>
+        </p:txBody>
+      </p:sp>
+      <p:sp>
+        <p:nvSpPr>
+          <p:cNvPr id="906244" name="McK Separator"/>
+          <p:cNvSpPr>
+            <a:spLocks noChangeShapeType="1"/>
+          </p:cNvSpPr>
+          <p:nvPr/>
+        </p:nvSpPr>
+        <p:spPr bwMode="auto">
+          <a:xfrm>
+            <a:off x="1304925" y="2286000"/>
+            <a:ext cx="4835525" cy="0"/>
+          </a:xfrm>
+          <a:prstGeom prst="line">
+            <a:avLst/>
+          </a:prstGeom>
+          <a:noFill/>
+          <a:ln w="9525">
+            <a:solidFill>
+              <a:schemeClr val="tx1"/>
+            </a:solidFill>
+            <a:round/>
+            <a:headEnd/>
+            <a:tailEnd/>
+          </a:ln>
+          <a:effectLst/>
+          <a:extLst>
+            <a:ext uri="{909E8E84-426E-40DD-AFC4-6F175D3DCCD1}">
+              <a14:hiddenFill xmlns:a14="http://schemas.microsoft.com/office/drawing/2010/main">
+                <a:noFill/>
+              </a14:hiddenFill>
+            </a:ext>
+            <a:ext uri="{AF507438-7753-43E0-B8FC-AC1667EBCBE1}">
+              <a14:hiddenEffects xmlns:a14="http://schemas.microsoft.com/office/drawing/2010/main">
+                <a:effectLst>
+                  <a:outerShdw dist="35921" dir="2700000" algn="ctr" rotWithShape="0">
+                    <a:schemeClr val="bg2"/>
+                  </a:outerShdw>
+                </a:effectLst>
+              </a14:hiddenEffects>
+            </a:ext>
+          </a:extLst>
+        </p:spPr>
+        <p:txBody>
+          <a:bodyPr lIns="0" tIns="0" rIns="0" bIns="0" anchor="ctr">
+            <a:spAutoFit/>
+          </a:bodyPr>
+          <a:lstStyle/>
+          <a:p>
+            <a:endParaRPr lang="en-IN"/>
+          </a:p>
+        </p:txBody>
+      </p:sp>
+    </p:spTree>
+    <p:extLst>
+      <p:ext uri="{BB962C8B-B14F-4D97-AF65-F5344CB8AC3E}">
+        <p14:creationId xmlns:p14="http://schemas.microsoft.com/office/powerpoint/2010/main" val="82091804"/>
+      </p:ext>
+    </p:extLst>
+  </p:cSld>
+  <p:clrMapOvr>
+    <a:masterClrMapping/>
+  </p:clrMapOvr>
+</p:notes>
+</file>
+
+<file path=ppt/notesSlides/notesSlide9.xml><?xml version="1.0" encoding="utf-8"?>
+<p:notes xmlns:a="http://schemas.openxmlformats.org/drawingml/2006/main" xmlns:r="http://schemas.openxmlformats.org/officeDocument/2006/relationships" xmlns:p="http://schemas.openxmlformats.org/presentationml/2006/main">
+  <p:cSld>
+    <p:spTree>
+      <p:nvGrpSpPr>
+        <p:cNvPr id="1" name=""/>
+        <p:cNvGrpSpPr/>
+        <p:nvPr/>
+      </p:nvGrpSpPr>
+      <p:grpSpPr>
+        <a:xfrm>
+          <a:off x="0" y="0"/>
+          <a:ext cx="0" cy="0"/>
+          <a:chOff x="0" y="0"/>
+          <a:chExt cx="0" cy="0"/>
+        </a:xfrm>
+      </p:grpSpPr>
+      <p:sp>
+        <p:nvSpPr>
+          <p:cNvPr id="5" name="Rectangle 7"/>
+          <p:cNvSpPr>
+            <a:spLocks noGrp="1" noChangeArrowheads="1"/>
+          </p:cNvSpPr>
+          <p:nvPr>
+            <p:ph type="sldNum" sz="quarter" idx="5"/>
+          </p:nvPr>
+        </p:nvSpPr>
+        <p:spPr>
+          <a:ln/>
+        </p:spPr>
+        <p:txBody>
+          <a:bodyPr/>
+          <a:lstStyle/>
+          <a:p>
+            <a:fld id="{0DF56205-2175-4719-A8F4-A98ECF521A31}" type="slidenum">
+              <a:rPr lang="en-US" altLang="en-US"/>
+              <a:pPr/>
+              <a:t>10</a:t>
+            </a:fld>
+            <a:endParaRPr lang="en-US" altLang="en-US"/>
+          </a:p>
+        </p:txBody>
+      </p:sp>
+      <p:sp>
+        <p:nvSpPr>
+          <p:cNvPr id="906242" name="Rectangle 2"/>
+          <p:cNvSpPr>
+            <a:spLocks noGrp="1" noRot="1" noChangeAspect="1" noChangeArrowheads="1" noTextEdit="1"/>
+          </p:cNvSpPr>
+          <p:nvPr>
+            <p:ph type="sldImg"/>
+          </p:nvPr>
+        </p:nvSpPr>
+        <p:spPr>
+          <a:xfrm>
+            <a:off x="-876300" y="354013"/>
+            <a:ext cx="8501063" cy="4783137"/>
+          </a:xfrm>
+          <a:ln/>
+        </p:spPr>
+      </p:sp>
+      <p:sp>
+        <p:nvSpPr>
+          <p:cNvPr id="906243" name="Rectangle 3"/>
+          <p:cNvSpPr>
+            <a:spLocks noGrp="1" noChangeArrowheads="1"/>
+          </p:cNvSpPr>
+          <p:nvPr>
+            <p:ph type="body" idx="1"/>
+          </p:nvPr>
+        </p:nvSpPr>
+        <p:spPr>
+          <a:xfrm>
+            <a:off x="458788" y="5368925"/>
+            <a:ext cx="5835650" cy="244475"/>
+          </a:xfrm>
+        </p:spPr>
+        <p:txBody>
+          <a:bodyPr/>
+          <a:lstStyle/>
+          <a:p>
+            <a:endParaRPr lang="en-GB" altLang="en-US"/>
+          </a:p>
+        </p:txBody>
+      </p:sp>
+      <p:sp>
+        <p:nvSpPr>
+          <p:cNvPr id="906244" name="McK Separator"/>
+          <p:cNvSpPr>
+            <a:spLocks noChangeShapeType="1"/>
+          </p:cNvSpPr>
+          <p:nvPr/>
+        </p:nvSpPr>
+        <p:spPr bwMode="auto">
+          <a:xfrm>
+            <a:off x="1304925" y="2286000"/>
+            <a:ext cx="4835525" cy="0"/>
+          </a:xfrm>
+          <a:prstGeom prst="line">
+            <a:avLst/>
+          </a:prstGeom>
+          <a:noFill/>
+          <a:ln w="9525">
+            <a:solidFill>
+              <a:schemeClr val="tx1"/>
+            </a:solidFill>
+            <a:round/>
+            <a:headEnd/>
+            <a:tailEnd/>
+          </a:ln>
+          <a:effectLst/>
+          <a:extLst>
+            <a:ext uri="{909E8E84-426E-40DD-AFC4-6F175D3DCCD1}">
+              <a14:hiddenFill xmlns:a14="http://schemas.microsoft.com/office/drawing/2010/main">
+                <a:noFill/>
+              </a14:hiddenFill>
+            </a:ext>
+            <a:ext uri="{AF507438-7753-43E0-B8FC-AC1667EBCBE1}">
+              <a14:hiddenEffects xmlns:a14="http://schemas.microsoft.com/office/drawing/2010/main">
+                <a:effectLst>
+                  <a:outerShdw dist="35921" dir="2700000" algn="ctr" rotWithShape="0">
+                    <a:schemeClr val="bg2"/>
+                  </a:outerShdw>
+                </a:effectLst>
+              </a14:hiddenEffects>
+            </a:ext>
+          </a:extLst>
+        </p:spPr>
+        <p:txBody>
+          <a:bodyPr lIns="0" tIns="0" rIns="0" bIns="0" anchor="ctr">
+            <a:spAutoFit/>
+          </a:bodyPr>
+          <a:lstStyle/>
+          <a:p>
+            <a:endParaRPr lang="en-IN"/>
+          </a:p>
+        </p:txBody>
+      </p:sp>
+    </p:spTree>
+    <p:extLst>
+      <p:ext uri="{BB962C8B-B14F-4D97-AF65-F5344CB8AC3E}">
+        <p14:creationId xmlns:p14="http://schemas.microsoft.com/office/powerpoint/2010/main" val="1203219755"/>
+      </p:ext>
+    </p:extLst>
+  </p:cSld>
+  <p:clrMapOvr>
+    <a:masterClrMapping/>
+  </p:clrMapOvr>
+</p:notes>
+</file>
+
 <file path=ppt/slideLayouts/slideLayout1.xml><?xml version="1.0" encoding="utf-8"?>
 <p:sldLayout xmlns:a="http://schemas.openxmlformats.org/drawingml/2006/main" xmlns:r="http://schemas.openxmlformats.org/officeDocument/2006/relationships" xmlns:p="http://schemas.openxmlformats.org/presentationml/2006/main" type="title" preserve="1">
   <p:cSld name="Title Slide">
@@ -748,7 +2116,7 @@
           <a:p>
             <a:fld id="{5B0D47CB-C3B0-4F45-8310-0DEF145AFD58}" type="datetimeFigureOut">
               <a:rPr lang="en-IN" smtClean="0"/>
-              <a:t>17-02-2017</a:t>
+              <a:t>17/02/17</a:t>
             </a:fld>
             <a:endParaRPr lang="en-IN"/>
           </a:p>
@@ -918,7 +2286,7 @@
           <a:p>
             <a:fld id="{5B0D47CB-C3B0-4F45-8310-0DEF145AFD58}" type="datetimeFigureOut">
               <a:rPr lang="en-IN" smtClean="0"/>
-              <a:t>17-02-2017</a:t>
+              <a:t>17/02/17</a:t>
             </a:fld>
             <a:endParaRPr lang="en-IN"/>
           </a:p>
@@ -1098,7 +2466,7 @@
           <a:p>
             <a:fld id="{5B0D47CB-C3B0-4F45-8310-0DEF145AFD58}" type="datetimeFigureOut">
               <a:rPr lang="en-IN" smtClean="0"/>
-              <a:t>17-02-2017</a:t>
+              <a:t>17/02/17</a:t>
             </a:fld>
             <a:endParaRPr lang="en-IN"/>
           </a:p>
@@ -1268,7 +2636,7 @@
           <a:p>
             <a:fld id="{5B0D47CB-C3B0-4F45-8310-0DEF145AFD58}" type="datetimeFigureOut">
               <a:rPr lang="en-IN" smtClean="0"/>
-              <a:t>17-02-2017</a:t>
+              <a:t>17/02/17</a:t>
             </a:fld>
             <a:endParaRPr lang="en-IN"/>
           </a:p>
@@ -1514,7 +2882,7 @@
           <a:p>
             <a:fld id="{5B0D47CB-C3B0-4F45-8310-0DEF145AFD58}" type="datetimeFigureOut">
               <a:rPr lang="en-IN" smtClean="0"/>
-              <a:t>17-02-2017</a:t>
+              <a:t>17/02/17</a:t>
             </a:fld>
             <a:endParaRPr lang="en-IN"/>
           </a:p>
@@ -1746,7 +3114,7 @@
           <a:p>
             <a:fld id="{5B0D47CB-C3B0-4F45-8310-0DEF145AFD58}" type="datetimeFigureOut">
               <a:rPr lang="en-IN" smtClean="0"/>
-              <a:t>17-02-2017</a:t>
+              <a:t>17/02/17</a:t>
             </a:fld>
             <a:endParaRPr lang="en-IN"/>
           </a:p>
@@ -2113,7 +3481,7 @@
           <a:p>
             <a:fld id="{5B0D47CB-C3B0-4F45-8310-0DEF145AFD58}" type="datetimeFigureOut">
               <a:rPr lang="en-IN" smtClean="0"/>
-              <a:t>17-02-2017</a:t>
+              <a:t>17/02/17</a:t>
             </a:fld>
             <a:endParaRPr lang="en-IN"/>
           </a:p>
@@ -2231,7 +3599,7 @@
           <a:p>
             <a:fld id="{5B0D47CB-C3B0-4F45-8310-0DEF145AFD58}" type="datetimeFigureOut">
               <a:rPr lang="en-IN" smtClean="0"/>
-              <a:t>17-02-2017</a:t>
+              <a:t>17/02/17</a:t>
             </a:fld>
             <a:endParaRPr lang="en-IN"/>
           </a:p>
@@ -2326,7 +3694,7 @@
           <a:p>
             <a:fld id="{5B0D47CB-C3B0-4F45-8310-0DEF145AFD58}" type="datetimeFigureOut">
               <a:rPr lang="en-IN" smtClean="0"/>
-              <a:t>17-02-2017</a:t>
+              <a:t>17/02/17</a:t>
             </a:fld>
             <a:endParaRPr lang="en-IN"/>
           </a:p>
@@ -2603,7 +3971,7 @@
           <a:p>
             <a:fld id="{5B0D47CB-C3B0-4F45-8310-0DEF145AFD58}" type="datetimeFigureOut">
               <a:rPr lang="en-IN" smtClean="0"/>
-              <a:t>17-02-2017</a:t>
+              <a:t>17/02/17</a:t>
             </a:fld>
             <a:endParaRPr lang="en-IN"/>
           </a:p>
@@ -2856,7 +4224,7 @@
           <a:p>
             <a:fld id="{5B0D47CB-C3B0-4F45-8310-0DEF145AFD58}" type="datetimeFigureOut">
               <a:rPr lang="en-IN" smtClean="0"/>
-              <a:t>17-02-2017</a:t>
+              <a:t>17/02/17</a:t>
             </a:fld>
             <a:endParaRPr lang="en-IN"/>
           </a:p>
@@ -3069,7 +4437,7 @@
           <a:p>
             <a:fld id="{5B0D47CB-C3B0-4F45-8310-0DEF145AFD58}" type="datetimeFigureOut">
               <a:rPr lang="en-IN" smtClean="0"/>
-              <a:t>17-02-2017</a:t>
+              <a:t>17/02/17</a:t>
             </a:fld>
             <a:endParaRPr lang="en-IN"/>
           </a:p>
@@ -3534,6 +4902,1328 @@
 </p:sld>
 </file>
 
+<file path=ppt/slides/slide10.xml><?xml version="1.0" encoding="utf-8"?>
+<p:sld xmlns:a="http://schemas.openxmlformats.org/drawingml/2006/main" xmlns:r="http://schemas.openxmlformats.org/officeDocument/2006/relationships" xmlns:p="http://schemas.openxmlformats.org/presentationml/2006/main">
+  <p:cSld>
+    <p:spTree>
+      <p:nvGrpSpPr>
+        <p:cNvPr id="1" name=""/>
+        <p:cNvGrpSpPr/>
+        <p:nvPr/>
+      </p:nvGrpSpPr>
+      <p:grpSpPr>
+        <a:xfrm>
+          <a:off x="0" y="0"/>
+          <a:ext cx="0" cy="0"/>
+          <a:chOff x="0" y="0"/>
+          <a:chExt cx="0" cy="0"/>
+        </a:xfrm>
+      </p:grpSpPr>
+      <p:cxnSp>
+        <p:nvCxnSpPr>
+          <p:cNvPr id="5" name="Straight Connector 4"/>
+          <p:cNvCxnSpPr/>
+          <p:nvPr/>
+        </p:nvCxnSpPr>
+        <p:spPr>
+          <a:xfrm>
+            <a:off x="6646027" y="1061504"/>
+            <a:ext cx="0" cy="5254388"/>
+          </a:xfrm>
+          <a:prstGeom prst="line">
+            <a:avLst/>
+          </a:prstGeom>
+          <a:ln>
+            <a:solidFill>
+              <a:schemeClr val="tx1"/>
+            </a:solidFill>
+            <a:prstDash val="dash"/>
+          </a:ln>
+        </p:spPr>
+        <p:style>
+          <a:lnRef idx="1">
+            <a:schemeClr val="accent1"/>
+          </a:lnRef>
+          <a:fillRef idx="0">
+            <a:schemeClr val="accent1"/>
+          </a:fillRef>
+          <a:effectRef idx="0">
+            <a:schemeClr val="accent1"/>
+          </a:effectRef>
+          <a:fontRef idx="minor">
+            <a:schemeClr val="tx1"/>
+          </a:fontRef>
+        </p:style>
+      </p:cxnSp>
+      <p:sp>
+        <p:nvSpPr>
+          <p:cNvPr id="33" name="Rectangle 2"/>
+          <p:cNvSpPr txBox="1">
+            <a:spLocks noChangeArrowheads="1"/>
+          </p:cNvSpPr>
+          <p:nvPr>
+            <p:custDataLst>
+              <p:tags r:id="rId1"/>
+            </p:custDataLst>
+          </p:nvPr>
+        </p:nvSpPr>
+        <p:spPr bwMode="gray">
+          <a:xfrm>
+            <a:off x="571924" y="796414"/>
+            <a:ext cx="3986428" cy="400960"/>
+          </a:xfrm>
+          <a:prstGeom prst="rect">
+            <a:avLst/>
+          </a:prstGeom>
+        </p:spPr>
+        <p:style>
+          <a:lnRef idx="2">
+            <a:schemeClr val="dk1"/>
+          </a:lnRef>
+          <a:fillRef idx="1">
+            <a:schemeClr val="lt1"/>
+          </a:fillRef>
+          <a:effectRef idx="0">
+            <a:schemeClr val="dk1"/>
+          </a:effectRef>
+          <a:fontRef idx="minor">
+            <a:schemeClr val="dk1"/>
+          </a:fontRef>
+        </p:style>
+        <p:txBody>
+          <a:bodyPr vert="horz" lIns="91440" tIns="45720" rIns="91440" bIns="45720" rtlCol="0" anchor="ctr">
+            <a:noAutofit/>
+          </a:bodyPr>
+          <a:lstStyle>
+            <a:lvl1pPr algn="l" defTabSz="914400" rtl="0" eaLnBrk="1" latinLnBrk="0" hangingPunct="1">
+              <a:lnSpc>
+                <a:spcPct val="90000"/>
+              </a:lnSpc>
+              <a:spcBef>
+                <a:spcPct val="0"/>
+              </a:spcBef>
+              <a:buNone/>
+              <a:defRPr sz="4400" kern="1200">
+                <a:solidFill>
+                  <a:schemeClr val="tx1"/>
+                </a:solidFill>
+                <a:latin typeface="+mj-lt"/>
+                <a:ea typeface="+mj-ea"/>
+                <a:cs typeface="+mj-cs"/>
+              </a:defRPr>
+            </a:lvl1pPr>
+          </a:lstStyle>
+          <a:p>
+            <a:pPr algn="ctr"/>
+            <a:r>
+              <a:rPr lang="en-US" altLang="zh-CN" sz="1800" b="1" dirty="0" smtClean="0">
+                <a:latin typeface="Arial Narrow" panose="020B0606020202030204" pitchFamily="34" charset="0"/>
+              </a:rPr>
+              <a:t>Chronological</a:t>
+            </a:r>
+            <a:r>
+              <a:rPr lang="zh-CN" altLang="en-US" sz="1800" b="1" dirty="0" smtClean="0">
+                <a:latin typeface="Arial Narrow" panose="020B0606020202030204" pitchFamily="34" charset="0"/>
+              </a:rPr>
+              <a:t> </a:t>
+            </a:r>
+            <a:r>
+              <a:rPr lang="en-US" altLang="zh-CN" sz="1800" b="1" dirty="0" smtClean="0">
+                <a:latin typeface="Arial Narrow" panose="020B0606020202030204" pitchFamily="34" charset="0"/>
+              </a:rPr>
+              <a:t>distribution</a:t>
+            </a:r>
+            <a:r>
+              <a:rPr lang="zh-CN" altLang="en-US" sz="1800" b="1" dirty="0" smtClean="0">
+                <a:latin typeface="Arial Narrow" panose="020B0606020202030204" pitchFamily="34" charset="0"/>
+              </a:rPr>
+              <a:t> </a:t>
+            </a:r>
+            <a:endParaRPr lang="en-US" altLang="en-US" sz="1800" b="1" dirty="0">
+              <a:latin typeface="Arial Narrow" panose="020B0606020202030204" pitchFamily="34" charset="0"/>
+            </a:endParaRPr>
+          </a:p>
+        </p:txBody>
+      </p:sp>
+      <p:sp>
+        <p:nvSpPr>
+          <p:cNvPr id="6" name="Oval 5"/>
+          <p:cNvSpPr/>
+          <p:nvPr/>
+        </p:nvSpPr>
+        <p:spPr>
+          <a:xfrm>
+            <a:off x="373646" y="584452"/>
+            <a:ext cx="367561" cy="367561"/>
+          </a:xfrm>
+          <a:prstGeom prst="ellipse">
+            <a:avLst/>
+          </a:prstGeom>
+        </p:spPr>
+        <p:style>
+          <a:lnRef idx="2">
+            <a:schemeClr val="accent1">
+              <a:shade val="50000"/>
+            </a:schemeClr>
+          </a:lnRef>
+          <a:fillRef idx="1">
+            <a:schemeClr val="accent1"/>
+          </a:fillRef>
+          <a:effectRef idx="0">
+            <a:schemeClr val="accent1"/>
+          </a:effectRef>
+          <a:fontRef idx="minor">
+            <a:schemeClr val="lt1"/>
+          </a:fontRef>
+        </p:style>
+        <p:txBody>
+          <a:bodyPr rtlCol="0" anchor="ctr"/>
+          <a:lstStyle/>
+          <a:p>
+            <a:pPr algn="ctr"/>
+            <a:r>
+              <a:rPr lang="en-US" altLang="zh-CN" smtClean="0"/>
+              <a:t>1</a:t>
+            </a:r>
+            <a:endParaRPr lang="en-US"/>
+          </a:p>
+        </p:txBody>
+      </p:sp>
+      <p:sp>
+        <p:nvSpPr>
+          <p:cNvPr id="35" name="Rectangle 2"/>
+          <p:cNvSpPr txBox="1">
+            <a:spLocks noChangeArrowheads="1"/>
+          </p:cNvSpPr>
+          <p:nvPr>
+            <p:custDataLst>
+              <p:tags r:id="rId2"/>
+            </p:custDataLst>
+          </p:nvPr>
+        </p:nvSpPr>
+        <p:spPr bwMode="gray">
+          <a:xfrm>
+            <a:off x="6829808" y="796414"/>
+            <a:ext cx="2832295" cy="400960"/>
+          </a:xfrm>
+          <a:prstGeom prst="rect">
+            <a:avLst/>
+          </a:prstGeom>
+        </p:spPr>
+        <p:style>
+          <a:lnRef idx="2">
+            <a:schemeClr val="dk1"/>
+          </a:lnRef>
+          <a:fillRef idx="1">
+            <a:schemeClr val="lt1"/>
+          </a:fillRef>
+          <a:effectRef idx="0">
+            <a:schemeClr val="dk1"/>
+          </a:effectRef>
+          <a:fontRef idx="minor">
+            <a:schemeClr val="dk1"/>
+          </a:fontRef>
+        </p:style>
+        <p:txBody>
+          <a:bodyPr vert="horz" lIns="91440" tIns="45720" rIns="91440" bIns="45720" rtlCol="0" anchor="ctr">
+            <a:noAutofit/>
+          </a:bodyPr>
+          <a:lstStyle>
+            <a:lvl1pPr algn="l" defTabSz="914400" rtl="0" eaLnBrk="1" latinLnBrk="0" hangingPunct="1">
+              <a:lnSpc>
+                <a:spcPct val="90000"/>
+              </a:lnSpc>
+              <a:spcBef>
+                <a:spcPct val="0"/>
+              </a:spcBef>
+              <a:buNone/>
+              <a:defRPr sz="4400" kern="1200">
+                <a:solidFill>
+                  <a:schemeClr val="tx1"/>
+                </a:solidFill>
+                <a:latin typeface="+mj-lt"/>
+                <a:ea typeface="+mj-ea"/>
+                <a:cs typeface="+mj-cs"/>
+              </a:defRPr>
+            </a:lvl1pPr>
+          </a:lstStyle>
+          <a:p>
+            <a:pPr algn="ctr"/>
+            <a:r>
+              <a:rPr lang="en-US" altLang="zh-CN" sz="1800" b="1" dirty="0" smtClean="0">
+                <a:latin typeface="Arial Narrow" panose="020B0606020202030204" pitchFamily="34" charset="0"/>
+              </a:rPr>
+              <a:t>Key</a:t>
+            </a:r>
+            <a:r>
+              <a:rPr lang="zh-CN" altLang="en-US" sz="1800" b="1" dirty="0" smtClean="0">
+                <a:latin typeface="Arial Narrow" panose="020B0606020202030204" pitchFamily="34" charset="0"/>
+              </a:rPr>
+              <a:t> </a:t>
+            </a:r>
+            <a:r>
+              <a:rPr lang="en-US" altLang="zh-CN" sz="1800" b="1" dirty="0" smtClean="0">
+                <a:latin typeface="Arial Narrow" panose="020B0606020202030204" pitchFamily="34" charset="0"/>
+              </a:rPr>
+              <a:t>findings</a:t>
+            </a:r>
+            <a:endParaRPr lang="en-US" altLang="en-US" sz="1800" b="1" dirty="0">
+              <a:latin typeface="Arial Narrow" panose="020B0606020202030204" pitchFamily="34" charset="0"/>
+            </a:endParaRPr>
+          </a:p>
+        </p:txBody>
+      </p:sp>
+      <p:sp>
+        <p:nvSpPr>
+          <p:cNvPr id="9" name="Oval 8"/>
+          <p:cNvSpPr/>
+          <p:nvPr/>
+        </p:nvSpPr>
+        <p:spPr>
+          <a:xfrm>
+            <a:off x="6646027" y="629333"/>
+            <a:ext cx="367561" cy="367561"/>
+          </a:xfrm>
+          <a:prstGeom prst="ellipse">
+            <a:avLst/>
+          </a:prstGeom>
+        </p:spPr>
+        <p:style>
+          <a:lnRef idx="2">
+            <a:schemeClr val="accent1">
+              <a:shade val="50000"/>
+            </a:schemeClr>
+          </a:lnRef>
+          <a:fillRef idx="1">
+            <a:schemeClr val="accent1"/>
+          </a:fillRef>
+          <a:effectRef idx="0">
+            <a:schemeClr val="accent1"/>
+          </a:effectRef>
+          <a:fontRef idx="minor">
+            <a:schemeClr val="lt1"/>
+          </a:fontRef>
+        </p:style>
+        <p:txBody>
+          <a:bodyPr rtlCol="0" anchor="ctr"/>
+          <a:lstStyle/>
+          <a:p>
+            <a:pPr algn="ctr"/>
+            <a:r>
+              <a:rPr lang="en-US" altLang="zh-CN" dirty="0"/>
+              <a:t>2</a:t>
+            </a:r>
+            <a:endParaRPr lang="en-US" dirty="0"/>
+          </a:p>
+        </p:txBody>
+      </p:sp>
+      <p:sp>
+        <p:nvSpPr>
+          <p:cNvPr id="14" name="Rectangle 2"/>
+          <p:cNvSpPr>
+            <a:spLocks noGrp="1" noChangeArrowheads="1"/>
+          </p:cNvSpPr>
+          <p:nvPr>
+            <p:ph type="title"/>
+            <p:custDataLst>
+              <p:tags r:id="rId3"/>
+            </p:custDataLst>
+          </p:nvPr>
+        </p:nvSpPr>
+        <p:spPr bwMode="gray">
+          <a:xfrm>
+            <a:off x="212737" y="220071"/>
+            <a:ext cx="8793595" cy="298327"/>
+          </a:xfrm>
+        </p:spPr>
+        <p:txBody>
+          <a:bodyPr>
+            <a:noAutofit/>
+          </a:bodyPr>
+          <a:lstStyle/>
+          <a:p>
+            <a:r>
+              <a:rPr lang="en-US" altLang="zh-CN" sz="2400" b="1" dirty="0" smtClean="0">
+                <a:solidFill>
+                  <a:srgbClr val="954F72"/>
+                </a:solidFill>
+                <a:latin typeface="Arial Narrow" panose="020B0606020202030204" pitchFamily="34" charset="0"/>
+              </a:rPr>
+              <a:t>Analysis</a:t>
+            </a:r>
+            <a:r>
+              <a:rPr lang="zh-CN" altLang="en-US" sz="2400" b="1" dirty="0" smtClean="0">
+                <a:solidFill>
+                  <a:srgbClr val="954F72"/>
+                </a:solidFill>
+                <a:latin typeface="Arial Narrow" panose="020B0606020202030204" pitchFamily="34" charset="0"/>
+              </a:rPr>
+              <a:t> </a:t>
+            </a:r>
+            <a:r>
+              <a:rPr lang="en-US" altLang="zh-CN" sz="2400" b="1" dirty="0" smtClean="0">
+                <a:solidFill>
+                  <a:srgbClr val="954F72"/>
+                </a:solidFill>
+                <a:latin typeface="Arial Narrow" panose="020B0606020202030204" pitchFamily="34" charset="0"/>
+              </a:rPr>
+              <a:t>of</a:t>
+            </a:r>
+            <a:r>
+              <a:rPr lang="zh-CN" altLang="en-US" sz="2400" b="1" dirty="0" smtClean="0">
+                <a:solidFill>
+                  <a:srgbClr val="954F72"/>
+                </a:solidFill>
+                <a:latin typeface="Arial Narrow" panose="020B0606020202030204" pitchFamily="34" charset="0"/>
+              </a:rPr>
+              <a:t> </a:t>
+            </a:r>
+            <a:r>
+              <a:rPr lang="en-US" altLang="zh-CN" sz="2400" b="1" dirty="0" smtClean="0">
+                <a:solidFill>
+                  <a:srgbClr val="954F72"/>
+                </a:solidFill>
+                <a:latin typeface="Arial Narrow" panose="020B0606020202030204" pitchFamily="34" charset="0"/>
+              </a:rPr>
+              <a:t>Stop</a:t>
+            </a:r>
+            <a:r>
+              <a:rPr lang="zh-CN" altLang="en-US" sz="2400" b="1" dirty="0" smtClean="0">
+                <a:solidFill>
+                  <a:srgbClr val="954F72"/>
+                </a:solidFill>
+                <a:latin typeface="Arial Narrow" panose="020B0606020202030204" pitchFamily="34" charset="0"/>
+              </a:rPr>
+              <a:t> </a:t>
+            </a:r>
+            <a:r>
+              <a:rPr lang="en-US" altLang="zh-CN" sz="2400" b="1" dirty="0" smtClean="0">
+                <a:solidFill>
+                  <a:srgbClr val="954F72"/>
+                </a:solidFill>
+                <a:latin typeface="Arial Narrow" panose="020B0606020202030204" pitchFamily="34" charset="0"/>
+              </a:rPr>
+              <a:t>and</a:t>
+            </a:r>
+            <a:r>
+              <a:rPr lang="zh-CN" altLang="en-US" sz="2400" b="1" dirty="0" smtClean="0">
+                <a:solidFill>
+                  <a:srgbClr val="954F72"/>
+                </a:solidFill>
+                <a:latin typeface="Arial Narrow" panose="020B0606020202030204" pitchFamily="34" charset="0"/>
+              </a:rPr>
+              <a:t> </a:t>
+            </a:r>
+            <a:r>
+              <a:rPr lang="en-US" altLang="zh-CN" sz="2400" b="1" smtClean="0">
+                <a:solidFill>
+                  <a:srgbClr val="954F72"/>
+                </a:solidFill>
+                <a:latin typeface="Arial Narrow" panose="020B0606020202030204" pitchFamily="34" charset="0"/>
+              </a:rPr>
+              <a:t>Search</a:t>
+            </a:r>
+            <a:endParaRPr lang="en-US" altLang="en-US" sz="2400" b="1" dirty="0">
+              <a:solidFill>
+                <a:srgbClr val="954F72"/>
+              </a:solidFill>
+              <a:latin typeface="Arial Narrow" panose="020B0606020202030204" pitchFamily="34" charset="0"/>
+            </a:endParaRPr>
+          </a:p>
+        </p:txBody>
+      </p:sp>
+      <p:sp>
+        <p:nvSpPr>
+          <p:cNvPr id="10" name="Rectangle 2"/>
+          <p:cNvSpPr txBox="1">
+            <a:spLocks noChangeArrowheads="1"/>
+          </p:cNvSpPr>
+          <p:nvPr>
+            <p:custDataLst>
+              <p:tags r:id="rId4"/>
+            </p:custDataLst>
+          </p:nvPr>
+        </p:nvSpPr>
+        <p:spPr bwMode="gray">
+          <a:xfrm>
+            <a:off x="6829807" y="2722767"/>
+            <a:ext cx="5076968" cy="1344265"/>
+          </a:xfrm>
+          <a:prstGeom prst="rect">
+            <a:avLst/>
+          </a:prstGeom>
+          <a:ln>
+            <a:noFill/>
+          </a:ln>
+        </p:spPr>
+        <p:style>
+          <a:lnRef idx="2">
+            <a:schemeClr val="dk1"/>
+          </a:lnRef>
+          <a:fillRef idx="1">
+            <a:schemeClr val="lt1"/>
+          </a:fillRef>
+          <a:effectRef idx="0">
+            <a:schemeClr val="dk1"/>
+          </a:effectRef>
+          <a:fontRef idx="minor">
+            <a:schemeClr val="dk1"/>
+          </a:fontRef>
+        </p:style>
+        <p:txBody>
+          <a:bodyPr vert="horz" lIns="91440" tIns="45720" rIns="91440" bIns="45720" rtlCol="0" anchor="ctr">
+            <a:noAutofit/>
+          </a:bodyPr>
+          <a:lstStyle>
+            <a:lvl1pPr algn="l" defTabSz="914400" rtl="0" eaLnBrk="1" latinLnBrk="0" hangingPunct="1">
+              <a:lnSpc>
+                <a:spcPct val="90000"/>
+              </a:lnSpc>
+              <a:spcBef>
+                <a:spcPct val="0"/>
+              </a:spcBef>
+              <a:buNone/>
+              <a:defRPr sz="4400" kern="1200">
+                <a:solidFill>
+                  <a:schemeClr val="tx1"/>
+                </a:solidFill>
+                <a:latin typeface="+mj-lt"/>
+                <a:ea typeface="+mj-ea"/>
+                <a:cs typeface="+mj-cs"/>
+              </a:defRPr>
+            </a:lvl1pPr>
+          </a:lstStyle>
+          <a:p>
+            <a:pPr marL="342900" indent="-342900">
+              <a:buFont typeface="Arial" charset="0"/>
+              <a:buChar char="•"/>
+            </a:pPr>
+            <a:r>
+              <a:rPr lang="en-US" altLang="zh-CN" sz="1800" b="1" dirty="0" smtClean="0">
+                <a:latin typeface="Arial Narrow" panose="020B0606020202030204" pitchFamily="34" charset="0"/>
+              </a:rPr>
+              <a:t>The</a:t>
+            </a:r>
+            <a:r>
+              <a:rPr lang="zh-CN" altLang="en-US" sz="1800" b="1" dirty="0" smtClean="0">
+                <a:latin typeface="Arial Narrow" panose="020B0606020202030204" pitchFamily="34" charset="0"/>
+              </a:rPr>
+              <a:t> </a:t>
+            </a:r>
+            <a:r>
+              <a:rPr lang="en-US" altLang="zh-CN" sz="1800" b="1" dirty="0" smtClean="0">
+                <a:latin typeface="Arial Narrow" panose="020B0606020202030204" pitchFamily="34" charset="0"/>
+              </a:rPr>
+              <a:t>number</a:t>
+            </a:r>
+            <a:r>
+              <a:rPr lang="zh-CN" altLang="en-US" sz="1800" b="1" dirty="0" smtClean="0">
+                <a:latin typeface="Arial Narrow" panose="020B0606020202030204" pitchFamily="34" charset="0"/>
+              </a:rPr>
+              <a:t> </a:t>
+            </a:r>
+            <a:r>
+              <a:rPr lang="en-US" altLang="zh-CN" sz="1800" b="1" dirty="0" smtClean="0">
+                <a:latin typeface="Arial Narrow" panose="020B0606020202030204" pitchFamily="34" charset="0"/>
+              </a:rPr>
+              <a:t>of</a:t>
+            </a:r>
+            <a:r>
+              <a:rPr lang="zh-CN" altLang="en-US" sz="1800" b="1" dirty="0" smtClean="0">
+                <a:latin typeface="Arial Narrow" panose="020B0606020202030204" pitchFamily="34" charset="0"/>
+              </a:rPr>
+              <a:t> </a:t>
+            </a:r>
+            <a:r>
+              <a:rPr lang="en-US" altLang="zh-CN" sz="1800" b="1" dirty="0" smtClean="0">
+                <a:latin typeface="Arial Narrow" panose="020B0606020202030204" pitchFamily="34" charset="0"/>
+              </a:rPr>
+              <a:t>stop</a:t>
+            </a:r>
+            <a:r>
+              <a:rPr lang="zh-CN" altLang="en-US" sz="1800" b="1" dirty="0" smtClean="0">
+                <a:latin typeface="Arial Narrow" panose="020B0606020202030204" pitchFamily="34" charset="0"/>
+              </a:rPr>
+              <a:t> </a:t>
+            </a:r>
+            <a:r>
+              <a:rPr lang="en-US" altLang="zh-CN" sz="1800" b="1" dirty="0" smtClean="0">
+                <a:latin typeface="Arial Narrow" panose="020B0606020202030204" pitchFamily="34" charset="0"/>
+              </a:rPr>
+              <a:t>and</a:t>
+            </a:r>
+            <a:r>
+              <a:rPr lang="zh-CN" altLang="en-US" sz="1800" b="1" dirty="0" smtClean="0">
+                <a:latin typeface="Arial Narrow" panose="020B0606020202030204" pitchFamily="34" charset="0"/>
+              </a:rPr>
+              <a:t> </a:t>
+            </a:r>
+            <a:r>
+              <a:rPr lang="en-US" altLang="zh-CN" sz="1800" b="1" dirty="0" smtClean="0">
+                <a:latin typeface="Arial Narrow" panose="020B0606020202030204" pitchFamily="34" charset="0"/>
+              </a:rPr>
+              <a:t>search</a:t>
+            </a:r>
+            <a:r>
+              <a:rPr lang="zh-CN" altLang="en-US" sz="1800" b="1" dirty="0" smtClean="0">
+                <a:latin typeface="Arial Narrow" panose="020B0606020202030204" pitchFamily="34" charset="0"/>
+              </a:rPr>
+              <a:t> </a:t>
+            </a:r>
+            <a:r>
+              <a:rPr lang="en-US" altLang="zh-CN" sz="1800" b="1" dirty="0" smtClean="0">
+                <a:latin typeface="Arial Narrow" panose="020B0606020202030204" pitchFamily="34" charset="0"/>
+              </a:rPr>
+              <a:t>is</a:t>
+            </a:r>
+            <a:r>
+              <a:rPr lang="zh-CN" altLang="en-US" sz="1800" b="1" dirty="0" smtClean="0">
+                <a:latin typeface="Arial Narrow" panose="020B0606020202030204" pitchFamily="34" charset="0"/>
+              </a:rPr>
+              <a:t> </a:t>
+            </a:r>
+            <a:r>
+              <a:rPr lang="en-US" altLang="zh-CN" sz="1800" b="1" dirty="0" smtClean="0">
+                <a:latin typeface="Arial Narrow" panose="020B0606020202030204" pitchFamily="34" charset="0"/>
+              </a:rPr>
+              <a:t>relatively</a:t>
+            </a:r>
+            <a:r>
+              <a:rPr lang="zh-CN" altLang="en-US" sz="1800" b="1" dirty="0" smtClean="0">
+                <a:latin typeface="Arial Narrow" panose="020B0606020202030204" pitchFamily="34" charset="0"/>
+              </a:rPr>
+              <a:t> </a:t>
+            </a:r>
+            <a:r>
+              <a:rPr lang="en-US" altLang="zh-CN" sz="1800" b="1" dirty="0" smtClean="0">
+                <a:latin typeface="Arial Narrow" panose="020B0606020202030204" pitchFamily="34" charset="0"/>
+              </a:rPr>
+              <a:t>high</a:t>
+            </a:r>
+            <a:r>
+              <a:rPr lang="zh-CN" altLang="en-US" sz="1800" b="1" dirty="0" smtClean="0">
+                <a:latin typeface="Arial Narrow" panose="020B0606020202030204" pitchFamily="34" charset="0"/>
+              </a:rPr>
+              <a:t> </a:t>
+            </a:r>
+            <a:r>
+              <a:rPr lang="en-US" altLang="zh-CN" sz="1800" b="1" dirty="0" smtClean="0">
+                <a:latin typeface="Arial Narrow" panose="020B0606020202030204" pitchFamily="34" charset="0"/>
+              </a:rPr>
+              <a:t>in</a:t>
+            </a:r>
+            <a:r>
+              <a:rPr lang="zh-CN" altLang="en-US" sz="1800" b="1" dirty="0" smtClean="0">
+                <a:latin typeface="Arial Narrow" panose="020B0606020202030204" pitchFamily="34" charset="0"/>
+              </a:rPr>
+              <a:t> </a:t>
+            </a:r>
+            <a:r>
+              <a:rPr lang="en-US" altLang="zh-CN" sz="1800" b="1" dirty="0" smtClean="0">
+                <a:latin typeface="Arial Narrow" panose="020B0606020202030204" pitchFamily="34" charset="0"/>
+              </a:rPr>
+              <a:t>the</a:t>
+            </a:r>
+            <a:r>
+              <a:rPr lang="zh-CN" altLang="en-US" sz="1800" b="1" dirty="0" smtClean="0">
+                <a:latin typeface="Arial Narrow" panose="020B0606020202030204" pitchFamily="34" charset="0"/>
+              </a:rPr>
+              <a:t> </a:t>
+            </a:r>
+            <a:r>
+              <a:rPr lang="en-US" altLang="zh-CN" sz="1800" b="1" dirty="0" smtClean="0">
+                <a:latin typeface="Arial Narrow" panose="020B0606020202030204" pitchFamily="34" charset="0"/>
+              </a:rPr>
+              <a:t>beginning</a:t>
+            </a:r>
+            <a:r>
+              <a:rPr lang="zh-CN" altLang="en-US" sz="1800" b="1" dirty="0" smtClean="0">
+                <a:latin typeface="Arial Narrow" panose="020B0606020202030204" pitchFamily="34" charset="0"/>
+              </a:rPr>
+              <a:t> </a:t>
+            </a:r>
+            <a:r>
+              <a:rPr lang="en-US" altLang="zh-CN" sz="1800" b="1" dirty="0" smtClean="0">
+                <a:latin typeface="Arial Narrow" panose="020B0606020202030204" pitchFamily="34" charset="0"/>
+              </a:rPr>
+              <a:t>and</a:t>
+            </a:r>
+            <a:r>
+              <a:rPr lang="zh-CN" altLang="en-US" sz="1800" b="1" dirty="0" smtClean="0">
+                <a:latin typeface="Arial Narrow" panose="020B0606020202030204" pitchFamily="34" charset="0"/>
+              </a:rPr>
+              <a:t> </a:t>
+            </a:r>
+            <a:r>
+              <a:rPr lang="en-US" altLang="zh-CN" sz="1800" b="1" dirty="0" smtClean="0">
+                <a:latin typeface="Arial Narrow" panose="020B0606020202030204" pitchFamily="34" charset="0"/>
+              </a:rPr>
+              <a:t>the</a:t>
+            </a:r>
+            <a:r>
+              <a:rPr lang="zh-CN" altLang="en-US" sz="1800" b="1" dirty="0" smtClean="0">
+                <a:latin typeface="Arial Narrow" panose="020B0606020202030204" pitchFamily="34" charset="0"/>
+              </a:rPr>
+              <a:t> </a:t>
+            </a:r>
+            <a:r>
+              <a:rPr lang="en-US" altLang="zh-CN" sz="1800" b="1" dirty="0" smtClean="0">
+                <a:latin typeface="Arial Narrow" panose="020B0606020202030204" pitchFamily="34" charset="0"/>
+              </a:rPr>
+              <a:t>middle</a:t>
+            </a:r>
+            <a:r>
+              <a:rPr lang="zh-CN" altLang="en-US" sz="1800" b="1" dirty="0" smtClean="0">
+                <a:latin typeface="Arial Narrow" panose="020B0606020202030204" pitchFamily="34" charset="0"/>
+              </a:rPr>
+              <a:t> </a:t>
+            </a:r>
+            <a:r>
+              <a:rPr lang="en-US" altLang="zh-CN" sz="1800" b="1" dirty="0" smtClean="0">
+                <a:latin typeface="Arial Narrow" panose="020B0606020202030204" pitchFamily="34" charset="0"/>
+              </a:rPr>
+              <a:t>of</a:t>
+            </a:r>
+            <a:r>
+              <a:rPr lang="zh-CN" altLang="en-US" sz="1800" b="1" dirty="0" smtClean="0">
+                <a:latin typeface="Arial Narrow" panose="020B0606020202030204" pitchFamily="34" charset="0"/>
+              </a:rPr>
+              <a:t> </a:t>
+            </a:r>
+            <a:r>
+              <a:rPr lang="en-US" altLang="zh-CN" sz="1800" b="1" dirty="0" smtClean="0">
+                <a:latin typeface="Arial Narrow" panose="020B0606020202030204" pitchFamily="34" charset="0"/>
+              </a:rPr>
+              <a:t>the</a:t>
+            </a:r>
+            <a:r>
+              <a:rPr lang="zh-CN" altLang="en-US" sz="1800" b="1" dirty="0" smtClean="0">
+                <a:latin typeface="Arial Narrow" panose="020B0606020202030204" pitchFamily="34" charset="0"/>
+              </a:rPr>
+              <a:t> </a:t>
+            </a:r>
+            <a:r>
+              <a:rPr lang="en-US" altLang="zh-CN" sz="1800" b="1" dirty="0" smtClean="0">
+                <a:latin typeface="Arial Narrow" panose="020B0606020202030204" pitchFamily="34" charset="0"/>
+              </a:rPr>
+              <a:t>year</a:t>
+            </a:r>
+            <a:r>
+              <a:rPr lang="zh-CN" altLang="en-US" sz="1800" b="1" dirty="0" smtClean="0">
+                <a:latin typeface="Arial Narrow" panose="020B0606020202030204" pitchFamily="34" charset="0"/>
+              </a:rPr>
+              <a:t> </a:t>
+            </a:r>
+            <a:r>
+              <a:rPr lang="en-US" altLang="zh-CN" sz="1800" b="1" dirty="0" smtClean="0">
+                <a:latin typeface="Arial Narrow" panose="020B0606020202030204" pitchFamily="34" charset="0"/>
+              </a:rPr>
+              <a:t>within</a:t>
+            </a:r>
+            <a:r>
+              <a:rPr lang="zh-CN" altLang="en-US" sz="1800" b="1" dirty="0" smtClean="0">
+                <a:latin typeface="Arial Narrow" panose="020B0606020202030204" pitchFamily="34" charset="0"/>
+              </a:rPr>
+              <a:t> </a:t>
+            </a:r>
+            <a:r>
+              <a:rPr lang="en-US" altLang="zh-CN" sz="1800" b="1" dirty="0" smtClean="0">
+                <a:latin typeface="Arial Narrow" panose="020B0606020202030204" pitchFamily="34" charset="0"/>
+              </a:rPr>
+              <a:t>one</a:t>
+            </a:r>
+            <a:r>
+              <a:rPr lang="zh-CN" altLang="en-US" sz="1800" b="1" dirty="0" smtClean="0">
+                <a:latin typeface="Arial Narrow" panose="020B0606020202030204" pitchFamily="34" charset="0"/>
+              </a:rPr>
+              <a:t> </a:t>
+            </a:r>
+            <a:r>
+              <a:rPr lang="en-US" altLang="zh-CN" sz="1800" b="1" dirty="0" smtClean="0">
+                <a:latin typeface="Arial Narrow" panose="020B0606020202030204" pitchFamily="34" charset="0"/>
+              </a:rPr>
+              <a:t>year</a:t>
+            </a:r>
+          </a:p>
+          <a:p>
+            <a:pPr marL="342900" indent="-342900">
+              <a:buFont typeface="Arial" charset="0"/>
+              <a:buChar char="•"/>
+            </a:pPr>
+            <a:r>
+              <a:rPr lang="en-US" altLang="zh-CN" sz="1800" b="1" dirty="0" smtClean="0">
+                <a:latin typeface="Arial Narrow" panose="020B0606020202030204" pitchFamily="34" charset="0"/>
+              </a:rPr>
+              <a:t>The</a:t>
+            </a:r>
+            <a:r>
+              <a:rPr lang="zh-CN" altLang="en-US" sz="1800" b="1" dirty="0" smtClean="0">
+                <a:latin typeface="Arial Narrow" panose="020B0606020202030204" pitchFamily="34" charset="0"/>
+              </a:rPr>
+              <a:t> </a:t>
+            </a:r>
+            <a:r>
+              <a:rPr lang="en-US" altLang="zh-CN" sz="1800" b="1" dirty="0" smtClean="0">
+                <a:latin typeface="Arial Narrow" panose="020B0606020202030204" pitchFamily="34" charset="0"/>
+              </a:rPr>
+              <a:t>number</a:t>
+            </a:r>
+            <a:r>
+              <a:rPr lang="zh-CN" altLang="en-US" sz="1800" b="1" dirty="0" smtClean="0">
+                <a:latin typeface="Arial Narrow" panose="020B0606020202030204" pitchFamily="34" charset="0"/>
+              </a:rPr>
+              <a:t> </a:t>
+            </a:r>
+            <a:r>
+              <a:rPr lang="en-US" altLang="zh-CN" sz="1800" b="1" dirty="0" smtClean="0">
+                <a:latin typeface="Arial Narrow" panose="020B0606020202030204" pitchFamily="34" charset="0"/>
+              </a:rPr>
+              <a:t>of</a:t>
+            </a:r>
+            <a:r>
+              <a:rPr lang="zh-CN" altLang="en-US" sz="1800" b="1" dirty="0" smtClean="0">
+                <a:latin typeface="Arial Narrow" panose="020B0606020202030204" pitchFamily="34" charset="0"/>
+              </a:rPr>
+              <a:t> </a:t>
+            </a:r>
+            <a:r>
+              <a:rPr lang="en-US" altLang="zh-CN" sz="1800" b="1" dirty="0" smtClean="0">
+                <a:latin typeface="Arial Narrow" panose="020B0606020202030204" pitchFamily="34" charset="0"/>
+              </a:rPr>
+              <a:t>stop</a:t>
+            </a:r>
+            <a:r>
+              <a:rPr lang="zh-CN" altLang="en-US" sz="1800" b="1" dirty="0" smtClean="0">
+                <a:latin typeface="Arial Narrow" panose="020B0606020202030204" pitchFamily="34" charset="0"/>
+              </a:rPr>
+              <a:t> </a:t>
+            </a:r>
+            <a:r>
+              <a:rPr lang="en-US" altLang="zh-CN" sz="1800" b="1" dirty="0" smtClean="0">
+                <a:latin typeface="Arial Narrow" panose="020B0606020202030204" pitchFamily="34" charset="0"/>
+              </a:rPr>
+              <a:t>and</a:t>
+            </a:r>
+            <a:r>
+              <a:rPr lang="zh-CN" altLang="en-US" sz="1800" b="1" dirty="0" smtClean="0">
+                <a:latin typeface="Arial Narrow" panose="020B0606020202030204" pitchFamily="34" charset="0"/>
+              </a:rPr>
+              <a:t> </a:t>
+            </a:r>
+            <a:r>
+              <a:rPr lang="en-US" altLang="zh-CN" sz="1800" b="1" dirty="0" smtClean="0">
+                <a:latin typeface="Arial Narrow" panose="020B0606020202030204" pitchFamily="34" charset="0"/>
+              </a:rPr>
+              <a:t>search</a:t>
+            </a:r>
+            <a:r>
+              <a:rPr lang="zh-CN" altLang="en-US" sz="1800" b="1" dirty="0" smtClean="0">
+                <a:latin typeface="Arial Narrow" panose="020B0606020202030204" pitchFamily="34" charset="0"/>
+              </a:rPr>
+              <a:t> </a:t>
+            </a:r>
+            <a:r>
+              <a:rPr lang="en-US" altLang="zh-CN" sz="1800" b="1" dirty="0" smtClean="0">
+                <a:latin typeface="Arial Narrow" panose="020B0606020202030204" pitchFamily="34" charset="0"/>
+              </a:rPr>
+              <a:t>is</a:t>
+            </a:r>
+            <a:r>
+              <a:rPr lang="zh-CN" altLang="en-US" sz="1800" b="1" dirty="0" smtClean="0">
+                <a:latin typeface="Arial Narrow" panose="020B0606020202030204" pitchFamily="34" charset="0"/>
+              </a:rPr>
+              <a:t> </a:t>
+            </a:r>
+            <a:r>
+              <a:rPr lang="en-US" altLang="zh-CN" sz="1800" b="1" dirty="0" smtClean="0">
+                <a:latin typeface="Arial Narrow" panose="020B0606020202030204" pitchFamily="34" charset="0"/>
+              </a:rPr>
+              <a:t>relatively</a:t>
+            </a:r>
+            <a:r>
+              <a:rPr lang="zh-CN" altLang="en-US" sz="1800" b="1" dirty="0" smtClean="0">
+                <a:latin typeface="Arial Narrow" panose="020B0606020202030204" pitchFamily="34" charset="0"/>
+              </a:rPr>
+              <a:t> </a:t>
+            </a:r>
+            <a:r>
+              <a:rPr lang="en-US" altLang="zh-CN" sz="1800" b="1" dirty="0" smtClean="0">
+                <a:latin typeface="Arial Narrow" panose="020B0606020202030204" pitchFamily="34" charset="0"/>
+              </a:rPr>
+              <a:t>high</a:t>
+            </a:r>
+            <a:r>
+              <a:rPr lang="zh-CN" altLang="en-US" sz="1800" b="1" dirty="0" smtClean="0">
+                <a:latin typeface="Arial Narrow" panose="020B0606020202030204" pitchFamily="34" charset="0"/>
+              </a:rPr>
+              <a:t> </a:t>
+            </a:r>
+            <a:r>
+              <a:rPr lang="en-US" altLang="zh-CN" sz="1800" b="1" dirty="0" smtClean="0">
+                <a:latin typeface="Arial Narrow" panose="020B0606020202030204" pitchFamily="34" charset="0"/>
+              </a:rPr>
+              <a:t>at</a:t>
+            </a:r>
+            <a:r>
+              <a:rPr lang="zh-CN" altLang="en-US" sz="1800" b="1" dirty="0" smtClean="0">
+                <a:latin typeface="Arial Narrow" panose="020B0606020202030204" pitchFamily="34" charset="0"/>
+              </a:rPr>
+              <a:t> </a:t>
+            </a:r>
+            <a:r>
+              <a:rPr lang="en-US" altLang="zh-CN" sz="1800" b="1" dirty="0" smtClean="0">
+                <a:latin typeface="Arial Narrow" panose="020B0606020202030204" pitchFamily="34" charset="0"/>
+              </a:rPr>
+              <a:t>the</a:t>
+            </a:r>
+            <a:r>
+              <a:rPr lang="zh-CN" altLang="en-US" sz="1800" b="1" dirty="0" smtClean="0">
+                <a:latin typeface="Arial Narrow" panose="020B0606020202030204" pitchFamily="34" charset="0"/>
+              </a:rPr>
+              <a:t> </a:t>
+            </a:r>
+            <a:r>
+              <a:rPr lang="en-US" altLang="zh-CN" sz="1800" b="1" dirty="0" smtClean="0">
+                <a:latin typeface="Arial Narrow" panose="020B0606020202030204" pitchFamily="34" charset="0"/>
+              </a:rPr>
+              <a:t>night</a:t>
+            </a:r>
+            <a:r>
+              <a:rPr lang="zh-CN" altLang="en-US" sz="1800" b="1" dirty="0" smtClean="0">
+                <a:latin typeface="Arial Narrow" panose="020B0606020202030204" pitchFamily="34" charset="0"/>
+              </a:rPr>
+              <a:t> </a:t>
+            </a:r>
+            <a:r>
+              <a:rPr lang="en-US" altLang="zh-CN" sz="1800" b="1" dirty="0" smtClean="0">
+                <a:latin typeface="Arial Narrow" panose="020B0606020202030204" pitchFamily="34" charset="0"/>
+              </a:rPr>
+              <a:t>time</a:t>
+            </a:r>
+            <a:r>
+              <a:rPr lang="zh-CN" altLang="en-US" sz="1800" b="1" dirty="0" smtClean="0">
+                <a:latin typeface="Arial Narrow" panose="020B0606020202030204" pitchFamily="34" charset="0"/>
+              </a:rPr>
+              <a:t> </a:t>
+            </a:r>
+            <a:r>
+              <a:rPr lang="en-US" altLang="zh-CN" sz="1800" b="1" dirty="0" smtClean="0">
+                <a:latin typeface="Arial Narrow" panose="020B0606020202030204" pitchFamily="34" charset="0"/>
+              </a:rPr>
+              <a:t>within</a:t>
+            </a:r>
+            <a:r>
+              <a:rPr lang="zh-CN" altLang="en-US" sz="1800" b="1" dirty="0" smtClean="0">
+                <a:latin typeface="Arial Narrow" panose="020B0606020202030204" pitchFamily="34" charset="0"/>
+              </a:rPr>
+              <a:t> </a:t>
+            </a:r>
+            <a:r>
+              <a:rPr lang="en-US" altLang="zh-CN" sz="1800" b="1" dirty="0" smtClean="0">
+                <a:latin typeface="Arial Narrow" panose="020B0606020202030204" pitchFamily="34" charset="0"/>
+              </a:rPr>
+              <a:t>one</a:t>
+            </a:r>
+            <a:r>
+              <a:rPr lang="zh-CN" altLang="en-US" sz="1800" b="1" dirty="0" smtClean="0">
+                <a:latin typeface="Arial Narrow" panose="020B0606020202030204" pitchFamily="34" charset="0"/>
+              </a:rPr>
+              <a:t> </a:t>
+            </a:r>
+            <a:r>
+              <a:rPr lang="en-US" altLang="zh-CN" sz="1800" b="1" dirty="0" smtClean="0">
+                <a:latin typeface="Arial Narrow" panose="020B0606020202030204" pitchFamily="34" charset="0"/>
+              </a:rPr>
+              <a:t>day</a:t>
+            </a:r>
+          </a:p>
+        </p:txBody>
+      </p:sp>
+      <p:pic>
+        <p:nvPicPr>
+          <p:cNvPr id="2" name="Picture 1"/>
+          <p:cNvPicPr>
+            <a:picLocks noChangeAspect="1"/>
+          </p:cNvPicPr>
+          <p:nvPr/>
+        </p:nvPicPr>
+        <p:blipFill>
+          <a:blip r:embed="rId7" cstate="print">
+            <a:extLst>
+              <a:ext uri="{28A0092B-C50C-407E-A947-70E740481C1C}">
+                <a14:useLocalDpi xmlns:a14="http://schemas.microsoft.com/office/drawing/2010/main" val="0"/>
+              </a:ext>
+            </a:extLst>
+          </a:blip>
+          <a:stretch>
+            <a:fillRect/>
+          </a:stretch>
+        </p:blipFill>
+        <p:spPr>
+          <a:xfrm>
+            <a:off x="373646" y="1270971"/>
+            <a:ext cx="5957262" cy="5503230"/>
+          </a:xfrm>
+          <a:prstGeom prst="rect">
+            <a:avLst/>
+          </a:prstGeom>
+        </p:spPr>
+      </p:pic>
+    </p:spTree>
+    <p:extLst>
+      <p:ext uri="{BB962C8B-B14F-4D97-AF65-F5344CB8AC3E}">
+        <p14:creationId xmlns:p14="http://schemas.microsoft.com/office/powerpoint/2010/main" val="1486201316"/>
+      </p:ext>
+    </p:extLst>
+  </p:cSld>
+  <p:clrMapOvr>
+    <a:masterClrMapping/>
+  </p:clrMapOvr>
+  <p:transition>
+    <p:wipe dir="r"/>
+  </p:transition>
+</p:sld>
+</file>
+
+<file path=ppt/slides/slide11.xml><?xml version="1.0" encoding="utf-8"?>
+<p:sld xmlns:a="http://schemas.openxmlformats.org/drawingml/2006/main" xmlns:r="http://schemas.openxmlformats.org/officeDocument/2006/relationships" xmlns:p="http://schemas.openxmlformats.org/presentationml/2006/main">
+  <p:cSld>
+    <p:spTree>
+      <p:nvGrpSpPr>
+        <p:cNvPr id="1" name=""/>
+        <p:cNvGrpSpPr/>
+        <p:nvPr/>
+      </p:nvGrpSpPr>
+      <p:grpSpPr>
+        <a:xfrm>
+          <a:off x="0" y="0"/>
+          <a:ext cx="0" cy="0"/>
+          <a:chOff x="0" y="0"/>
+          <a:chExt cx="0" cy="0"/>
+        </a:xfrm>
+      </p:grpSpPr>
+      <p:sp>
+        <p:nvSpPr>
+          <p:cNvPr id="33" name="Rectangle 2"/>
+          <p:cNvSpPr txBox="1">
+            <a:spLocks noChangeArrowheads="1"/>
+          </p:cNvSpPr>
+          <p:nvPr>
+            <p:custDataLst>
+              <p:tags r:id="rId2"/>
+            </p:custDataLst>
+          </p:nvPr>
+        </p:nvSpPr>
+        <p:spPr bwMode="gray">
+          <a:xfrm>
+            <a:off x="571924" y="796414"/>
+            <a:ext cx="3986428" cy="400960"/>
+          </a:xfrm>
+          <a:prstGeom prst="rect">
+            <a:avLst/>
+          </a:prstGeom>
+        </p:spPr>
+        <p:style>
+          <a:lnRef idx="2">
+            <a:schemeClr val="dk1"/>
+          </a:lnRef>
+          <a:fillRef idx="1">
+            <a:schemeClr val="lt1"/>
+          </a:fillRef>
+          <a:effectRef idx="0">
+            <a:schemeClr val="dk1"/>
+          </a:effectRef>
+          <a:fontRef idx="minor">
+            <a:schemeClr val="dk1"/>
+          </a:fontRef>
+        </p:style>
+        <p:txBody>
+          <a:bodyPr vert="horz" lIns="91440" tIns="45720" rIns="91440" bIns="45720" rtlCol="0" anchor="ctr">
+            <a:noAutofit/>
+          </a:bodyPr>
+          <a:lstStyle>
+            <a:lvl1pPr algn="l" defTabSz="914400" rtl="0" eaLnBrk="1" latinLnBrk="0" hangingPunct="1">
+              <a:lnSpc>
+                <a:spcPct val="90000"/>
+              </a:lnSpc>
+              <a:spcBef>
+                <a:spcPct val="0"/>
+              </a:spcBef>
+              <a:buNone/>
+              <a:defRPr sz="4400" kern="1200">
+                <a:solidFill>
+                  <a:schemeClr val="tx1"/>
+                </a:solidFill>
+                <a:latin typeface="+mj-lt"/>
+                <a:ea typeface="+mj-ea"/>
+                <a:cs typeface="+mj-cs"/>
+              </a:defRPr>
+            </a:lvl1pPr>
+          </a:lstStyle>
+          <a:p>
+            <a:pPr algn="ctr"/>
+            <a:r>
+              <a:rPr lang="en-US" altLang="zh-CN" sz="1800" b="1" dirty="0" smtClean="0">
+                <a:latin typeface="Arial Narrow" panose="020B0606020202030204" pitchFamily="34" charset="0"/>
+              </a:rPr>
+              <a:t>Subject</a:t>
+            </a:r>
+            <a:r>
+              <a:rPr lang="zh-CN" altLang="en-US" sz="1800" b="1" dirty="0" smtClean="0">
+                <a:latin typeface="Arial Narrow" panose="020B0606020202030204" pitchFamily="34" charset="0"/>
+              </a:rPr>
+              <a:t> </a:t>
+            </a:r>
+            <a:r>
+              <a:rPr lang="en-US" altLang="zh-CN" sz="1800" b="1" dirty="0" smtClean="0">
+                <a:latin typeface="Arial Narrow" panose="020B0606020202030204" pitchFamily="34" charset="0"/>
+              </a:rPr>
+              <a:t>picture</a:t>
+            </a:r>
+            <a:r>
+              <a:rPr lang="zh-CN" altLang="en-US" sz="1800" b="1" dirty="0" smtClean="0">
+                <a:latin typeface="Arial Narrow" panose="020B0606020202030204" pitchFamily="34" charset="0"/>
+              </a:rPr>
+              <a:t> </a:t>
+            </a:r>
+            <a:endParaRPr lang="en-US" altLang="en-US" sz="1800" b="1" dirty="0">
+              <a:latin typeface="Arial Narrow" panose="020B0606020202030204" pitchFamily="34" charset="0"/>
+            </a:endParaRPr>
+          </a:p>
+        </p:txBody>
+      </p:sp>
+      <p:sp>
+        <p:nvSpPr>
+          <p:cNvPr id="6" name="Oval 5"/>
+          <p:cNvSpPr/>
+          <p:nvPr/>
+        </p:nvSpPr>
+        <p:spPr>
+          <a:xfrm>
+            <a:off x="373646" y="584452"/>
+            <a:ext cx="367561" cy="367561"/>
+          </a:xfrm>
+          <a:prstGeom prst="ellipse">
+            <a:avLst/>
+          </a:prstGeom>
+        </p:spPr>
+        <p:style>
+          <a:lnRef idx="2">
+            <a:schemeClr val="accent1">
+              <a:shade val="50000"/>
+            </a:schemeClr>
+          </a:lnRef>
+          <a:fillRef idx="1">
+            <a:schemeClr val="accent1"/>
+          </a:fillRef>
+          <a:effectRef idx="0">
+            <a:schemeClr val="accent1"/>
+          </a:effectRef>
+          <a:fontRef idx="minor">
+            <a:schemeClr val="lt1"/>
+          </a:fontRef>
+        </p:style>
+        <p:txBody>
+          <a:bodyPr rtlCol="0" anchor="ctr"/>
+          <a:lstStyle/>
+          <a:p>
+            <a:pPr algn="ctr"/>
+            <a:r>
+              <a:rPr lang="en-US" altLang="zh-CN" smtClean="0"/>
+              <a:t>1</a:t>
+            </a:r>
+            <a:endParaRPr lang="en-US"/>
+          </a:p>
+        </p:txBody>
+      </p:sp>
+      <p:sp>
+        <p:nvSpPr>
+          <p:cNvPr id="14" name="Rectangle 2"/>
+          <p:cNvSpPr>
+            <a:spLocks noGrp="1" noChangeArrowheads="1"/>
+          </p:cNvSpPr>
+          <p:nvPr>
+            <p:ph type="title"/>
+            <p:custDataLst>
+              <p:tags r:id="rId3"/>
+            </p:custDataLst>
+          </p:nvPr>
+        </p:nvSpPr>
+        <p:spPr bwMode="gray">
+          <a:xfrm>
+            <a:off x="212737" y="220071"/>
+            <a:ext cx="8793595" cy="298327"/>
+          </a:xfrm>
+        </p:spPr>
+        <p:txBody>
+          <a:bodyPr>
+            <a:noAutofit/>
+          </a:bodyPr>
+          <a:lstStyle/>
+          <a:p>
+            <a:r>
+              <a:rPr lang="en-US" altLang="zh-CN" sz="2400" b="1" dirty="0" smtClean="0">
+                <a:solidFill>
+                  <a:srgbClr val="954F72"/>
+                </a:solidFill>
+                <a:latin typeface="Arial Narrow" panose="020B0606020202030204" pitchFamily="34" charset="0"/>
+              </a:rPr>
+              <a:t>Analysis</a:t>
+            </a:r>
+            <a:r>
+              <a:rPr lang="zh-CN" altLang="en-US" sz="2400" b="1" dirty="0" smtClean="0">
+                <a:solidFill>
+                  <a:srgbClr val="954F72"/>
+                </a:solidFill>
+                <a:latin typeface="Arial Narrow" panose="020B0606020202030204" pitchFamily="34" charset="0"/>
+              </a:rPr>
+              <a:t> </a:t>
+            </a:r>
+            <a:r>
+              <a:rPr lang="en-US" altLang="zh-CN" sz="2400" b="1" dirty="0" smtClean="0">
+                <a:solidFill>
+                  <a:srgbClr val="954F72"/>
+                </a:solidFill>
+                <a:latin typeface="Arial Narrow" panose="020B0606020202030204" pitchFamily="34" charset="0"/>
+              </a:rPr>
+              <a:t>of</a:t>
+            </a:r>
+            <a:r>
+              <a:rPr lang="zh-CN" altLang="en-US" sz="2400" b="1" dirty="0" smtClean="0">
+                <a:solidFill>
+                  <a:srgbClr val="954F72"/>
+                </a:solidFill>
+                <a:latin typeface="Arial Narrow" panose="020B0606020202030204" pitchFamily="34" charset="0"/>
+              </a:rPr>
+              <a:t> </a:t>
+            </a:r>
+            <a:r>
+              <a:rPr lang="en-US" altLang="zh-CN" sz="2400" b="1" dirty="0" smtClean="0">
+                <a:solidFill>
+                  <a:srgbClr val="954F72"/>
+                </a:solidFill>
+                <a:latin typeface="Arial Narrow" panose="020B0606020202030204" pitchFamily="34" charset="0"/>
+              </a:rPr>
+              <a:t>Stop</a:t>
+            </a:r>
+            <a:r>
+              <a:rPr lang="zh-CN" altLang="en-US" sz="2400" b="1" dirty="0" smtClean="0">
+                <a:solidFill>
+                  <a:srgbClr val="954F72"/>
+                </a:solidFill>
+                <a:latin typeface="Arial Narrow" panose="020B0606020202030204" pitchFamily="34" charset="0"/>
+              </a:rPr>
+              <a:t> </a:t>
+            </a:r>
+            <a:r>
+              <a:rPr lang="en-US" altLang="zh-CN" sz="2400" b="1" dirty="0" smtClean="0">
+                <a:solidFill>
+                  <a:srgbClr val="954F72"/>
+                </a:solidFill>
+                <a:latin typeface="Arial Narrow" panose="020B0606020202030204" pitchFamily="34" charset="0"/>
+              </a:rPr>
+              <a:t>and</a:t>
+            </a:r>
+            <a:r>
+              <a:rPr lang="zh-CN" altLang="en-US" sz="2400" b="1" dirty="0" smtClean="0">
+                <a:solidFill>
+                  <a:srgbClr val="954F72"/>
+                </a:solidFill>
+                <a:latin typeface="Arial Narrow" panose="020B0606020202030204" pitchFamily="34" charset="0"/>
+              </a:rPr>
+              <a:t> </a:t>
+            </a:r>
+            <a:r>
+              <a:rPr lang="en-US" altLang="zh-CN" sz="2400" b="1" smtClean="0">
+                <a:solidFill>
+                  <a:srgbClr val="954F72"/>
+                </a:solidFill>
+                <a:latin typeface="Arial Narrow" panose="020B0606020202030204" pitchFamily="34" charset="0"/>
+              </a:rPr>
+              <a:t>Search</a:t>
+            </a:r>
+            <a:endParaRPr lang="en-US" altLang="en-US" sz="2400" b="1" dirty="0">
+              <a:solidFill>
+                <a:srgbClr val="954F72"/>
+              </a:solidFill>
+              <a:latin typeface="Arial Narrow" panose="020B0606020202030204" pitchFamily="34" charset="0"/>
+            </a:endParaRPr>
+          </a:p>
+        </p:txBody>
+      </p:sp>
+      <p:graphicFrame>
+        <p:nvGraphicFramePr>
+          <p:cNvPr id="4" name="Object 3"/>
+          <p:cNvGraphicFramePr>
+            <a:graphicFrameLocks noChangeAspect="1"/>
+          </p:cNvGraphicFramePr>
+          <p:nvPr>
+            <p:extLst>
+              <p:ext uri="{D42A27DB-BD31-4B8C-83A1-F6EECF244321}">
+                <p14:modId xmlns:p14="http://schemas.microsoft.com/office/powerpoint/2010/main" val="797939520"/>
+              </p:ext>
+            </p:extLst>
+          </p:nvPr>
+        </p:nvGraphicFramePr>
+        <p:xfrm>
+          <a:off x="1206406" y="1475390"/>
+          <a:ext cx="9657212" cy="5138965"/>
+        </p:xfrm>
+        <a:graphic>
+          <a:graphicData uri="http://schemas.openxmlformats.org/presentationml/2006/ole">
+            <mc:AlternateContent xmlns:mc="http://schemas.openxmlformats.org/markup-compatibility/2006">
+              <mc:Choice xmlns:v="urn:schemas-microsoft-com:vml" Requires="v">
+                <p:oleObj spid="_x0000_s1026" name="Document" r:id="rId6" imgW="8496300" imgH="4521200" progId="Word.Document.12">
+                  <p:embed/>
+                </p:oleObj>
+              </mc:Choice>
+              <mc:Fallback>
+                <p:oleObj name="Document" r:id="rId6" imgW="8496300" imgH="4521200" progId="Word.Document.12">
+                  <p:embed/>
+                  <p:pic>
+                    <p:nvPicPr>
+                      <p:cNvPr id="0" name=""/>
+                      <p:cNvPicPr/>
+                      <p:nvPr/>
+                    </p:nvPicPr>
+                    <p:blipFill>
+                      <a:blip r:embed="rId7"/>
+                      <a:stretch>
+                        <a:fillRect/>
+                      </a:stretch>
+                    </p:blipFill>
+                    <p:spPr>
+                      <a:xfrm>
+                        <a:off x="1206406" y="1475390"/>
+                        <a:ext cx="9657212" cy="5138965"/>
+                      </a:xfrm>
+                      <a:prstGeom prst="rect">
+                        <a:avLst/>
+                      </a:prstGeom>
+                    </p:spPr>
+                  </p:pic>
+                </p:oleObj>
+              </mc:Fallback>
+            </mc:AlternateContent>
+          </a:graphicData>
+        </a:graphic>
+      </p:graphicFrame>
+    </p:spTree>
+    <p:extLst>
+      <p:ext uri="{BB962C8B-B14F-4D97-AF65-F5344CB8AC3E}">
+        <p14:creationId xmlns:p14="http://schemas.microsoft.com/office/powerpoint/2010/main" val="513527956"/>
+      </p:ext>
+    </p:extLst>
+  </p:cSld>
+  <p:clrMapOvr>
+    <a:masterClrMapping/>
+  </p:clrMapOvr>
+  <p:transition>
+    <p:wipe dir="r"/>
+  </p:transition>
+</p:sld>
+</file>
+
 <file path=ppt/slides/slide2.xml><?xml version="1.0" encoding="utf-8"?>
 <p:sld xmlns:a="http://schemas.openxmlformats.org/drawingml/2006/main" xmlns:r="http://schemas.openxmlformats.org/officeDocument/2006/relationships" xmlns:p="http://schemas.openxmlformats.org/presentationml/2006/main">
   <p:cSld>
@@ -3566,7 +6256,7 @@
         </p:nvSpPr>
         <p:spPr bwMode="gray">
           <a:xfrm>
-            <a:off x="1645751" y="234864"/>
+            <a:off x="212737" y="220071"/>
             <a:ext cx="8793595" cy="298327"/>
           </a:xfrm>
         </p:spPr>
@@ -4648,6 +7338,12 @@
               </a:r>
             </a:p>
             <a:p>
+              <a:r>
+                <a:rPr lang="en-US" sz="1200" dirty="0">
+                  <a:latin typeface="+mn-lt"/>
+                </a:rPr>
+                <a:t/>
+              </a:r>
               <a:br>
                 <a:rPr lang="en-US" sz="1200" dirty="0">
                   <a:latin typeface="+mn-lt"/>
@@ -7210,7 +9906,6610 @@
 </p:sld>
 </file>
 
+<file path=ppt/slides/slide3.xml><?xml version="1.0" encoding="utf-8"?>
+<p:sld xmlns:a="http://schemas.openxmlformats.org/drawingml/2006/main" xmlns:r="http://schemas.openxmlformats.org/officeDocument/2006/relationships" xmlns:p="http://schemas.openxmlformats.org/presentationml/2006/main">
+  <p:cSld>
+    <p:spTree>
+      <p:nvGrpSpPr>
+        <p:cNvPr id="1" name=""/>
+        <p:cNvGrpSpPr/>
+        <p:nvPr/>
+      </p:nvGrpSpPr>
+      <p:grpSpPr>
+        <a:xfrm>
+          <a:off x="0" y="0"/>
+          <a:ext cx="0" cy="0"/>
+          <a:chOff x="0" y="0"/>
+          <a:chExt cx="0" cy="0"/>
+        </a:xfrm>
+      </p:grpSpPr>
+      <p:cxnSp>
+        <p:nvCxnSpPr>
+          <p:cNvPr id="5" name="Straight Connector 4"/>
+          <p:cNvCxnSpPr/>
+          <p:nvPr/>
+        </p:nvCxnSpPr>
+        <p:spPr>
+          <a:xfrm>
+            <a:off x="6646027" y="1061504"/>
+            <a:ext cx="0" cy="5254388"/>
+          </a:xfrm>
+          <a:prstGeom prst="line">
+            <a:avLst/>
+          </a:prstGeom>
+          <a:ln>
+            <a:solidFill>
+              <a:schemeClr val="tx1"/>
+            </a:solidFill>
+            <a:prstDash val="dash"/>
+          </a:ln>
+        </p:spPr>
+        <p:style>
+          <a:lnRef idx="1">
+            <a:schemeClr val="accent1"/>
+          </a:lnRef>
+          <a:fillRef idx="0">
+            <a:schemeClr val="accent1"/>
+          </a:fillRef>
+          <a:effectRef idx="0">
+            <a:schemeClr val="accent1"/>
+          </a:effectRef>
+          <a:fontRef idx="minor">
+            <a:schemeClr val="tx1"/>
+          </a:fontRef>
+        </p:style>
+      </p:cxnSp>
+      <p:sp>
+        <p:nvSpPr>
+          <p:cNvPr id="33" name="Rectangle 2"/>
+          <p:cNvSpPr txBox="1">
+            <a:spLocks noChangeArrowheads="1"/>
+          </p:cNvSpPr>
+          <p:nvPr>
+            <p:custDataLst>
+              <p:tags r:id="rId1"/>
+            </p:custDataLst>
+          </p:nvPr>
+        </p:nvSpPr>
+        <p:spPr bwMode="gray">
+          <a:xfrm>
+            <a:off x="571924" y="796414"/>
+            <a:ext cx="3986428" cy="400960"/>
+          </a:xfrm>
+          <a:prstGeom prst="rect">
+            <a:avLst/>
+          </a:prstGeom>
+        </p:spPr>
+        <p:style>
+          <a:lnRef idx="2">
+            <a:schemeClr val="dk1"/>
+          </a:lnRef>
+          <a:fillRef idx="1">
+            <a:schemeClr val="lt1"/>
+          </a:fillRef>
+          <a:effectRef idx="0">
+            <a:schemeClr val="dk1"/>
+          </a:effectRef>
+          <a:fontRef idx="minor">
+            <a:schemeClr val="dk1"/>
+          </a:fontRef>
+        </p:style>
+        <p:txBody>
+          <a:bodyPr vert="horz" lIns="91440" tIns="45720" rIns="91440" bIns="45720" rtlCol="0" anchor="ctr">
+            <a:noAutofit/>
+          </a:bodyPr>
+          <a:lstStyle>
+            <a:lvl1pPr algn="l" defTabSz="914400" rtl="0" eaLnBrk="1" latinLnBrk="0" hangingPunct="1">
+              <a:lnSpc>
+                <a:spcPct val="90000"/>
+              </a:lnSpc>
+              <a:spcBef>
+                <a:spcPct val="0"/>
+              </a:spcBef>
+              <a:buNone/>
+              <a:defRPr sz="4400" kern="1200">
+                <a:solidFill>
+                  <a:schemeClr val="tx1"/>
+                </a:solidFill>
+                <a:latin typeface="+mj-lt"/>
+                <a:ea typeface="+mj-ea"/>
+                <a:cs typeface="+mj-cs"/>
+              </a:defRPr>
+            </a:lvl1pPr>
+          </a:lstStyle>
+          <a:p>
+            <a:pPr algn="ctr"/>
+            <a:r>
+              <a:rPr lang="en-US" altLang="zh-CN" sz="1800" b="1" dirty="0" smtClean="0">
+                <a:latin typeface="Arial Narrow" panose="020B0606020202030204" pitchFamily="34" charset="0"/>
+              </a:rPr>
+              <a:t>Types</a:t>
+            </a:r>
+            <a:r>
+              <a:rPr lang="zh-CN" altLang="en-US" sz="1800" b="1" dirty="0" smtClean="0">
+                <a:latin typeface="Arial Narrow" panose="020B0606020202030204" pitchFamily="34" charset="0"/>
+              </a:rPr>
+              <a:t> </a:t>
+            </a:r>
+            <a:r>
+              <a:rPr lang="en-US" altLang="zh-CN" sz="1800" b="1" dirty="0" smtClean="0">
+                <a:latin typeface="Arial Narrow" panose="020B0606020202030204" pitchFamily="34" charset="0"/>
+              </a:rPr>
+              <a:t>of</a:t>
+            </a:r>
+            <a:r>
+              <a:rPr lang="zh-CN" altLang="en-US" sz="1800" b="1" dirty="0" smtClean="0">
+                <a:latin typeface="Arial Narrow" panose="020B0606020202030204" pitchFamily="34" charset="0"/>
+              </a:rPr>
+              <a:t> </a:t>
+            </a:r>
+            <a:r>
+              <a:rPr lang="en-US" altLang="zh-CN" sz="1800" b="1" dirty="0" smtClean="0">
+                <a:latin typeface="Arial Narrow" panose="020B0606020202030204" pitchFamily="34" charset="0"/>
+              </a:rPr>
+              <a:t>search</a:t>
+            </a:r>
+            <a:r>
+              <a:rPr lang="zh-CN" altLang="en-US" sz="1800" b="1" dirty="0" smtClean="0">
+                <a:latin typeface="Arial Narrow" panose="020B0606020202030204" pitchFamily="34" charset="0"/>
+              </a:rPr>
+              <a:t> </a:t>
+            </a:r>
+            <a:r>
+              <a:rPr lang="en-US" altLang="zh-CN" sz="1800" b="1" dirty="0" smtClean="0">
+                <a:latin typeface="Arial Narrow" panose="020B0606020202030204" pitchFamily="34" charset="0"/>
+              </a:rPr>
+              <a:t>distribution</a:t>
+            </a:r>
+            <a:endParaRPr lang="en-US" altLang="en-US" sz="1800" b="1" dirty="0">
+              <a:latin typeface="Arial Narrow" panose="020B0606020202030204" pitchFamily="34" charset="0"/>
+            </a:endParaRPr>
+          </a:p>
+        </p:txBody>
+      </p:sp>
+      <p:sp>
+        <p:nvSpPr>
+          <p:cNvPr id="6" name="Oval 5"/>
+          <p:cNvSpPr/>
+          <p:nvPr/>
+        </p:nvSpPr>
+        <p:spPr>
+          <a:xfrm>
+            <a:off x="373646" y="584452"/>
+            <a:ext cx="367561" cy="367561"/>
+          </a:xfrm>
+          <a:prstGeom prst="ellipse">
+            <a:avLst/>
+          </a:prstGeom>
+        </p:spPr>
+        <p:style>
+          <a:lnRef idx="2">
+            <a:schemeClr val="accent1">
+              <a:shade val="50000"/>
+            </a:schemeClr>
+          </a:lnRef>
+          <a:fillRef idx="1">
+            <a:schemeClr val="accent1"/>
+          </a:fillRef>
+          <a:effectRef idx="0">
+            <a:schemeClr val="accent1"/>
+          </a:effectRef>
+          <a:fontRef idx="minor">
+            <a:schemeClr val="lt1"/>
+          </a:fontRef>
+        </p:style>
+        <p:txBody>
+          <a:bodyPr rtlCol="0" anchor="ctr"/>
+          <a:lstStyle/>
+          <a:p>
+            <a:pPr algn="ctr"/>
+            <a:r>
+              <a:rPr lang="en-US" altLang="zh-CN" smtClean="0"/>
+              <a:t>1</a:t>
+            </a:r>
+            <a:endParaRPr lang="en-US"/>
+          </a:p>
+        </p:txBody>
+      </p:sp>
+      <p:sp>
+        <p:nvSpPr>
+          <p:cNvPr id="35" name="Rectangle 2"/>
+          <p:cNvSpPr txBox="1">
+            <a:spLocks noChangeArrowheads="1"/>
+          </p:cNvSpPr>
+          <p:nvPr>
+            <p:custDataLst>
+              <p:tags r:id="rId2"/>
+            </p:custDataLst>
+          </p:nvPr>
+        </p:nvSpPr>
+        <p:spPr bwMode="gray">
+          <a:xfrm>
+            <a:off x="6829808" y="796414"/>
+            <a:ext cx="2832295" cy="400960"/>
+          </a:xfrm>
+          <a:prstGeom prst="rect">
+            <a:avLst/>
+          </a:prstGeom>
+        </p:spPr>
+        <p:style>
+          <a:lnRef idx="2">
+            <a:schemeClr val="dk1"/>
+          </a:lnRef>
+          <a:fillRef idx="1">
+            <a:schemeClr val="lt1"/>
+          </a:fillRef>
+          <a:effectRef idx="0">
+            <a:schemeClr val="dk1"/>
+          </a:effectRef>
+          <a:fontRef idx="minor">
+            <a:schemeClr val="dk1"/>
+          </a:fontRef>
+        </p:style>
+        <p:txBody>
+          <a:bodyPr vert="horz" lIns="91440" tIns="45720" rIns="91440" bIns="45720" rtlCol="0" anchor="ctr">
+            <a:noAutofit/>
+          </a:bodyPr>
+          <a:lstStyle>
+            <a:lvl1pPr algn="l" defTabSz="914400" rtl="0" eaLnBrk="1" latinLnBrk="0" hangingPunct="1">
+              <a:lnSpc>
+                <a:spcPct val="90000"/>
+              </a:lnSpc>
+              <a:spcBef>
+                <a:spcPct val="0"/>
+              </a:spcBef>
+              <a:buNone/>
+              <a:defRPr sz="4400" kern="1200">
+                <a:solidFill>
+                  <a:schemeClr val="tx1"/>
+                </a:solidFill>
+                <a:latin typeface="+mj-lt"/>
+                <a:ea typeface="+mj-ea"/>
+                <a:cs typeface="+mj-cs"/>
+              </a:defRPr>
+            </a:lvl1pPr>
+          </a:lstStyle>
+          <a:p>
+            <a:pPr algn="ctr"/>
+            <a:r>
+              <a:rPr lang="en-US" altLang="zh-CN" sz="1800" b="1" dirty="0" smtClean="0">
+                <a:latin typeface="Arial Narrow" panose="020B0606020202030204" pitchFamily="34" charset="0"/>
+              </a:rPr>
+              <a:t>Key</a:t>
+            </a:r>
+            <a:r>
+              <a:rPr lang="zh-CN" altLang="en-US" sz="1800" b="1" dirty="0" smtClean="0">
+                <a:latin typeface="Arial Narrow" panose="020B0606020202030204" pitchFamily="34" charset="0"/>
+              </a:rPr>
+              <a:t> </a:t>
+            </a:r>
+            <a:r>
+              <a:rPr lang="en-US" altLang="zh-CN" sz="1800" b="1" dirty="0" smtClean="0">
+                <a:latin typeface="Arial Narrow" panose="020B0606020202030204" pitchFamily="34" charset="0"/>
+              </a:rPr>
+              <a:t>findings</a:t>
+            </a:r>
+            <a:endParaRPr lang="en-US" altLang="en-US" sz="1800" b="1" dirty="0">
+              <a:latin typeface="Arial Narrow" panose="020B0606020202030204" pitchFamily="34" charset="0"/>
+            </a:endParaRPr>
+          </a:p>
+        </p:txBody>
+      </p:sp>
+      <p:sp>
+        <p:nvSpPr>
+          <p:cNvPr id="36" name="Rectangle 2"/>
+          <p:cNvSpPr txBox="1">
+            <a:spLocks noChangeArrowheads="1"/>
+          </p:cNvSpPr>
+          <p:nvPr>
+            <p:custDataLst>
+              <p:tags r:id="rId3"/>
+            </p:custDataLst>
+          </p:nvPr>
+        </p:nvSpPr>
+        <p:spPr bwMode="gray">
+          <a:xfrm>
+            <a:off x="6722933" y="3377860"/>
+            <a:ext cx="5057392" cy="400960"/>
+          </a:xfrm>
+          <a:prstGeom prst="rect">
+            <a:avLst/>
+          </a:prstGeom>
+          <a:ln>
+            <a:noFill/>
+          </a:ln>
+        </p:spPr>
+        <p:style>
+          <a:lnRef idx="2">
+            <a:schemeClr val="dk1"/>
+          </a:lnRef>
+          <a:fillRef idx="1">
+            <a:schemeClr val="lt1"/>
+          </a:fillRef>
+          <a:effectRef idx="0">
+            <a:schemeClr val="dk1"/>
+          </a:effectRef>
+          <a:fontRef idx="minor">
+            <a:schemeClr val="dk1"/>
+          </a:fontRef>
+        </p:style>
+        <p:txBody>
+          <a:bodyPr vert="horz" lIns="91440" tIns="45720" rIns="91440" bIns="45720" rtlCol="0" anchor="ctr">
+            <a:noAutofit/>
+          </a:bodyPr>
+          <a:lstStyle>
+            <a:lvl1pPr algn="l" defTabSz="914400" rtl="0" eaLnBrk="1" latinLnBrk="0" hangingPunct="1">
+              <a:lnSpc>
+                <a:spcPct val="90000"/>
+              </a:lnSpc>
+              <a:spcBef>
+                <a:spcPct val="0"/>
+              </a:spcBef>
+              <a:buNone/>
+              <a:defRPr sz="4400" kern="1200">
+                <a:solidFill>
+                  <a:schemeClr val="tx1"/>
+                </a:solidFill>
+                <a:latin typeface="+mj-lt"/>
+                <a:ea typeface="+mj-ea"/>
+                <a:cs typeface="+mj-cs"/>
+              </a:defRPr>
+            </a:lvl1pPr>
+          </a:lstStyle>
+          <a:p>
+            <a:pPr marL="342900" indent="-342900">
+              <a:buFont typeface="Arial" charset="0"/>
+              <a:buChar char="•"/>
+            </a:pPr>
+            <a:r>
+              <a:rPr lang="en-US" altLang="zh-CN" sz="1800" b="1" dirty="0" smtClean="0">
+                <a:latin typeface="Arial Narrow" panose="020B0606020202030204" pitchFamily="34" charset="0"/>
+              </a:rPr>
+              <a:t>Most</a:t>
+            </a:r>
+            <a:r>
+              <a:rPr lang="zh-CN" altLang="en-US" sz="1800" b="1" dirty="0" smtClean="0">
+                <a:latin typeface="Arial Narrow" panose="020B0606020202030204" pitchFamily="34" charset="0"/>
+              </a:rPr>
+              <a:t> </a:t>
+            </a:r>
+            <a:r>
+              <a:rPr lang="en-US" altLang="zh-CN" sz="1800" b="1" dirty="0" smtClean="0">
+                <a:latin typeface="Arial Narrow" panose="020B0606020202030204" pitchFamily="34" charset="0"/>
+              </a:rPr>
+              <a:t>of</a:t>
+            </a:r>
+            <a:r>
+              <a:rPr lang="zh-CN" altLang="en-US" sz="1800" b="1" dirty="0" smtClean="0">
+                <a:latin typeface="Arial Narrow" panose="020B0606020202030204" pitchFamily="34" charset="0"/>
+              </a:rPr>
+              <a:t> </a:t>
+            </a:r>
+            <a:r>
+              <a:rPr lang="en-US" altLang="zh-CN" sz="1800" b="1" dirty="0" smtClean="0">
+                <a:latin typeface="Arial Narrow" panose="020B0606020202030204" pitchFamily="34" charset="0"/>
+              </a:rPr>
+              <a:t>the</a:t>
+            </a:r>
+            <a:r>
+              <a:rPr lang="zh-CN" altLang="en-US" sz="1800" b="1" dirty="0" smtClean="0">
+                <a:latin typeface="Arial Narrow" panose="020B0606020202030204" pitchFamily="34" charset="0"/>
+              </a:rPr>
+              <a:t> </a:t>
+            </a:r>
+            <a:r>
+              <a:rPr lang="en-US" altLang="zh-CN" sz="1800" b="1" dirty="0" err="1" smtClean="0">
+                <a:latin typeface="Arial Narrow" panose="020B0606020202030204" pitchFamily="34" charset="0"/>
+              </a:rPr>
+              <a:t>s&amp;s</a:t>
+            </a:r>
+            <a:r>
+              <a:rPr lang="zh-CN" altLang="en-US" sz="1800" b="1" dirty="0" smtClean="0">
+                <a:latin typeface="Arial Narrow" panose="020B0606020202030204" pitchFamily="34" charset="0"/>
+              </a:rPr>
+              <a:t> </a:t>
+            </a:r>
+            <a:r>
+              <a:rPr lang="en-US" altLang="zh-CN" sz="1800" b="1" dirty="0" smtClean="0">
+                <a:latin typeface="Arial Narrow" panose="020B0606020202030204" pitchFamily="34" charset="0"/>
+              </a:rPr>
+              <a:t>is</a:t>
+            </a:r>
+            <a:r>
+              <a:rPr lang="zh-CN" altLang="en-US" sz="1800" b="1" dirty="0" smtClean="0">
+                <a:latin typeface="Arial Narrow" panose="020B0606020202030204" pitchFamily="34" charset="0"/>
+              </a:rPr>
+              <a:t> </a:t>
+            </a:r>
+            <a:r>
+              <a:rPr lang="en-US" altLang="zh-CN" sz="1800" b="1" dirty="0" smtClean="0">
+                <a:latin typeface="Arial Narrow" panose="020B0606020202030204" pitchFamily="34" charset="0"/>
+              </a:rPr>
+              <a:t>about</a:t>
+            </a:r>
+            <a:r>
+              <a:rPr lang="zh-CN" altLang="en-US" sz="1800" b="1" dirty="0" smtClean="0">
+                <a:latin typeface="Arial Narrow" panose="020B0606020202030204" pitchFamily="34" charset="0"/>
+              </a:rPr>
+              <a:t> </a:t>
+            </a:r>
+            <a:r>
+              <a:rPr lang="en-US" altLang="zh-CN" sz="1800" b="1" dirty="0" smtClean="0">
+                <a:latin typeface="Arial Narrow" panose="020B0606020202030204" pitchFamily="34" charset="0"/>
+              </a:rPr>
+              <a:t>the</a:t>
+            </a:r>
+            <a:r>
+              <a:rPr lang="zh-CN" altLang="en-US" sz="1800" b="1" dirty="0" smtClean="0">
+                <a:latin typeface="Arial Narrow" panose="020B0606020202030204" pitchFamily="34" charset="0"/>
+              </a:rPr>
+              <a:t> </a:t>
+            </a:r>
+            <a:r>
+              <a:rPr lang="en-US" altLang="zh-CN" sz="1800" b="1" dirty="0" smtClean="0">
+                <a:latin typeface="Arial Narrow" panose="020B0606020202030204" pitchFamily="34" charset="0"/>
+              </a:rPr>
+              <a:t>traffic</a:t>
+            </a:r>
+            <a:r>
+              <a:rPr lang="zh-CN" altLang="en-US" sz="1800" b="1" dirty="0" smtClean="0">
+                <a:latin typeface="Arial Narrow" panose="020B0606020202030204" pitchFamily="34" charset="0"/>
+              </a:rPr>
+              <a:t> </a:t>
+            </a:r>
+            <a:r>
+              <a:rPr lang="en-US" altLang="zh-CN" sz="1800" b="1" dirty="0" smtClean="0">
+                <a:latin typeface="Arial Narrow" panose="020B0606020202030204" pitchFamily="34" charset="0"/>
+              </a:rPr>
+              <a:t>violation</a:t>
+            </a:r>
+            <a:r>
+              <a:rPr lang="zh-CN" altLang="en-US" sz="1800" b="1" dirty="0" smtClean="0">
+                <a:latin typeface="Arial Narrow" panose="020B0606020202030204" pitchFamily="34" charset="0"/>
+              </a:rPr>
+              <a:t> </a:t>
+            </a:r>
+            <a:endParaRPr lang="en-US" altLang="zh-CN" sz="1800" b="1" dirty="0" smtClean="0">
+              <a:latin typeface="Arial Narrow" panose="020B0606020202030204" pitchFamily="34" charset="0"/>
+            </a:endParaRPr>
+          </a:p>
+          <a:p>
+            <a:pPr marL="342900" indent="-342900">
+              <a:buFont typeface="Arial" charset="0"/>
+              <a:buChar char="•"/>
+            </a:pPr>
+            <a:r>
+              <a:rPr lang="en-US" altLang="zh-CN" sz="1800" b="1" dirty="0">
+                <a:latin typeface="Arial Narrow" panose="020B0606020202030204" pitchFamily="34" charset="0"/>
+              </a:rPr>
+              <a:t>T</a:t>
+            </a:r>
+            <a:r>
+              <a:rPr lang="en-US" altLang="zh-CN" sz="1800" b="1" dirty="0" smtClean="0">
+                <a:latin typeface="Arial Narrow" panose="020B0606020202030204" pitchFamily="34" charset="0"/>
+              </a:rPr>
+              <a:t>he</a:t>
+            </a:r>
+            <a:r>
+              <a:rPr lang="zh-CN" altLang="en-US" sz="1800" b="1" dirty="0" smtClean="0">
+                <a:latin typeface="Arial Narrow" panose="020B0606020202030204" pitchFamily="34" charset="0"/>
+              </a:rPr>
+              <a:t> </a:t>
+            </a:r>
+            <a:r>
+              <a:rPr lang="en-US" altLang="zh-CN" sz="1800" b="1" dirty="0" smtClean="0">
+                <a:latin typeface="Arial Narrow" panose="020B0606020202030204" pitchFamily="34" charset="0"/>
+              </a:rPr>
+              <a:t>percentage</a:t>
+            </a:r>
+            <a:r>
+              <a:rPr lang="zh-CN" altLang="en-US" sz="1800" b="1" dirty="0" smtClean="0">
+                <a:latin typeface="Arial Narrow" panose="020B0606020202030204" pitchFamily="34" charset="0"/>
+              </a:rPr>
+              <a:t> </a:t>
+            </a:r>
+            <a:r>
+              <a:rPr lang="en-US" altLang="zh-CN" sz="1800" b="1" dirty="0" smtClean="0">
+                <a:latin typeface="Arial Narrow" panose="020B0606020202030204" pitchFamily="34" charset="0"/>
+              </a:rPr>
+              <a:t>of</a:t>
+            </a:r>
+            <a:r>
+              <a:rPr lang="zh-CN" altLang="en-US" sz="1800" b="1" dirty="0" smtClean="0">
+                <a:latin typeface="Arial Narrow" panose="020B0606020202030204" pitchFamily="34" charset="0"/>
+              </a:rPr>
+              <a:t> </a:t>
+            </a:r>
+            <a:r>
+              <a:rPr lang="en-US" altLang="zh-CN" sz="1800" b="1" dirty="0" smtClean="0">
+                <a:latin typeface="Arial Narrow" panose="020B0606020202030204" pitchFamily="34" charset="0"/>
+              </a:rPr>
+              <a:t>violent</a:t>
+            </a:r>
+            <a:r>
+              <a:rPr lang="zh-CN" altLang="en-US" sz="1800" b="1" dirty="0" smtClean="0">
+                <a:latin typeface="Arial Narrow" panose="020B0606020202030204" pitchFamily="34" charset="0"/>
+              </a:rPr>
+              <a:t> </a:t>
+            </a:r>
+            <a:r>
+              <a:rPr lang="en-US" altLang="zh-CN" sz="1800" b="1" dirty="0" smtClean="0">
+                <a:latin typeface="Arial Narrow" panose="020B0606020202030204" pitchFamily="34" charset="0"/>
+              </a:rPr>
+              <a:t>crime</a:t>
+            </a:r>
+            <a:r>
+              <a:rPr lang="zh-CN" altLang="en-US" sz="1800" b="1" dirty="0" smtClean="0">
+                <a:latin typeface="Arial Narrow" panose="020B0606020202030204" pitchFamily="34" charset="0"/>
+              </a:rPr>
+              <a:t> </a:t>
+            </a:r>
+            <a:r>
+              <a:rPr lang="en-US" altLang="zh-CN" sz="1800" b="1" dirty="0" smtClean="0">
+                <a:latin typeface="Arial Narrow" panose="020B0606020202030204" pitchFamily="34" charset="0"/>
+              </a:rPr>
+              <a:t>is</a:t>
+            </a:r>
+            <a:r>
+              <a:rPr lang="zh-CN" altLang="en-US" sz="1800" b="1" dirty="0" smtClean="0">
+                <a:latin typeface="Arial Narrow" panose="020B0606020202030204" pitchFamily="34" charset="0"/>
+              </a:rPr>
+              <a:t> </a:t>
+            </a:r>
+            <a:r>
+              <a:rPr lang="en-US" altLang="zh-CN" sz="1800" b="1" dirty="0" smtClean="0">
+                <a:latin typeface="Arial Narrow" panose="020B0606020202030204" pitchFamily="34" charset="0"/>
+              </a:rPr>
+              <a:t>actually</a:t>
+            </a:r>
+            <a:r>
+              <a:rPr lang="zh-CN" altLang="en-US" sz="1800" b="1" dirty="0" smtClean="0">
+                <a:latin typeface="Arial Narrow" panose="020B0606020202030204" pitchFamily="34" charset="0"/>
+              </a:rPr>
+              <a:t> </a:t>
+            </a:r>
+            <a:r>
+              <a:rPr lang="en-US" altLang="zh-CN" sz="1800" b="1" dirty="0" smtClean="0">
+                <a:latin typeface="Arial Narrow" panose="020B0606020202030204" pitchFamily="34" charset="0"/>
+              </a:rPr>
+              <a:t>kind</a:t>
+            </a:r>
+            <a:r>
+              <a:rPr lang="zh-CN" altLang="en-US" sz="1800" b="1" dirty="0" smtClean="0">
+                <a:latin typeface="Arial Narrow" panose="020B0606020202030204" pitchFamily="34" charset="0"/>
+              </a:rPr>
+              <a:t> </a:t>
+            </a:r>
+            <a:r>
+              <a:rPr lang="en-US" altLang="zh-CN" sz="1800" b="1" dirty="0" smtClean="0">
+                <a:latin typeface="Arial Narrow" panose="020B0606020202030204" pitchFamily="34" charset="0"/>
+              </a:rPr>
+              <a:t>of</a:t>
+            </a:r>
+            <a:r>
+              <a:rPr lang="zh-CN" altLang="en-US" sz="1800" b="1" dirty="0" smtClean="0">
+                <a:latin typeface="Arial Narrow" panose="020B0606020202030204" pitchFamily="34" charset="0"/>
+              </a:rPr>
+              <a:t> </a:t>
+            </a:r>
+            <a:r>
+              <a:rPr lang="en-US" altLang="zh-CN" sz="1800" b="1" dirty="0" smtClean="0">
+                <a:latin typeface="Arial Narrow" panose="020B0606020202030204" pitchFamily="34" charset="0"/>
+              </a:rPr>
+              <a:t>low</a:t>
+            </a:r>
+          </a:p>
+          <a:p>
+            <a:pPr marL="342900" indent="-342900">
+              <a:buFont typeface="Arial" charset="0"/>
+              <a:buChar char="•"/>
+            </a:pPr>
+            <a:endParaRPr lang="en-US" altLang="zh-CN" sz="1800" b="1" dirty="0" smtClean="0">
+              <a:latin typeface="Arial Narrow" panose="020B0606020202030204" pitchFamily="34" charset="0"/>
+            </a:endParaRPr>
+          </a:p>
+        </p:txBody>
+      </p:sp>
+      <p:sp>
+        <p:nvSpPr>
+          <p:cNvPr id="9" name="Oval 8"/>
+          <p:cNvSpPr/>
+          <p:nvPr/>
+        </p:nvSpPr>
+        <p:spPr>
+          <a:xfrm>
+            <a:off x="6646027" y="629333"/>
+            <a:ext cx="367561" cy="367561"/>
+          </a:xfrm>
+          <a:prstGeom prst="ellipse">
+            <a:avLst/>
+          </a:prstGeom>
+        </p:spPr>
+        <p:style>
+          <a:lnRef idx="2">
+            <a:schemeClr val="accent1">
+              <a:shade val="50000"/>
+            </a:schemeClr>
+          </a:lnRef>
+          <a:fillRef idx="1">
+            <a:schemeClr val="accent1"/>
+          </a:fillRef>
+          <a:effectRef idx="0">
+            <a:schemeClr val="accent1"/>
+          </a:effectRef>
+          <a:fontRef idx="minor">
+            <a:schemeClr val="lt1"/>
+          </a:fontRef>
+        </p:style>
+        <p:txBody>
+          <a:bodyPr rtlCol="0" anchor="ctr"/>
+          <a:lstStyle/>
+          <a:p>
+            <a:pPr algn="ctr"/>
+            <a:r>
+              <a:rPr lang="en-US" altLang="zh-CN" dirty="0"/>
+              <a:t>2</a:t>
+            </a:r>
+            <a:endParaRPr lang="en-US" dirty="0"/>
+          </a:p>
+        </p:txBody>
+      </p:sp>
+      <p:sp>
+        <p:nvSpPr>
+          <p:cNvPr id="14" name="Rectangle 2"/>
+          <p:cNvSpPr>
+            <a:spLocks noGrp="1" noChangeArrowheads="1"/>
+          </p:cNvSpPr>
+          <p:nvPr>
+            <p:ph type="title"/>
+            <p:custDataLst>
+              <p:tags r:id="rId4"/>
+            </p:custDataLst>
+          </p:nvPr>
+        </p:nvSpPr>
+        <p:spPr bwMode="gray">
+          <a:xfrm>
+            <a:off x="212737" y="220071"/>
+            <a:ext cx="8793595" cy="298327"/>
+          </a:xfrm>
+        </p:spPr>
+        <p:txBody>
+          <a:bodyPr>
+            <a:noAutofit/>
+          </a:bodyPr>
+          <a:lstStyle/>
+          <a:p>
+            <a:r>
+              <a:rPr lang="en-US" altLang="zh-CN" sz="2400" b="1" dirty="0" smtClean="0">
+                <a:solidFill>
+                  <a:srgbClr val="954F72"/>
+                </a:solidFill>
+                <a:latin typeface="Arial Narrow" panose="020B0606020202030204" pitchFamily="34" charset="0"/>
+              </a:rPr>
+              <a:t>Analysis</a:t>
+            </a:r>
+            <a:r>
+              <a:rPr lang="zh-CN" altLang="en-US" sz="2400" b="1" dirty="0" smtClean="0">
+                <a:solidFill>
+                  <a:srgbClr val="954F72"/>
+                </a:solidFill>
+                <a:latin typeface="Arial Narrow" panose="020B0606020202030204" pitchFamily="34" charset="0"/>
+              </a:rPr>
+              <a:t> </a:t>
+            </a:r>
+            <a:r>
+              <a:rPr lang="en-US" altLang="zh-CN" sz="2400" b="1" dirty="0" smtClean="0">
+                <a:solidFill>
+                  <a:srgbClr val="954F72"/>
+                </a:solidFill>
+                <a:latin typeface="Arial Narrow" panose="020B0606020202030204" pitchFamily="34" charset="0"/>
+              </a:rPr>
+              <a:t>of</a:t>
+            </a:r>
+            <a:r>
+              <a:rPr lang="zh-CN" altLang="en-US" sz="2400" b="1" dirty="0" smtClean="0">
+                <a:solidFill>
+                  <a:srgbClr val="954F72"/>
+                </a:solidFill>
+                <a:latin typeface="Arial Narrow" panose="020B0606020202030204" pitchFamily="34" charset="0"/>
+              </a:rPr>
+              <a:t> </a:t>
+            </a:r>
+            <a:r>
+              <a:rPr lang="en-US" altLang="zh-CN" sz="2400" b="1" dirty="0" smtClean="0">
+                <a:solidFill>
+                  <a:srgbClr val="954F72"/>
+                </a:solidFill>
+                <a:latin typeface="Arial Narrow" panose="020B0606020202030204" pitchFamily="34" charset="0"/>
+              </a:rPr>
+              <a:t>Stop</a:t>
+            </a:r>
+            <a:r>
+              <a:rPr lang="zh-CN" altLang="en-US" sz="2400" b="1" dirty="0" smtClean="0">
+                <a:solidFill>
+                  <a:srgbClr val="954F72"/>
+                </a:solidFill>
+                <a:latin typeface="Arial Narrow" panose="020B0606020202030204" pitchFamily="34" charset="0"/>
+              </a:rPr>
+              <a:t> </a:t>
+            </a:r>
+            <a:r>
+              <a:rPr lang="en-US" altLang="zh-CN" sz="2400" b="1" dirty="0" smtClean="0">
+                <a:solidFill>
+                  <a:srgbClr val="954F72"/>
+                </a:solidFill>
+                <a:latin typeface="Arial Narrow" panose="020B0606020202030204" pitchFamily="34" charset="0"/>
+              </a:rPr>
+              <a:t>and</a:t>
+            </a:r>
+            <a:r>
+              <a:rPr lang="zh-CN" altLang="en-US" sz="2400" b="1" dirty="0" smtClean="0">
+                <a:solidFill>
+                  <a:srgbClr val="954F72"/>
+                </a:solidFill>
+                <a:latin typeface="Arial Narrow" panose="020B0606020202030204" pitchFamily="34" charset="0"/>
+              </a:rPr>
+              <a:t> </a:t>
+            </a:r>
+            <a:r>
+              <a:rPr lang="en-US" altLang="zh-CN" sz="2400" b="1" smtClean="0">
+                <a:solidFill>
+                  <a:srgbClr val="954F72"/>
+                </a:solidFill>
+                <a:latin typeface="Arial Narrow" panose="020B0606020202030204" pitchFamily="34" charset="0"/>
+              </a:rPr>
+              <a:t>Search</a:t>
+            </a:r>
+            <a:endParaRPr lang="en-US" altLang="en-US" sz="2400" b="1" dirty="0">
+              <a:solidFill>
+                <a:srgbClr val="954F72"/>
+              </a:solidFill>
+              <a:latin typeface="Arial Narrow" panose="020B0606020202030204" pitchFamily="34" charset="0"/>
+            </a:endParaRPr>
+          </a:p>
+        </p:txBody>
+      </p:sp>
+      <p:pic>
+        <p:nvPicPr>
+          <p:cNvPr id="2" name="Picture 1"/>
+          <p:cNvPicPr>
+            <a:picLocks noChangeAspect="1"/>
+          </p:cNvPicPr>
+          <p:nvPr/>
+        </p:nvPicPr>
+        <p:blipFill>
+          <a:blip r:embed="rId7">
+            <a:extLst>
+              <a:ext uri="{28A0092B-C50C-407E-A947-70E740481C1C}">
+                <a14:useLocalDpi xmlns:a14="http://schemas.microsoft.com/office/drawing/2010/main" val="0"/>
+              </a:ext>
+            </a:extLst>
+          </a:blip>
+          <a:stretch>
+            <a:fillRect/>
+          </a:stretch>
+        </p:blipFill>
+        <p:spPr>
+          <a:xfrm>
+            <a:off x="571924" y="1409336"/>
+            <a:ext cx="5689833" cy="5048515"/>
+          </a:xfrm>
+          <a:prstGeom prst="rect">
+            <a:avLst/>
+          </a:prstGeom>
+        </p:spPr>
+      </p:pic>
+    </p:spTree>
+    <p:extLst>
+      <p:ext uri="{BB962C8B-B14F-4D97-AF65-F5344CB8AC3E}">
+        <p14:creationId xmlns:p14="http://schemas.microsoft.com/office/powerpoint/2010/main" val="1775581392"/>
+      </p:ext>
+    </p:extLst>
+  </p:cSld>
+  <p:clrMapOvr>
+    <a:masterClrMapping/>
+  </p:clrMapOvr>
+  <p:transition>
+    <p:wipe dir="r"/>
+  </p:transition>
+</p:sld>
+</file>
+
+<file path=ppt/slides/slide4.xml><?xml version="1.0" encoding="utf-8"?>
+<p:sld xmlns:a="http://schemas.openxmlformats.org/drawingml/2006/main" xmlns:r="http://schemas.openxmlformats.org/officeDocument/2006/relationships" xmlns:p="http://schemas.openxmlformats.org/presentationml/2006/main">
+  <p:cSld>
+    <p:spTree>
+      <p:nvGrpSpPr>
+        <p:cNvPr id="1" name=""/>
+        <p:cNvGrpSpPr/>
+        <p:nvPr/>
+      </p:nvGrpSpPr>
+      <p:grpSpPr>
+        <a:xfrm>
+          <a:off x="0" y="0"/>
+          <a:ext cx="0" cy="0"/>
+          <a:chOff x="0" y="0"/>
+          <a:chExt cx="0" cy="0"/>
+        </a:xfrm>
+      </p:grpSpPr>
+      <p:pic>
+        <p:nvPicPr>
+          <p:cNvPr id="3" name="Picture 2"/>
+          <p:cNvPicPr>
+            <a:picLocks noChangeAspect="1"/>
+          </p:cNvPicPr>
+          <p:nvPr/>
+        </p:nvPicPr>
+        <p:blipFill>
+          <a:blip r:embed="rId7">
+            <a:extLst>
+              <a:ext uri="{28A0092B-C50C-407E-A947-70E740481C1C}">
+                <a14:useLocalDpi xmlns:a14="http://schemas.microsoft.com/office/drawing/2010/main" val="0"/>
+              </a:ext>
+            </a:extLst>
+          </a:blip>
+          <a:stretch>
+            <a:fillRect/>
+          </a:stretch>
+        </p:blipFill>
+        <p:spPr>
+          <a:xfrm>
+            <a:off x="374928" y="1337927"/>
+            <a:ext cx="6058582" cy="4480826"/>
+          </a:xfrm>
+          <a:prstGeom prst="rect">
+            <a:avLst/>
+          </a:prstGeom>
+        </p:spPr>
+      </p:pic>
+      <p:cxnSp>
+        <p:nvCxnSpPr>
+          <p:cNvPr id="5" name="Straight Connector 4"/>
+          <p:cNvCxnSpPr/>
+          <p:nvPr/>
+        </p:nvCxnSpPr>
+        <p:spPr>
+          <a:xfrm>
+            <a:off x="6578221" y="996894"/>
+            <a:ext cx="0" cy="5254388"/>
+          </a:xfrm>
+          <a:prstGeom prst="line">
+            <a:avLst/>
+          </a:prstGeom>
+          <a:ln>
+            <a:solidFill>
+              <a:schemeClr val="tx1"/>
+            </a:solidFill>
+            <a:prstDash val="dash"/>
+          </a:ln>
+        </p:spPr>
+        <p:style>
+          <a:lnRef idx="1">
+            <a:schemeClr val="accent1"/>
+          </a:lnRef>
+          <a:fillRef idx="0">
+            <a:schemeClr val="accent1"/>
+          </a:fillRef>
+          <a:effectRef idx="0">
+            <a:schemeClr val="accent1"/>
+          </a:effectRef>
+          <a:fontRef idx="minor">
+            <a:schemeClr val="tx1"/>
+          </a:fontRef>
+        </p:style>
+      </p:cxnSp>
+      <p:sp>
+        <p:nvSpPr>
+          <p:cNvPr id="33" name="Rectangle 2"/>
+          <p:cNvSpPr txBox="1">
+            <a:spLocks noChangeArrowheads="1"/>
+          </p:cNvSpPr>
+          <p:nvPr>
+            <p:custDataLst>
+              <p:tags r:id="rId1"/>
+            </p:custDataLst>
+          </p:nvPr>
+        </p:nvSpPr>
+        <p:spPr bwMode="gray">
+          <a:xfrm>
+            <a:off x="571924" y="796414"/>
+            <a:ext cx="3986428" cy="400960"/>
+          </a:xfrm>
+          <a:prstGeom prst="rect">
+            <a:avLst/>
+          </a:prstGeom>
+        </p:spPr>
+        <p:style>
+          <a:lnRef idx="2">
+            <a:schemeClr val="dk1"/>
+          </a:lnRef>
+          <a:fillRef idx="1">
+            <a:schemeClr val="lt1"/>
+          </a:fillRef>
+          <a:effectRef idx="0">
+            <a:schemeClr val="dk1"/>
+          </a:effectRef>
+          <a:fontRef idx="minor">
+            <a:schemeClr val="dk1"/>
+          </a:fontRef>
+        </p:style>
+        <p:txBody>
+          <a:bodyPr vert="horz" lIns="91440" tIns="45720" rIns="91440" bIns="45720" rtlCol="0" anchor="ctr">
+            <a:noAutofit/>
+          </a:bodyPr>
+          <a:lstStyle>
+            <a:lvl1pPr algn="l" defTabSz="914400" rtl="0" eaLnBrk="1" latinLnBrk="0" hangingPunct="1">
+              <a:lnSpc>
+                <a:spcPct val="90000"/>
+              </a:lnSpc>
+              <a:spcBef>
+                <a:spcPct val="0"/>
+              </a:spcBef>
+              <a:buNone/>
+              <a:defRPr sz="4400" kern="1200">
+                <a:solidFill>
+                  <a:schemeClr val="tx1"/>
+                </a:solidFill>
+                <a:latin typeface="+mj-lt"/>
+                <a:ea typeface="+mj-ea"/>
+                <a:cs typeface="+mj-cs"/>
+              </a:defRPr>
+            </a:lvl1pPr>
+          </a:lstStyle>
+          <a:p>
+            <a:pPr algn="ctr"/>
+            <a:r>
+              <a:rPr lang="en-US" altLang="zh-CN" sz="1800" b="1" dirty="0" smtClean="0">
+                <a:latin typeface="Arial Narrow" panose="020B0606020202030204" pitchFamily="34" charset="0"/>
+              </a:rPr>
+              <a:t>Time</a:t>
+            </a:r>
+            <a:r>
+              <a:rPr lang="zh-CN" altLang="en-US" sz="1800" b="1" dirty="0" smtClean="0">
+                <a:latin typeface="Arial Narrow" panose="020B0606020202030204" pitchFamily="34" charset="0"/>
+              </a:rPr>
+              <a:t> </a:t>
+            </a:r>
+            <a:r>
+              <a:rPr lang="en-US" altLang="zh-CN" sz="1800" b="1" dirty="0" smtClean="0">
+                <a:latin typeface="Arial Narrow" panose="020B0606020202030204" pitchFamily="34" charset="0"/>
+              </a:rPr>
+              <a:t>series</a:t>
+            </a:r>
+            <a:r>
+              <a:rPr lang="zh-CN" altLang="en-US" sz="1800" b="1" dirty="0" smtClean="0">
+                <a:latin typeface="Arial Narrow" panose="020B0606020202030204" pitchFamily="34" charset="0"/>
+              </a:rPr>
+              <a:t> </a:t>
+            </a:r>
+            <a:r>
+              <a:rPr lang="en-US" altLang="zh-CN" sz="1800" b="1" dirty="0">
+                <a:latin typeface="Arial Narrow" panose="020B0606020202030204" pitchFamily="34" charset="0"/>
+              </a:rPr>
+              <a:t>p</a:t>
+            </a:r>
+            <a:r>
+              <a:rPr lang="en-US" altLang="zh-CN" sz="1800" b="1" dirty="0" smtClean="0">
+                <a:latin typeface="Arial Narrow" panose="020B0606020202030204" pitchFamily="34" charset="0"/>
+              </a:rPr>
+              <a:t>lot</a:t>
+            </a:r>
+            <a:r>
+              <a:rPr lang="zh-CN" altLang="en-US" sz="1800" b="1" dirty="0" smtClean="0">
+                <a:latin typeface="Arial Narrow" panose="020B0606020202030204" pitchFamily="34" charset="0"/>
+              </a:rPr>
+              <a:t> </a:t>
+            </a:r>
+            <a:r>
+              <a:rPr lang="en-US" altLang="zh-CN" sz="1800" b="1" dirty="0" smtClean="0">
+                <a:latin typeface="Arial Narrow" panose="020B0606020202030204" pitchFamily="34" charset="0"/>
+              </a:rPr>
+              <a:t>for</a:t>
+            </a:r>
+            <a:r>
+              <a:rPr lang="zh-CN" altLang="en-US" sz="1800" b="1" dirty="0" smtClean="0">
+                <a:latin typeface="Arial Narrow" panose="020B0606020202030204" pitchFamily="34" charset="0"/>
+              </a:rPr>
+              <a:t> </a:t>
+            </a:r>
+            <a:r>
+              <a:rPr lang="en-US" altLang="zh-CN" sz="1800" b="1" dirty="0" smtClean="0">
+                <a:latin typeface="Arial Narrow" panose="020B0606020202030204" pitchFamily="34" charset="0"/>
+              </a:rPr>
+              <a:t>number</a:t>
+            </a:r>
+            <a:r>
+              <a:rPr lang="zh-CN" altLang="en-US" sz="1800" b="1" dirty="0" smtClean="0">
+                <a:latin typeface="Arial Narrow" panose="020B0606020202030204" pitchFamily="34" charset="0"/>
+              </a:rPr>
+              <a:t> </a:t>
+            </a:r>
+            <a:r>
+              <a:rPr lang="en-US" altLang="zh-CN" sz="1800" b="1" dirty="0" smtClean="0">
+                <a:latin typeface="Arial Narrow" panose="020B0606020202030204" pitchFamily="34" charset="0"/>
+              </a:rPr>
+              <a:t>of</a:t>
+            </a:r>
+            <a:r>
+              <a:rPr lang="zh-CN" altLang="en-US" sz="1800" b="1" dirty="0" smtClean="0">
+                <a:latin typeface="Arial Narrow" panose="020B0606020202030204" pitchFamily="34" charset="0"/>
+              </a:rPr>
+              <a:t> </a:t>
+            </a:r>
+            <a:r>
+              <a:rPr lang="en-US" altLang="zh-CN" sz="1800" b="1" dirty="0" err="1" smtClean="0">
+                <a:latin typeface="Arial Narrow" panose="020B0606020202030204" pitchFamily="34" charset="0"/>
+              </a:rPr>
+              <a:t>s&amp;s</a:t>
+            </a:r>
+            <a:endParaRPr lang="en-US" altLang="en-US" sz="1800" b="1" dirty="0">
+              <a:latin typeface="Arial Narrow" panose="020B0606020202030204" pitchFamily="34" charset="0"/>
+            </a:endParaRPr>
+          </a:p>
+        </p:txBody>
+      </p:sp>
+      <p:sp>
+        <p:nvSpPr>
+          <p:cNvPr id="6" name="Oval 5"/>
+          <p:cNvSpPr/>
+          <p:nvPr/>
+        </p:nvSpPr>
+        <p:spPr>
+          <a:xfrm>
+            <a:off x="373646" y="584452"/>
+            <a:ext cx="367561" cy="367561"/>
+          </a:xfrm>
+          <a:prstGeom prst="ellipse">
+            <a:avLst/>
+          </a:prstGeom>
+        </p:spPr>
+        <p:style>
+          <a:lnRef idx="2">
+            <a:schemeClr val="accent1">
+              <a:shade val="50000"/>
+            </a:schemeClr>
+          </a:lnRef>
+          <a:fillRef idx="1">
+            <a:schemeClr val="accent1"/>
+          </a:fillRef>
+          <a:effectRef idx="0">
+            <a:schemeClr val="accent1"/>
+          </a:effectRef>
+          <a:fontRef idx="minor">
+            <a:schemeClr val="lt1"/>
+          </a:fontRef>
+        </p:style>
+        <p:txBody>
+          <a:bodyPr rtlCol="0" anchor="ctr"/>
+          <a:lstStyle/>
+          <a:p>
+            <a:pPr algn="ctr"/>
+            <a:r>
+              <a:rPr lang="en-US" altLang="zh-CN" smtClean="0"/>
+              <a:t>1</a:t>
+            </a:r>
+            <a:endParaRPr lang="en-US"/>
+          </a:p>
+        </p:txBody>
+      </p:sp>
+      <p:sp>
+        <p:nvSpPr>
+          <p:cNvPr id="35" name="Rectangle 2"/>
+          <p:cNvSpPr txBox="1">
+            <a:spLocks noChangeArrowheads="1"/>
+          </p:cNvSpPr>
+          <p:nvPr>
+            <p:custDataLst>
+              <p:tags r:id="rId2"/>
+            </p:custDataLst>
+          </p:nvPr>
+        </p:nvSpPr>
+        <p:spPr bwMode="gray">
+          <a:xfrm>
+            <a:off x="6829808" y="796414"/>
+            <a:ext cx="2832295" cy="400960"/>
+          </a:xfrm>
+          <a:prstGeom prst="rect">
+            <a:avLst/>
+          </a:prstGeom>
+        </p:spPr>
+        <p:style>
+          <a:lnRef idx="2">
+            <a:schemeClr val="dk1"/>
+          </a:lnRef>
+          <a:fillRef idx="1">
+            <a:schemeClr val="lt1"/>
+          </a:fillRef>
+          <a:effectRef idx="0">
+            <a:schemeClr val="dk1"/>
+          </a:effectRef>
+          <a:fontRef idx="minor">
+            <a:schemeClr val="dk1"/>
+          </a:fontRef>
+        </p:style>
+        <p:txBody>
+          <a:bodyPr vert="horz" lIns="91440" tIns="45720" rIns="91440" bIns="45720" rtlCol="0" anchor="ctr">
+            <a:noAutofit/>
+          </a:bodyPr>
+          <a:lstStyle>
+            <a:lvl1pPr algn="l" defTabSz="914400" rtl="0" eaLnBrk="1" latinLnBrk="0" hangingPunct="1">
+              <a:lnSpc>
+                <a:spcPct val="90000"/>
+              </a:lnSpc>
+              <a:spcBef>
+                <a:spcPct val="0"/>
+              </a:spcBef>
+              <a:buNone/>
+              <a:defRPr sz="4400" kern="1200">
+                <a:solidFill>
+                  <a:schemeClr val="tx1"/>
+                </a:solidFill>
+                <a:latin typeface="+mj-lt"/>
+                <a:ea typeface="+mj-ea"/>
+                <a:cs typeface="+mj-cs"/>
+              </a:defRPr>
+            </a:lvl1pPr>
+          </a:lstStyle>
+          <a:p>
+            <a:pPr algn="ctr"/>
+            <a:r>
+              <a:rPr lang="en-US" altLang="zh-CN" sz="1800" b="1" dirty="0" smtClean="0">
+                <a:latin typeface="Arial Narrow" panose="020B0606020202030204" pitchFamily="34" charset="0"/>
+              </a:rPr>
+              <a:t>Key</a:t>
+            </a:r>
+            <a:r>
+              <a:rPr lang="zh-CN" altLang="en-US" sz="1800" b="1" dirty="0" smtClean="0">
+                <a:latin typeface="Arial Narrow" panose="020B0606020202030204" pitchFamily="34" charset="0"/>
+              </a:rPr>
+              <a:t> </a:t>
+            </a:r>
+            <a:r>
+              <a:rPr lang="en-US" altLang="zh-CN" sz="1800" b="1" dirty="0" smtClean="0">
+                <a:latin typeface="Arial Narrow" panose="020B0606020202030204" pitchFamily="34" charset="0"/>
+              </a:rPr>
+              <a:t>findings</a:t>
+            </a:r>
+            <a:endParaRPr lang="en-US" altLang="en-US" sz="1800" b="1" dirty="0">
+              <a:latin typeface="Arial Narrow" panose="020B0606020202030204" pitchFamily="34" charset="0"/>
+            </a:endParaRPr>
+          </a:p>
+        </p:txBody>
+      </p:sp>
+      <p:sp>
+        <p:nvSpPr>
+          <p:cNvPr id="36" name="Rectangle 2"/>
+          <p:cNvSpPr txBox="1">
+            <a:spLocks noChangeArrowheads="1"/>
+          </p:cNvSpPr>
+          <p:nvPr>
+            <p:custDataLst>
+              <p:tags r:id="rId3"/>
+            </p:custDataLst>
+          </p:nvPr>
+        </p:nvSpPr>
+        <p:spPr bwMode="gray">
+          <a:xfrm>
+            <a:off x="6722933" y="3377860"/>
+            <a:ext cx="5057392" cy="400960"/>
+          </a:xfrm>
+          <a:prstGeom prst="rect">
+            <a:avLst/>
+          </a:prstGeom>
+          <a:ln>
+            <a:noFill/>
+          </a:ln>
+        </p:spPr>
+        <p:style>
+          <a:lnRef idx="2">
+            <a:schemeClr val="dk1"/>
+          </a:lnRef>
+          <a:fillRef idx="1">
+            <a:schemeClr val="lt1"/>
+          </a:fillRef>
+          <a:effectRef idx="0">
+            <a:schemeClr val="dk1"/>
+          </a:effectRef>
+          <a:fontRef idx="minor">
+            <a:schemeClr val="dk1"/>
+          </a:fontRef>
+        </p:style>
+        <p:txBody>
+          <a:bodyPr vert="horz" lIns="91440" tIns="45720" rIns="91440" bIns="45720" rtlCol="0" anchor="ctr">
+            <a:noAutofit/>
+          </a:bodyPr>
+          <a:lstStyle>
+            <a:lvl1pPr algn="l" defTabSz="914400" rtl="0" eaLnBrk="1" latinLnBrk="0" hangingPunct="1">
+              <a:lnSpc>
+                <a:spcPct val="90000"/>
+              </a:lnSpc>
+              <a:spcBef>
+                <a:spcPct val="0"/>
+              </a:spcBef>
+              <a:buNone/>
+              <a:defRPr sz="4400" kern="1200">
+                <a:solidFill>
+                  <a:schemeClr val="tx1"/>
+                </a:solidFill>
+                <a:latin typeface="+mj-lt"/>
+                <a:ea typeface="+mj-ea"/>
+                <a:cs typeface="+mj-cs"/>
+              </a:defRPr>
+            </a:lvl1pPr>
+          </a:lstStyle>
+          <a:p>
+            <a:pPr marL="342900" indent="-342900">
+              <a:buFont typeface="Arial" charset="0"/>
+              <a:buChar char="•"/>
+            </a:pPr>
+            <a:r>
+              <a:rPr lang="en-US" altLang="zh-CN" sz="1800" b="1" dirty="0" smtClean="0">
+                <a:latin typeface="Arial Narrow" panose="020B0606020202030204" pitchFamily="34" charset="0"/>
+              </a:rPr>
+              <a:t>We</a:t>
+            </a:r>
+            <a:r>
+              <a:rPr lang="zh-CN" altLang="en-US" sz="1800" b="1" dirty="0" smtClean="0">
+                <a:latin typeface="Arial Narrow" panose="020B0606020202030204" pitchFamily="34" charset="0"/>
+              </a:rPr>
+              <a:t> </a:t>
+            </a:r>
+            <a:r>
+              <a:rPr lang="en-US" altLang="zh-CN" sz="1800" b="1" dirty="0" smtClean="0">
+                <a:latin typeface="Arial Narrow" panose="020B0606020202030204" pitchFamily="34" charset="0"/>
+              </a:rPr>
+              <a:t>could</a:t>
+            </a:r>
+            <a:r>
+              <a:rPr lang="zh-CN" altLang="en-US" sz="1800" b="1" dirty="0" smtClean="0">
+                <a:latin typeface="Arial Narrow" panose="020B0606020202030204" pitchFamily="34" charset="0"/>
+              </a:rPr>
+              <a:t> </a:t>
+            </a:r>
+            <a:r>
+              <a:rPr lang="en-US" altLang="zh-CN" sz="1800" b="1" dirty="0" smtClean="0">
+                <a:latin typeface="Arial Narrow" panose="020B0606020202030204" pitchFamily="34" charset="0"/>
+              </a:rPr>
+              <a:t>see</a:t>
+            </a:r>
+            <a:r>
+              <a:rPr lang="zh-CN" altLang="en-US" sz="1800" b="1" dirty="0" smtClean="0">
+                <a:latin typeface="Arial Narrow" panose="020B0606020202030204" pitchFamily="34" charset="0"/>
+              </a:rPr>
+              <a:t> </a:t>
+            </a:r>
+            <a:r>
+              <a:rPr lang="en-US" altLang="zh-CN" sz="1800" b="1" dirty="0" smtClean="0">
+                <a:latin typeface="Arial Narrow" panose="020B0606020202030204" pitchFamily="34" charset="0"/>
+              </a:rPr>
+              <a:t>a</a:t>
+            </a:r>
+            <a:r>
+              <a:rPr lang="zh-CN" altLang="en-US" sz="1800" b="1" dirty="0" smtClean="0">
+                <a:latin typeface="Arial Narrow" panose="020B0606020202030204" pitchFamily="34" charset="0"/>
+              </a:rPr>
+              <a:t> </a:t>
+            </a:r>
+            <a:r>
+              <a:rPr lang="en-US" altLang="zh-CN" sz="1800" b="1" dirty="0" smtClean="0">
+                <a:latin typeface="Arial Narrow" panose="020B0606020202030204" pitchFamily="34" charset="0"/>
+              </a:rPr>
+              <a:t>clear</a:t>
+            </a:r>
+            <a:r>
+              <a:rPr lang="zh-CN" altLang="en-US" sz="1800" b="1" dirty="0" smtClean="0">
+                <a:latin typeface="Arial Narrow" panose="020B0606020202030204" pitchFamily="34" charset="0"/>
+              </a:rPr>
+              <a:t> </a:t>
+            </a:r>
+            <a:r>
+              <a:rPr lang="en-US" altLang="zh-CN" sz="1800" b="1" dirty="0" smtClean="0">
+                <a:latin typeface="Arial Narrow" panose="020B0606020202030204" pitchFamily="34" charset="0"/>
+              </a:rPr>
+              <a:t>periodical</a:t>
+            </a:r>
+            <a:r>
+              <a:rPr lang="zh-CN" altLang="en-US" sz="1800" b="1" dirty="0" smtClean="0">
+                <a:latin typeface="Arial Narrow" panose="020B0606020202030204" pitchFamily="34" charset="0"/>
+              </a:rPr>
+              <a:t> </a:t>
+            </a:r>
+            <a:r>
+              <a:rPr lang="en-US" altLang="zh-CN" sz="1800" b="1" dirty="0" smtClean="0">
+                <a:latin typeface="Arial Narrow" panose="020B0606020202030204" pitchFamily="34" charset="0"/>
+              </a:rPr>
+              <a:t>change</a:t>
+            </a:r>
+            <a:r>
+              <a:rPr lang="zh-CN" altLang="en-US" sz="1800" b="1" dirty="0" smtClean="0">
+                <a:latin typeface="Arial Narrow" panose="020B0606020202030204" pitchFamily="34" charset="0"/>
+              </a:rPr>
+              <a:t> </a:t>
+            </a:r>
+            <a:r>
+              <a:rPr lang="en-US" altLang="zh-CN" sz="1800" b="1" dirty="0" smtClean="0">
+                <a:latin typeface="Arial Narrow" panose="020B0606020202030204" pitchFamily="34" charset="0"/>
+              </a:rPr>
+              <a:t>from</a:t>
+            </a:r>
+            <a:r>
+              <a:rPr lang="zh-CN" altLang="en-US" sz="1800" b="1" dirty="0" smtClean="0">
+                <a:latin typeface="Arial Narrow" panose="020B0606020202030204" pitchFamily="34" charset="0"/>
+              </a:rPr>
+              <a:t> </a:t>
+            </a:r>
+            <a:r>
+              <a:rPr lang="en-US" altLang="zh-CN" sz="1800" b="1" dirty="0" smtClean="0">
+                <a:latin typeface="Arial Narrow" panose="020B0606020202030204" pitchFamily="34" charset="0"/>
+              </a:rPr>
+              <a:t>2010</a:t>
+            </a:r>
+            <a:r>
+              <a:rPr lang="zh-CN" altLang="en-US" sz="1800" b="1" dirty="0" smtClean="0">
+                <a:latin typeface="Arial Narrow" panose="020B0606020202030204" pitchFamily="34" charset="0"/>
+              </a:rPr>
+              <a:t> </a:t>
+            </a:r>
+            <a:r>
+              <a:rPr lang="en-US" altLang="zh-CN" sz="1800" b="1" dirty="0" smtClean="0">
+                <a:latin typeface="Arial Narrow" panose="020B0606020202030204" pitchFamily="34" charset="0"/>
+              </a:rPr>
+              <a:t>to</a:t>
+            </a:r>
+            <a:r>
+              <a:rPr lang="zh-CN" altLang="en-US" sz="1800" b="1" dirty="0" smtClean="0">
+                <a:latin typeface="Arial Narrow" panose="020B0606020202030204" pitchFamily="34" charset="0"/>
+              </a:rPr>
+              <a:t> </a:t>
+            </a:r>
+            <a:r>
+              <a:rPr lang="en-US" altLang="zh-CN" sz="1800" b="1" dirty="0" smtClean="0">
+                <a:latin typeface="Arial Narrow" panose="020B0606020202030204" pitchFamily="34" charset="0"/>
+              </a:rPr>
+              <a:t>2016</a:t>
+            </a:r>
+          </a:p>
+          <a:p>
+            <a:pPr marL="342900" indent="-342900">
+              <a:buFont typeface="Arial" charset="0"/>
+              <a:buChar char="•"/>
+            </a:pPr>
+            <a:r>
+              <a:rPr lang="en-US" altLang="zh-CN" sz="1800" b="1" dirty="0">
+                <a:latin typeface="Arial Narrow" panose="020B0606020202030204" pitchFamily="34" charset="0"/>
+              </a:rPr>
+              <a:t>we</a:t>
+            </a:r>
+            <a:r>
+              <a:rPr lang="zh-CN" altLang="en-US" sz="1800" b="1" dirty="0">
+                <a:latin typeface="Arial Narrow" panose="020B0606020202030204" pitchFamily="34" charset="0"/>
+              </a:rPr>
+              <a:t> </a:t>
+            </a:r>
+            <a:r>
+              <a:rPr lang="en-US" altLang="zh-CN" sz="1800" b="1" dirty="0">
+                <a:latin typeface="Arial Narrow" panose="020B0606020202030204" pitchFamily="34" charset="0"/>
+              </a:rPr>
+              <a:t>could</a:t>
+            </a:r>
+            <a:r>
+              <a:rPr lang="zh-CN" altLang="en-US" sz="1800" b="1" dirty="0">
+                <a:latin typeface="Arial Narrow" panose="020B0606020202030204" pitchFamily="34" charset="0"/>
+              </a:rPr>
+              <a:t> </a:t>
+            </a:r>
+            <a:r>
+              <a:rPr lang="en-US" altLang="zh-CN" sz="1800" b="1" dirty="0">
+                <a:latin typeface="Arial Narrow" panose="020B0606020202030204" pitchFamily="34" charset="0"/>
+              </a:rPr>
+              <a:t>see</a:t>
+            </a:r>
+            <a:r>
+              <a:rPr lang="zh-CN" altLang="en-US" sz="1800" b="1" dirty="0">
+                <a:latin typeface="Arial Narrow" panose="020B0606020202030204" pitchFamily="34" charset="0"/>
+              </a:rPr>
+              <a:t> </a:t>
+            </a:r>
+            <a:r>
+              <a:rPr lang="en-US" altLang="zh-CN" sz="1800" b="1" dirty="0">
+                <a:latin typeface="Arial Narrow" panose="020B0606020202030204" pitchFamily="34" charset="0"/>
+              </a:rPr>
+              <a:t>a</a:t>
+            </a:r>
+            <a:r>
+              <a:rPr lang="zh-CN" altLang="en-US" sz="1800" b="1" dirty="0">
+                <a:latin typeface="Arial Narrow" panose="020B0606020202030204" pitchFamily="34" charset="0"/>
+              </a:rPr>
+              <a:t> </a:t>
+            </a:r>
+            <a:r>
+              <a:rPr lang="en-US" altLang="zh-CN" sz="1800" b="1" dirty="0">
+                <a:latin typeface="Arial Narrow" panose="020B0606020202030204" pitchFamily="34" charset="0"/>
+              </a:rPr>
+              <a:t>relatively</a:t>
+            </a:r>
+            <a:r>
+              <a:rPr lang="zh-CN" altLang="en-US" sz="1800" b="1" dirty="0">
+                <a:latin typeface="Arial Narrow" panose="020B0606020202030204" pitchFamily="34" charset="0"/>
+              </a:rPr>
+              <a:t> </a:t>
+            </a:r>
+            <a:r>
+              <a:rPr lang="en-US" altLang="zh-CN" sz="1800" b="1" dirty="0">
+                <a:latin typeface="Arial Narrow" panose="020B0606020202030204" pitchFamily="34" charset="0"/>
+              </a:rPr>
+              <a:t>small</a:t>
+            </a:r>
+            <a:r>
+              <a:rPr lang="zh-CN" altLang="en-US" sz="1800" b="1" dirty="0">
+                <a:latin typeface="Arial Narrow" panose="020B0606020202030204" pitchFamily="34" charset="0"/>
+              </a:rPr>
+              <a:t> </a:t>
+            </a:r>
+            <a:r>
+              <a:rPr lang="en-US" altLang="zh-CN" sz="1800" b="1" dirty="0">
+                <a:latin typeface="Arial Narrow" panose="020B0606020202030204" pitchFamily="34" charset="0"/>
+              </a:rPr>
+              <a:t>number</a:t>
+            </a:r>
+            <a:r>
+              <a:rPr lang="zh-CN" altLang="en-US" sz="1800" b="1" dirty="0">
+                <a:latin typeface="Arial Narrow" panose="020B0606020202030204" pitchFamily="34" charset="0"/>
+              </a:rPr>
+              <a:t> </a:t>
+            </a:r>
+            <a:r>
+              <a:rPr lang="en-US" altLang="zh-CN" sz="1800" b="1" dirty="0">
+                <a:latin typeface="Arial Narrow" panose="020B0606020202030204" pitchFamily="34" charset="0"/>
+              </a:rPr>
+              <a:t>of</a:t>
+            </a:r>
+            <a:r>
+              <a:rPr lang="zh-CN" altLang="en-US" sz="1800" b="1" dirty="0">
+                <a:latin typeface="Arial Narrow" panose="020B0606020202030204" pitchFamily="34" charset="0"/>
+              </a:rPr>
+              <a:t> </a:t>
+            </a:r>
+            <a:r>
+              <a:rPr lang="en-US" altLang="zh-CN" sz="1800" b="1" dirty="0" err="1" smtClean="0">
+                <a:latin typeface="Arial Narrow" panose="020B0606020202030204" pitchFamily="34" charset="0"/>
+              </a:rPr>
+              <a:t>s&amp;s</a:t>
+            </a:r>
+            <a:r>
+              <a:rPr lang="zh-CN" altLang="en-US" sz="1800" b="1" dirty="0" smtClean="0">
+                <a:latin typeface="Arial Narrow" panose="020B0606020202030204" pitchFamily="34" charset="0"/>
+              </a:rPr>
+              <a:t> </a:t>
+            </a:r>
+            <a:r>
+              <a:rPr lang="en-US" altLang="zh-CN" sz="1800" b="1" dirty="0" smtClean="0">
+                <a:latin typeface="Arial Narrow" panose="020B0606020202030204" pitchFamily="34" charset="0"/>
+              </a:rPr>
+              <a:t>from</a:t>
+            </a:r>
+            <a:r>
+              <a:rPr lang="zh-CN" altLang="en-US" sz="1800" b="1" dirty="0" smtClean="0">
+                <a:latin typeface="Arial Narrow" panose="020B0606020202030204" pitchFamily="34" charset="0"/>
+              </a:rPr>
+              <a:t> </a:t>
+            </a:r>
+            <a:r>
+              <a:rPr lang="en-US" altLang="zh-CN" sz="1800" b="1" dirty="0" smtClean="0">
+                <a:latin typeface="Arial Narrow" panose="020B0606020202030204" pitchFamily="34" charset="0"/>
+              </a:rPr>
+              <a:t>time</a:t>
+            </a:r>
+            <a:r>
+              <a:rPr lang="zh-CN" altLang="en-US" sz="1800" b="1" dirty="0" smtClean="0">
+                <a:latin typeface="Arial Narrow" panose="020B0606020202030204" pitchFamily="34" charset="0"/>
+              </a:rPr>
+              <a:t> </a:t>
+            </a:r>
+            <a:r>
+              <a:rPr lang="en-US" altLang="zh-CN" sz="1800" b="1" dirty="0" smtClean="0">
+                <a:latin typeface="Arial Narrow" panose="020B0606020202030204" pitchFamily="34" charset="0"/>
+              </a:rPr>
+              <a:t>range</a:t>
+            </a:r>
+            <a:r>
+              <a:rPr lang="zh-CN" altLang="en-US" sz="1800" b="1" dirty="0" smtClean="0">
+                <a:latin typeface="Arial Narrow" panose="020B0606020202030204" pitchFamily="34" charset="0"/>
+              </a:rPr>
+              <a:t> </a:t>
+            </a:r>
+            <a:r>
+              <a:rPr lang="en-US" altLang="zh-CN" sz="1800" b="1" dirty="0" smtClean="0">
+                <a:latin typeface="Arial Narrow" panose="020B0606020202030204" pitchFamily="34" charset="0"/>
+              </a:rPr>
+              <a:t>from</a:t>
+            </a:r>
+            <a:r>
+              <a:rPr lang="zh-CN" altLang="en-US" sz="1800" b="1" dirty="0" smtClean="0">
+                <a:latin typeface="Arial Narrow" panose="020B0606020202030204" pitchFamily="34" charset="0"/>
+              </a:rPr>
+              <a:t> </a:t>
+            </a:r>
+            <a:r>
+              <a:rPr lang="en-US" altLang="zh-CN" sz="1800" b="1" dirty="0" smtClean="0">
+                <a:latin typeface="Arial Narrow" panose="020B0606020202030204" pitchFamily="34" charset="0"/>
+              </a:rPr>
+              <a:t>2012</a:t>
+            </a:r>
+            <a:r>
+              <a:rPr lang="zh-CN" altLang="en-US" sz="1800" b="1" dirty="0" smtClean="0">
+                <a:latin typeface="Arial Narrow" panose="020B0606020202030204" pitchFamily="34" charset="0"/>
+              </a:rPr>
+              <a:t> </a:t>
+            </a:r>
+            <a:r>
+              <a:rPr lang="en-US" altLang="zh-CN" sz="1800" b="1" dirty="0" smtClean="0">
+                <a:latin typeface="Arial Narrow" panose="020B0606020202030204" pitchFamily="34" charset="0"/>
+              </a:rPr>
+              <a:t>to</a:t>
+            </a:r>
+            <a:r>
+              <a:rPr lang="zh-CN" altLang="en-US" sz="1800" b="1" dirty="0" smtClean="0">
+                <a:latin typeface="Arial Narrow" panose="020B0606020202030204" pitchFamily="34" charset="0"/>
+              </a:rPr>
+              <a:t> </a:t>
+            </a:r>
+            <a:r>
+              <a:rPr lang="en-US" altLang="zh-CN" sz="1800" b="1" dirty="0" smtClean="0">
+                <a:latin typeface="Arial Narrow" panose="020B0606020202030204" pitchFamily="34" charset="0"/>
+              </a:rPr>
+              <a:t>the</a:t>
+            </a:r>
+            <a:r>
+              <a:rPr lang="zh-CN" altLang="en-US" sz="1800" b="1" dirty="0" smtClean="0">
+                <a:latin typeface="Arial Narrow" panose="020B0606020202030204" pitchFamily="34" charset="0"/>
+              </a:rPr>
+              <a:t> </a:t>
+            </a:r>
+            <a:r>
+              <a:rPr lang="en-US" altLang="zh-CN" sz="1800" b="1" dirty="0" smtClean="0">
+                <a:latin typeface="Arial Narrow" panose="020B0606020202030204" pitchFamily="34" charset="0"/>
+              </a:rPr>
+              <a:t>beginning</a:t>
+            </a:r>
+            <a:r>
+              <a:rPr lang="zh-CN" altLang="en-US" sz="1800" b="1" dirty="0" smtClean="0">
+                <a:latin typeface="Arial Narrow" panose="020B0606020202030204" pitchFamily="34" charset="0"/>
+              </a:rPr>
+              <a:t> </a:t>
+            </a:r>
+            <a:r>
+              <a:rPr lang="en-US" altLang="zh-CN" sz="1800" b="1" dirty="0" smtClean="0">
+                <a:latin typeface="Arial Narrow" panose="020B0606020202030204" pitchFamily="34" charset="0"/>
+              </a:rPr>
+              <a:t>of</a:t>
+            </a:r>
+            <a:r>
+              <a:rPr lang="zh-CN" altLang="en-US" sz="1800" b="1" dirty="0" smtClean="0">
+                <a:latin typeface="Arial Narrow" panose="020B0606020202030204" pitchFamily="34" charset="0"/>
+              </a:rPr>
+              <a:t> </a:t>
+            </a:r>
+            <a:r>
+              <a:rPr lang="en-US" altLang="zh-CN" sz="1800" b="1" dirty="0" smtClean="0">
+                <a:latin typeface="Arial Narrow" panose="020B0606020202030204" pitchFamily="34" charset="0"/>
+              </a:rPr>
+              <a:t>2014,</a:t>
+            </a:r>
+            <a:r>
+              <a:rPr lang="zh-CN" altLang="en-US" sz="1800" b="1" dirty="0" smtClean="0">
+                <a:latin typeface="Arial Narrow" panose="020B0606020202030204" pitchFamily="34" charset="0"/>
+              </a:rPr>
+              <a:t> </a:t>
+            </a:r>
+            <a:r>
+              <a:rPr lang="en-US" altLang="zh-CN" sz="1800" b="1" dirty="0" smtClean="0">
+                <a:latin typeface="Arial Narrow" panose="020B0606020202030204" pitchFamily="34" charset="0"/>
+              </a:rPr>
+              <a:t>what</a:t>
+            </a:r>
+            <a:r>
+              <a:rPr lang="mr-IN" altLang="zh-CN" sz="1800" b="1" dirty="0" smtClean="0">
+                <a:latin typeface="Arial Narrow" panose="020B0606020202030204" pitchFamily="34" charset="0"/>
+              </a:rPr>
+              <a:t>’</a:t>
+            </a:r>
+            <a:r>
+              <a:rPr lang="en-US" altLang="zh-CN" sz="1800" b="1" dirty="0" smtClean="0">
+                <a:latin typeface="Arial Narrow" panose="020B0606020202030204" pitchFamily="34" charset="0"/>
+              </a:rPr>
+              <a:t>s</a:t>
+            </a:r>
+            <a:r>
+              <a:rPr lang="zh-CN" altLang="en-US" sz="1800" b="1" dirty="0" smtClean="0">
+                <a:latin typeface="Arial Narrow" panose="020B0606020202030204" pitchFamily="34" charset="0"/>
+              </a:rPr>
+              <a:t> </a:t>
+            </a:r>
+            <a:r>
+              <a:rPr lang="en-US" altLang="zh-CN" sz="1800" b="1" dirty="0" smtClean="0">
+                <a:latin typeface="Arial Narrow" panose="020B0606020202030204" pitchFamily="34" charset="0"/>
+              </a:rPr>
+              <a:t>the</a:t>
+            </a:r>
+            <a:r>
+              <a:rPr lang="zh-CN" altLang="en-US" sz="1800" b="1" dirty="0" smtClean="0">
+                <a:latin typeface="Arial Narrow" panose="020B0606020202030204" pitchFamily="34" charset="0"/>
+              </a:rPr>
+              <a:t> </a:t>
+            </a:r>
+            <a:r>
+              <a:rPr lang="en-US" altLang="zh-CN" sz="1800" b="1" dirty="0" smtClean="0">
+                <a:latin typeface="Arial Narrow" panose="020B0606020202030204" pitchFamily="34" charset="0"/>
+              </a:rPr>
+              <a:t>reason</a:t>
+            </a:r>
+            <a:r>
+              <a:rPr lang="zh-CN" altLang="en-US" sz="1800" b="1" dirty="0" smtClean="0">
+                <a:latin typeface="Arial Narrow" panose="020B0606020202030204" pitchFamily="34" charset="0"/>
+              </a:rPr>
+              <a:t> </a:t>
+            </a:r>
+            <a:r>
+              <a:rPr lang="en-US" altLang="zh-CN" sz="1800" b="1" dirty="0" smtClean="0">
+                <a:latin typeface="Arial Narrow" panose="020B0606020202030204" pitchFamily="34" charset="0"/>
+              </a:rPr>
+              <a:t>for</a:t>
+            </a:r>
+            <a:r>
+              <a:rPr lang="zh-CN" altLang="en-US" sz="1800" b="1" dirty="0" smtClean="0">
+                <a:latin typeface="Arial Narrow" panose="020B0606020202030204" pitchFamily="34" charset="0"/>
+              </a:rPr>
+              <a:t> </a:t>
+            </a:r>
+            <a:r>
+              <a:rPr lang="en-US" altLang="zh-CN" sz="1800" b="1" dirty="0" smtClean="0">
+                <a:latin typeface="Arial Narrow" panose="020B0606020202030204" pitchFamily="34" charset="0"/>
+              </a:rPr>
+              <a:t>the</a:t>
+            </a:r>
+            <a:r>
+              <a:rPr lang="zh-CN" altLang="en-US" sz="1800" b="1" dirty="0" smtClean="0">
+                <a:latin typeface="Arial Narrow" panose="020B0606020202030204" pitchFamily="34" charset="0"/>
+              </a:rPr>
+              <a:t> </a:t>
+            </a:r>
+            <a:r>
+              <a:rPr lang="en-US" altLang="zh-CN" sz="1800" b="1" dirty="0" smtClean="0">
+                <a:latin typeface="Arial Narrow" panose="020B0606020202030204" pitchFamily="34" charset="0"/>
+              </a:rPr>
+              <a:t>small</a:t>
+            </a:r>
+            <a:r>
+              <a:rPr lang="zh-CN" altLang="en-US" sz="1800" b="1" dirty="0" smtClean="0">
+                <a:latin typeface="Arial Narrow" panose="020B0606020202030204" pitchFamily="34" charset="0"/>
+              </a:rPr>
+              <a:t> </a:t>
+            </a:r>
+            <a:r>
+              <a:rPr lang="en-US" altLang="zh-CN" sz="1800" b="1" dirty="0" smtClean="0">
+                <a:latin typeface="Arial Narrow" panose="020B0606020202030204" pitchFamily="34" charset="0"/>
+              </a:rPr>
+              <a:t>number?</a:t>
+            </a:r>
+          </a:p>
+          <a:p>
+            <a:pPr marL="582612" indent="-285750">
+              <a:buFont typeface="Courier New" charset="0"/>
+              <a:buChar char="o"/>
+            </a:pPr>
+            <a:r>
+              <a:rPr lang="en-US" altLang="zh-CN" sz="1800" b="1" dirty="0" smtClean="0">
+                <a:latin typeface="Arial Narrow" panose="020B0606020202030204" pitchFamily="34" charset="0"/>
+              </a:rPr>
+              <a:t>Possible</a:t>
+            </a:r>
+            <a:r>
+              <a:rPr lang="zh-CN" altLang="en-US" sz="1800" b="1" dirty="0" smtClean="0">
+                <a:latin typeface="Arial Narrow" panose="020B0606020202030204" pitchFamily="34" charset="0"/>
+              </a:rPr>
+              <a:t> </a:t>
+            </a:r>
+            <a:r>
+              <a:rPr lang="en-US" altLang="zh-CN" sz="1800" b="1" dirty="0" smtClean="0">
+                <a:latin typeface="Arial Narrow" panose="020B0606020202030204" pitchFamily="34" charset="0"/>
+              </a:rPr>
+              <a:t>reasons</a:t>
+            </a:r>
+          </a:p>
+          <a:p>
+            <a:pPr marL="582612" indent="-285750">
+              <a:buFont typeface="Wingdings" charset="2"/>
+              <a:buChar char="Ø"/>
+            </a:pPr>
+            <a:r>
+              <a:rPr lang="en-US" altLang="zh-CN" sz="1800" b="1" dirty="0" smtClean="0">
+                <a:latin typeface="Arial Narrow" panose="020B0606020202030204" pitchFamily="34" charset="0"/>
+              </a:rPr>
+              <a:t>A</a:t>
+            </a:r>
+            <a:r>
+              <a:rPr lang="zh-CN" altLang="en-US" sz="1800" b="1" dirty="0" smtClean="0">
+                <a:latin typeface="Arial Narrow" panose="020B0606020202030204" pitchFamily="34" charset="0"/>
+              </a:rPr>
+              <a:t> </a:t>
+            </a:r>
+            <a:r>
+              <a:rPr lang="en-US" altLang="zh-CN" sz="1800" b="1" dirty="0" smtClean="0">
+                <a:latin typeface="Arial Narrow" panose="020B0606020202030204" pitchFamily="34" charset="0"/>
+              </a:rPr>
+              <a:t>decrease</a:t>
+            </a:r>
+            <a:r>
+              <a:rPr lang="zh-CN" altLang="en-US" sz="1800" b="1" dirty="0" smtClean="0">
+                <a:latin typeface="Arial Narrow" panose="020B0606020202030204" pitchFamily="34" charset="0"/>
+              </a:rPr>
+              <a:t> </a:t>
+            </a:r>
+            <a:r>
+              <a:rPr lang="en-US" altLang="zh-CN" sz="1800" b="1" dirty="0" smtClean="0">
+                <a:latin typeface="Arial Narrow" panose="020B0606020202030204" pitchFamily="34" charset="0"/>
+              </a:rPr>
+              <a:t>in</a:t>
+            </a:r>
+            <a:r>
+              <a:rPr lang="zh-CN" altLang="en-US" sz="1800" b="1" dirty="0" smtClean="0">
+                <a:latin typeface="Arial Narrow" panose="020B0606020202030204" pitchFamily="34" charset="0"/>
+              </a:rPr>
+              <a:t> </a:t>
+            </a:r>
+            <a:r>
+              <a:rPr lang="en-US" altLang="zh-CN" sz="1800" b="1" dirty="0" smtClean="0">
+                <a:latin typeface="Arial Narrow" panose="020B0606020202030204" pitchFamily="34" charset="0"/>
+              </a:rPr>
+              <a:t>crime</a:t>
+            </a:r>
+            <a:r>
+              <a:rPr lang="zh-CN" altLang="en-US" sz="1800" b="1" dirty="0" smtClean="0">
+                <a:latin typeface="Arial Narrow" panose="020B0606020202030204" pitchFamily="34" charset="0"/>
+              </a:rPr>
+              <a:t> </a:t>
+            </a:r>
+            <a:r>
+              <a:rPr lang="en-US" altLang="zh-CN" sz="1800" b="1" dirty="0" smtClean="0">
+                <a:latin typeface="Arial Narrow" panose="020B0606020202030204" pitchFamily="34" charset="0"/>
+              </a:rPr>
+              <a:t>rate</a:t>
+            </a:r>
+            <a:r>
+              <a:rPr lang="zh-CN" altLang="en-US" sz="1800" b="1" dirty="0" smtClean="0">
+                <a:latin typeface="Arial Narrow" panose="020B0606020202030204" pitchFamily="34" charset="0"/>
+              </a:rPr>
+              <a:t> </a:t>
+            </a:r>
+            <a:endParaRPr lang="en-US" altLang="zh-CN" sz="1800" b="1" dirty="0" smtClean="0">
+              <a:latin typeface="Arial Narrow" panose="020B0606020202030204" pitchFamily="34" charset="0"/>
+            </a:endParaRPr>
+          </a:p>
+          <a:p>
+            <a:pPr marL="582612" indent="-285750">
+              <a:buFont typeface="Wingdings" charset="2"/>
+              <a:buChar char="Ø"/>
+            </a:pPr>
+            <a:r>
+              <a:rPr lang="en-US" altLang="zh-CN" sz="1800" b="1" dirty="0" smtClean="0">
+                <a:latin typeface="Arial Narrow" panose="020B0606020202030204" pitchFamily="34" charset="0"/>
+              </a:rPr>
+              <a:t>A</a:t>
+            </a:r>
+            <a:r>
+              <a:rPr lang="zh-CN" altLang="en-US" sz="1800" b="1" dirty="0" smtClean="0">
+                <a:latin typeface="Arial Narrow" panose="020B0606020202030204" pitchFamily="34" charset="0"/>
+              </a:rPr>
+              <a:t> </a:t>
+            </a:r>
+            <a:r>
+              <a:rPr lang="en-US" altLang="zh-CN" sz="1800" b="1" dirty="0" smtClean="0">
+                <a:latin typeface="Arial Narrow" panose="020B0606020202030204" pitchFamily="34" charset="0"/>
+              </a:rPr>
+              <a:t>decrease</a:t>
+            </a:r>
+            <a:r>
+              <a:rPr lang="zh-CN" altLang="en-US" sz="1800" b="1" dirty="0" smtClean="0">
+                <a:latin typeface="Arial Narrow" panose="020B0606020202030204" pitchFamily="34" charset="0"/>
+              </a:rPr>
+              <a:t> </a:t>
+            </a:r>
+            <a:r>
+              <a:rPr lang="en-US" altLang="zh-CN" sz="1800" b="1" dirty="0" smtClean="0">
+                <a:latin typeface="Arial Narrow" panose="020B0606020202030204" pitchFamily="34" charset="0"/>
+              </a:rPr>
+              <a:t>in</a:t>
+            </a:r>
+            <a:r>
+              <a:rPr lang="zh-CN" altLang="en-US" sz="1800" b="1" dirty="0" smtClean="0">
+                <a:latin typeface="Arial Narrow" panose="020B0606020202030204" pitchFamily="34" charset="0"/>
+              </a:rPr>
+              <a:t> </a:t>
+            </a:r>
+            <a:r>
+              <a:rPr lang="en-US" altLang="zh-CN" sz="1800" b="1" dirty="0" smtClean="0">
+                <a:latin typeface="Arial Narrow" panose="020B0606020202030204" pitchFamily="34" charset="0"/>
+              </a:rPr>
+              <a:t>budget</a:t>
+            </a:r>
+            <a:r>
+              <a:rPr lang="zh-CN" altLang="en-US" sz="1800" b="1" dirty="0" smtClean="0">
+                <a:latin typeface="Arial Narrow" panose="020B0606020202030204" pitchFamily="34" charset="0"/>
+              </a:rPr>
+              <a:t> </a:t>
+            </a:r>
+            <a:r>
+              <a:rPr lang="en-US" altLang="zh-CN" sz="1800" b="1" dirty="0" smtClean="0">
+                <a:latin typeface="Arial Narrow" panose="020B0606020202030204" pitchFamily="34" charset="0"/>
+              </a:rPr>
+              <a:t>and</a:t>
+            </a:r>
+            <a:r>
+              <a:rPr lang="zh-CN" altLang="en-US" sz="1800" b="1" dirty="0" smtClean="0">
+                <a:latin typeface="Arial Narrow" panose="020B0606020202030204" pitchFamily="34" charset="0"/>
+              </a:rPr>
+              <a:t> </a:t>
+            </a:r>
+            <a:r>
+              <a:rPr lang="en-US" altLang="zh-CN" sz="1800" b="1" dirty="0" smtClean="0">
+                <a:latin typeface="Arial Narrow" panose="020B0606020202030204" pitchFamily="34" charset="0"/>
+              </a:rPr>
+              <a:t>manpower</a:t>
+            </a:r>
+          </a:p>
+          <a:p>
+            <a:pPr marL="342900" indent="-342900">
+              <a:buFont typeface="Courier New" charset="0"/>
+              <a:buChar char="o"/>
+            </a:pPr>
+            <a:endParaRPr lang="en-US" altLang="zh-CN" sz="1800" b="1" dirty="0" smtClean="0">
+              <a:latin typeface="Arial Narrow" panose="020B0606020202030204" pitchFamily="34" charset="0"/>
+            </a:endParaRPr>
+          </a:p>
+        </p:txBody>
+      </p:sp>
+      <p:sp>
+        <p:nvSpPr>
+          <p:cNvPr id="9" name="Oval 8"/>
+          <p:cNvSpPr/>
+          <p:nvPr/>
+        </p:nvSpPr>
+        <p:spPr>
+          <a:xfrm>
+            <a:off x="6646027" y="629333"/>
+            <a:ext cx="367561" cy="367561"/>
+          </a:xfrm>
+          <a:prstGeom prst="ellipse">
+            <a:avLst/>
+          </a:prstGeom>
+        </p:spPr>
+        <p:style>
+          <a:lnRef idx="2">
+            <a:schemeClr val="accent1">
+              <a:shade val="50000"/>
+            </a:schemeClr>
+          </a:lnRef>
+          <a:fillRef idx="1">
+            <a:schemeClr val="accent1"/>
+          </a:fillRef>
+          <a:effectRef idx="0">
+            <a:schemeClr val="accent1"/>
+          </a:effectRef>
+          <a:fontRef idx="minor">
+            <a:schemeClr val="lt1"/>
+          </a:fontRef>
+        </p:style>
+        <p:txBody>
+          <a:bodyPr rtlCol="0" anchor="ctr"/>
+          <a:lstStyle/>
+          <a:p>
+            <a:pPr algn="ctr"/>
+            <a:r>
+              <a:rPr lang="en-US" altLang="zh-CN" dirty="0"/>
+              <a:t>2</a:t>
+            </a:r>
+            <a:endParaRPr lang="en-US" dirty="0"/>
+          </a:p>
+        </p:txBody>
+      </p:sp>
+      <p:sp>
+        <p:nvSpPr>
+          <p:cNvPr id="13" name="Rectangle 2"/>
+          <p:cNvSpPr>
+            <a:spLocks noGrp="1" noChangeArrowheads="1"/>
+          </p:cNvSpPr>
+          <p:nvPr>
+            <p:ph type="title"/>
+            <p:custDataLst>
+              <p:tags r:id="rId4"/>
+            </p:custDataLst>
+          </p:nvPr>
+        </p:nvSpPr>
+        <p:spPr bwMode="gray">
+          <a:xfrm>
+            <a:off x="212737" y="220071"/>
+            <a:ext cx="8793595" cy="298327"/>
+          </a:xfrm>
+        </p:spPr>
+        <p:txBody>
+          <a:bodyPr>
+            <a:noAutofit/>
+          </a:bodyPr>
+          <a:lstStyle/>
+          <a:p>
+            <a:r>
+              <a:rPr lang="en-US" altLang="zh-CN" sz="2400" b="1" dirty="0" smtClean="0">
+                <a:solidFill>
+                  <a:srgbClr val="954F72"/>
+                </a:solidFill>
+                <a:latin typeface="Arial Narrow" panose="020B0606020202030204" pitchFamily="34" charset="0"/>
+              </a:rPr>
+              <a:t>Analysis</a:t>
+            </a:r>
+            <a:r>
+              <a:rPr lang="zh-CN" altLang="en-US" sz="2400" b="1" dirty="0" smtClean="0">
+                <a:solidFill>
+                  <a:srgbClr val="954F72"/>
+                </a:solidFill>
+                <a:latin typeface="Arial Narrow" panose="020B0606020202030204" pitchFamily="34" charset="0"/>
+              </a:rPr>
+              <a:t> </a:t>
+            </a:r>
+            <a:r>
+              <a:rPr lang="en-US" altLang="zh-CN" sz="2400" b="1" dirty="0" smtClean="0">
+                <a:solidFill>
+                  <a:srgbClr val="954F72"/>
+                </a:solidFill>
+                <a:latin typeface="Arial Narrow" panose="020B0606020202030204" pitchFamily="34" charset="0"/>
+              </a:rPr>
+              <a:t>of</a:t>
+            </a:r>
+            <a:r>
+              <a:rPr lang="zh-CN" altLang="en-US" sz="2400" b="1" dirty="0" smtClean="0">
+                <a:solidFill>
+                  <a:srgbClr val="954F72"/>
+                </a:solidFill>
+                <a:latin typeface="Arial Narrow" panose="020B0606020202030204" pitchFamily="34" charset="0"/>
+              </a:rPr>
+              <a:t> </a:t>
+            </a:r>
+            <a:r>
+              <a:rPr lang="en-US" altLang="zh-CN" sz="2400" b="1" dirty="0" smtClean="0">
+                <a:solidFill>
+                  <a:srgbClr val="954F72"/>
+                </a:solidFill>
+                <a:latin typeface="Arial Narrow" panose="020B0606020202030204" pitchFamily="34" charset="0"/>
+              </a:rPr>
+              <a:t>Stop</a:t>
+            </a:r>
+            <a:r>
+              <a:rPr lang="zh-CN" altLang="en-US" sz="2400" b="1" dirty="0" smtClean="0">
+                <a:solidFill>
+                  <a:srgbClr val="954F72"/>
+                </a:solidFill>
+                <a:latin typeface="Arial Narrow" panose="020B0606020202030204" pitchFamily="34" charset="0"/>
+              </a:rPr>
+              <a:t> </a:t>
+            </a:r>
+            <a:r>
+              <a:rPr lang="en-US" altLang="zh-CN" sz="2400" b="1" dirty="0" smtClean="0">
+                <a:solidFill>
+                  <a:srgbClr val="954F72"/>
+                </a:solidFill>
+                <a:latin typeface="Arial Narrow" panose="020B0606020202030204" pitchFamily="34" charset="0"/>
+              </a:rPr>
+              <a:t>and</a:t>
+            </a:r>
+            <a:r>
+              <a:rPr lang="zh-CN" altLang="en-US" sz="2400" b="1" dirty="0" smtClean="0">
+                <a:solidFill>
+                  <a:srgbClr val="954F72"/>
+                </a:solidFill>
+                <a:latin typeface="Arial Narrow" panose="020B0606020202030204" pitchFamily="34" charset="0"/>
+              </a:rPr>
+              <a:t> </a:t>
+            </a:r>
+            <a:r>
+              <a:rPr lang="en-US" altLang="zh-CN" sz="2400" b="1" dirty="0" smtClean="0">
+                <a:solidFill>
+                  <a:srgbClr val="954F72"/>
+                </a:solidFill>
+                <a:latin typeface="Arial Narrow" panose="020B0606020202030204" pitchFamily="34" charset="0"/>
+              </a:rPr>
+              <a:t>Search</a:t>
+            </a:r>
+            <a:endParaRPr lang="en-US" altLang="en-US" sz="2400" b="1" dirty="0">
+              <a:solidFill>
+                <a:srgbClr val="954F72"/>
+              </a:solidFill>
+              <a:latin typeface="Arial Narrow" panose="020B0606020202030204" pitchFamily="34" charset="0"/>
+            </a:endParaRPr>
+          </a:p>
+        </p:txBody>
+      </p:sp>
+    </p:spTree>
+    <p:extLst>
+      <p:ext uri="{BB962C8B-B14F-4D97-AF65-F5344CB8AC3E}">
+        <p14:creationId xmlns:p14="http://schemas.microsoft.com/office/powerpoint/2010/main" val="1955162266"/>
+      </p:ext>
+    </p:extLst>
+  </p:cSld>
+  <p:clrMapOvr>
+    <a:masterClrMapping/>
+  </p:clrMapOvr>
+  <p:transition>
+    <p:wipe dir="r"/>
+  </p:transition>
+</p:sld>
+</file>
+
+<file path=ppt/slides/slide5.xml><?xml version="1.0" encoding="utf-8"?>
+<p:sld xmlns:a="http://schemas.openxmlformats.org/drawingml/2006/main" xmlns:r="http://schemas.openxmlformats.org/officeDocument/2006/relationships" xmlns:p="http://schemas.openxmlformats.org/presentationml/2006/main">
+  <p:cSld>
+    <p:spTree>
+      <p:nvGrpSpPr>
+        <p:cNvPr id="1" name=""/>
+        <p:cNvGrpSpPr/>
+        <p:nvPr/>
+      </p:nvGrpSpPr>
+      <p:grpSpPr>
+        <a:xfrm>
+          <a:off x="0" y="0"/>
+          <a:ext cx="0" cy="0"/>
+          <a:chOff x="0" y="0"/>
+          <a:chExt cx="0" cy="0"/>
+        </a:xfrm>
+      </p:grpSpPr>
+      <p:cxnSp>
+        <p:nvCxnSpPr>
+          <p:cNvPr id="5" name="Straight Connector 4"/>
+          <p:cNvCxnSpPr/>
+          <p:nvPr/>
+        </p:nvCxnSpPr>
+        <p:spPr>
+          <a:xfrm>
+            <a:off x="6578221" y="996894"/>
+            <a:ext cx="0" cy="5254388"/>
+          </a:xfrm>
+          <a:prstGeom prst="line">
+            <a:avLst/>
+          </a:prstGeom>
+          <a:ln>
+            <a:solidFill>
+              <a:schemeClr val="tx1"/>
+            </a:solidFill>
+            <a:prstDash val="dash"/>
+          </a:ln>
+        </p:spPr>
+        <p:style>
+          <a:lnRef idx="1">
+            <a:schemeClr val="accent1"/>
+          </a:lnRef>
+          <a:fillRef idx="0">
+            <a:schemeClr val="accent1"/>
+          </a:fillRef>
+          <a:effectRef idx="0">
+            <a:schemeClr val="accent1"/>
+          </a:effectRef>
+          <a:fontRef idx="minor">
+            <a:schemeClr val="tx1"/>
+          </a:fontRef>
+        </p:style>
+      </p:cxnSp>
+      <p:sp>
+        <p:nvSpPr>
+          <p:cNvPr id="33" name="Rectangle 2"/>
+          <p:cNvSpPr txBox="1">
+            <a:spLocks noChangeArrowheads="1"/>
+          </p:cNvSpPr>
+          <p:nvPr>
+            <p:custDataLst>
+              <p:tags r:id="rId1"/>
+            </p:custDataLst>
+          </p:nvPr>
+        </p:nvSpPr>
+        <p:spPr bwMode="gray">
+          <a:xfrm>
+            <a:off x="571924" y="796414"/>
+            <a:ext cx="3986428" cy="400960"/>
+          </a:xfrm>
+          <a:prstGeom prst="rect">
+            <a:avLst/>
+          </a:prstGeom>
+        </p:spPr>
+        <p:style>
+          <a:lnRef idx="2">
+            <a:schemeClr val="dk1"/>
+          </a:lnRef>
+          <a:fillRef idx="1">
+            <a:schemeClr val="lt1"/>
+          </a:fillRef>
+          <a:effectRef idx="0">
+            <a:schemeClr val="dk1"/>
+          </a:effectRef>
+          <a:fontRef idx="minor">
+            <a:schemeClr val="dk1"/>
+          </a:fontRef>
+        </p:style>
+        <p:txBody>
+          <a:bodyPr vert="horz" lIns="91440" tIns="45720" rIns="91440" bIns="45720" rtlCol="0" anchor="ctr">
+            <a:noAutofit/>
+          </a:bodyPr>
+          <a:lstStyle>
+            <a:lvl1pPr algn="l" defTabSz="914400" rtl="0" eaLnBrk="1" latinLnBrk="0" hangingPunct="1">
+              <a:lnSpc>
+                <a:spcPct val="90000"/>
+              </a:lnSpc>
+              <a:spcBef>
+                <a:spcPct val="0"/>
+              </a:spcBef>
+              <a:buNone/>
+              <a:defRPr sz="4400" kern="1200">
+                <a:solidFill>
+                  <a:schemeClr val="tx1"/>
+                </a:solidFill>
+                <a:latin typeface="+mj-lt"/>
+                <a:ea typeface="+mj-ea"/>
+                <a:cs typeface="+mj-cs"/>
+              </a:defRPr>
+            </a:lvl1pPr>
+          </a:lstStyle>
+          <a:p>
+            <a:pPr algn="ctr"/>
+            <a:r>
+              <a:rPr lang="en-US" altLang="zh-CN" sz="1800" b="1" dirty="0" smtClean="0">
+                <a:latin typeface="Arial Narrow" panose="020B0606020202030204" pitchFamily="34" charset="0"/>
+              </a:rPr>
+              <a:t>Demographic</a:t>
+            </a:r>
+            <a:r>
+              <a:rPr lang="zh-CN" altLang="en-US" sz="1800" b="1" dirty="0" smtClean="0">
+                <a:latin typeface="Arial Narrow" panose="020B0606020202030204" pitchFamily="34" charset="0"/>
+              </a:rPr>
+              <a:t> </a:t>
+            </a:r>
+            <a:r>
+              <a:rPr lang="en-US" altLang="zh-CN" sz="1800" b="1" dirty="0" smtClean="0">
+                <a:latin typeface="Arial Narrow" panose="020B0606020202030204" pitchFamily="34" charset="0"/>
+              </a:rPr>
+              <a:t>features</a:t>
+            </a:r>
+            <a:endParaRPr lang="en-US" altLang="en-US" sz="1800" b="1" dirty="0">
+              <a:latin typeface="Arial Narrow" panose="020B0606020202030204" pitchFamily="34" charset="0"/>
+            </a:endParaRPr>
+          </a:p>
+        </p:txBody>
+      </p:sp>
+      <p:sp>
+        <p:nvSpPr>
+          <p:cNvPr id="6" name="Oval 5"/>
+          <p:cNvSpPr/>
+          <p:nvPr/>
+        </p:nvSpPr>
+        <p:spPr>
+          <a:xfrm>
+            <a:off x="373646" y="584452"/>
+            <a:ext cx="367561" cy="367561"/>
+          </a:xfrm>
+          <a:prstGeom prst="ellipse">
+            <a:avLst/>
+          </a:prstGeom>
+        </p:spPr>
+        <p:style>
+          <a:lnRef idx="2">
+            <a:schemeClr val="accent1">
+              <a:shade val="50000"/>
+            </a:schemeClr>
+          </a:lnRef>
+          <a:fillRef idx="1">
+            <a:schemeClr val="accent1"/>
+          </a:fillRef>
+          <a:effectRef idx="0">
+            <a:schemeClr val="accent1"/>
+          </a:effectRef>
+          <a:fontRef idx="minor">
+            <a:schemeClr val="lt1"/>
+          </a:fontRef>
+        </p:style>
+        <p:txBody>
+          <a:bodyPr rtlCol="0" anchor="ctr"/>
+          <a:lstStyle/>
+          <a:p>
+            <a:pPr algn="ctr"/>
+            <a:r>
+              <a:rPr lang="en-US" altLang="zh-CN" smtClean="0"/>
+              <a:t>1</a:t>
+            </a:r>
+            <a:endParaRPr lang="en-US"/>
+          </a:p>
+        </p:txBody>
+      </p:sp>
+      <p:sp>
+        <p:nvSpPr>
+          <p:cNvPr id="35" name="Rectangle 2"/>
+          <p:cNvSpPr txBox="1">
+            <a:spLocks noChangeArrowheads="1"/>
+          </p:cNvSpPr>
+          <p:nvPr>
+            <p:custDataLst>
+              <p:tags r:id="rId2"/>
+            </p:custDataLst>
+          </p:nvPr>
+        </p:nvSpPr>
+        <p:spPr bwMode="gray">
+          <a:xfrm>
+            <a:off x="6829808" y="796414"/>
+            <a:ext cx="2832295" cy="400960"/>
+          </a:xfrm>
+          <a:prstGeom prst="rect">
+            <a:avLst/>
+          </a:prstGeom>
+        </p:spPr>
+        <p:style>
+          <a:lnRef idx="2">
+            <a:schemeClr val="dk1"/>
+          </a:lnRef>
+          <a:fillRef idx="1">
+            <a:schemeClr val="lt1"/>
+          </a:fillRef>
+          <a:effectRef idx="0">
+            <a:schemeClr val="dk1"/>
+          </a:effectRef>
+          <a:fontRef idx="minor">
+            <a:schemeClr val="dk1"/>
+          </a:fontRef>
+        </p:style>
+        <p:txBody>
+          <a:bodyPr vert="horz" lIns="91440" tIns="45720" rIns="91440" bIns="45720" rtlCol="0" anchor="ctr">
+            <a:noAutofit/>
+          </a:bodyPr>
+          <a:lstStyle>
+            <a:lvl1pPr algn="l" defTabSz="914400" rtl="0" eaLnBrk="1" latinLnBrk="0" hangingPunct="1">
+              <a:lnSpc>
+                <a:spcPct val="90000"/>
+              </a:lnSpc>
+              <a:spcBef>
+                <a:spcPct val="0"/>
+              </a:spcBef>
+              <a:buNone/>
+              <a:defRPr sz="4400" kern="1200">
+                <a:solidFill>
+                  <a:schemeClr val="tx1"/>
+                </a:solidFill>
+                <a:latin typeface="+mj-lt"/>
+                <a:ea typeface="+mj-ea"/>
+                <a:cs typeface="+mj-cs"/>
+              </a:defRPr>
+            </a:lvl1pPr>
+          </a:lstStyle>
+          <a:p>
+            <a:pPr algn="ctr"/>
+            <a:r>
+              <a:rPr lang="en-US" altLang="zh-CN" sz="1800" b="1" dirty="0" smtClean="0">
+                <a:latin typeface="Arial Narrow" panose="020B0606020202030204" pitchFamily="34" charset="0"/>
+              </a:rPr>
+              <a:t>Key</a:t>
+            </a:r>
+            <a:r>
+              <a:rPr lang="zh-CN" altLang="en-US" sz="1800" b="1" dirty="0" smtClean="0">
+                <a:latin typeface="Arial Narrow" panose="020B0606020202030204" pitchFamily="34" charset="0"/>
+              </a:rPr>
+              <a:t> </a:t>
+            </a:r>
+            <a:r>
+              <a:rPr lang="en-US" altLang="zh-CN" sz="1800" b="1" dirty="0" smtClean="0">
+                <a:latin typeface="Arial Narrow" panose="020B0606020202030204" pitchFamily="34" charset="0"/>
+              </a:rPr>
+              <a:t>findings</a:t>
+            </a:r>
+            <a:endParaRPr lang="en-US" altLang="en-US" sz="1800" b="1" dirty="0">
+              <a:latin typeface="Arial Narrow" panose="020B0606020202030204" pitchFamily="34" charset="0"/>
+            </a:endParaRPr>
+          </a:p>
+        </p:txBody>
+      </p:sp>
+      <p:sp>
+        <p:nvSpPr>
+          <p:cNvPr id="36" name="Rectangle 2"/>
+          <p:cNvSpPr txBox="1">
+            <a:spLocks noChangeArrowheads="1"/>
+          </p:cNvSpPr>
+          <p:nvPr>
+            <p:custDataLst>
+              <p:tags r:id="rId3"/>
+            </p:custDataLst>
+          </p:nvPr>
+        </p:nvSpPr>
+        <p:spPr bwMode="gray">
+          <a:xfrm>
+            <a:off x="6722933" y="3377860"/>
+            <a:ext cx="5057392" cy="400960"/>
+          </a:xfrm>
+          <a:prstGeom prst="rect">
+            <a:avLst/>
+          </a:prstGeom>
+          <a:ln>
+            <a:noFill/>
+          </a:ln>
+        </p:spPr>
+        <p:style>
+          <a:lnRef idx="2">
+            <a:schemeClr val="dk1"/>
+          </a:lnRef>
+          <a:fillRef idx="1">
+            <a:schemeClr val="lt1"/>
+          </a:fillRef>
+          <a:effectRef idx="0">
+            <a:schemeClr val="dk1"/>
+          </a:effectRef>
+          <a:fontRef idx="minor">
+            <a:schemeClr val="dk1"/>
+          </a:fontRef>
+        </p:style>
+        <p:txBody>
+          <a:bodyPr vert="horz" lIns="91440" tIns="45720" rIns="91440" bIns="45720" rtlCol="0" anchor="ctr">
+            <a:noAutofit/>
+          </a:bodyPr>
+          <a:lstStyle>
+            <a:lvl1pPr algn="l" defTabSz="914400" rtl="0" eaLnBrk="1" latinLnBrk="0" hangingPunct="1">
+              <a:lnSpc>
+                <a:spcPct val="90000"/>
+              </a:lnSpc>
+              <a:spcBef>
+                <a:spcPct val="0"/>
+              </a:spcBef>
+              <a:buNone/>
+              <a:defRPr sz="4400" kern="1200">
+                <a:solidFill>
+                  <a:schemeClr val="tx1"/>
+                </a:solidFill>
+                <a:latin typeface="+mj-lt"/>
+                <a:ea typeface="+mj-ea"/>
+                <a:cs typeface="+mj-cs"/>
+              </a:defRPr>
+            </a:lvl1pPr>
+          </a:lstStyle>
+          <a:p>
+            <a:pPr marL="342900" indent="-342900">
+              <a:buFont typeface="Arial" charset="0"/>
+              <a:buChar char="•"/>
+            </a:pPr>
+            <a:r>
+              <a:rPr lang="en-US" altLang="zh-CN" sz="1800" b="1" dirty="0" smtClean="0">
+                <a:latin typeface="Arial Narrow" panose="020B0606020202030204" pitchFamily="34" charset="0"/>
+              </a:rPr>
+              <a:t>Most</a:t>
+            </a:r>
+            <a:r>
+              <a:rPr lang="zh-CN" altLang="en-US" sz="1800" b="1" dirty="0" smtClean="0">
+                <a:latin typeface="Arial Narrow" panose="020B0606020202030204" pitchFamily="34" charset="0"/>
+              </a:rPr>
+              <a:t> </a:t>
+            </a:r>
+            <a:r>
+              <a:rPr lang="en-US" altLang="zh-CN" sz="1800" b="1" dirty="0" smtClean="0">
+                <a:latin typeface="Arial Narrow" panose="020B0606020202030204" pitchFamily="34" charset="0"/>
+              </a:rPr>
+              <a:t>of</a:t>
+            </a:r>
+            <a:r>
+              <a:rPr lang="zh-CN" altLang="en-US" sz="1800" b="1" dirty="0" smtClean="0">
+                <a:latin typeface="Arial Narrow" panose="020B0606020202030204" pitchFamily="34" charset="0"/>
+              </a:rPr>
+              <a:t> </a:t>
+            </a:r>
+            <a:r>
+              <a:rPr lang="en-US" altLang="zh-CN" sz="1800" b="1" dirty="0" smtClean="0">
+                <a:latin typeface="Arial Narrow" panose="020B0606020202030204" pitchFamily="34" charset="0"/>
+              </a:rPr>
+              <a:t>the</a:t>
+            </a:r>
+            <a:r>
+              <a:rPr lang="zh-CN" altLang="en-US" sz="1800" b="1" dirty="0" smtClean="0">
+                <a:latin typeface="Arial Narrow" panose="020B0606020202030204" pitchFamily="34" charset="0"/>
+              </a:rPr>
+              <a:t> </a:t>
+            </a:r>
+            <a:r>
+              <a:rPr lang="en-US" altLang="zh-CN" sz="1800" b="1" dirty="0" smtClean="0">
+                <a:latin typeface="Arial Narrow" panose="020B0606020202030204" pitchFamily="34" charset="0"/>
+              </a:rPr>
+              <a:t>people</a:t>
+            </a:r>
+            <a:r>
+              <a:rPr lang="zh-CN" altLang="en-US" sz="1800" b="1" dirty="0" smtClean="0">
+                <a:latin typeface="Arial Narrow" panose="020B0606020202030204" pitchFamily="34" charset="0"/>
+              </a:rPr>
+              <a:t> </a:t>
+            </a:r>
+            <a:r>
+              <a:rPr lang="en-US" altLang="zh-CN" sz="1800" b="1" dirty="0" smtClean="0">
+                <a:latin typeface="Arial Narrow" panose="020B0606020202030204" pitchFamily="34" charset="0"/>
+              </a:rPr>
+              <a:t>have</a:t>
+            </a:r>
+            <a:r>
+              <a:rPr lang="zh-CN" altLang="en-US" sz="1800" b="1" dirty="0" smtClean="0">
+                <a:latin typeface="Arial Narrow" panose="020B0606020202030204" pitchFamily="34" charset="0"/>
+              </a:rPr>
+              <a:t> </a:t>
+            </a:r>
+            <a:r>
+              <a:rPr lang="en-US" altLang="zh-CN" sz="1800" b="1" dirty="0" smtClean="0">
+                <a:latin typeface="Arial Narrow" panose="020B0606020202030204" pitchFamily="34" charset="0"/>
+              </a:rPr>
+              <a:t>been</a:t>
+            </a:r>
+            <a:r>
+              <a:rPr lang="zh-CN" altLang="en-US" sz="1800" b="1" dirty="0" smtClean="0">
+                <a:latin typeface="Arial Narrow" panose="020B0606020202030204" pitchFamily="34" charset="0"/>
+              </a:rPr>
+              <a:t> </a:t>
+            </a:r>
+            <a:r>
+              <a:rPr lang="en-US" altLang="zh-CN" sz="1800" b="1" dirty="0" smtClean="0">
+                <a:latin typeface="Arial Narrow" panose="020B0606020202030204" pitchFamily="34" charset="0"/>
+              </a:rPr>
+              <a:t>stopped</a:t>
+            </a:r>
+            <a:r>
+              <a:rPr lang="zh-CN" altLang="en-US" sz="1800" b="1" dirty="0" smtClean="0">
+                <a:latin typeface="Arial Narrow" panose="020B0606020202030204" pitchFamily="34" charset="0"/>
+              </a:rPr>
+              <a:t> </a:t>
+            </a:r>
+            <a:r>
+              <a:rPr lang="en-US" altLang="zh-CN" sz="1800" b="1" dirty="0" smtClean="0">
+                <a:latin typeface="Arial Narrow" panose="020B0606020202030204" pitchFamily="34" charset="0"/>
+              </a:rPr>
+              <a:t>are</a:t>
+            </a:r>
+            <a:r>
+              <a:rPr lang="zh-CN" altLang="en-US" sz="1800" b="1" dirty="0" smtClean="0">
+                <a:latin typeface="Arial Narrow" panose="020B0606020202030204" pitchFamily="34" charset="0"/>
+              </a:rPr>
+              <a:t> </a:t>
+            </a:r>
+            <a:r>
+              <a:rPr lang="en-US" altLang="zh-CN" sz="1800" b="1" dirty="0" smtClean="0">
+                <a:latin typeface="Arial Narrow" panose="020B0606020202030204" pitchFamily="34" charset="0"/>
+              </a:rPr>
+              <a:t>black</a:t>
+            </a:r>
+          </a:p>
+          <a:p>
+            <a:pPr marL="342900" indent="-342900">
+              <a:buFont typeface="Arial" charset="0"/>
+              <a:buChar char="•"/>
+            </a:pPr>
+            <a:r>
+              <a:rPr lang="en-US" altLang="zh-CN" sz="1800" b="1" dirty="0" smtClean="0">
+                <a:latin typeface="Arial Narrow" panose="020B0606020202030204" pitchFamily="34" charset="0"/>
+              </a:rPr>
+              <a:t>Male</a:t>
+            </a:r>
+            <a:r>
+              <a:rPr lang="zh-CN" altLang="en-US" sz="1800" b="1" dirty="0" smtClean="0">
+                <a:latin typeface="Arial Narrow" panose="020B0606020202030204" pitchFamily="34" charset="0"/>
+              </a:rPr>
+              <a:t> </a:t>
+            </a:r>
+            <a:r>
+              <a:rPr lang="en-US" altLang="zh-CN" sz="1800" b="1" dirty="0" smtClean="0">
+                <a:latin typeface="Arial Narrow" panose="020B0606020202030204" pitchFamily="34" charset="0"/>
+              </a:rPr>
+              <a:t>&gt;</a:t>
+            </a:r>
+            <a:r>
+              <a:rPr lang="zh-CN" altLang="en-US" sz="1800" b="1" dirty="0">
+                <a:latin typeface="Arial Narrow" panose="020B0606020202030204" pitchFamily="34" charset="0"/>
+              </a:rPr>
+              <a:t> </a:t>
+            </a:r>
+            <a:r>
+              <a:rPr lang="en-US" altLang="zh-CN" sz="1800" b="1" dirty="0" smtClean="0">
+                <a:latin typeface="Arial Narrow" panose="020B0606020202030204" pitchFamily="34" charset="0"/>
+              </a:rPr>
+              <a:t>Female</a:t>
+            </a:r>
+          </a:p>
+        </p:txBody>
+      </p:sp>
+      <p:sp>
+        <p:nvSpPr>
+          <p:cNvPr id="9" name="Oval 8"/>
+          <p:cNvSpPr/>
+          <p:nvPr/>
+        </p:nvSpPr>
+        <p:spPr>
+          <a:xfrm>
+            <a:off x="6646027" y="629333"/>
+            <a:ext cx="367561" cy="367561"/>
+          </a:xfrm>
+          <a:prstGeom prst="ellipse">
+            <a:avLst/>
+          </a:prstGeom>
+        </p:spPr>
+        <p:style>
+          <a:lnRef idx="2">
+            <a:schemeClr val="accent1">
+              <a:shade val="50000"/>
+            </a:schemeClr>
+          </a:lnRef>
+          <a:fillRef idx="1">
+            <a:schemeClr val="accent1"/>
+          </a:fillRef>
+          <a:effectRef idx="0">
+            <a:schemeClr val="accent1"/>
+          </a:effectRef>
+          <a:fontRef idx="minor">
+            <a:schemeClr val="lt1"/>
+          </a:fontRef>
+        </p:style>
+        <p:txBody>
+          <a:bodyPr rtlCol="0" anchor="ctr"/>
+          <a:lstStyle/>
+          <a:p>
+            <a:pPr algn="ctr"/>
+            <a:r>
+              <a:rPr lang="en-US" altLang="zh-CN" dirty="0"/>
+              <a:t>2</a:t>
+            </a:r>
+            <a:endParaRPr lang="en-US" dirty="0"/>
+          </a:p>
+        </p:txBody>
+      </p:sp>
+      <p:sp>
+        <p:nvSpPr>
+          <p:cNvPr id="14" name="Rectangle 2"/>
+          <p:cNvSpPr>
+            <a:spLocks noGrp="1" noChangeArrowheads="1"/>
+          </p:cNvSpPr>
+          <p:nvPr>
+            <p:ph type="title"/>
+            <p:custDataLst>
+              <p:tags r:id="rId4"/>
+            </p:custDataLst>
+          </p:nvPr>
+        </p:nvSpPr>
+        <p:spPr bwMode="gray">
+          <a:xfrm>
+            <a:off x="212737" y="220071"/>
+            <a:ext cx="8793595" cy="298327"/>
+          </a:xfrm>
+        </p:spPr>
+        <p:txBody>
+          <a:bodyPr>
+            <a:noAutofit/>
+          </a:bodyPr>
+          <a:lstStyle/>
+          <a:p>
+            <a:r>
+              <a:rPr lang="en-US" altLang="zh-CN" sz="2400" b="1" dirty="0" smtClean="0">
+                <a:solidFill>
+                  <a:srgbClr val="954F72"/>
+                </a:solidFill>
+                <a:latin typeface="Arial Narrow" panose="020B0606020202030204" pitchFamily="34" charset="0"/>
+              </a:rPr>
+              <a:t>Analysis</a:t>
+            </a:r>
+            <a:r>
+              <a:rPr lang="zh-CN" altLang="en-US" sz="2400" b="1" dirty="0" smtClean="0">
+                <a:solidFill>
+                  <a:srgbClr val="954F72"/>
+                </a:solidFill>
+                <a:latin typeface="Arial Narrow" panose="020B0606020202030204" pitchFamily="34" charset="0"/>
+              </a:rPr>
+              <a:t> </a:t>
+            </a:r>
+            <a:r>
+              <a:rPr lang="en-US" altLang="zh-CN" sz="2400" b="1" dirty="0" smtClean="0">
+                <a:solidFill>
+                  <a:srgbClr val="954F72"/>
+                </a:solidFill>
+                <a:latin typeface="Arial Narrow" panose="020B0606020202030204" pitchFamily="34" charset="0"/>
+              </a:rPr>
+              <a:t>of</a:t>
+            </a:r>
+            <a:r>
+              <a:rPr lang="zh-CN" altLang="en-US" sz="2400" b="1" dirty="0" smtClean="0">
+                <a:solidFill>
+                  <a:srgbClr val="954F72"/>
+                </a:solidFill>
+                <a:latin typeface="Arial Narrow" panose="020B0606020202030204" pitchFamily="34" charset="0"/>
+              </a:rPr>
+              <a:t> </a:t>
+            </a:r>
+            <a:r>
+              <a:rPr lang="en-US" altLang="zh-CN" sz="2400" b="1" dirty="0" smtClean="0">
+                <a:solidFill>
+                  <a:srgbClr val="954F72"/>
+                </a:solidFill>
+                <a:latin typeface="Arial Narrow" panose="020B0606020202030204" pitchFamily="34" charset="0"/>
+              </a:rPr>
+              <a:t>Stop</a:t>
+            </a:r>
+            <a:r>
+              <a:rPr lang="zh-CN" altLang="en-US" sz="2400" b="1" dirty="0" smtClean="0">
+                <a:solidFill>
+                  <a:srgbClr val="954F72"/>
+                </a:solidFill>
+                <a:latin typeface="Arial Narrow" panose="020B0606020202030204" pitchFamily="34" charset="0"/>
+              </a:rPr>
+              <a:t> </a:t>
+            </a:r>
+            <a:r>
+              <a:rPr lang="en-US" altLang="zh-CN" sz="2400" b="1" dirty="0" smtClean="0">
+                <a:solidFill>
+                  <a:srgbClr val="954F72"/>
+                </a:solidFill>
+                <a:latin typeface="Arial Narrow" panose="020B0606020202030204" pitchFamily="34" charset="0"/>
+              </a:rPr>
+              <a:t>and</a:t>
+            </a:r>
+            <a:r>
+              <a:rPr lang="zh-CN" altLang="en-US" sz="2400" b="1" dirty="0" smtClean="0">
+                <a:solidFill>
+                  <a:srgbClr val="954F72"/>
+                </a:solidFill>
+                <a:latin typeface="Arial Narrow" panose="020B0606020202030204" pitchFamily="34" charset="0"/>
+              </a:rPr>
+              <a:t> </a:t>
+            </a:r>
+            <a:r>
+              <a:rPr lang="en-US" altLang="zh-CN" sz="2400" b="1" smtClean="0">
+                <a:solidFill>
+                  <a:srgbClr val="954F72"/>
+                </a:solidFill>
+                <a:latin typeface="Arial Narrow" panose="020B0606020202030204" pitchFamily="34" charset="0"/>
+              </a:rPr>
+              <a:t>Search</a:t>
+            </a:r>
+            <a:endParaRPr lang="en-US" altLang="en-US" sz="2400" b="1" dirty="0">
+              <a:solidFill>
+                <a:srgbClr val="954F72"/>
+              </a:solidFill>
+              <a:latin typeface="Arial Narrow" panose="020B0606020202030204" pitchFamily="34" charset="0"/>
+            </a:endParaRPr>
+          </a:p>
+        </p:txBody>
+      </p:sp>
+      <p:pic>
+        <p:nvPicPr>
+          <p:cNvPr id="8" name="Picture 7"/>
+          <p:cNvPicPr>
+            <a:picLocks noChangeAspect="1"/>
+          </p:cNvPicPr>
+          <p:nvPr/>
+        </p:nvPicPr>
+        <p:blipFill rotWithShape="1">
+          <a:blip r:embed="rId7" cstate="print">
+            <a:extLst>
+              <a:ext uri="{28A0092B-C50C-407E-A947-70E740481C1C}">
+                <a14:useLocalDpi xmlns:a14="http://schemas.microsoft.com/office/drawing/2010/main" val="0"/>
+              </a:ext>
+            </a:extLst>
+          </a:blip>
+          <a:srcRect l="872" t="232" r="523" b="51900"/>
+          <a:stretch/>
+        </p:blipFill>
+        <p:spPr>
+          <a:xfrm>
+            <a:off x="156052" y="1236853"/>
+            <a:ext cx="6170583" cy="5621147"/>
+          </a:xfrm>
+          <a:prstGeom prst="rect">
+            <a:avLst/>
+          </a:prstGeom>
+        </p:spPr>
+      </p:pic>
+    </p:spTree>
+    <p:extLst>
+      <p:ext uri="{BB962C8B-B14F-4D97-AF65-F5344CB8AC3E}">
+        <p14:creationId xmlns:p14="http://schemas.microsoft.com/office/powerpoint/2010/main" val="1812785117"/>
+      </p:ext>
+    </p:extLst>
+  </p:cSld>
+  <p:clrMapOvr>
+    <a:masterClrMapping/>
+  </p:clrMapOvr>
+  <p:transition>
+    <p:wipe dir="r"/>
+  </p:transition>
+</p:sld>
+</file>
+
+<file path=ppt/slides/slide6.xml><?xml version="1.0" encoding="utf-8"?>
+<p:sld xmlns:a="http://schemas.openxmlformats.org/drawingml/2006/main" xmlns:r="http://schemas.openxmlformats.org/officeDocument/2006/relationships" xmlns:p="http://schemas.openxmlformats.org/presentationml/2006/main">
+  <p:cSld>
+    <p:spTree>
+      <p:nvGrpSpPr>
+        <p:cNvPr id="1" name=""/>
+        <p:cNvGrpSpPr/>
+        <p:nvPr/>
+      </p:nvGrpSpPr>
+      <p:grpSpPr>
+        <a:xfrm>
+          <a:off x="0" y="0"/>
+          <a:ext cx="0" cy="0"/>
+          <a:chOff x="0" y="0"/>
+          <a:chExt cx="0" cy="0"/>
+        </a:xfrm>
+      </p:grpSpPr>
+      <p:cxnSp>
+        <p:nvCxnSpPr>
+          <p:cNvPr id="5" name="Straight Connector 4"/>
+          <p:cNvCxnSpPr/>
+          <p:nvPr/>
+        </p:nvCxnSpPr>
+        <p:spPr>
+          <a:xfrm>
+            <a:off x="6578221" y="996894"/>
+            <a:ext cx="0" cy="5254388"/>
+          </a:xfrm>
+          <a:prstGeom prst="line">
+            <a:avLst/>
+          </a:prstGeom>
+          <a:ln>
+            <a:solidFill>
+              <a:schemeClr val="tx1"/>
+            </a:solidFill>
+            <a:prstDash val="dash"/>
+          </a:ln>
+        </p:spPr>
+        <p:style>
+          <a:lnRef idx="1">
+            <a:schemeClr val="accent1"/>
+          </a:lnRef>
+          <a:fillRef idx="0">
+            <a:schemeClr val="accent1"/>
+          </a:fillRef>
+          <a:effectRef idx="0">
+            <a:schemeClr val="accent1"/>
+          </a:effectRef>
+          <a:fontRef idx="minor">
+            <a:schemeClr val="tx1"/>
+          </a:fontRef>
+        </p:style>
+      </p:cxnSp>
+      <p:sp>
+        <p:nvSpPr>
+          <p:cNvPr id="33" name="Rectangle 2"/>
+          <p:cNvSpPr txBox="1">
+            <a:spLocks noChangeArrowheads="1"/>
+          </p:cNvSpPr>
+          <p:nvPr>
+            <p:custDataLst>
+              <p:tags r:id="rId1"/>
+            </p:custDataLst>
+          </p:nvPr>
+        </p:nvSpPr>
+        <p:spPr bwMode="gray">
+          <a:xfrm>
+            <a:off x="571924" y="796414"/>
+            <a:ext cx="3986428" cy="400960"/>
+          </a:xfrm>
+          <a:prstGeom prst="rect">
+            <a:avLst/>
+          </a:prstGeom>
+        </p:spPr>
+        <p:style>
+          <a:lnRef idx="2">
+            <a:schemeClr val="dk1"/>
+          </a:lnRef>
+          <a:fillRef idx="1">
+            <a:schemeClr val="lt1"/>
+          </a:fillRef>
+          <a:effectRef idx="0">
+            <a:schemeClr val="dk1"/>
+          </a:effectRef>
+          <a:fontRef idx="minor">
+            <a:schemeClr val="dk1"/>
+          </a:fontRef>
+        </p:style>
+        <p:txBody>
+          <a:bodyPr vert="horz" lIns="91440" tIns="45720" rIns="91440" bIns="45720" rtlCol="0" anchor="ctr">
+            <a:noAutofit/>
+          </a:bodyPr>
+          <a:lstStyle>
+            <a:lvl1pPr algn="l" defTabSz="914400" rtl="0" eaLnBrk="1" latinLnBrk="0" hangingPunct="1">
+              <a:lnSpc>
+                <a:spcPct val="90000"/>
+              </a:lnSpc>
+              <a:spcBef>
+                <a:spcPct val="0"/>
+              </a:spcBef>
+              <a:buNone/>
+              <a:defRPr sz="4400" kern="1200">
+                <a:solidFill>
+                  <a:schemeClr val="tx1"/>
+                </a:solidFill>
+                <a:latin typeface="+mj-lt"/>
+                <a:ea typeface="+mj-ea"/>
+                <a:cs typeface="+mj-cs"/>
+              </a:defRPr>
+            </a:lvl1pPr>
+          </a:lstStyle>
+          <a:p>
+            <a:pPr algn="ctr"/>
+            <a:r>
+              <a:rPr lang="en-US" altLang="zh-CN" sz="1800" b="1" dirty="0" smtClean="0">
+                <a:latin typeface="Arial Narrow" panose="020B0606020202030204" pitchFamily="34" charset="0"/>
+              </a:rPr>
+              <a:t>Demographic</a:t>
+            </a:r>
+            <a:r>
+              <a:rPr lang="zh-CN" altLang="en-US" sz="1800" b="1" dirty="0" smtClean="0">
+                <a:latin typeface="Arial Narrow" panose="020B0606020202030204" pitchFamily="34" charset="0"/>
+              </a:rPr>
+              <a:t> </a:t>
+            </a:r>
+            <a:r>
+              <a:rPr lang="en-US" altLang="zh-CN" sz="1800" b="1" dirty="0" smtClean="0">
+                <a:latin typeface="Arial Narrow" panose="020B0606020202030204" pitchFamily="34" charset="0"/>
+              </a:rPr>
+              <a:t>features</a:t>
+            </a:r>
+            <a:r>
+              <a:rPr lang="zh-CN" altLang="en-US" sz="1800" b="1" dirty="0" smtClean="0">
+                <a:latin typeface="Arial Narrow" panose="020B0606020202030204" pitchFamily="34" charset="0"/>
+              </a:rPr>
+              <a:t> </a:t>
+            </a:r>
+            <a:endParaRPr lang="en-US" altLang="en-US" sz="1800" b="1" dirty="0">
+              <a:latin typeface="Arial Narrow" panose="020B0606020202030204" pitchFamily="34" charset="0"/>
+            </a:endParaRPr>
+          </a:p>
+        </p:txBody>
+      </p:sp>
+      <p:sp>
+        <p:nvSpPr>
+          <p:cNvPr id="6" name="Oval 5"/>
+          <p:cNvSpPr/>
+          <p:nvPr/>
+        </p:nvSpPr>
+        <p:spPr>
+          <a:xfrm>
+            <a:off x="373646" y="584452"/>
+            <a:ext cx="367561" cy="367561"/>
+          </a:xfrm>
+          <a:prstGeom prst="ellipse">
+            <a:avLst/>
+          </a:prstGeom>
+        </p:spPr>
+        <p:style>
+          <a:lnRef idx="2">
+            <a:schemeClr val="accent1">
+              <a:shade val="50000"/>
+            </a:schemeClr>
+          </a:lnRef>
+          <a:fillRef idx="1">
+            <a:schemeClr val="accent1"/>
+          </a:fillRef>
+          <a:effectRef idx="0">
+            <a:schemeClr val="accent1"/>
+          </a:effectRef>
+          <a:fontRef idx="minor">
+            <a:schemeClr val="lt1"/>
+          </a:fontRef>
+        </p:style>
+        <p:txBody>
+          <a:bodyPr rtlCol="0" anchor="ctr"/>
+          <a:lstStyle/>
+          <a:p>
+            <a:pPr algn="ctr"/>
+            <a:r>
+              <a:rPr lang="en-US" altLang="zh-CN" smtClean="0"/>
+              <a:t>1</a:t>
+            </a:r>
+            <a:endParaRPr lang="en-US"/>
+          </a:p>
+        </p:txBody>
+      </p:sp>
+      <p:sp>
+        <p:nvSpPr>
+          <p:cNvPr id="35" name="Rectangle 2"/>
+          <p:cNvSpPr txBox="1">
+            <a:spLocks noChangeArrowheads="1"/>
+          </p:cNvSpPr>
+          <p:nvPr>
+            <p:custDataLst>
+              <p:tags r:id="rId2"/>
+            </p:custDataLst>
+          </p:nvPr>
+        </p:nvSpPr>
+        <p:spPr bwMode="gray">
+          <a:xfrm>
+            <a:off x="6829808" y="796414"/>
+            <a:ext cx="2832295" cy="400960"/>
+          </a:xfrm>
+          <a:prstGeom prst="rect">
+            <a:avLst/>
+          </a:prstGeom>
+        </p:spPr>
+        <p:style>
+          <a:lnRef idx="2">
+            <a:schemeClr val="dk1"/>
+          </a:lnRef>
+          <a:fillRef idx="1">
+            <a:schemeClr val="lt1"/>
+          </a:fillRef>
+          <a:effectRef idx="0">
+            <a:schemeClr val="dk1"/>
+          </a:effectRef>
+          <a:fontRef idx="minor">
+            <a:schemeClr val="dk1"/>
+          </a:fontRef>
+        </p:style>
+        <p:txBody>
+          <a:bodyPr vert="horz" lIns="91440" tIns="45720" rIns="91440" bIns="45720" rtlCol="0" anchor="ctr">
+            <a:noAutofit/>
+          </a:bodyPr>
+          <a:lstStyle>
+            <a:lvl1pPr algn="l" defTabSz="914400" rtl="0" eaLnBrk="1" latinLnBrk="0" hangingPunct="1">
+              <a:lnSpc>
+                <a:spcPct val="90000"/>
+              </a:lnSpc>
+              <a:spcBef>
+                <a:spcPct val="0"/>
+              </a:spcBef>
+              <a:buNone/>
+              <a:defRPr sz="4400" kern="1200">
+                <a:solidFill>
+                  <a:schemeClr val="tx1"/>
+                </a:solidFill>
+                <a:latin typeface="+mj-lt"/>
+                <a:ea typeface="+mj-ea"/>
+                <a:cs typeface="+mj-cs"/>
+              </a:defRPr>
+            </a:lvl1pPr>
+          </a:lstStyle>
+          <a:p>
+            <a:pPr algn="ctr"/>
+            <a:r>
+              <a:rPr lang="en-US" altLang="zh-CN" sz="1800" b="1" dirty="0" smtClean="0">
+                <a:latin typeface="Arial Narrow" panose="020B0606020202030204" pitchFamily="34" charset="0"/>
+              </a:rPr>
+              <a:t>Key</a:t>
+            </a:r>
+            <a:r>
+              <a:rPr lang="zh-CN" altLang="en-US" sz="1800" b="1" dirty="0" smtClean="0">
+                <a:latin typeface="Arial Narrow" panose="020B0606020202030204" pitchFamily="34" charset="0"/>
+              </a:rPr>
+              <a:t> </a:t>
+            </a:r>
+            <a:r>
+              <a:rPr lang="en-US" altLang="zh-CN" sz="1800" b="1" dirty="0" smtClean="0">
+                <a:latin typeface="Arial Narrow" panose="020B0606020202030204" pitchFamily="34" charset="0"/>
+              </a:rPr>
+              <a:t>findings</a:t>
+            </a:r>
+            <a:endParaRPr lang="en-US" altLang="en-US" sz="1800" b="1" dirty="0">
+              <a:latin typeface="Arial Narrow" panose="020B0606020202030204" pitchFamily="34" charset="0"/>
+            </a:endParaRPr>
+          </a:p>
+        </p:txBody>
+      </p:sp>
+      <p:sp>
+        <p:nvSpPr>
+          <p:cNvPr id="36" name="Rectangle 2"/>
+          <p:cNvSpPr txBox="1">
+            <a:spLocks noChangeArrowheads="1"/>
+          </p:cNvSpPr>
+          <p:nvPr>
+            <p:custDataLst>
+              <p:tags r:id="rId3"/>
+            </p:custDataLst>
+          </p:nvPr>
+        </p:nvSpPr>
+        <p:spPr bwMode="gray">
+          <a:xfrm>
+            <a:off x="6722933" y="3377860"/>
+            <a:ext cx="5057392" cy="400960"/>
+          </a:xfrm>
+          <a:prstGeom prst="rect">
+            <a:avLst/>
+          </a:prstGeom>
+          <a:ln>
+            <a:noFill/>
+          </a:ln>
+        </p:spPr>
+        <p:style>
+          <a:lnRef idx="2">
+            <a:schemeClr val="dk1"/>
+          </a:lnRef>
+          <a:fillRef idx="1">
+            <a:schemeClr val="lt1"/>
+          </a:fillRef>
+          <a:effectRef idx="0">
+            <a:schemeClr val="dk1"/>
+          </a:effectRef>
+          <a:fontRef idx="minor">
+            <a:schemeClr val="dk1"/>
+          </a:fontRef>
+        </p:style>
+        <p:txBody>
+          <a:bodyPr vert="horz" lIns="91440" tIns="45720" rIns="91440" bIns="45720" rtlCol="0" anchor="ctr">
+            <a:noAutofit/>
+          </a:bodyPr>
+          <a:lstStyle>
+            <a:lvl1pPr algn="l" defTabSz="914400" rtl="0" eaLnBrk="1" latinLnBrk="0" hangingPunct="1">
+              <a:lnSpc>
+                <a:spcPct val="90000"/>
+              </a:lnSpc>
+              <a:spcBef>
+                <a:spcPct val="0"/>
+              </a:spcBef>
+              <a:buNone/>
+              <a:defRPr sz="4400" kern="1200">
+                <a:solidFill>
+                  <a:schemeClr val="tx1"/>
+                </a:solidFill>
+                <a:latin typeface="+mj-lt"/>
+                <a:ea typeface="+mj-ea"/>
+                <a:cs typeface="+mj-cs"/>
+              </a:defRPr>
+            </a:lvl1pPr>
+          </a:lstStyle>
+          <a:p>
+            <a:pPr marL="342900" indent="-342900">
+              <a:buFont typeface="Arial" charset="0"/>
+              <a:buChar char="•"/>
+            </a:pPr>
+            <a:r>
+              <a:rPr lang="en-US" altLang="zh-CN" sz="1800" b="1" dirty="0" smtClean="0">
+                <a:latin typeface="Arial Narrow" panose="020B0606020202030204" pitchFamily="34" charset="0"/>
+              </a:rPr>
+              <a:t>Majority</a:t>
+            </a:r>
+            <a:r>
+              <a:rPr lang="zh-CN" altLang="en-US" sz="1800" b="1" dirty="0" smtClean="0">
+                <a:latin typeface="Arial Narrow" panose="020B0606020202030204" pitchFamily="34" charset="0"/>
+              </a:rPr>
+              <a:t> </a:t>
+            </a:r>
+            <a:r>
+              <a:rPr lang="en-US" altLang="zh-CN" sz="1800" b="1" dirty="0" smtClean="0">
+                <a:latin typeface="Arial Narrow" panose="020B0606020202030204" pitchFamily="34" charset="0"/>
+              </a:rPr>
+              <a:t>of</a:t>
+            </a:r>
+            <a:r>
+              <a:rPr lang="zh-CN" altLang="en-US" sz="1800" b="1" dirty="0" smtClean="0">
+                <a:latin typeface="Arial Narrow" panose="020B0606020202030204" pitchFamily="34" charset="0"/>
+              </a:rPr>
+              <a:t> </a:t>
+            </a:r>
+            <a:r>
+              <a:rPr lang="en-US" altLang="zh-CN" sz="1800" b="1" dirty="0" smtClean="0">
+                <a:latin typeface="Arial Narrow" panose="020B0606020202030204" pitchFamily="34" charset="0"/>
+              </a:rPr>
+              <a:t>the</a:t>
+            </a:r>
+            <a:r>
+              <a:rPr lang="zh-CN" altLang="en-US" sz="1800" b="1" dirty="0" smtClean="0">
+                <a:latin typeface="Arial Narrow" panose="020B0606020202030204" pitchFamily="34" charset="0"/>
+              </a:rPr>
+              <a:t> </a:t>
+            </a:r>
+            <a:r>
+              <a:rPr lang="en-US" altLang="zh-CN" sz="1800" b="1" dirty="0" smtClean="0">
+                <a:latin typeface="Arial Narrow" panose="020B0606020202030204" pitchFamily="34" charset="0"/>
+              </a:rPr>
+              <a:t>interviewees</a:t>
+            </a:r>
+            <a:r>
+              <a:rPr lang="zh-CN" altLang="en-US" sz="1800" b="1" dirty="0" smtClean="0">
+                <a:latin typeface="Arial Narrow" panose="020B0606020202030204" pitchFamily="34" charset="0"/>
+              </a:rPr>
+              <a:t> </a:t>
+            </a:r>
+            <a:r>
+              <a:rPr lang="en-US" altLang="zh-CN" sz="1800" b="1" dirty="0" smtClean="0">
+                <a:latin typeface="Arial Narrow" panose="020B0606020202030204" pitchFamily="34" charset="0"/>
+              </a:rPr>
+              <a:t>are</a:t>
+            </a:r>
+            <a:r>
+              <a:rPr lang="zh-CN" altLang="en-US" sz="1800" b="1" dirty="0" smtClean="0">
+                <a:latin typeface="Arial Narrow" panose="020B0606020202030204" pitchFamily="34" charset="0"/>
+              </a:rPr>
+              <a:t> </a:t>
+            </a:r>
+            <a:r>
+              <a:rPr lang="en-US" altLang="zh-CN" sz="1800" b="1" dirty="0" smtClean="0">
+                <a:latin typeface="Arial Narrow" panose="020B0606020202030204" pitchFamily="34" charset="0"/>
+              </a:rPr>
+              <a:t>aged</a:t>
+            </a:r>
+            <a:r>
+              <a:rPr lang="zh-CN" altLang="en-US" sz="1800" b="1" dirty="0" smtClean="0">
+                <a:latin typeface="Arial Narrow" panose="020B0606020202030204" pitchFamily="34" charset="0"/>
+              </a:rPr>
+              <a:t> </a:t>
+            </a:r>
+            <a:r>
+              <a:rPr lang="en-US" altLang="zh-CN" sz="1800" b="1" dirty="0" smtClean="0">
+                <a:latin typeface="Arial Narrow" panose="020B0606020202030204" pitchFamily="34" charset="0"/>
+              </a:rPr>
+              <a:t>between</a:t>
+            </a:r>
+            <a:r>
+              <a:rPr lang="zh-CN" altLang="en-US" sz="1800" b="1" dirty="0" smtClean="0">
+                <a:latin typeface="Arial Narrow" panose="020B0606020202030204" pitchFamily="34" charset="0"/>
+              </a:rPr>
+              <a:t> </a:t>
+            </a:r>
+            <a:r>
+              <a:rPr lang="en-US" altLang="zh-CN" sz="1800" b="1" dirty="0" smtClean="0">
+                <a:latin typeface="Arial Narrow" panose="020B0606020202030204" pitchFamily="34" charset="0"/>
+              </a:rPr>
+              <a:t>20</a:t>
+            </a:r>
+            <a:r>
+              <a:rPr lang="zh-CN" altLang="en-US" sz="1800" b="1" dirty="0" smtClean="0">
+                <a:latin typeface="Arial Narrow" panose="020B0606020202030204" pitchFamily="34" charset="0"/>
+              </a:rPr>
+              <a:t> </a:t>
+            </a:r>
+            <a:r>
+              <a:rPr lang="en-US" altLang="zh-CN" sz="1800" b="1" dirty="0" smtClean="0">
+                <a:latin typeface="Arial Narrow" panose="020B0606020202030204" pitchFamily="34" charset="0"/>
+              </a:rPr>
+              <a:t>and</a:t>
+            </a:r>
+            <a:r>
+              <a:rPr lang="zh-CN" altLang="en-US" sz="1800" b="1" dirty="0" smtClean="0">
+                <a:latin typeface="Arial Narrow" panose="020B0606020202030204" pitchFamily="34" charset="0"/>
+              </a:rPr>
+              <a:t> </a:t>
+            </a:r>
+            <a:r>
+              <a:rPr lang="en-US" altLang="zh-CN" sz="1800" b="1" dirty="0" smtClean="0">
+                <a:latin typeface="Arial Narrow" panose="020B0606020202030204" pitchFamily="34" charset="0"/>
+              </a:rPr>
+              <a:t>30</a:t>
+            </a:r>
+          </a:p>
+          <a:p>
+            <a:pPr marL="342900" indent="-342900">
+              <a:buFont typeface="Arial" charset="0"/>
+              <a:buChar char="•"/>
+            </a:pPr>
+            <a:r>
+              <a:rPr lang="en-US" altLang="zh-CN" sz="1800" b="1" dirty="0" smtClean="0">
+                <a:latin typeface="Arial Narrow" panose="020B0606020202030204" pitchFamily="34" charset="0"/>
+              </a:rPr>
+              <a:t>Most</a:t>
+            </a:r>
+            <a:r>
+              <a:rPr lang="zh-CN" altLang="en-US" sz="1800" b="1" dirty="0" smtClean="0">
+                <a:latin typeface="Arial Narrow" panose="020B0606020202030204" pitchFamily="34" charset="0"/>
+              </a:rPr>
+              <a:t> </a:t>
+            </a:r>
+            <a:r>
+              <a:rPr lang="en-US" altLang="zh-CN" sz="1800" b="1" dirty="0" smtClean="0">
+                <a:latin typeface="Arial Narrow" panose="020B0606020202030204" pitchFamily="34" charset="0"/>
+              </a:rPr>
+              <a:t>of</a:t>
+            </a:r>
+            <a:r>
+              <a:rPr lang="zh-CN" altLang="en-US" sz="1800" b="1" dirty="0" smtClean="0">
+                <a:latin typeface="Arial Narrow" panose="020B0606020202030204" pitchFamily="34" charset="0"/>
+              </a:rPr>
+              <a:t> </a:t>
+            </a:r>
+            <a:r>
+              <a:rPr lang="en-US" altLang="zh-CN" sz="1800" b="1" dirty="0" smtClean="0">
+                <a:latin typeface="Arial Narrow" panose="020B0606020202030204" pitchFamily="34" charset="0"/>
+              </a:rPr>
+              <a:t>them</a:t>
+            </a:r>
+            <a:r>
+              <a:rPr lang="zh-CN" altLang="en-US" sz="1800" b="1" dirty="0" smtClean="0">
+                <a:latin typeface="Arial Narrow" panose="020B0606020202030204" pitchFamily="34" charset="0"/>
+              </a:rPr>
+              <a:t> </a:t>
+            </a:r>
+            <a:r>
+              <a:rPr lang="en-US" altLang="zh-CN" sz="1800" b="1" dirty="0" smtClean="0">
+                <a:latin typeface="Arial Narrow" panose="020B0606020202030204" pitchFamily="34" charset="0"/>
+              </a:rPr>
+              <a:t>have</a:t>
+            </a:r>
+            <a:r>
+              <a:rPr lang="zh-CN" altLang="en-US" sz="1800" b="1" dirty="0" smtClean="0">
+                <a:latin typeface="Arial Narrow" panose="020B0606020202030204" pitchFamily="34" charset="0"/>
+              </a:rPr>
+              <a:t> </a:t>
+            </a:r>
+            <a:r>
+              <a:rPr lang="en-US" altLang="zh-CN" sz="1800" b="1" dirty="0" smtClean="0">
+                <a:latin typeface="Arial Narrow" panose="020B0606020202030204" pitchFamily="34" charset="0"/>
+              </a:rPr>
+              <a:t>brown</a:t>
+            </a:r>
+            <a:r>
+              <a:rPr lang="zh-CN" altLang="en-US" sz="1800" b="1" dirty="0" smtClean="0">
+                <a:latin typeface="Arial Narrow" panose="020B0606020202030204" pitchFamily="34" charset="0"/>
+              </a:rPr>
+              <a:t> </a:t>
+            </a:r>
+            <a:r>
+              <a:rPr lang="en-US" altLang="zh-CN" sz="1800" b="1" dirty="0" smtClean="0">
+                <a:latin typeface="Arial Narrow" panose="020B0606020202030204" pitchFamily="34" charset="0"/>
+              </a:rPr>
+              <a:t>eyes</a:t>
+            </a:r>
+          </a:p>
+        </p:txBody>
+      </p:sp>
+      <p:sp>
+        <p:nvSpPr>
+          <p:cNvPr id="9" name="Oval 8"/>
+          <p:cNvSpPr/>
+          <p:nvPr/>
+        </p:nvSpPr>
+        <p:spPr>
+          <a:xfrm>
+            <a:off x="6646027" y="629333"/>
+            <a:ext cx="367561" cy="367561"/>
+          </a:xfrm>
+          <a:prstGeom prst="ellipse">
+            <a:avLst/>
+          </a:prstGeom>
+        </p:spPr>
+        <p:style>
+          <a:lnRef idx="2">
+            <a:schemeClr val="accent1">
+              <a:shade val="50000"/>
+            </a:schemeClr>
+          </a:lnRef>
+          <a:fillRef idx="1">
+            <a:schemeClr val="accent1"/>
+          </a:fillRef>
+          <a:effectRef idx="0">
+            <a:schemeClr val="accent1"/>
+          </a:effectRef>
+          <a:fontRef idx="minor">
+            <a:schemeClr val="lt1"/>
+          </a:fontRef>
+        </p:style>
+        <p:txBody>
+          <a:bodyPr rtlCol="0" anchor="ctr"/>
+          <a:lstStyle/>
+          <a:p>
+            <a:pPr algn="ctr"/>
+            <a:r>
+              <a:rPr lang="en-US" altLang="zh-CN" dirty="0"/>
+              <a:t>2</a:t>
+            </a:r>
+            <a:endParaRPr lang="en-US" dirty="0"/>
+          </a:p>
+        </p:txBody>
+      </p:sp>
+      <p:sp>
+        <p:nvSpPr>
+          <p:cNvPr id="14" name="Rectangle 2"/>
+          <p:cNvSpPr>
+            <a:spLocks noGrp="1" noChangeArrowheads="1"/>
+          </p:cNvSpPr>
+          <p:nvPr>
+            <p:ph type="title"/>
+            <p:custDataLst>
+              <p:tags r:id="rId4"/>
+            </p:custDataLst>
+          </p:nvPr>
+        </p:nvSpPr>
+        <p:spPr bwMode="gray">
+          <a:xfrm>
+            <a:off x="212737" y="220071"/>
+            <a:ext cx="8793595" cy="298327"/>
+          </a:xfrm>
+        </p:spPr>
+        <p:txBody>
+          <a:bodyPr>
+            <a:noAutofit/>
+          </a:bodyPr>
+          <a:lstStyle/>
+          <a:p>
+            <a:r>
+              <a:rPr lang="en-US" altLang="zh-CN" sz="2400" b="1" dirty="0" smtClean="0">
+                <a:solidFill>
+                  <a:srgbClr val="954F72"/>
+                </a:solidFill>
+                <a:latin typeface="Arial Narrow" panose="020B0606020202030204" pitchFamily="34" charset="0"/>
+              </a:rPr>
+              <a:t>Analysis</a:t>
+            </a:r>
+            <a:r>
+              <a:rPr lang="zh-CN" altLang="en-US" sz="2400" b="1" dirty="0" smtClean="0">
+                <a:solidFill>
+                  <a:srgbClr val="954F72"/>
+                </a:solidFill>
+                <a:latin typeface="Arial Narrow" panose="020B0606020202030204" pitchFamily="34" charset="0"/>
+              </a:rPr>
+              <a:t> </a:t>
+            </a:r>
+            <a:r>
+              <a:rPr lang="en-US" altLang="zh-CN" sz="2400" b="1" dirty="0" smtClean="0">
+                <a:solidFill>
+                  <a:srgbClr val="954F72"/>
+                </a:solidFill>
+                <a:latin typeface="Arial Narrow" panose="020B0606020202030204" pitchFamily="34" charset="0"/>
+              </a:rPr>
+              <a:t>of</a:t>
+            </a:r>
+            <a:r>
+              <a:rPr lang="zh-CN" altLang="en-US" sz="2400" b="1" dirty="0" smtClean="0">
+                <a:solidFill>
+                  <a:srgbClr val="954F72"/>
+                </a:solidFill>
+                <a:latin typeface="Arial Narrow" panose="020B0606020202030204" pitchFamily="34" charset="0"/>
+              </a:rPr>
+              <a:t> </a:t>
+            </a:r>
+            <a:r>
+              <a:rPr lang="en-US" altLang="zh-CN" sz="2400" b="1" dirty="0" smtClean="0">
+                <a:solidFill>
+                  <a:srgbClr val="954F72"/>
+                </a:solidFill>
+                <a:latin typeface="Arial Narrow" panose="020B0606020202030204" pitchFamily="34" charset="0"/>
+              </a:rPr>
+              <a:t>Stop</a:t>
+            </a:r>
+            <a:r>
+              <a:rPr lang="zh-CN" altLang="en-US" sz="2400" b="1" dirty="0" smtClean="0">
+                <a:solidFill>
+                  <a:srgbClr val="954F72"/>
+                </a:solidFill>
+                <a:latin typeface="Arial Narrow" panose="020B0606020202030204" pitchFamily="34" charset="0"/>
+              </a:rPr>
+              <a:t> </a:t>
+            </a:r>
+            <a:r>
+              <a:rPr lang="en-US" altLang="zh-CN" sz="2400" b="1" dirty="0" smtClean="0">
+                <a:solidFill>
+                  <a:srgbClr val="954F72"/>
+                </a:solidFill>
+                <a:latin typeface="Arial Narrow" panose="020B0606020202030204" pitchFamily="34" charset="0"/>
+              </a:rPr>
+              <a:t>and</a:t>
+            </a:r>
+            <a:r>
+              <a:rPr lang="zh-CN" altLang="en-US" sz="2400" b="1" dirty="0" smtClean="0">
+                <a:solidFill>
+                  <a:srgbClr val="954F72"/>
+                </a:solidFill>
+                <a:latin typeface="Arial Narrow" panose="020B0606020202030204" pitchFamily="34" charset="0"/>
+              </a:rPr>
+              <a:t> </a:t>
+            </a:r>
+            <a:r>
+              <a:rPr lang="en-US" altLang="zh-CN" sz="2400" b="1" smtClean="0">
+                <a:solidFill>
+                  <a:srgbClr val="954F72"/>
+                </a:solidFill>
+                <a:latin typeface="Arial Narrow" panose="020B0606020202030204" pitchFamily="34" charset="0"/>
+              </a:rPr>
+              <a:t>Search</a:t>
+            </a:r>
+            <a:endParaRPr lang="en-US" altLang="en-US" sz="2400" b="1" dirty="0">
+              <a:solidFill>
+                <a:srgbClr val="954F72"/>
+              </a:solidFill>
+              <a:latin typeface="Arial Narrow" panose="020B0606020202030204" pitchFamily="34" charset="0"/>
+            </a:endParaRPr>
+          </a:p>
+        </p:txBody>
+      </p:sp>
+      <p:pic>
+        <p:nvPicPr>
+          <p:cNvPr id="2" name="Picture 1"/>
+          <p:cNvPicPr>
+            <a:picLocks noChangeAspect="1"/>
+          </p:cNvPicPr>
+          <p:nvPr/>
+        </p:nvPicPr>
+        <p:blipFill rotWithShape="1">
+          <a:blip r:embed="rId7" cstate="print">
+            <a:extLst>
+              <a:ext uri="{28A0092B-C50C-407E-A947-70E740481C1C}">
+                <a14:useLocalDpi xmlns:a14="http://schemas.microsoft.com/office/drawing/2010/main" val="0"/>
+              </a:ext>
+            </a:extLst>
+          </a:blip>
+          <a:srcRect t="51144" r="915"/>
+          <a:stretch/>
+        </p:blipFill>
+        <p:spPr>
+          <a:xfrm>
+            <a:off x="373646" y="1409336"/>
+            <a:ext cx="5726903" cy="5298823"/>
+          </a:xfrm>
+          <a:prstGeom prst="rect">
+            <a:avLst/>
+          </a:prstGeom>
+        </p:spPr>
+      </p:pic>
+    </p:spTree>
+    <p:extLst>
+      <p:ext uri="{BB962C8B-B14F-4D97-AF65-F5344CB8AC3E}">
+        <p14:creationId xmlns:p14="http://schemas.microsoft.com/office/powerpoint/2010/main" val="749907380"/>
+      </p:ext>
+    </p:extLst>
+  </p:cSld>
+  <p:clrMapOvr>
+    <a:masterClrMapping/>
+  </p:clrMapOvr>
+  <p:transition>
+    <p:wipe dir="r"/>
+  </p:transition>
+</p:sld>
+</file>
+
+<file path=ppt/slides/slide7.xml><?xml version="1.0" encoding="utf-8"?>
+<p:sld xmlns:a="http://schemas.openxmlformats.org/drawingml/2006/main" xmlns:r="http://schemas.openxmlformats.org/officeDocument/2006/relationships" xmlns:p="http://schemas.openxmlformats.org/presentationml/2006/main">
+  <p:cSld>
+    <p:spTree>
+      <p:nvGrpSpPr>
+        <p:cNvPr id="1" name=""/>
+        <p:cNvGrpSpPr/>
+        <p:nvPr/>
+      </p:nvGrpSpPr>
+      <p:grpSpPr>
+        <a:xfrm>
+          <a:off x="0" y="0"/>
+          <a:ext cx="0" cy="0"/>
+          <a:chOff x="0" y="0"/>
+          <a:chExt cx="0" cy="0"/>
+        </a:xfrm>
+      </p:grpSpPr>
+      <p:cxnSp>
+        <p:nvCxnSpPr>
+          <p:cNvPr id="5" name="Straight Connector 4"/>
+          <p:cNvCxnSpPr/>
+          <p:nvPr/>
+        </p:nvCxnSpPr>
+        <p:spPr>
+          <a:xfrm>
+            <a:off x="6864824" y="1017560"/>
+            <a:ext cx="0" cy="5254388"/>
+          </a:xfrm>
+          <a:prstGeom prst="line">
+            <a:avLst/>
+          </a:prstGeom>
+          <a:ln>
+            <a:solidFill>
+              <a:schemeClr val="tx1"/>
+            </a:solidFill>
+            <a:prstDash val="dash"/>
+          </a:ln>
+        </p:spPr>
+        <p:style>
+          <a:lnRef idx="1">
+            <a:schemeClr val="accent1"/>
+          </a:lnRef>
+          <a:fillRef idx="0">
+            <a:schemeClr val="accent1"/>
+          </a:fillRef>
+          <a:effectRef idx="0">
+            <a:schemeClr val="accent1"/>
+          </a:effectRef>
+          <a:fontRef idx="minor">
+            <a:schemeClr val="tx1"/>
+          </a:fontRef>
+        </p:style>
+      </p:cxnSp>
+      <p:sp>
+        <p:nvSpPr>
+          <p:cNvPr id="33" name="Rectangle 2"/>
+          <p:cNvSpPr txBox="1">
+            <a:spLocks noChangeArrowheads="1"/>
+          </p:cNvSpPr>
+          <p:nvPr>
+            <p:custDataLst>
+              <p:tags r:id="rId1"/>
+            </p:custDataLst>
+          </p:nvPr>
+        </p:nvSpPr>
+        <p:spPr bwMode="gray">
+          <a:xfrm>
+            <a:off x="571924" y="796414"/>
+            <a:ext cx="3986428" cy="400960"/>
+          </a:xfrm>
+          <a:prstGeom prst="rect">
+            <a:avLst/>
+          </a:prstGeom>
+        </p:spPr>
+        <p:style>
+          <a:lnRef idx="2">
+            <a:schemeClr val="dk1"/>
+          </a:lnRef>
+          <a:fillRef idx="1">
+            <a:schemeClr val="lt1"/>
+          </a:fillRef>
+          <a:effectRef idx="0">
+            <a:schemeClr val="dk1"/>
+          </a:effectRef>
+          <a:fontRef idx="minor">
+            <a:schemeClr val="dk1"/>
+          </a:fontRef>
+        </p:style>
+        <p:txBody>
+          <a:bodyPr vert="horz" lIns="91440" tIns="45720" rIns="91440" bIns="45720" rtlCol="0" anchor="ctr">
+            <a:noAutofit/>
+          </a:bodyPr>
+          <a:lstStyle>
+            <a:lvl1pPr algn="l" defTabSz="914400" rtl="0" eaLnBrk="1" latinLnBrk="0" hangingPunct="1">
+              <a:lnSpc>
+                <a:spcPct val="90000"/>
+              </a:lnSpc>
+              <a:spcBef>
+                <a:spcPct val="0"/>
+              </a:spcBef>
+              <a:buNone/>
+              <a:defRPr sz="4400" kern="1200">
+                <a:solidFill>
+                  <a:schemeClr val="tx1"/>
+                </a:solidFill>
+                <a:latin typeface="+mj-lt"/>
+                <a:ea typeface="+mj-ea"/>
+                <a:cs typeface="+mj-cs"/>
+              </a:defRPr>
+            </a:lvl1pPr>
+          </a:lstStyle>
+          <a:p>
+            <a:pPr algn="ctr"/>
+            <a:r>
+              <a:rPr lang="en-US" altLang="zh-CN" sz="1800" b="1" dirty="0">
+                <a:latin typeface="Arial Narrow" panose="020B0606020202030204" pitchFamily="34" charset="0"/>
+              </a:rPr>
+              <a:t>Vehicle</a:t>
+            </a:r>
+            <a:r>
+              <a:rPr lang="zh-CN" altLang="en-US" sz="1800" b="1" dirty="0" smtClean="0">
+                <a:latin typeface="Arial Narrow" panose="020B0606020202030204" pitchFamily="34" charset="0"/>
+              </a:rPr>
+              <a:t> </a:t>
+            </a:r>
+            <a:r>
+              <a:rPr lang="en-US" altLang="zh-CN" sz="1800" b="1" dirty="0" smtClean="0">
+                <a:latin typeface="Arial Narrow" panose="020B0606020202030204" pitchFamily="34" charset="0"/>
+              </a:rPr>
+              <a:t>features</a:t>
+            </a:r>
+            <a:endParaRPr lang="en-US" altLang="en-US" sz="1800" b="1" dirty="0">
+              <a:latin typeface="Arial Narrow" panose="020B0606020202030204" pitchFamily="34" charset="0"/>
+            </a:endParaRPr>
+          </a:p>
+        </p:txBody>
+      </p:sp>
+      <p:sp>
+        <p:nvSpPr>
+          <p:cNvPr id="6" name="Oval 5"/>
+          <p:cNvSpPr/>
+          <p:nvPr/>
+        </p:nvSpPr>
+        <p:spPr>
+          <a:xfrm>
+            <a:off x="373646" y="584452"/>
+            <a:ext cx="367561" cy="367561"/>
+          </a:xfrm>
+          <a:prstGeom prst="ellipse">
+            <a:avLst/>
+          </a:prstGeom>
+        </p:spPr>
+        <p:style>
+          <a:lnRef idx="2">
+            <a:schemeClr val="accent1">
+              <a:shade val="50000"/>
+            </a:schemeClr>
+          </a:lnRef>
+          <a:fillRef idx="1">
+            <a:schemeClr val="accent1"/>
+          </a:fillRef>
+          <a:effectRef idx="0">
+            <a:schemeClr val="accent1"/>
+          </a:effectRef>
+          <a:fontRef idx="minor">
+            <a:schemeClr val="lt1"/>
+          </a:fontRef>
+        </p:style>
+        <p:txBody>
+          <a:bodyPr rtlCol="0" anchor="ctr"/>
+          <a:lstStyle/>
+          <a:p>
+            <a:pPr algn="ctr"/>
+            <a:r>
+              <a:rPr lang="en-US" altLang="zh-CN" smtClean="0"/>
+              <a:t>1</a:t>
+            </a:r>
+            <a:endParaRPr lang="en-US"/>
+          </a:p>
+        </p:txBody>
+      </p:sp>
+      <p:sp>
+        <p:nvSpPr>
+          <p:cNvPr id="35" name="Rectangle 2"/>
+          <p:cNvSpPr txBox="1">
+            <a:spLocks noChangeArrowheads="1"/>
+          </p:cNvSpPr>
+          <p:nvPr>
+            <p:custDataLst>
+              <p:tags r:id="rId2"/>
+            </p:custDataLst>
+          </p:nvPr>
+        </p:nvSpPr>
+        <p:spPr bwMode="gray">
+          <a:xfrm>
+            <a:off x="7457600" y="817080"/>
+            <a:ext cx="2832295" cy="400960"/>
+          </a:xfrm>
+          <a:prstGeom prst="rect">
+            <a:avLst/>
+          </a:prstGeom>
+        </p:spPr>
+        <p:style>
+          <a:lnRef idx="2">
+            <a:schemeClr val="dk1"/>
+          </a:lnRef>
+          <a:fillRef idx="1">
+            <a:schemeClr val="lt1"/>
+          </a:fillRef>
+          <a:effectRef idx="0">
+            <a:schemeClr val="dk1"/>
+          </a:effectRef>
+          <a:fontRef idx="minor">
+            <a:schemeClr val="dk1"/>
+          </a:fontRef>
+        </p:style>
+        <p:txBody>
+          <a:bodyPr vert="horz" lIns="91440" tIns="45720" rIns="91440" bIns="45720" rtlCol="0" anchor="ctr">
+            <a:noAutofit/>
+          </a:bodyPr>
+          <a:lstStyle>
+            <a:lvl1pPr algn="l" defTabSz="914400" rtl="0" eaLnBrk="1" latinLnBrk="0" hangingPunct="1">
+              <a:lnSpc>
+                <a:spcPct val="90000"/>
+              </a:lnSpc>
+              <a:spcBef>
+                <a:spcPct val="0"/>
+              </a:spcBef>
+              <a:buNone/>
+              <a:defRPr sz="4400" kern="1200">
+                <a:solidFill>
+                  <a:schemeClr val="tx1"/>
+                </a:solidFill>
+                <a:latin typeface="+mj-lt"/>
+                <a:ea typeface="+mj-ea"/>
+                <a:cs typeface="+mj-cs"/>
+              </a:defRPr>
+            </a:lvl1pPr>
+          </a:lstStyle>
+          <a:p>
+            <a:pPr algn="ctr"/>
+            <a:r>
+              <a:rPr lang="en-US" altLang="zh-CN" sz="1800" b="1" dirty="0" smtClean="0">
+                <a:latin typeface="Arial Narrow" panose="020B0606020202030204" pitchFamily="34" charset="0"/>
+              </a:rPr>
+              <a:t>Key</a:t>
+            </a:r>
+            <a:r>
+              <a:rPr lang="zh-CN" altLang="en-US" sz="1800" b="1" dirty="0" smtClean="0">
+                <a:latin typeface="Arial Narrow" panose="020B0606020202030204" pitchFamily="34" charset="0"/>
+              </a:rPr>
+              <a:t> </a:t>
+            </a:r>
+            <a:r>
+              <a:rPr lang="en-US" altLang="zh-CN" sz="1800" b="1" dirty="0" smtClean="0">
+                <a:latin typeface="Arial Narrow" panose="020B0606020202030204" pitchFamily="34" charset="0"/>
+              </a:rPr>
+              <a:t>findings</a:t>
+            </a:r>
+            <a:endParaRPr lang="en-US" altLang="en-US" sz="1800" b="1" dirty="0">
+              <a:latin typeface="Arial Narrow" panose="020B0606020202030204" pitchFamily="34" charset="0"/>
+            </a:endParaRPr>
+          </a:p>
+        </p:txBody>
+      </p:sp>
+      <p:sp>
+        <p:nvSpPr>
+          <p:cNvPr id="36" name="Rectangle 2"/>
+          <p:cNvSpPr txBox="1">
+            <a:spLocks noChangeArrowheads="1"/>
+          </p:cNvSpPr>
+          <p:nvPr>
+            <p:custDataLst>
+              <p:tags r:id="rId3"/>
+            </p:custDataLst>
+          </p:nvPr>
+        </p:nvSpPr>
+        <p:spPr bwMode="gray">
+          <a:xfrm>
+            <a:off x="7273820" y="3243794"/>
+            <a:ext cx="3944844" cy="400960"/>
+          </a:xfrm>
+          <a:prstGeom prst="rect">
+            <a:avLst/>
+          </a:prstGeom>
+          <a:ln>
+            <a:noFill/>
+          </a:ln>
+        </p:spPr>
+        <p:style>
+          <a:lnRef idx="2">
+            <a:schemeClr val="dk1"/>
+          </a:lnRef>
+          <a:fillRef idx="1">
+            <a:schemeClr val="lt1"/>
+          </a:fillRef>
+          <a:effectRef idx="0">
+            <a:schemeClr val="dk1"/>
+          </a:effectRef>
+          <a:fontRef idx="minor">
+            <a:schemeClr val="dk1"/>
+          </a:fontRef>
+        </p:style>
+        <p:txBody>
+          <a:bodyPr vert="horz" lIns="91440" tIns="45720" rIns="91440" bIns="45720" rtlCol="0" anchor="ctr">
+            <a:noAutofit/>
+          </a:bodyPr>
+          <a:lstStyle>
+            <a:lvl1pPr algn="l" defTabSz="914400" rtl="0" eaLnBrk="1" latinLnBrk="0" hangingPunct="1">
+              <a:lnSpc>
+                <a:spcPct val="90000"/>
+              </a:lnSpc>
+              <a:spcBef>
+                <a:spcPct val="0"/>
+              </a:spcBef>
+              <a:buNone/>
+              <a:defRPr sz="4400" kern="1200">
+                <a:solidFill>
+                  <a:schemeClr val="tx1"/>
+                </a:solidFill>
+                <a:latin typeface="+mj-lt"/>
+                <a:ea typeface="+mj-ea"/>
+                <a:cs typeface="+mj-cs"/>
+              </a:defRPr>
+            </a:lvl1pPr>
+          </a:lstStyle>
+          <a:p>
+            <a:pPr marL="342900" indent="-342900">
+              <a:buFont typeface="Arial" charset="0"/>
+              <a:buChar char="•"/>
+            </a:pPr>
+            <a:r>
+              <a:rPr lang="en-US" altLang="zh-CN" sz="1800" b="1" dirty="0" smtClean="0">
+                <a:latin typeface="Arial Narrow" panose="020B0606020202030204" pitchFamily="34" charset="0"/>
+              </a:rPr>
+              <a:t>The</a:t>
+            </a:r>
+            <a:r>
+              <a:rPr lang="zh-CN" altLang="en-US" sz="1800" b="1" dirty="0" smtClean="0">
+                <a:latin typeface="Arial Narrow" panose="020B0606020202030204" pitchFamily="34" charset="0"/>
+              </a:rPr>
+              <a:t> </a:t>
+            </a:r>
+            <a:r>
+              <a:rPr lang="en-US" altLang="zh-CN" sz="1800" b="1" dirty="0" smtClean="0">
+                <a:latin typeface="Arial Narrow" panose="020B0606020202030204" pitchFamily="34" charset="0"/>
+              </a:rPr>
+              <a:t>made</a:t>
+            </a:r>
+            <a:r>
+              <a:rPr lang="zh-CN" altLang="en-US" sz="1800" b="1" dirty="0" smtClean="0">
+                <a:latin typeface="Arial Narrow" panose="020B0606020202030204" pitchFamily="34" charset="0"/>
+              </a:rPr>
+              <a:t> </a:t>
+            </a:r>
+            <a:r>
+              <a:rPr lang="en-US" altLang="zh-CN" sz="1800" b="1" dirty="0" smtClean="0">
+                <a:latin typeface="Arial Narrow" panose="020B0606020202030204" pitchFamily="34" charset="0"/>
+              </a:rPr>
+              <a:t>year</a:t>
+            </a:r>
+            <a:r>
+              <a:rPr lang="zh-CN" altLang="en-US" sz="1800" b="1" dirty="0" smtClean="0">
+                <a:latin typeface="Arial Narrow" panose="020B0606020202030204" pitchFamily="34" charset="0"/>
+              </a:rPr>
+              <a:t> </a:t>
+            </a:r>
+            <a:r>
+              <a:rPr lang="en-US" altLang="zh-CN" sz="1800" b="1" dirty="0" smtClean="0">
+                <a:latin typeface="Arial Narrow" panose="020B0606020202030204" pitchFamily="34" charset="0"/>
+              </a:rPr>
+              <a:t>of</a:t>
+            </a:r>
+            <a:r>
+              <a:rPr lang="zh-CN" altLang="en-US" sz="1800" b="1" dirty="0" smtClean="0">
+                <a:latin typeface="Arial Narrow" panose="020B0606020202030204" pitchFamily="34" charset="0"/>
+              </a:rPr>
+              <a:t> </a:t>
+            </a:r>
+            <a:r>
+              <a:rPr lang="en-US" altLang="zh-CN" sz="1800" b="1" dirty="0" smtClean="0">
+                <a:latin typeface="Arial Narrow" panose="020B0606020202030204" pitchFamily="34" charset="0"/>
+              </a:rPr>
+              <a:t>the</a:t>
+            </a:r>
+            <a:r>
+              <a:rPr lang="zh-CN" altLang="en-US" sz="1800" b="1" dirty="0" smtClean="0">
+                <a:latin typeface="Arial Narrow" panose="020B0606020202030204" pitchFamily="34" charset="0"/>
+              </a:rPr>
+              <a:t> </a:t>
+            </a:r>
+            <a:r>
+              <a:rPr lang="en-US" altLang="zh-CN" sz="1800" b="1" dirty="0" smtClean="0">
+                <a:latin typeface="Arial Narrow" panose="020B0606020202030204" pitchFamily="34" charset="0"/>
+              </a:rPr>
+              <a:t>vehicle</a:t>
+            </a:r>
+            <a:r>
+              <a:rPr lang="zh-CN" altLang="en-US" sz="1800" b="1" dirty="0" smtClean="0">
+                <a:latin typeface="Arial Narrow" panose="020B0606020202030204" pitchFamily="34" charset="0"/>
+              </a:rPr>
+              <a:t> </a:t>
+            </a:r>
+            <a:r>
+              <a:rPr lang="en-US" altLang="zh-CN" sz="1800" b="1" dirty="0" smtClean="0">
+                <a:latin typeface="Arial Narrow" panose="020B0606020202030204" pitchFamily="34" charset="0"/>
+              </a:rPr>
+              <a:t>concentrates</a:t>
+            </a:r>
+            <a:r>
+              <a:rPr lang="zh-CN" altLang="en-US" sz="1800" b="1" dirty="0" smtClean="0">
+                <a:latin typeface="Arial Narrow" panose="020B0606020202030204" pitchFamily="34" charset="0"/>
+              </a:rPr>
+              <a:t> </a:t>
+            </a:r>
+            <a:r>
+              <a:rPr lang="en-US" altLang="zh-CN" sz="1800" b="1" dirty="0" smtClean="0">
+                <a:latin typeface="Arial Narrow" panose="020B0606020202030204" pitchFamily="34" charset="0"/>
+              </a:rPr>
+              <a:t>from</a:t>
+            </a:r>
+            <a:r>
+              <a:rPr lang="zh-CN" altLang="en-US" sz="1800" b="1" dirty="0" smtClean="0">
+                <a:latin typeface="Arial Narrow" panose="020B0606020202030204" pitchFamily="34" charset="0"/>
+              </a:rPr>
+              <a:t> </a:t>
+            </a:r>
+            <a:r>
+              <a:rPr lang="en-US" altLang="zh-CN" sz="1800" b="1" dirty="0" smtClean="0">
+                <a:latin typeface="Arial Narrow" panose="020B0606020202030204" pitchFamily="34" charset="0"/>
+              </a:rPr>
+              <a:t>1999</a:t>
+            </a:r>
+            <a:r>
+              <a:rPr lang="zh-CN" altLang="en-US" sz="1800" b="1" dirty="0" smtClean="0">
+                <a:latin typeface="Arial Narrow" panose="020B0606020202030204" pitchFamily="34" charset="0"/>
+              </a:rPr>
+              <a:t> </a:t>
+            </a:r>
+            <a:r>
+              <a:rPr lang="mr-IN" altLang="zh-CN" sz="1800" b="1" dirty="0" smtClean="0">
+                <a:latin typeface="Arial Narrow" panose="020B0606020202030204" pitchFamily="34" charset="0"/>
+              </a:rPr>
+              <a:t>–</a:t>
+            </a:r>
+            <a:r>
+              <a:rPr lang="zh-CN" altLang="en-US" sz="1800" b="1" dirty="0" smtClean="0">
+                <a:latin typeface="Arial Narrow" panose="020B0606020202030204" pitchFamily="34" charset="0"/>
+              </a:rPr>
+              <a:t> </a:t>
+            </a:r>
+            <a:r>
+              <a:rPr lang="en-US" altLang="zh-CN" sz="1800" b="1" dirty="0" smtClean="0">
+                <a:latin typeface="Arial Narrow" panose="020B0606020202030204" pitchFamily="34" charset="0"/>
+              </a:rPr>
+              <a:t>2006</a:t>
+            </a:r>
+          </a:p>
+          <a:p>
+            <a:pPr marL="342900" indent="-342900">
+              <a:buFont typeface="Arial" charset="0"/>
+              <a:buChar char="•"/>
+            </a:pPr>
+            <a:r>
+              <a:rPr lang="en-US" altLang="zh-CN" sz="1800" b="1" dirty="0" smtClean="0">
+                <a:latin typeface="Arial Narrow" panose="020B0606020202030204" pitchFamily="34" charset="0"/>
+              </a:rPr>
+              <a:t>The</a:t>
+            </a:r>
+            <a:r>
+              <a:rPr lang="zh-CN" altLang="en-US" sz="1800" b="1" dirty="0" smtClean="0">
+                <a:latin typeface="Arial Narrow" panose="020B0606020202030204" pitchFamily="34" charset="0"/>
+              </a:rPr>
+              <a:t> </a:t>
+            </a:r>
+            <a:r>
+              <a:rPr lang="en-US" altLang="zh-CN" sz="1800" b="1" dirty="0" smtClean="0">
+                <a:latin typeface="Arial Narrow" panose="020B0606020202030204" pitchFamily="34" charset="0"/>
+              </a:rPr>
+              <a:t>license</a:t>
+            </a:r>
+            <a:r>
+              <a:rPr lang="zh-CN" altLang="en-US" sz="1800" b="1" dirty="0" smtClean="0">
+                <a:latin typeface="Arial Narrow" panose="020B0606020202030204" pitchFamily="34" charset="0"/>
+              </a:rPr>
+              <a:t> </a:t>
+            </a:r>
+            <a:r>
+              <a:rPr lang="en-US" altLang="zh-CN" sz="1800" b="1" dirty="0" smtClean="0">
+                <a:latin typeface="Arial Narrow" panose="020B0606020202030204" pitchFamily="34" charset="0"/>
+              </a:rPr>
+              <a:t>is</a:t>
+            </a:r>
+            <a:r>
+              <a:rPr lang="zh-CN" altLang="en-US" sz="1800" b="1" dirty="0" smtClean="0">
+                <a:latin typeface="Arial Narrow" panose="020B0606020202030204" pitchFamily="34" charset="0"/>
+              </a:rPr>
+              <a:t> </a:t>
+            </a:r>
+            <a:r>
+              <a:rPr lang="en-US" altLang="zh-CN" sz="1800" b="1" dirty="0" smtClean="0">
+                <a:latin typeface="Arial Narrow" panose="020B0606020202030204" pitchFamily="34" charset="0"/>
+              </a:rPr>
+              <a:t>mainly</a:t>
+            </a:r>
+            <a:r>
+              <a:rPr lang="zh-CN" altLang="en-US" sz="1800" b="1" dirty="0" smtClean="0">
+                <a:latin typeface="Arial Narrow" panose="020B0606020202030204" pitchFamily="34" charset="0"/>
+              </a:rPr>
+              <a:t> </a:t>
+            </a:r>
+            <a:r>
+              <a:rPr lang="en-US" altLang="zh-CN" sz="1800" b="1" dirty="0" smtClean="0">
+                <a:latin typeface="Arial Narrow" panose="020B0606020202030204" pitchFamily="34" charset="0"/>
+              </a:rPr>
+              <a:t>issued</a:t>
+            </a:r>
+            <a:r>
+              <a:rPr lang="zh-CN" altLang="en-US" sz="1800" b="1" dirty="0" smtClean="0">
+                <a:latin typeface="Arial Narrow" panose="020B0606020202030204" pitchFamily="34" charset="0"/>
+              </a:rPr>
+              <a:t> </a:t>
+            </a:r>
+            <a:r>
+              <a:rPr lang="en-US" altLang="zh-CN" sz="1800" b="1" dirty="0" smtClean="0">
+                <a:latin typeface="Arial Narrow" panose="020B0606020202030204" pitchFamily="34" charset="0"/>
+              </a:rPr>
+              <a:t>in</a:t>
+            </a:r>
+            <a:r>
+              <a:rPr lang="zh-CN" altLang="en-US" sz="1800" b="1" dirty="0" smtClean="0">
+                <a:latin typeface="Arial Narrow" panose="020B0606020202030204" pitchFamily="34" charset="0"/>
+              </a:rPr>
+              <a:t> </a:t>
+            </a:r>
+            <a:r>
+              <a:rPr lang="en-US" altLang="zh-CN" sz="1800" b="1" dirty="0" smtClean="0">
+                <a:latin typeface="Arial Narrow" panose="020B0606020202030204" pitchFamily="34" charset="0"/>
+              </a:rPr>
+              <a:t>LA</a:t>
+            </a:r>
+          </a:p>
+        </p:txBody>
+      </p:sp>
+      <p:sp>
+        <p:nvSpPr>
+          <p:cNvPr id="9" name="Oval 8"/>
+          <p:cNvSpPr/>
+          <p:nvPr/>
+        </p:nvSpPr>
+        <p:spPr>
+          <a:xfrm>
+            <a:off x="7273820" y="629333"/>
+            <a:ext cx="367561" cy="367561"/>
+          </a:xfrm>
+          <a:prstGeom prst="ellipse">
+            <a:avLst/>
+          </a:prstGeom>
+        </p:spPr>
+        <p:style>
+          <a:lnRef idx="2">
+            <a:schemeClr val="accent1">
+              <a:shade val="50000"/>
+            </a:schemeClr>
+          </a:lnRef>
+          <a:fillRef idx="1">
+            <a:schemeClr val="accent1"/>
+          </a:fillRef>
+          <a:effectRef idx="0">
+            <a:schemeClr val="accent1"/>
+          </a:effectRef>
+          <a:fontRef idx="minor">
+            <a:schemeClr val="lt1"/>
+          </a:fontRef>
+        </p:style>
+        <p:txBody>
+          <a:bodyPr rtlCol="0" anchor="ctr"/>
+          <a:lstStyle/>
+          <a:p>
+            <a:pPr algn="ctr"/>
+            <a:r>
+              <a:rPr lang="en-US" altLang="zh-CN" dirty="0"/>
+              <a:t>2</a:t>
+            </a:r>
+            <a:endParaRPr lang="en-US" dirty="0"/>
+          </a:p>
+        </p:txBody>
+      </p:sp>
+      <p:sp>
+        <p:nvSpPr>
+          <p:cNvPr id="14" name="Rectangle 2"/>
+          <p:cNvSpPr>
+            <a:spLocks noGrp="1" noChangeArrowheads="1"/>
+          </p:cNvSpPr>
+          <p:nvPr>
+            <p:ph type="title"/>
+            <p:custDataLst>
+              <p:tags r:id="rId4"/>
+            </p:custDataLst>
+          </p:nvPr>
+        </p:nvSpPr>
+        <p:spPr bwMode="gray">
+          <a:xfrm>
+            <a:off x="212737" y="220071"/>
+            <a:ext cx="8793595" cy="298327"/>
+          </a:xfrm>
+        </p:spPr>
+        <p:txBody>
+          <a:bodyPr>
+            <a:noAutofit/>
+          </a:bodyPr>
+          <a:lstStyle/>
+          <a:p>
+            <a:r>
+              <a:rPr lang="en-US" altLang="zh-CN" sz="2400" b="1" dirty="0" smtClean="0">
+                <a:solidFill>
+                  <a:srgbClr val="954F72"/>
+                </a:solidFill>
+                <a:latin typeface="Arial Narrow" panose="020B0606020202030204" pitchFamily="34" charset="0"/>
+              </a:rPr>
+              <a:t>Analysis</a:t>
+            </a:r>
+            <a:r>
+              <a:rPr lang="zh-CN" altLang="en-US" sz="2400" b="1" dirty="0" smtClean="0">
+                <a:solidFill>
+                  <a:srgbClr val="954F72"/>
+                </a:solidFill>
+                <a:latin typeface="Arial Narrow" panose="020B0606020202030204" pitchFamily="34" charset="0"/>
+              </a:rPr>
+              <a:t> </a:t>
+            </a:r>
+            <a:r>
+              <a:rPr lang="en-US" altLang="zh-CN" sz="2400" b="1" dirty="0" smtClean="0">
+                <a:solidFill>
+                  <a:srgbClr val="954F72"/>
+                </a:solidFill>
+                <a:latin typeface="Arial Narrow" panose="020B0606020202030204" pitchFamily="34" charset="0"/>
+              </a:rPr>
+              <a:t>of</a:t>
+            </a:r>
+            <a:r>
+              <a:rPr lang="zh-CN" altLang="en-US" sz="2400" b="1" dirty="0" smtClean="0">
+                <a:solidFill>
+                  <a:srgbClr val="954F72"/>
+                </a:solidFill>
+                <a:latin typeface="Arial Narrow" panose="020B0606020202030204" pitchFamily="34" charset="0"/>
+              </a:rPr>
+              <a:t> </a:t>
+            </a:r>
+            <a:r>
+              <a:rPr lang="en-US" altLang="zh-CN" sz="2400" b="1" dirty="0" smtClean="0">
+                <a:solidFill>
+                  <a:srgbClr val="954F72"/>
+                </a:solidFill>
+                <a:latin typeface="Arial Narrow" panose="020B0606020202030204" pitchFamily="34" charset="0"/>
+              </a:rPr>
+              <a:t>Stop</a:t>
+            </a:r>
+            <a:r>
+              <a:rPr lang="zh-CN" altLang="en-US" sz="2400" b="1" dirty="0" smtClean="0">
+                <a:solidFill>
+                  <a:srgbClr val="954F72"/>
+                </a:solidFill>
+                <a:latin typeface="Arial Narrow" panose="020B0606020202030204" pitchFamily="34" charset="0"/>
+              </a:rPr>
+              <a:t> </a:t>
+            </a:r>
+            <a:r>
+              <a:rPr lang="en-US" altLang="zh-CN" sz="2400" b="1" dirty="0" smtClean="0">
+                <a:solidFill>
+                  <a:srgbClr val="954F72"/>
+                </a:solidFill>
+                <a:latin typeface="Arial Narrow" panose="020B0606020202030204" pitchFamily="34" charset="0"/>
+              </a:rPr>
+              <a:t>and</a:t>
+            </a:r>
+            <a:r>
+              <a:rPr lang="zh-CN" altLang="en-US" sz="2400" b="1" dirty="0" smtClean="0">
+                <a:solidFill>
+                  <a:srgbClr val="954F72"/>
+                </a:solidFill>
+                <a:latin typeface="Arial Narrow" panose="020B0606020202030204" pitchFamily="34" charset="0"/>
+              </a:rPr>
+              <a:t> </a:t>
+            </a:r>
+            <a:r>
+              <a:rPr lang="en-US" altLang="zh-CN" sz="2400" b="1" smtClean="0">
+                <a:solidFill>
+                  <a:srgbClr val="954F72"/>
+                </a:solidFill>
+                <a:latin typeface="Arial Narrow" panose="020B0606020202030204" pitchFamily="34" charset="0"/>
+              </a:rPr>
+              <a:t>Search</a:t>
+            </a:r>
+            <a:endParaRPr lang="en-US" altLang="en-US" sz="2400" b="1" dirty="0">
+              <a:solidFill>
+                <a:srgbClr val="954F72"/>
+              </a:solidFill>
+              <a:latin typeface="Arial Narrow" panose="020B0606020202030204" pitchFamily="34" charset="0"/>
+            </a:endParaRPr>
+          </a:p>
+        </p:txBody>
+      </p:sp>
+      <p:pic>
+        <p:nvPicPr>
+          <p:cNvPr id="4" name="Picture 3"/>
+          <p:cNvPicPr>
+            <a:picLocks noChangeAspect="1"/>
+          </p:cNvPicPr>
+          <p:nvPr/>
+        </p:nvPicPr>
+        <p:blipFill>
+          <a:blip r:embed="rId7" cstate="print">
+            <a:extLst>
+              <a:ext uri="{28A0092B-C50C-407E-A947-70E740481C1C}">
+                <a14:useLocalDpi xmlns:a14="http://schemas.microsoft.com/office/drawing/2010/main" val="0"/>
+              </a:ext>
+            </a:extLst>
+          </a:blip>
+          <a:stretch>
+            <a:fillRect/>
+          </a:stretch>
+        </p:blipFill>
+        <p:spPr>
+          <a:xfrm>
+            <a:off x="68025" y="1663256"/>
+            <a:ext cx="6510196" cy="4231127"/>
+          </a:xfrm>
+          <a:prstGeom prst="rect">
+            <a:avLst/>
+          </a:prstGeom>
+        </p:spPr>
+      </p:pic>
+    </p:spTree>
+    <p:extLst>
+      <p:ext uri="{BB962C8B-B14F-4D97-AF65-F5344CB8AC3E}">
+        <p14:creationId xmlns:p14="http://schemas.microsoft.com/office/powerpoint/2010/main" val="2068615747"/>
+      </p:ext>
+    </p:extLst>
+  </p:cSld>
+  <p:clrMapOvr>
+    <a:masterClrMapping/>
+  </p:clrMapOvr>
+  <p:transition>
+    <p:wipe dir="r"/>
+  </p:transition>
+</p:sld>
+</file>
+
+<file path=ppt/slides/slide8.xml><?xml version="1.0" encoding="utf-8"?>
+<p:sld xmlns:a="http://schemas.openxmlformats.org/drawingml/2006/main" xmlns:r="http://schemas.openxmlformats.org/officeDocument/2006/relationships" xmlns:p="http://schemas.openxmlformats.org/presentationml/2006/main">
+  <p:cSld>
+    <p:spTree>
+      <p:nvGrpSpPr>
+        <p:cNvPr id="1" name=""/>
+        <p:cNvGrpSpPr/>
+        <p:nvPr/>
+      </p:nvGrpSpPr>
+      <p:grpSpPr>
+        <a:xfrm>
+          <a:off x="0" y="0"/>
+          <a:ext cx="0" cy="0"/>
+          <a:chOff x="0" y="0"/>
+          <a:chExt cx="0" cy="0"/>
+        </a:xfrm>
+      </p:grpSpPr>
+      <p:cxnSp>
+        <p:nvCxnSpPr>
+          <p:cNvPr id="5" name="Straight Connector 4"/>
+          <p:cNvCxnSpPr/>
+          <p:nvPr/>
+        </p:nvCxnSpPr>
+        <p:spPr>
+          <a:xfrm>
+            <a:off x="6646027" y="1061504"/>
+            <a:ext cx="0" cy="5254388"/>
+          </a:xfrm>
+          <a:prstGeom prst="line">
+            <a:avLst/>
+          </a:prstGeom>
+          <a:ln>
+            <a:solidFill>
+              <a:schemeClr val="tx1"/>
+            </a:solidFill>
+            <a:prstDash val="dash"/>
+          </a:ln>
+        </p:spPr>
+        <p:style>
+          <a:lnRef idx="1">
+            <a:schemeClr val="accent1"/>
+          </a:lnRef>
+          <a:fillRef idx="0">
+            <a:schemeClr val="accent1"/>
+          </a:fillRef>
+          <a:effectRef idx="0">
+            <a:schemeClr val="accent1"/>
+          </a:effectRef>
+          <a:fontRef idx="minor">
+            <a:schemeClr val="tx1"/>
+          </a:fontRef>
+        </p:style>
+      </p:cxnSp>
+      <p:sp>
+        <p:nvSpPr>
+          <p:cNvPr id="33" name="Rectangle 2"/>
+          <p:cNvSpPr txBox="1">
+            <a:spLocks noChangeArrowheads="1"/>
+          </p:cNvSpPr>
+          <p:nvPr>
+            <p:custDataLst>
+              <p:tags r:id="rId1"/>
+            </p:custDataLst>
+          </p:nvPr>
+        </p:nvSpPr>
+        <p:spPr bwMode="gray">
+          <a:xfrm>
+            <a:off x="571924" y="796414"/>
+            <a:ext cx="3986428" cy="400960"/>
+          </a:xfrm>
+          <a:prstGeom prst="rect">
+            <a:avLst/>
+          </a:prstGeom>
+        </p:spPr>
+        <p:style>
+          <a:lnRef idx="2">
+            <a:schemeClr val="dk1"/>
+          </a:lnRef>
+          <a:fillRef idx="1">
+            <a:schemeClr val="lt1"/>
+          </a:fillRef>
+          <a:effectRef idx="0">
+            <a:schemeClr val="dk1"/>
+          </a:effectRef>
+          <a:fontRef idx="minor">
+            <a:schemeClr val="dk1"/>
+          </a:fontRef>
+        </p:style>
+        <p:txBody>
+          <a:bodyPr vert="horz" lIns="91440" tIns="45720" rIns="91440" bIns="45720" rtlCol="0" anchor="ctr">
+            <a:noAutofit/>
+          </a:bodyPr>
+          <a:lstStyle>
+            <a:lvl1pPr algn="l" defTabSz="914400" rtl="0" eaLnBrk="1" latinLnBrk="0" hangingPunct="1">
+              <a:lnSpc>
+                <a:spcPct val="90000"/>
+              </a:lnSpc>
+              <a:spcBef>
+                <a:spcPct val="0"/>
+              </a:spcBef>
+              <a:buNone/>
+              <a:defRPr sz="4400" kern="1200">
+                <a:solidFill>
+                  <a:schemeClr val="tx1"/>
+                </a:solidFill>
+                <a:latin typeface="+mj-lt"/>
+                <a:ea typeface="+mj-ea"/>
+                <a:cs typeface="+mj-cs"/>
+              </a:defRPr>
+            </a:lvl1pPr>
+          </a:lstStyle>
+          <a:p>
+            <a:pPr algn="ctr"/>
+            <a:r>
+              <a:rPr lang="en-US" altLang="zh-CN" sz="1800" b="1" dirty="0" smtClean="0">
+                <a:latin typeface="Arial Narrow" panose="020B0606020202030204" pitchFamily="34" charset="0"/>
+              </a:rPr>
+              <a:t>Geographic</a:t>
+            </a:r>
+            <a:r>
+              <a:rPr lang="zh-CN" altLang="en-US" sz="1800" b="1" dirty="0" smtClean="0">
+                <a:latin typeface="Arial Narrow" panose="020B0606020202030204" pitchFamily="34" charset="0"/>
+              </a:rPr>
+              <a:t> </a:t>
+            </a:r>
+            <a:r>
+              <a:rPr lang="en-US" altLang="zh-CN" sz="1800" b="1" dirty="0" smtClean="0">
+                <a:latin typeface="Arial Narrow" panose="020B0606020202030204" pitchFamily="34" charset="0"/>
+              </a:rPr>
+              <a:t>distribution</a:t>
+            </a:r>
+            <a:r>
+              <a:rPr lang="zh-CN" altLang="en-US" sz="1800" b="1" dirty="0" smtClean="0">
+                <a:latin typeface="Arial Narrow" panose="020B0606020202030204" pitchFamily="34" charset="0"/>
+              </a:rPr>
+              <a:t> </a:t>
+            </a:r>
+            <a:endParaRPr lang="en-US" altLang="en-US" sz="1800" b="1" dirty="0">
+              <a:latin typeface="Arial Narrow" panose="020B0606020202030204" pitchFamily="34" charset="0"/>
+            </a:endParaRPr>
+          </a:p>
+        </p:txBody>
+      </p:sp>
+      <p:sp>
+        <p:nvSpPr>
+          <p:cNvPr id="6" name="Oval 5"/>
+          <p:cNvSpPr/>
+          <p:nvPr/>
+        </p:nvSpPr>
+        <p:spPr>
+          <a:xfrm>
+            <a:off x="373646" y="584452"/>
+            <a:ext cx="367561" cy="367561"/>
+          </a:xfrm>
+          <a:prstGeom prst="ellipse">
+            <a:avLst/>
+          </a:prstGeom>
+        </p:spPr>
+        <p:style>
+          <a:lnRef idx="2">
+            <a:schemeClr val="accent1">
+              <a:shade val="50000"/>
+            </a:schemeClr>
+          </a:lnRef>
+          <a:fillRef idx="1">
+            <a:schemeClr val="accent1"/>
+          </a:fillRef>
+          <a:effectRef idx="0">
+            <a:schemeClr val="accent1"/>
+          </a:effectRef>
+          <a:fontRef idx="minor">
+            <a:schemeClr val="lt1"/>
+          </a:fontRef>
+        </p:style>
+        <p:txBody>
+          <a:bodyPr rtlCol="0" anchor="ctr"/>
+          <a:lstStyle/>
+          <a:p>
+            <a:pPr algn="ctr"/>
+            <a:r>
+              <a:rPr lang="en-US" altLang="zh-CN" smtClean="0"/>
+              <a:t>1</a:t>
+            </a:r>
+            <a:endParaRPr lang="en-US"/>
+          </a:p>
+        </p:txBody>
+      </p:sp>
+      <p:sp>
+        <p:nvSpPr>
+          <p:cNvPr id="35" name="Rectangle 2"/>
+          <p:cNvSpPr txBox="1">
+            <a:spLocks noChangeArrowheads="1"/>
+          </p:cNvSpPr>
+          <p:nvPr>
+            <p:custDataLst>
+              <p:tags r:id="rId2"/>
+            </p:custDataLst>
+          </p:nvPr>
+        </p:nvSpPr>
+        <p:spPr bwMode="gray">
+          <a:xfrm>
+            <a:off x="6829808" y="796414"/>
+            <a:ext cx="2832295" cy="400960"/>
+          </a:xfrm>
+          <a:prstGeom prst="rect">
+            <a:avLst/>
+          </a:prstGeom>
+        </p:spPr>
+        <p:style>
+          <a:lnRef idx="2">
+            <a:schemeClr val="dk1"/>
+          </a:lnRef>
+          <a:fillRef idx="1">
+            <a:schemeClr val="lt1"/>
+          </a:fillRef>
+          <a:effectRef idx="0">
+            <a:schemeClr val="dk1"/>
+          </a:effectRef>
+          <a:fontRef idx="minor">
+            <a:schemeClr val="dk1"/>
+          </a:fontRef>
+        </p:style>
+        <p:txBody>
+          <a:bodyPr vert="horz" lIns="91440" tIns="45720" rIns="91440" bIns="45720" rtlCol="0" anchor="ctr">
+            <a:noAutofit/>
+          </a:bodyPr>
+          <a:lstStyle>
+            <a:lvl1pPr algn="l" defTabSz="914400" rtl="0" eaLnBrk="1" latinLnBrk="0" hangingPunct="1">
+              <a:lnSpc>
+                <a:spcPct val="90000"/>
+              </a:lnSpc>
+              <a:spcBef>
+                <a:spcPct val="0"/>
+              </a:spcBef>
+              <a:buNone/>
+              <a:defRPr sz="4400" kern="1200">
+                <a:solidFill>
+                  <a:schemeClr val="tx1"/>
+                </a:solidFill>
+                <a:latin typeface="+mj-lt"/>
+                <a:ea typeface="+mj-ea"/>
+                <a:cs typeface="+mj-cs"/>
+              </a:defRPr>
+            </a:lvl1pPr>
+          </a:lstStyle>
+          <a:p>
+            <a:pPr algn="ctr"/>
+            <a:r>
+              <a:rPr lang="en-US" altLang="zh-CN" sz="1800" b="1" dirty="0" smtClean="0">
+                <a:latin typeface="Arial Narrow" panose="020B0606020202030204" pitchFamily="34" charset="0"/>
+              </a:rPr>
+              <a:t>Key</a:t>
+            </a:r>
+            <a:r>
+              <a:rPr lang="zh-CN" altLang="en-US" sz="1800" b="1" dirty="0" smtClean="0">
+                <a:latin typeface="Arial Narrow" panose="020B0606020202030204" pitchFamily="34" charset="0"/>
+              </a:rPr>
+              <a:t> </a:t>
+            </a:r>
+            <a:r>
+              <a:rPr lang="en-US" altLang="zh-CN" sz="1800" b="1" dirty="0" smtClean="0">
+                <a:latin typeface="Arial Narrow" panose="020B0606020202030204" pitchFamily="34" charset="0"/>
+              </a:rPr>
+              <a:t>findings</a:t>
+            </a:r>
+            <a:endParaRPr lang="en-US" altLang="en-US" sz="1800" b="1" dirty="0">
+              <a:latin typeface="Arial Narrow" panose="020B0606020202030204" pitchFamily="34" charset="0"/>
+            </a:endParaRPr>
+          </a:p>
+        </p:txBody>
+      </p:sp>
+      <p:sp>
+        <p:nvSpPr>
+          <p:cNvPr id="36" name="Rectangle 2"/>
+          <p:cNvSpPr txBox="1">
+            <a:spLocks noChangeArrowheads="1"/>
+          </p:cNvSpPr>
+          <p:nvPr>
+            <p:custDataLst>
+              <p:tags r:id="rId3"/>
+            </p:custDataLst>
+          </p:nvPr>
+        </p:nvSpPr>
+        <p:spPr bwMode="gray">
+          <a:xfrm>
+            <a:off x="6722933" y="3377860"/>
+            <a:ext cx="5057392" cy="400960"/>
+          </a:xfrm>
+          <a:prstGeom prst="rect">
+            <a:avLst/>
+          </a:prstGeom>
+          <a:ln>
+            <a:noFill/>
+          </a:ln>
+        </p:spPr>
+        <p:style>
+          <a:lnRef idx="2">
+            <a:schemeClr val="dk1"/>
+          </a:lnRef>
+          <a:fillRef idx="1">
+            <a:schemeClr val="lt1"/>
+          </a:fillRef>
+          <a:effectRef idx="0">
+            <a:schemeClr val="dk1"/>
+          </a:effectRef>
+          <a:fontRef idx="minor">
+            <a:schemeClr val="dk1"/>
+          </a:fontRef>
+        </p:style>
+        <p:txBody>
+          <a:bodyPr vert="horz" lIns="91440" tIns="45720" rIns="91440" bIns="45720" rtlCol="0" anchor="ctr">
+            <a:noAutofit/>
+          </a:bodyPr>
+          <a:lstStyle>
+            <a:lvl1pPr algn="l" defTabSz="914400" rtl="0" eaLnBrk="1" latinLnBrk="0" hangingPunct="1">
+              <a:lnSpc>
+                <a:spcPct val="90000"/>
+              </a:lnSpc>
+              <a:spcBef>
+                <a:spcPct val="0"/>
+              </a:spcBef>
+              <a:buNone/>
+              <a:defRPr sz="4400" kern="1200">
+                <a:solidFill>
+                  <a:schemeClr val="tx1"/>
+                </a:solidFill>
+                <a:latin typeface="+mj-lt"/>
+                <a:ea typeface="+mj-ea"/>
+                <a:cs typeface="+mj-cs"/>
+              </a:defRPr>
+            </a:lvl1pPr>
+          </a:lstStyle>
+          <a:p>
+            <a:pPr marL="342900" indent="-342900">
+              <a:buFont typeface="Arial" charset="0"/>
+              <a:buChar char="•"/>
+            </a:pPr>
+            <a:r>
+              <a:rPr lang="en-US" altLang="zh-CN" sz="1800" b="1" dirty="0" smtClean="0">
+                <a:latin typeface="Arial Narrow" panose="020B0606020202030204" pitchFamily="34" charset="0"/>
+              </a:rPr>
+              <a:t>Most</a:t>
+            </a:r>
+            <a:r>
+              <a:rPr lang="zh-CN" altLang="en-US" sz="1800" b="1" dirty="0" smtClean="0">
+                <a:latin typeface="Arial Narrow" panose="020B0606020202030204" pitchFamily="34" charset="0"/>
+              </a:rPr>
+              <a:t> </a:t>
+            </a:r>
+            <a:r>
+              <a:rPr lang="en-US" altLang="zh-CN" sz="1800" b="1" dirty="0" smtClean="0">
+                <a:latin typeface="Arial Narrow" panose="020B0606020202030204" pitchFamily="34" charset="0"/>
+              </a:rPr>
+              <a:t>of</a:t>
+            </a:r>
+            <a:r>
+              <a:rPr lang="zh-CN" altLang="en-US" sz="1800" b="1" dirty="0" smtClean="0">
+                <a:latin typeface="Arial Narrow" panose="020B0606020202030204" pitchFamily="34" charset="0"/>
+              </a:rPr>
+              <a:t> </a:t>
+            </a:r>
+            <a:r>
+              <a:rPr lang="en-US" altLang="zh-CN" sz="1800" b="1" dirty="0" smtClean="0">
+                <a:latin typeface="Arial Narrow" panose="020B0606020202030204" pitchFamily="34" charset="0"/>
+              </a:rPr>
+              <a:t>the</a:t>
+            </a:r>
+            <a:r>
+              <a:rPr lang="zh-CN" altLang="en-US" sz="1800" b="1" dirty="0" smtClean="0">
+                <a:latin typeface="Arial Narrow" panose="020B0606020202030204" pitchFamily="34" charset="0"/>
+              </a:rPr>
+              <a:t> </a:t>
+            </a:r>
+            <a:r>
+              <a:rPr lang="en-US" altLang="zh-CN" sz="1800" b="1" dirty="0" smtClean="0">
+                <a:latin typeface="Arial Narrow" panose="020B0606020202030204" pitchFamily="34" charset="0"/>
+              </a:rPr>
+              <a:t>stop</a:t>
+            </a:r>
+            <a:r>
+              <a:rPr lang="zh-CN" altLang="en-US" sz="1800" b="1" dirty="0" smtClean="0">
+                <a:latin typeface="Arial Narrow" panose="020B0606020202030204" pitchFamily="34" charset="0"/>
+              </a:rPr>
+              <a:t> </a:t>
+            </a:r>
+            <a:r>
+              <a:rPr lang="en-US" altLang="zh-CN" sz="1800" b="1" dirty="0" smtClean="0">
+                <a:latin typeface="Arial Narrow" panose="020B0606020202030204" pitchFamily="34" charset="0"/>
+              </a:rPr>
+              <a:t>and</a:t>
+            </a:r>
+            <a:r>
+              <a:rPr lang="zh-CN" altLang="en-US" sz="1800" b="1" dirty="0" smtClean="0">
+                <a:latin typeface="Arial Narrow" panose="020B0606020202030204" pitchFamily="34" charset="0"/>
+              </a:rPr>
+              <a:t> </a:t>
+            </a:r>
+            <a:r>
+              <a:rPr lang="en-US" altLang="zh-CN" sz="1800" b="1" dirty="0" smtClean="0">
+                <a:latin typeface="Arial Narrow" panose="020B0606020202030204" pitchFamily="34" charset="0"/>
+              </a:rPr>
+              <a:t>search</a:t>
+            </a:r>
+            <a:r>
+              <a:rPr lang="zh-CN" altLang="en-US" sz="1800" b="1" dirty="0" smtClean="0">
+                <a:latin typeface="Arial Narrow" panose="020B0606020202030204" pitchFamily="34" charset="0"/>
+              </a:rPr>
+              <a:t> </a:t>
+            </a:r>
+            <a:r>
+              <a:rPr lang="en-US" altLang="zh-CN" sz="1800" b="1" dirty="0" smtClean="0">
+                <a:latin typeface="Arial Narrow" panose="020B0606020202030204" pitchFamily="34" charset="0"/>
+              </a:rPr>
+              <a:t>happened</a:t>
+            </a:r>
+            <a:r>
+              <a:rPr lang="zh-CN" altLang="en-US" sz="1800" b="1" dirty="0" smtClean="0">
+                <a:latin typeface="Arial Narrow" panose="020B0606020202030204" pitchFamily="34" charset="0"/>
+              </a:rPr>
+              <a:t> </a:t>
+            </a:r>
+            <a:r>
+              <a:rPr lang="en-US" altLang="zh-CN" sz="1800" b="1" dirty="0" smtClean="0">
+                <a:latin typeface="Arial Narrow" panose="020B0606020202030204" pitchFamily="34" charset="0"/>
+              </a:rPr>
+              <a:t>in</a:t>
+            </a:r>
+            <a:r>
+              <a:rPr lang="zh-CN" altLang="en-US" sz="1800" b="1" dirty="0" smtClean="0">
+                <a:latin typeface="Arial Narrow" panose="020B0606020202030204" pitchFamily="34" charset="0"/>
+              </a:rPr>
+              <a:t> </a:t>
+            </a:r>
+            <a:r>
+              <a:rPr lang="en-US" altLang="zh-CN" sz="1800" b="1" dirty="0" smtClean="0">
+                <a:latin typeface="Arial Narrow" panose="020B0606020202030204" pitchFamily="34" charset="0"/>
+              </a:rPr>
+              <a:t>zone</a:t>
+            </a:r>
+            <a:r>
+              <a:rPr lang="zh-CN" altLang="en-US" sz="1800" b="1" dirty="0" smtClean="0">
+                <a:latin typeface="Arial Narrow" panose="020B0606020202030204" pitchFamily="34" charset="0"/>
+              </a:rPr>
+              <a:t> </a:t>
+            </a:r>
+            <a:r>
+              <a:rPr lang="en-US" altLang="zh-CN" sz="1800" b="1" dirty="0" smtClean="0">
+                <a:latin typeface="Arial Narrow" panose="020B0606020202030204" pitchFamily="34" charset="0"/>
+              </a:rPr>
+              <a:t>D/C/E/I</a:t>
+            </a:r>
+          </a:p>
+          <a:p>
+            <a:pPr marL="342900" indent="-342900">
+              <a:buFont typeface="Arial" charset="0"/>
+              <a:buChar char="•"/>
+            </a:pPr>
+            <a:r>
+              <a:rPr lang="en-US" altLang="zh-CN" sz="1800" b="1" dirty="0" smtClean="0">
+                <a:latin typeface="Arial Narrow" panose="020B0606020202030204" pitchFamily="34" charset="0"/>
+              </a:rPr>
+              <a:t>Most</a:t>
+            </a:r>
+            <a:r>
+              <a:rPr lang="zh-CN" altLang="en-US" sz="1800" b="1" dirty="0" smtClean="0">
+                <a:latin typeface="Arial Narrow" panose="020B0606020202030204" pitchFamily="34" charset="0"/>
+              </a:rPr>
+              <a:t> </a:t>
+            </a:r>
+            <a:r>
+              <a:rPr lang="en-US" altLang="zh-CN" sz="1800" b="1" dirty="0" smtClean="0">
+                <a:latin typeface="Arial Narrow" panose="020B0606020202030204" pitchFamily="34" charset="0"/>
+              </a:rPr>
+              <a:t>of</a:t>
+            </a:r>
+            <a:r>
+              <a:rPr lang="zh-CN" altLang="en-US" sz="1800" b="1" dirty="0" smtClean="0">
+                <a:latin typeface="Arial Narrow" panose="020B0606020202030204" pitchFamily="34" charset="0"/>
+              </a:rPr>
+              <a:t> </a:t>
+            </a:r>
+            <a:r>
+              <a:rPr lang="en-US" altLang="zh-CN" sz="1800" b="1" dirty="0" smtClean="0">
+                <a:latin typeface="Arial Narrow" panose="020B0606020202030204" pitchFamily="34" charset="0"/>
+              </a:rPr>
+              <a:t>the</a:t>
+            </a:r>
+            <a:r>
+              <a:rPr lang="zh-CN" altLang="en-US" sz="1800" b="1" dirty="0" smtClean="0">
+                <a:latin typeface="Arial Narrow" panose="020B0606020202030204" pitchFamily="34" charset="0"/>
+              </a:rPr>
+              <a:t> </a:t>
+            </a:r>
+            <a:r>
+              <a:rPr lang="en-US" altLang="zh-CN" sz="1800" b="1" dirty="0" smtClean="0">
+                <a:latin typeface="Arial Narrow" panose="020B0606020202030204" pitchFamily="34" charset="0"/>
+              </a:rPr>
+              <a:t>stop</a:t>
+            </a:r>
+            <a:r>
+              <a:rPr lang="zh-CN" altLang="en-US" sz="1800" b="1" dirty="0" smtClean="0">
+                <a:latin typeface="Arial Narrow" panose="020B0606020202030204" pitchFamily="34" charset="0"/>
+              </a:rPr>
+              <a:t> </a:t>
+            </a:r>
+            <a:r>
+              <a:rPr lang="en-US" altLang="zh-CN" sz="1800" b="1" dirty="0" smtClean="0">
+                <a:latin typeface="Arial Narrow" panose="020B0606020202030204" pitchFamily="34" charset="0"/>
+              </a:rPr>
+              <a:t>and</a:t>
+            </a:r>
+            <a:r>
+              <a:rPr lang="zh-CN" altLang="en-US" sz="1800" b="1" dirty="0" smtClean="0">
+                <a:latin typeface="Arial Narrow" panose="020B0606020202030204" pitchFamily="34" charset="0"/>
+              </a:rPr>
+              <a:t> </a:t>
+            </a:r>
+            <a:r>
+              <a:rPr lang="en-US" altLang="zh-CN" sz="1800" b="1" dirty="0" smtClean="0">
+                <a:latin typeface="Arial Narrow" panose="020B0606020202030204" pitchFamily="34" charset="0"/>
+              </a:rPr>
+              <a:t>search</a:t>
+            </a:r>
+            <a:r>
+              <a:rPr lang="zh-CN" altLang="en-US" sz="1800" b="1" dirty="0" smtClean="0">
+                <a:latin typeface="Arial Narrow" panose="020B0606020202030204" pitchFamily="34" charset="0"/>
+              </a:rPr>
+              <a:t> </a:t>
+            </a:r>
+            <a:r>
+              <a:rPr lang="en-US" altLang="zh-CN" sz="1800" b="1" dirty="0" smtClean="0">
+                <a:latin typeface="Arial Narrow" panose="020B0606020202030204" pitchFamily="34" charset="0"/>
+              </a:rPr>
+              <a:t>happened</a:t>
+            </a:r>
+            <a:r>
+              <a:rPr lang="zh-CN" altLang="en-US" sz="1800" b="1" dirty="0" smtClean="0">
+                <a:latin typeface="Arial Narrow" panose="020B0606020202030204" pitchFamily="34" charset="0"/>
+              </a:rPr>
+              <a:t> </a:t>
+            </a:r>
+            <a:r>
+              <a:rPr lang="en-US" altLang="zh-CN" sz="1800" b="1" dirty="0" smtClean="0">
+                <a:latin typeface="Arial Narrow" panose="020B0606020202030204" pitchFamily="34" charset="0"/>
+              </a:rPr>
+              <a:t>in</a:t>
+            </a:r>
+            <a:r>
+              <a:rPr lang="zh-CN" altLang="en-US" sz="1800" b="1" dirty="0" smtClean="0">
+                <a:latin typeface="Arial Narrow" panose="020B0606020202030204" pitchFamily="34" charset="0"/>
+              </a:rPr>
+              <a:t> </a:t>
+            </a:r>
+            <a:r>
+              <a:rPr lang="en-US" altLang="zh-CN" sz="1800" b="1" dirty="0" smtClean="0">
+                <a:latin typeface="Arial Narrow" panose="020B0606020202030204" pitchFamily="34" charset="0"/>
+              </a:rPr>
+              <a:t>district</a:t>
+            </a:r>
+            <a:r>
+              <a:rPr lang="zh-CN" altLang="en-US" sz="1800" b="1" dirty="0" smtClean="0">
+                <a:latin typeface="Arial Narrow" panose="020B0606020202030204" pitchFamily="34" charset="0"/>
+              </a:rPr>
+              <a:t> </a:t>
+            </a:r>
+            <a:r>
+              <a:rPr lang="en-US" altLang="zh-CN" sz="1800" b="1" dirty="0" smtClean="0">
+                <a:latin typeface="Arial Narrow" panose="020B0606020202030204" pitchFamily="34" charset="0"/>
+              </a:rPr>
+              <a:t>8</a:t>
+            </a:r>
+            <a:r>
+              <a:rPr lang="zh-CN" altLang="en-US" sz="1800" b="1" dirty="0" smtClean="0">
+                <a:latin typeface="Arial Narrow" panose="020B0606020202030204" pitchFamily="34" charset="0"/>
+              </a:rPr>
+              <a:t> </a:t>
+            </a:r>
+            <a:r>
+              <a:rPr lang="en-US" altLang="zh-CN" sz="1800" b="1" dirty="0" smtClean="0">
+                <a:latin typeface="Arial Narrow" panose="020B0606020202030204" pitchFamily="34" charset="0"/>
+              </a:rPr>
+              <a:t>and</a:t>
+            </a:r>
+            <a:r>
+              <a:rPr lang="zh-CN" altLang="en-US" sz="1800" b="1" dirty="0" smtClean="0">
+                <a:latin typeface="Arial Narrow" panose="020B0606020202030204" pitchFamily="34" charset="0"/>
+              </a:rPr>
+              <a:t> </a:t>
+            </a:r>
+            <a:r>
+              <a:rPr lang="en-US" altLang="zh-CN" sz="1800" b="1" dirty="0" smtClean="0">
+                <a:latin typeface="Arial Narrow" panose="020B0606020202030204" pitchFamily="34" charset="0"/>
+              </a:rPr>
+              <a:t>3</a:t>
+            </a:r>
+          </a:p>
+          <a:p>
+            <a:pPr marL="342900" indent="-342900">
+              <a:buFont typeface="Arial" charset="0"/>
+              <a:buChar char="•"/>
+            </a:pPr>
+            <a:r>
+              <a:rPr lang="en-US" altLang="zh-CN" sz="1800" b="1" dirty="0" smtClean="0">
+                <a:latin typeface="Arial Narrow" panose="020B0606020202030204" pitchFamily="34" charset="0"/>
+              </a:rPr>
+              <a:t>This</a:t>
+            </a:r>
+            <a:r>
+              <a:rPr lang="zh-CN" altLang="en-US" sz="1800" b="1" dirty="0" smtClean="0">
+                <a:latin typeface="Arial Narrow" panose="020B0606020202030204" pitchFamily="34" charset="0"/>
+              </a:rPr>
+              <a:t> </a:t>
+            </a:r>
+            <a:r>
+              <a:rPr lang="en-US" altLang="zh-CN" sz="1800" b="1" dirty="0" smtClean="0">
+                <a:latin typeface="Arial Narrow" panose="020B0606020202030204" pitchFamily="34" charset="0"/>
+              </a:rPr>
+              <a:t>shows</a:t>
+            </a:r>
+            <a:r>
+              <a:rPr lang="zh-CN" altLang="en-US" sz="1800" b="1" dirty="0" smtClean="0">
+                <a:latin typeface="Arial Narrow" panose="020B0606020202030204" pitchFamily="34" charset="0"/>
+              </a:rPr>
+              <a:t> </a:t>
+            </a:r>
+            <a:r>
+              <a:rPr lang="en-US" altLang="zh-CN" sz="1800" b="1" dirty="0" smtClean="0">
+                <a:latin typeface="Arial Narrow" panose="020B0606020202030204" pitchFamily="34" charset="0"/>
+              </a:rPr>
+              <a:t>that</a:t>
+            </a:r>
+            <a:r>
+              <a:rPr lang="zh-CN" altLang="en-US" sz="1800" b="1" dirty="0" smtClean="0">
+                <a:latin typeface="Arial Narrow" panose="020B0606020202030204" pitchFamily="34" charset="0"/>
+              </a:rPr>
+              <a:t> </a:t>
+            </a:r>
+            <a:r>
+              <a:rPr lang="en-US" altLang="zh-CN" sz="1800" b="1" dirty="0" smtClean="0">
+                <a:latin typeface="Arial Narrow" panose="020B0606020202030204" pitchFamily="34" charset="0"/>
+              </a:rPr>
+              <a:t>those</a:t>
+            </a:r>
+            <a:r>
+              <a:rPr lang="zh-CN" altLang="en-US" sz="1800" b="1" dirty="0" smtClean="0">
+                <a:latin typeface="Arial Narrow" panose="020B0606020202030204" pitchFamily="34" charset="0"/>
+              </a:rPr>
+              <a:t> </a:t>
+            </a:r>
+            <a:r>
+              <a:rPr lang="en-US" altLang="zh-CN" sz="1800" b="1" dirty="0" smtClean="0">
+                <a:latin typeface="Arial Narrow" panose="020B0606020202030204" pitchFamily="34" charset="0"/>
+              </a:rPr>
+              <a:t>mentioned</a:t>
+            </a:r>
+            <a:r>
+              <a:rPr lang="zh-CN" altLang="en-US" sz="1800" b="1" dirty="0" smtClean="0">
+                <a:latin typeface="Arial Narrow" panose="020B0606020202030204" pitchFamily="34" charset="0"/>
+              </a:rPr>
+              <a:t> </a:t>
+            </a:r>
+            <a:r>
+              <a:rPr lang="en-US" altLang="zh-CN" sz="1800" b="1" dirty="0" smtClean="0">
+                <a:latin typeface="Arial Narrow" panose="020B0606020202030204" pitchFamily="34" charset="0"/>
+              </a:rPr>
+              <a:t>areas</a:t>
+            </a:r>
+            <a:r>
+              <a:rPr lang="zh-CN" altLang="en-US" sz="1800" b="1" dirty="0" smtClean="0">
+                <a:latin typeface="Arial Narrow" panose="020B0606020202030204" pitchFamily="34" charset="0"/>
+              </a:rPr>
+              <a:t> </a:t>
+            </a:r>
+            <a:r>
+              <a:rPr lang="en-US" altLang="zh-CN" sz="1800" b="1" dirty="0" smtClean="0">
+                <a:latin typeface="Arial Narrow" panose="020B0606020202030204" pitchFamily="34" charset="0"/>
+              </a:rPr>
+              <a:t>above</a:t>
+            </a:r>
+            <a:r>
+              <a:rPr lang="zh-CN" altLang="en-US" sz="1800" b="1" dirty="0" smtClean="0">
+                <a:latin typeface="Arial Narrow" panose="020B0606020202030204" pitchFamily="34" charset="0"/>
+              </a:rPr>
+              <a:t> </a:t>
+            </a:r>
+            <a:r>
+              <a:rPr lang="en-US" altLang="zh-CN" sz="1800" b="1" dirty="0" smtClean="0">
+                <a:latin typeface="Arial Narrow" panose="020B0606020202030204" pitchFamily="34" charset="0"/>
+              </a:rPr>
+              <a:t>may</a:t>
+            </a:r>
+            <a:r>
+              <a:rPr lang="zh-CN" altLang="en-US" sz="1800" b="1" dirty="0" smtClean="0">
+                <a:latin typeface="Arial Narrow" panose="020B0606020202030204" pitchFamily="34" charset="0"/>
+              </a:rPr>
+              <a:t> </a:t>
+            </a:r>
+            <a:r>
+              <a:rPr lang="en-US" altLang="zh-CN" sz="1800" b="1" dirty="0" smtClean="0">
+                <a:latin typeface="Arial Narrow" panose="020B0606020202030204" pitchFamily="34" charset="0"/>
+              </a:rPr>
+              <a:t>have</a:t>
+            </a:r>
+            <a:r>
+              <a:rPr lang="zh-CN" altLang="en-US" sz="1800" b="1" dirty="0" smtClean="0">
+                <a:latin typeface="Arial Narrow" panose="020B0606020202030204" pitchFamily="34" charset="0"/>
+              </a:rPr>
+              <a:t> </a:t>
+            </a:r>
+            <a:r>
+              <a:rPr lang="en-US" altLang="zh-CN" sz="1800" b="1" dirty="0" smtClean="0">
+                <a:latin typeface="Arial Narrow" panose="020B0606020202030204" pitchFamily="34" charset="0"/>
+              </a:rPr>
+              <a:t>a</a:t>
+            </a:r>
+            <a:r>
+              <a:rPr lang="zh-CN" altLang="en-US" sz="1800" b="1" dirty="0" smtClean="0">
+                <a:latin typeface="Arial Narrow" panose="020B0606020202030204" pitchFamily="34" charset="0"/>
+              </a:rPr>
+              <a:t> </a:t>
+            </a:r>
+            <a:r>
+              <a:rPr lang="en-US" altLang="zh-CN" sz="1800" b="1" dirty="0" smtClean="0">
+                <a:latin typeface="Arial Narrow" panose="020B0606020202030204" pitchFamily="34" charset="0"/>
+              </a:rPr>
+              <a:t>higher</a:t>
+            </a:r>
+            <a:r>
+              <a:rPr lang="zh-CN" altLang="en-US" sz="1800" b="1" dirty="0" smtClean="0">
+                <a:latin typeface="Arial Narrow" panose="020B0606020202030204" pitchFamily="34" charset="0"/>
+              </a:rPr>
+              <a:t> </a:t>
+            </a:r>
+            <a:r>
+              <a:rPr lang="en-US" altLang="zh-CN" sz="1800" b="1" dirty="0" smtClean="0">
+                <a:latin typeface="Arial Narrow" panose="020B0606020202030204" pitchFamily="34" charset="0"/>
+              </a:rPr>
+              <a:t>potential</a:t>
+            </a:r>
+            <a:r>
+              <a:rPr lang="zh-CN" altLang="en-US" sz="1800" b="1" dirty="0" smtClean="0">
+                <a:latin typeface="Arial Narrow" panose="020B0606020202030204" pitchFamily="34" charset="0"/>
+              </a:rPr>
+              <a:t> </a:t>
+            </a:r>
+            <a:r>
+              <a:rPr lang="en-US" altLang="zh-CN" sz="1800" b="1" dirty="0" smtClean="0">
+                <a:latin typeface="Arial Narrow" panose="020B0606020202030204" pitchFamily="34" charset="0"/>
+              </a:rPr>
+              <a:t>of</a:t>
+            </a:r>
+            <a:r>
+              <a:rPr lang="zh-CN" altLang="en-US" sz="1800" b="1" dirty="0" smtClean="0">
+                <a:latin typeface="Arial Narrow" panose="020B0606020202030204" pitchFamily="34" charset="0"/>
+              </a:rPr>
+              <a:t> </a:t>
+            </a:r>
+            <a:r>
+              <a:rPr lang="en-US" altLang="zh-CN" sz="1800" b="1" dirty="0" smtClean="0">
+                <a:latin typeface="Arial Narrow" panose="020B0606020202030204" pitchFamily="34" charset="0"/>
+              </a:rPr>
+              <a:t>crime</a:t>
+            </a:r>
+            <a:r>
+              <a:rPr lang="zh-CN" altLang="en-US" sz="1800" b="1" dirty="0" smtClean="0">
+                <a:latin typeface="Arial Narrow" panose="020B0606020202030204" pitchFamily="34" charset="0"/>
+              </a:rPr>
+              <a:t> </a:t>
+            </a:r>
+            <a:r>
+              <a:rPr lang="en-US" altLang="zh-CN" sz="1800" b="1" dirty="0" smtClean="0">
+                <a:latin typeface="Arial Narrow" panose="020B0606020202030204" pitchFamily="34" charset="0"/>
+              </a:rPr>
+              <a:t>rates,</a:t>
+            </a:r>
+            <a:r>
+              <a:rPr lang="zh-CN" altLang="en-US" sz="1800" b="1" dirty="0" smtClean="0">
+                <a:latin typeface="Arial Narrow" panose="020B0606020202030204" pitchFamily="34" charset="0"/>
+              </a:rPr>
+              <a:t> </a:t>
+            </a:r>
+            <a:r>
+              <a:rPr lang="en-US" altLang="zh-CN" sz="1800" b="1" dirty="0" smtClean="0">
+                <a:latin typeface="Arial Narrow" panose="020B0606020202030204" pitchFamily="34" charset="0"/>
+              </a:rPr>
+              <a:t>police</a:t>
+            </a:r>
+            <a:r>
+              <a:rPr lang="zh-CN" altLang="en-US" sz="1800" b="1" dirty="0" smtClean="0">
+                <a:latin typeface="Arial Narrow" panose="020B0606020202030204" pitchFamily="34" charset="0"/>
+              </a:rPr>
+              <a:t> </a:t>
+            </a:r>
+            <a:r>
+              <a:rPr lang="en-US" altLang="zh-CN" sz="1800" b="1" dirty="0" smtClean="0">
+                <a:latin typeface="Arial Narrow" panose="020B0606020202030204" pitchFamily="34" charset="0"/>
+              </a:rPr>
+              <a:t>may</a:t>
+            </a:r>
+            <a:r>
+              <a:rPr lang="zh-CN" altLang="en-US" sz="1800" b="1" dirty="0" smtClean="0">
+                <a:latin typeface="Arial Narrow" panose="020B0606020202030204" pitchFamily="34" charset="0"/>
+              </a:rPr>
+              <a:t> </a:t>
+            </a:r>
+            <a:r>
+              <a:rPr lang="en-US" altLang="zh-CN" sz="1800" b="1" dirty="0" smtClean="0">
+                <a:latin typeface="Arial Narrow" panose="020B0606020202030204" pitchFamily="34" charset="0"/>
+              </a:rPr>
+              <a:t>want</a:t>
+            </a:r>
+            <a:r>
+              <a:rPr lang="zh-CN" altLang="en-US" sz="1800" b="1" dirty="0" smtClean="0">
+                <a:latin typeface="Arial Narrow" panose="020B0606020202030204" pitchFamily="34" charset="0"/>
+              </a:rPr>
+              <a:t> </a:t>
+            </a:r>
+            <a:r>
+              <a:rPr lang="en-US" altLang="zh-CN" sz="1800" b="1" dirty="0" smtClean="0">
+                <a:latin typeface="Arial Narrow" panose="020B0606020202030204" pitchFamily="34" charset="0"/>
+              </a:rPr>
+              <a:t>to</a:t>
+            </a:r>
+            <a:r>
+              <a:rPr lang="zh-CN" altLang="en-US" sz="1800" b="1" dirty="0" smtClean="0">
+                <a:latin typeface="Arial Narrow" panose="020B0606020202030204" pitchFamily="34" charset="0"/>
+              </a:rPr>
+              <a:t> </a:t>
+            </a:r>
+            <a:r>
+              <a:rPr lang="en-US" altLang="zh-CN" sz="1800" b="1" dirty="0" smtClean="0">
+                <a:latin typeface="Arial Narrow" panose="020B0606020202030204" pitchFamily="34" charset="0"/>
+              </a:rPr>
+              <a:t>take</a:t>
+            </a:r>
+            <a:r>
+              <a:rPr lang="zh-CN" altLang="en-US" sz="1800" b="1" dirty="0" smtClean="0">
+                <a:latin typeface="Arial Narrow" panose="020B0606020202030204" pitchFamily="34" charset="0"/>
+              </a:rPr>
+              <a:t> </a:t>
+            </a:r>
+            <a:r>
+              <a:rPr lang="en-US" altLang="zh-CN" sz="1800" b="1" dirty="0" smtClean="0">
+                <a:latin typeface="Arial Narrow" panose="020B0606020202030204" pitchFamily="34" charset="0"/>
+              </a:rPr>
+              <a:t>a</a:t>
+            </a:r>
+            <a:r>
+              <a:rPr lang="zh-CN" altLang="en-US" sz="1800" b="1" dirty="0" smtClean="0">
+                <a:latin typeface="Arial Narrow" panose="020B0606020202030204" pitchFamily="34" charset="0"/>
+              </a:rPr>
+              <a:t> </a:t>
+            </a:r>
+            <a:r>
+              <a:rPr lang="en-US" altLang="zh-CN" sz="1800" b="1" dirty="0" smtClean="0">
+                <a:latin typeface="Arial Narrow" panose="020B0606020202030204" pitchFamily="34" charset="0"/>
+              </a:rPr>
+              <a:t>deeper</a:t>
+            </a:r>
+            <a:r>
+              <a:rPr lang="zh-CN" altLang="en-US" sz="1800" b="1" dirty="0" smtClean="0">
+                <a:latin typeface="Arial Narrow" panose="020B0606020202030204" pitchFamily="34" charset="0"/>
+              </a:rPr>
+              <a:t> </a:t>
+            </a:r>
+            <a:r>
+              <a:rPr lang="en-US" altLang="zh-CN" sz="1800" b="1" dirty="0" smtClean="0">
+                <a:latin typeface="Arial Narrow" panose="020B0606020202030204" pitchFamily="34" charset="0"/>
+              </a:rPr>
+              <a:t>look</a:t>
+            </a:r>
+            <a:r>
+              <a:rPr lang="zh-CN" altLang="en-US" sz="1800" b="1" dirty="0" smtClean="0">
+                <a:latin typeface="Arial Narrow" panose="020B0606020202030204" pitchFamily="34" charset="0"/>
+              </a:rPr>
+              <a:t> </a:t>
+            </a:r>
+            <a:r>
+              <a:rPr lang="en-US" altLang="zh-CN" sz="1800" b="1" dirty="0" smtClean="0">
+                <a:latin typeface="Arial Narrow" panose="020B0606020202030204" pitchFamily="34" charset="0"/>
+              </a:rPr>
+              <a:t>into</a:t>
+            </a:r>
+            <a:r>
+              <a:rPr lang="zh-CN" altLang="en-US" sz="1800" b="1" dirty="0" smtClean="0">
+                <a:latin typeface="Arial Narrow" panose="020B0606020202030204" pitchFamily="34" charset="0"/>
+              </a:rPr>
+              <a:t> </a:t>
+            </a:r>
+            <a:r>
+              <a:rPr lang="en-US" altLang="zh-CN" sz="1800" b="1" dirty="0" smtClean="0">
+                <a:latin typeface="Arial Narrow" panose="020B0606020202030204" pitchFamily="34" charset="0"/>
+              </a:rPr>
+              <a:t>this</a:t>
+            </a:r>
+          </a:p>
+        </p:txBody>
+      </p:sp>
+      <p:sp>
+        <p:nvSpPr>
+          <p:cNvPr id="9" name="Oval 8"/>
+          <p:cNvSpPr/>
+          <p:nvPr/>
+        </p:nvSpPr>
+        <p:spPr>
+          <a:xfrm>
+            <a:off x="6646027" y="629333"/>
+            <a:ext cx="367561" cy="367561"/>
+          </a:xfrm>
+          <a:prstGeom prst="ellipse">
+            <a:avLst/>
+          </a:prstGeom>
+        </p:spPr>
+        <p:style>
+          <a:lnRef idx="2">
+            <a:schemeClr val="accent1">
+              <a:shade val="50000"/>
+            </a:schemeClr>
+          </a:lnRef>
+          <a:fillRef idx="1">
+            <a:schemeClr val="accent1"/>
+          </a:fillRef>
+          <a:effectRef idx="0">
+            <a:schemeClr val="accent1"/>
+          </a:effectRef>
+          <a:fontRef idx="minor">
+            <a:schemeClr val="lt1"/>
+          </a:fontRef>
+        </p:style>
+        <p:txBody>
+          <a:bodyPr rtlCol="0" anchor="ctr"/>
+          <a:lstStyle/>
+          <a:p>
+            <a:pPr algn="ctr"/>
+            <a:r>
+              <a:rPr lang="en-US" altLang="zh-CN" dirty="0"/>
+              <a:t>2</a:t>
+            </a:r>
+            <a:endParaRPr lang="en-US" dirty="0"/>
+          </a:p>
+        </p:txBody>
+      </p:sp>
+      <p:sp>
+        <p:nvSpPr>
+          <p:cNvPr id="14" name="Rectangle 2"/>
+          <p:cNvSpPr>
+            <a:spLocks noGrp="1" noChangeArrowheads="1"/>
+          </p:cNvSpPr>
+          <p:nvPr>
+            <p:ph type="title"/>
+            <p:custDataLst>
+              <p:tags r:id="rId4"/>
+            </p:custDataLst>
+          </p:nvPr>
+        </p:nvSpPr>
+        <p:spPr bwMode="gray">
+          <a:xfrm>
+            <a:off x="212737" y="220071"/>
+            <a:ext cx="8793595" cy="298327"/>
+          </a:xfrm>
+        </p:spPr>
+        <p:txBody>
+          <a:bodyPr>
+            <a:noAutofit/>
+          </a:bodyPr>
+          <a:lstStyle/>
+          <a:p>
+            <a:r>
+              <a:rPr lang="en-US" altLang="zh-CN" sz="2400" b="1" dirty="0" smtClean="0">
+                <a:solidFill>
+                  <a:srgbClr val="954F72"/>
+                </a:solidFill>
+                <a:latin typeface="Arial Narrow" panose="020B0606020202030204" pitchFamily="34" charset="0"/>
+              </a:rPr>
+              <a:t>Analysis</a:t>
+            </a:r>
+            <a:r>
+              <a:rPr lang="zh-CN" altLang="en-US" sz="2400" b="1" dirty="0" smtClean="0">
+                <a:solidFill>
+                  <a:srgbClr val="954F72"/>
+                </a:solidFill>
+                <a:latin typeface="Arial Narrow" panose="020B0606020202030204" pitchFamily="34" charset="0"/>
+              </a:rPr>
+              <a:t> </a:t>
+            </a:r>
+            <a:r>
+              <a:rPr lang="en-US" altLang="zh-CN" sz="2400" b="1" dirty="0" smtClean="0">
+                <a:solidFill>
+                  <a:srgbClr val="954F72"/>
+                </a:solidFill>
+                <a:latin typeface="Arial Narrow" panose="020B0606020202030204" pitchFamily="34" charset="0"/>
+              </a:rPr>
+              <a:t>of</a:t>
+            </a:r>
+            <a:r>
+              <a:rPr lang="zh-CN" altLang="en-US" sz="2400" b="1" dirty="0" smtClean="0">
+                <a:solidFill>
+                  <a:srgbClr val="954F72"/>
+                </a:solidFill>
+                <a:latin typeface="Arial Narrow" panose="020B0606020202030204" pitchFamily="34" charset="0"/>
+              </a:rPr>
+              <a:t> </a:t>
+            </a:r>
+            <a:r>
+              <a:rPr lang="en-US" altLang="zh-CN" sz="2400" b="1" dirty="0" smtClean="0">
+                <a:solidFill>
+                  <a:srgbClr val="954F72"/>
+                </a:solidFill>
+                <a:latin typeface="Arial Narrow" panose="020B0606020202030204" pitchFamily="34" charset="0"/>
+              </a:rPr>
+              <a:t>Stop</a:t>
+            </a:r>
+            <a:r>
+              <a:rPr lang="zh-CN" altLang="en-US" sz="2400" b="1" dirty="0" smtClean="0">
+                <a:solidFill>
+                  <a:srgbClr val="954F72"/>
+                </a:solidFill>
+                <a:latin typeface="Arial Narrow" panose="020B0606020202030204" pitchFamily="34" charset="0"/>
+              </a:rPr>
+              <a:t> </a:t>
+            </a:r>
+            <a:r>
+              <a:rPr lang="en-US" altLang="zh-CN" sz="2400" b="1" dirty="0" smtClean="0">
+                <a:solidFill>
+                  <a:srgbClr val="954F72"/>
+                </a:solidFill>
+                <a:latin typeface="Arial Narrow" panose="020B0606020202030204" pitchFamily="34" charset="0"/>
+              </a:rPr>
+              <a:t>and</a:t>
+            </a:r>
+            <a:r>
+              <a:rPr lang="zh-CN" altLang="en-US" sz="2400" b="1" dirty="0" smtClean="0">
+                <a:solidFill>
+                  <a:srgbClr val="954F72"/>
+                </a:solidFill>
+                <a:latin typeface="Arial Narrow" panose="020B0606020202030204" pitchFamily="34" charset="0"/>
+              </a:rPr>
+              <a:t> </a:t>
+            </a:r>
+            <a:r>
+              <a:rPr lang="en-US" altLang="zh-CN" sz="2400" b="1" smtClean="0">
+                <a:solidFill>
+                  <a:srgbClr val="954F72"/>
+                </a:solidFill>
+                <a:latin typeface="Arial Narrow" panose="020B0606020202030204" pitchFamily="34" charset="0"/>
+              </a:rPr>
+              <a:t>Search</a:t>
+            </a:r>
+            <a:endParaRPr lang="en-US" altLang="en-US" sz="2400" b="1" dirty="0">
+              <a:solidFill>
+                <a:srgbClr val="954F72"/>
+              </a:solidFill>
+              <a:latin typeface="Arial Narrow" panose="020B0606020202030204" pitchFamily="34" charset="0"/>
+            </a:endParaRPr>
+          </a:p>
+        </p:txBody>
+      </p:sp>
+      <p:pic>
+        <p:nvPicPr>
+          <p:cNvPr id="3" name="Picture 2"/>
+          <p:cNvPicPr>
+            <a:picLocks noChangeAspect="1"/>
+          </p:cNvPicPr>
+          <p:nvPr/>
+        </p:nvPicPr>
+        <p:blipFill>
+          <a:blip r:embed="rId7" cstate="print">
+            <a:extLst>
+              <a:ext uri="{28A0092B-C50C-407E-A947-70E740481C1C}">
+                <a14:useLocalDpi xmlns:a14="http://schemas.microsoft.com/office/drawing/2010/main" val="0"/>
+              </a:ext>
+            </a:extLst>
+          </a:blip>
+          <a:stretch>
+            <a:fillRect/>
+          </a:stretch>
+        </p:blipFill>
+        <p:spPr>
+          <a:xfrm>
+            <a:off x="-9602" y="1394079"/>
+            <a:ext cx="6546879" cy="5295331"/>
+          </a:xfrm>
+          <a:prstGeom prst="rect">
+            <a:avLst/>
+          </a:prstGeom>
+        </p:spPr>
+      </p:pic>
+    </p:spTree>
+    <p:extLst>
+      <p:ext uri="{BB962C8B-B14F-4D97-AF65-F5344CB8AC3E}">
+        <p14:creationId xmlns:p14="http://schemas.microsoft.com/office/powerpoint/2010/main" val="1409484633"/>
+      </p:ext>
+    </p:extLst>
+  </p:cSld>
+  <p:clrMapOvr>
+    <a:masterClrMapping/>
+  </p:clrMapOvr>
+  <p:transition>
+    <p:wipe dir="r"/>
+  </p:transition>
+</p:sld>
+</file>
+
+<file path=ppt/slides/slide9.xml><?xml version="1.0" encoding="utf-8"?>
+<p:sld xmlns:a="http://schemas.openxmlformats.org/drawingml/2006/main" xmlns:r="http://schemas.openxmlformats.org/officeDocument/2006/relationships" xmlns:p="http://schemas.openxmlformats.org/presentationml/2006/main">
+  <p:cSld>
+    <p:spTree>
+      <p:nvGrpSpPr>
+        <p:cNvPr id="1" name=""/>
+        <p:cNvGrpSpPr/>
+        <p:nvPr/>
+      </p:nvGrpSpPr>
+      <p:grpSpPr>
+        <a:xfrm>
+          <a:off x="0" y="0"/>
+          <a:ext cx="0" cy="0"/>
+          <a:chOff x="0" y="0"/>
+          <a:chExt cx="0" cy="0"/>
+        </a:xfrm>
+      </p:grpSpPr>
+      <p:cxnSp>
+        <p:nvCxnSpPr>
+          <p:cNvPr id="5" name="Straight Connector 4"/>
+          <p:cNvCxnSpPr/>
+          <p:nvPr/>
+        </p:nvCxnSpPr>
+        <p:spPr>
+          <a:xfrm>
+            <a:off x="6646027" y="1061504"/>
+            <a:ext cx="0" cy="5254388"/>
+          </a:xfrm>
+          <a:prstGeom prst="line">
+            <a:avLst/>
+          </a:prstGeom>
+          <a:ln>
+            <a:solidFill>
+              <a:schemeClr val="tx1"/>
+            </a:solidFill>
+            <a:prstDash val="dash"/>
+          </a:ln>
+        </p:spPr>
+        <p:style>
+          <a:lnRef idx="1">
+            <a:schemeClr val="accent1"/>
+          </a:lnRef>
+          <a:fillRef idx="0">
+            <a:schemeClr val="accent1"/>
+          </a:fillRef>
+          <a:effectRef idx="0">
+            <a:schemeClr val="accent1"/>
+          </a:effectRef>
+          <a:fontRef idx="minor">
+            <a:schemeClr val="tx1"/>
+          </a:fontRef>
+        </p:style>
+      </p:cxnSp>
+      <p:sp>
+        <p:nvSpPr>
+          <p:cNvPr id="33" name="Rectangle 2"/>
+          <p:cNvSpPr txBox="1">
+            <a:spLocks noChangeArrowheads="1"/>
+          </p:cNvSpPr>
+          <p:nvPr>
+            <p:custDataLst>
+              <p:tags r:id="rId1"/>
+            </p:custDataLst>
+          </p:nvPr>
+        </p:nvSpPr>
+        <p:spPr bwMode="gray">
+          <a:xfrm>
+            <a:off x="571924" y="796414"/>
+            <a:ext cx="3986428" cy="400960"/>
+          </a:xfrm>
+          <a:prstGeom prst="rect">
+            <a:avLst/>
+          </a:prstGeom>
+        </p:spPr>
+        <p:style>
+          <a:lnRef idx="2">
+            <a:schemeClr val="dk1"/>
+          </a:lnRef>
+          <a:fillRef idx="1">
+            <a:schemeClr val="lt1"/>
+          </a:fillRef>
+          <a:effectRef idx="0">
+            <a:schemeClr val="dk1"/>
+          </a:effectRef>
+          <a:fontRef idx="minor">
+            <a:schemeClr val="dk1"/>
+          </a:fontRef>
+        </p:style>
+        <p:txBody>
+          <a:bodyPr vert="horz" lIns="91440" tIns="45720" rIns="91440" bIns="45720" rtlCol="0" anchor="ctr">
+            <a:noAutofit/>
+          </a:bodyPr>
+          <a:lstStyle>
+            <a:lvl1pPr algn="l" defTabSz="914400" rtl="0" eaLnBrk="1" latinLnBrk="0" hangingPunct="1">
+              <a:lnSpc>
+                <a:spcPct val="90000"/>
+              </a:lnSpc>
+              <a:spcBef>
+                <a:spcPct val="0"/>
+              </a:spcBef>
+              <a:buNone/>
+              <a:defRPr sz="4400" kern="1200">
+                <a:solidFill>
+                  <a:schemeClr val="tx1"/>
+                </a:solidFill>
+                <a:latin typeface="+mj-lt"/>
+                <a:ea typeface="+mj-ea"/>
+                <a:cs typeface="+mj-cs"/>
+              </a:defRPr>
+            </a:lvl1pPr>
+          </a:lstStyle>
+          <a:p>
+            <a:pPr algn="ctr"/>
+            <a:r>
+              <a:rPr lang="en-US" altLang="zh-CN" sz="1800" b="1" dirty="0" smtClean="0">
+                <a:latin typeface="Arial Narrow" panose="020B0606020202030204" pitchFamily="34" charset="0"/>
+              </a:rPr>
+              <a:t>Geographic</a:t>
+            </a:r>
+            <a:r>
+              <a:rPr lang="zh-CN" altLang="en-US" sz="1800" b="1" dirty="0" smtClean="0">
+                <a:latin typeface="Arial Narrow" panose="020B0606020202030204" pitchFamily="34" charset="0"/>
+              </a:rPr>
+              <a:t> </a:t>
+            </a:r>
+            <a:r>
+              <a:rPr lang="en-US" altLang="zh-CN" sz="1800" b="1" dirty="0" smtClean="0">
+                <a:latin typeface="Arial Narrow" panose="020B0606020202030204" pitchFamily="34" charset="0"/>
+              </a:rPr>
+              <a:t>distribution</a:t>
+            </a:r>
+            <a:r>
+              <a:rPr lang="zh-CN" altLang="en-US" sz="1800" b="1" dirty="0" smtClean="0">
+                <a:latin typeface="Arial Narrow" panose="020B0606020202030204" pitchFamily="34" charset="0"/>
+              </a:rPr>
+              <a:t> </a:t>
+            </a:r>
+            <a:endParaRPr lang="en-US" altLang="en-US" sz="1800" b="1" dirty="0">
+              <a:latin typeface="Arial Narrow" panose="020B0606020202030204" pitchFamily="34" charset="0"/>
+            </a:endParaRPr>
+          </a:p>
+        </p:txBody>
+      </p:sp>
+      <p:sp>
+        <p:nvSpPr>
+          <p:cNvPr id="6" name="Oval 5"/>
+          <p:cNvSpPr/>
+          <p:nvPr/>
+        </p:nvSpPr>
+        <p:spPr>
+          <a:xfrm>
+            <a:off x="373646" y="584452"/>
+            <a:ext cx="367561" cy="367561"/>
+          </a:xfrm>
+          <a:prstGeom prst="ellipse">
+            <a:avLst/>
+          </a:prstGeom>
+        </p:spPr>
+        <p:style>
+          <a:lnRef idx="2">
+            <a:schemeClr val="accent1">
+              <a:shade val="50000"/>
+            </a:schemeClr>
+          </a:lnRef>
+          <a:fillRef idx="1">
+            <a:schemeClr val="accent1"/>
+          </a:fillRef>
+          <a:effectRef idx="0">
+            <a:schemeClr val="accent1"/>
+          </a:effectRef>
+          <a:fontRef idx="minor">
+            <a:schemeClr val="lt1"/>
+          </a:fontRef>
+        </p:style>
+        <p:txBody>
+          <a:bodyPr rtlCol="0" anchor="ctr"/>
+          <a:lstStyle/>
+          <a:p>
+            <a:pPr algn="ctr"/>
+            <a:r>
+              <a:rPr lang="en-US" altLang="zh-CN" smtClean="0"/>
+              <a:t>1</a:t>
+            </a:r>
+            <a:endParaRPr lang="en-US"/>
+          </a:p>
+        </p:txBody>
+      </p:sp>
+      <p:sp>
+        <p:nvSpPr>
+          <p:cNvPr id="35" name="Rectangle 2"/>
+          <p:cNvSpPr txBox="1">
+            <a:spLocks noChangeArrowheads="1"/>
+          </p:cNvSpPr>
+          <p:nvPr>
+            <p:custDataLst>
+              <p:tags r:id="rId2"/>
+            </p:custDataLst>
+          </p:nvPr>
+        </p:nvSpPr>
+        <p:spPr bwMode="gray">
+          <a:xfrm>
+            <a:off x="6829808" y="796414"/>
+            <a:ext cx="2832295" cy="400960"/>
+          </a:xfrm>
+          <a:prstGeom prst="rect">
+            <a:avLst/>
+          </a:prstGeom>
+        </p:spPr>
+        <p:style>
+          <a:lnRef idx="2">
+            <a:schemeClr val="dk1"/>
+          </a:lnRef>
+          <a:fillRef idx="1">
+            <a:schemeClr val="lt1"/>
+          </a:fillRef>
+          <a:effectRef idx="0">
+            <a:schemeClr val="dk1"/>
+          </a:effectRef>
+          <a:fontRef idx="minor">
+            <a:schemeClr val="dk1"/>
+          </a:fontRef>
+        </p:style>
+        <p:txBody>
+          <a:bodyPr vert="horz" lIns="91440" tIns="45720" rIns="91440" bIns="45720" rtlCol="0" anchor="ctr">
+            <a:noAutofit/>
+          </a:bodyPr>
+          <a:lstStyle>
+            <a:lvl1pPr algn="l" defTabSz="914400" rtl="0" eaLnBrk="1" latinLnBrk="0" hangingPunct="1">
+              <a:lnSpc>
+                <a:spcPct val="90000"/>
+              </a:lnSpc>
+              <a:spcBef>
+                <a:spcPct val="0"/>
+              </a:spcBef>
+              <a:buNone/>
+              <a:defRPr sz="4400" kern="1200">
+                <a:solidFill>
+                  <a:schemeClr val="tx1"/>
+                </a:solidFill>
+                <a:latin typeface="+mj-lt"/>
+                <a:ea typeface="+mj-ea"/>
+                <a:cs typeface="+mj-cs"/>
+              </a:defRPr>
+            </a:lvl1pPr>
+          </a:lstStyle>
+          <a:p>
+            <a:pPr algn="ctr"/>
+            <a:r>
+              <a:rPr lang="en-US" altLang="zh-CN" sz="1800" b="1" dirty="0" smtClean="0">
+                <a:latin typeface="Arial Narrow" panose="020B0606020202030204" pitchFamily="34" charset="0"/>
+              </a:rPr>
+              <a:t>Key</a:t>
+            </a:r>
+            <a:r>
+              <a:rPr lang="zh-CN" altLang="en-US" sz="1800" b="1" dirty="0" smtClean="0">
+                <a:latin typeface="Arial Narrow" panose="020B0606020202030204" pitchFamily="34" charset="0"/>
+              </a:rPr>
+              <a:t> </a:t>
+            </a:r>
+            <a:r>
+              <a:rPr lang="en-US" altLang="zh-CN" sz="1800" b="1" dirty="0" smtClean="0">
+                <a:latin typeface="Arial Narrow" panose="020B0606020202030204" pitchFamily="34" charset="0"/>
+              </a:rPr>
+              <a:t>findings</a:t>
+            </a:r>
+            <a:endParaRPr lang="en-US" altLang="en-US" sz="1800" b="1" dirty="0">
+              <a:latin typeface="Arial Narrow" panose="020B0606020202030204" pitchFamily="34" charset="0"/>
+            </a:endParaRPr>
+          </a:p>
+        </p:txBody>
+      </p:sp>
+      <p:sp>
+        <p:nvSpPr>
+          <p:cNvPr id="36" name="Rectangle 2"/>
+          <p:cNvSpPr txBox="1">
+            <a:spLocks noChangeArrowheads="1"/>
+          </p:cNvSpPr>
+          <p:nvPr>
+            <p:custDataLst>
+              <p:tags r:id="rId3"/>
+            </p:custDataLst>
+          </p:nvPr>
+        </p:nvSpPr>
+        <p:spPr bwMode="gray">
+          <a:xfrm>
+            <a:off x="6722933" y="3377860"/>
+            <a:ext cx="5057392" cy="400960"/>
+          </a:xfrm>
+          <a:prstGeom prst="rect">
+            <a:avLst/>
+          </a:prstGeom>
+          <a:ln>
+            <a:noFill/>
+          </a:ln>
+        </p:spPr>
+        <p:style>
+          <a:lnRef idx="2">
+            <a:schemeClr val="dk1"/>
+          </a:lnRef>
+          <a:fillRef idx="1">
+            <a:schemeClr val="lt1"/>
+          </a:fillRef>
+          <a:effectRef idx="0">
+            <a:schemeClr val="dk1"/>
+          </a:effectRef>
+          <a:fontRef idx="minor">
+            <a:schemeClr val="dk1"/>
+          </a:fontRef>
+        </p:style>
+        <p:txBody>
+          <a:bodyPr vert="horz" lIns="91440" tIns="45720" rIns="91440" bIns="45720" rtlCol="0" anchor="ctr">
+            <a:noAutofit/>
+          </a:bodyPr>
+          <a:lstStyle>
+            <a:lvl1pPr algn="l" defTabSz="914400" rtl="0" eaLnBrk="1" latinLnBrk="0" hangingPunct="1">
+              <a:lnSpc>
+                <a:spcPct val="90000"/>
+              </a:lnSpc>
+              <a:spcBef>
+                <a:spcPct val="0"/>
+              </a:spcBef>
+              <a:buNone/>
+              <a:defRPr sz="4400" kern="1200">
+                <a:solidFill>
+                  <a:schemeClr val="tx1"/>
+                </a:solidFill>
+                <a:latin typeface="+mj-lt"/>
+                <a:ea typeface="+mj-ea"/>
+                <a:cs typeface="+mj-cs"/>
+              </a:defRPr>
+            </a:lvl1pPr>
+          </a:lstStyle>
+          <a:p>
+            <a:pPr marL="342900" indent="-342900">
+              <a:buFont typeface="Arial" charset="0"/>
+              <a:buChar char="•"/>
+            </a:pPr>
+            <a:r>
+              <a:rPr lang="en-US" altLang="zh-CN" sz="1800" b="1" dirty="0" smtClean="0">
+                <a:latin typeface="Arial Narrow" panose="020B0606020202030204" pitchFamily="34" charset="0"/>
+              </a:rPr>
+              <a:t>Most</a:t>
+            </a:r>
+            <a:r>
+              <a:rPr lang="zh-CN" altLang="en-US" sz="1800" b="1" dirty="0" smtClean="0">
+                <a:latin typeface="Arial Narrow" panose="020B0606020202030204" pitchFamily="34" charset="0"/>
+              </a:rPr>
+              <a:t> </a:t>
+            </a:r>
+            <a:r>
+              <a:rPr lang="en-US" altLang="zh-CN" sz="1800" b="1" dirty="0" smtClean="0">
+                <a:latin typeface="Arial Narrow" panose="020B0606020202030204" pitchFamily="34" charset="0"/>
+              </a:rPr>
+              <a:t>of</a:t>
+            </a:r>
+            <a:r>
+              <a:rPr lang="zh-CN" altLang="en-US" sz="1800" b="1" dirty="0" smtClean="0">
+                <a:latin typeface="Arial Narrow" panose="020B0606020202030204" pitchFamily="34" charset="0"/>
+              </a:rPr>
+              <a:t> </a:t>
+            </a:r>
+            <a:r>
+              <a:rPr lang="en-US" altLang="zh-CN" sz="1800" b="1" dirty="0" smtClean="0">
+                <a:latin typeface="Arial Narrow" panose="020B0606020202030204" pitchFamily="34" charset="0"/>
+              </a:rPr>
+              <a:t>the</a:t>
+            </a:r>
+            <a:r>
+              <a:rPr lang="zh-CN" altLang="en-US" sz="1800" b="1" dirty="0" smtClean="0">
+                <a:latin typeface="Arial Narrow" panose="020B0606020202030204" pitchFamily="34" charset="0"/>
+              </a:rPr>
+              <a:t> </a:t>
+            </a:r>
+            <a:r>
+              <a:rPr lang="en-US" altLang="zh-CN" sz="1800" b="1" dirty="0" smtClean="0">
+                <a:latin typeface="Arial Narrow" panose="020B0606020202030204" pitchFamily="34" charset="0"/>
+              </a:rPr>
+              <a:t>stop</a:t>
+            </a:r>
+            <a:r>
+              <a:rPr lang="zh-CN" altLang="en-US" sz="1800" b="1" dirty="0" smtClean="0">
+                <a:latin typeface="Arial Narrow" panose="020B0606020202030204" pitchFamily="34" charset="0"/>
+              </a:rPr>
+              <a:t> </a:t>
+            </a:r>
+            <a:r>
+              <a:rPr lang="en-US" altLang="zh-CN" sz="1800" b="1" dirty="0" smtClean="0">
+                <a:latin typeface="Arial Narrow" panose="020B0606020202030204" pitchFamily="34" charset="0"/>
+              </a:rPr>
+              <a:t>and</a:t>
+            </a:r>
+            <a:r>
+              <a:rPr lang="zh-CN" altLang="en-US" sz="1800" b="1" dirty="0" smtClean="0">
+                <a:latin typeface="Arial Narrow" panose="020B0606020202030204" pitchFamily="34" charset="0"/>
+              </a:rPr>
+              <a:t> </a:t>
+            </a:r>
+            <a:r>
+              <a:rPr lang="en-US" altLang="zh-CN" sz="1800" b="1" dirty="0" smtClean="0">
+                <a:latin typeface="Arial Narrow" panose="020B0606020202030204" pitchFamily="34" charset="0"/>
+              </a:rPr>
+              <a:t>search</a:t>
+            </a:r>
+            <a:r>
+              <a:rPr lang="zh-CN" altLang="en-US" sz="1800" b="1" dirty="0" smtClean="0">
+                <a:latin typeface="Arial Narrow" panose="020B0606020202030204" pitchFamily="34" charset="0"/>
+              </a:rPr>
+              <a:t> </a:t>
+            </a:r>
+            <a:r>
+              <a:rPr lang="en-US" altLang="zh-CN" sz="1800" b="1" dirty="0" smtClean="0">
+                <a:latin typeface="Arial Narrow" panose="020B0606020202030204" pitchFamily="34" charset="0"/>
+              </a:rPr>
+              <a:t>happened</a:t>
+            </a:r>
+            <a:r>
+              <a:rPr lang="zh-CN" altLang="en-US" sz="1800" b="1" dirty="0" smtClean="0">
+                <a:latin typeface="Arial Narrow" panose="020B0606020202030204" pitchFamily="34" charset="0"/>
+              </a:rPr>
+              <a:t> </a:t>
+            </a:r>
+            <a:r>
+              <a:rPr lang="en-US" altLang="zh-CN" sz="1800" b="1" dirty="0" smtClean="0">
+                <a:latin typeface="Arial Narrow" panose="020B0606020202030204" pitchFamily="34" charset="0"/>
+              </a:rPr>
+              <a:t>in</a:t>
+            </a:r>
+            <a:r>
+              <a:rPr lang="zh-CN" altLang="en-US" sz="1800" b="1" dirty="0" smtClean="0">
+                <a:latin typeface="Arial Narrow" panose="020B0606020202030204" pitchFamily="34" charset="0"/>
+              </a:rPr>
+              <a:t> </a:t>
+            </a:r>
+            <a:r>
+              <a:rPr lang="en-US" altLang="zh-CN" sz="1800" b="1" dirty="0" smtClean="0">
+                <a:latin typeface="Arial Narrow" panose="020B0606020202030204" pitchFamily="34" charset="0"/>
+              </a:rPr>
+              <a:t>zone</a:t>
+            </a:r>
+            <a:r>
+              <a:rPr lang="zh-CN" altLang="en-US" sz="1800" b="1" dirty="0" smtClean="0">
+                <a:latin typeface="Arial Narrow" panose="020B0606020202030204" pitchFamily="34" charset="0"/>
+              </a:rPr>
+              <a:t> </a:t>
+            </a:r>
+            <a:r>
+              <a:rPr lang="en-US" altLang="zh-CN" sz="1800" b="1" dirty="0" smtClean="0">
+                <a:latin typeface="Arial Narrow" panose="020B0606020202030204" pitchFamily="34" charset="0"/>
+              </a:rPr>
+              <a:t>D/C/E/I</a:t>
+            </a:r>
+          </a:p>
+          <a:p>
+            <a:pPr marL="342900" indent="-342900">
+              <a:buFont typeface="Arial" charset="0"/>
+              <a:buChar char="•"/>
+            </a:pPr>
+            <a:r>
+              <a:rPr lang="en-US" altLang="zh-CN" sz="1800" b="1" dirty="0" smtClean="0">
+                <a:latin typeface="Arial Narrow" panose="020B0606020202030204" pitchFamily="34" charset="0"/>
+              </a:rPr>
+              <a:t>Most</a:t>
+            </a:r>
+            <a:r>
+              <a:rPr lang="zh-CN" altLang="en-US" sz="1800" b="1" dirty="0" smtClean="0">
+                <a:latin typeface="Arial Narrow" panose="020B0606020202030204" pitchFamily="34" charset="0"/>
+              </a:rPr>
+              <a:t> </a:t>
+            </a:r>
+            <a:r>
+              <a:rPr lang="en-US" altLang="zh-CN" sz="1800" b="1" dirty="0" smtClean="0">
+                <a:latin typeface="Arial Narrow" panose="020B0606020202030204" pitchFamily="34" charset="0"/>
+              </a:rPr>
+              <a:t>of</a:t>
+            </a:r>
+            <a:r>
+              <a:rPr lang="zh-CN" altLang="en-US" sz="1800" b="1" dirty="0" smtClean="0">
+                <a:latin typeface="Arial Narrow" panose="020B0606020202030204" pitchFamily="34" charset="0"/>
+              </a:rPr>
+              <a:t> </a:t>
+            </a:r>
+            <a:r>
+              <a:rPr lang="en-US" altLang="zh-CN" sz="1800" b="1" dirty="0" smtClean="0">
+                <a:latin typeface="Arial Narrow" panose="020B0606020202030204" pitchFamily="34" charset="0"/>
+              </a:rPr>
+              <a:t>the</a:t>
+            </a:r>
+            <a:r>
+              <a:rPr lang="zh-CN" altLang="en-US" sz="1800" b="1" dirty="0" smtClean="0">
+                <a:latin typeface="Arial Narrow" panose="020B0606020202030204" pitchFamily="34" charset="0"/>
+              </a:rPr>
+              <a:t> </a:t>
+            </a:r>
+            <a:r>
+              <a:rPr lang="en-US" altLang="zh-CN" sz="1800" b="1" dirty="0" smtClean="0">
+                <a:latin typeface="Arial Narrow" panose="020B0606020202030204" pitchFamily="34" charset="0"/>
+              </a:rPr>
+              <a:t>stop</a:t>
+            </a:r>
+            <a:r>
+              <a:rPr lang="zh-CN" altLang="en-US" sz="1800" b="1" dirty="0" smtClean="0">
+                <a:latin typeface="Arial Narrow" panose="020B0606020202030204" pitchFamily="34" charset="0"/>
+              </a:rPr>
+              <a:t> </a:t>
+            </a:r>
+            <a:r>
+              <a:rPr lang="en-US" altLang="zh-CN" sz="1800" b="1" dirty="0" smtClean="0">
+                <a:latin typeface="Arial Narrow" panose="020B0606020202030204" pitchFamily="34" charset="0"/>
+              </a:rPr>
+              <a:t>and</a:t>
+            </a:r>
+            <a:r>
+              <a:rPr lang="zh-CN" altLang="en-US" sz="1800" b="1" dirty="0" smtClean="0">
+                <a:latin typeface="Arial Narrow" panose="020B0606020202030204" pitchFamily="34" charset="0"/>
+              </a:rPr>
+              <a:t> </a:t>
+            </a:r>
+            <a:r>
+              <a:rPr lang="en-US" altLang="zh-CN" sz="1800" b="1" dirty="0" smtClean="0">
+                <a:latin typeface="Arial Narrow" panose="020B0606020202030204" pitchFamily="34" charset="0"/>
+              </a:rPr>
+              <a:t>search</a:t>
+            </a:r>
+            <a:r>
+              <a:rPr lang="zh-CN" altLang="en-US" sz="1800" b="1" dirty="0" smtClean="0">
+                <a:latin typeface="Arial Narrow" panose="020B0606020202030204" pitchFamily="34" charset="0"/>
+              </a:rPr>
+              <a:t> </a:t>
+            </a:r>
+            <a:r>
+              <a:rPr lang="en-US" altLang="zh-CN" sz="1800" b="1" dirty="0" smtClean="0">
+                <a:latin typeface="Arial Narrow" panose="020B0606020202030204" pitchFamily="34" charset="0"/>
+              </a:rPr>
+              <a:t>happened</a:t>
+            </a:r>
+            <a:r>
+              <a:rPr lang="zh-CN" altLang="en-US" sz="1800" b="1" dirty="0" smtClean="0">
+                <a:latin typeface="Arial Narrow" panose="020B0606020202030204" pitchFamily="34" charset="0"/>
+              </a:rPr>
+              <a:t> </a:t>
+            </a:r>
+            <a:r>
+              <a:rPr lang="en-US" altLang="zh-CN" sz="1800" b="1" dirty="0" smtClean="0">
+                <a:latin typeface="Arial Narrow" panose="020B0606020202030204" pitchFamily="34" charset="0"/>
+              </a:rPr>
+              <a:t>in</a:t>
+            </a:r>
+            <a:r>
+              <a:rPr lang="zh-CN" altLang="en-US" sz="1800" b="1" dirty="0" smtClean="0">
+                <a:latin typeface="Arial Narrow" panose="020B0606020202030204" pitchFamily="34" charset="0"/>
+              </a:rPr>
+              <a:t> </a:t>
+            </a:r>
+            <a:r>
+              <a:rPr lang="en-US" altLang="zh-CN" sz="1800" b="1" dirty="0" smtClean="0">
+                <a:latin typeface="Arial Narrow" panose="020B0606020202030204" pitchFamily="34" charset="0"/>
+              </a:rPr>
+              <a:t>district</a:t>
+            </a:r>
+            <a:r>
+              <a:rPr lang="zh-CN" altLang="en-US" sz="1800" b="1" dirty="0" smtClean="0">
+                <a:latin typeface="Arial Narrow" panose="020B0606020202030204" pitchFamily="34" charset="0"/>
+              </a:rPr>
+              <a:t> </a:t>
+            </a:r>
+            <a:r>
+              <a:rPr lang="en-US" altLang="zh-CN" sz="1800" b="1" dirty="0" smtClean="0">
+                <a:latin typeface="Arial Narrow" panose="020B0606020202030204" pitchFamily="34" charset="0"/>
+              </a:rPr>
+              <a:t>8</a:t>
+            </a:r>
+            <a:r>
+              <a:rPr lang="zh-CN" altLang="en-US" sz="1800" b="1" dirty="0" smtClean="0">
+                <a:latin typeface="Arial Narrow" panose="020B0606020202030204" pitchFamily="34" charset="0"/>
+              </a:rPr>
+              <a:t> </a:t>
+            </a:r>
+            <a:r>
+              <a:rPr lang="en-US" altLang="zh-CN" sz="1800" b="1" dirty="0" smtClean="0">
+                <a:latin typeface="Arial Narrow" panose="020B0606020202030204" pitchFamily="34" charset="0"/>
+              </a:rPr>
+              <a:t>and</a:t>
+            </a:r>
+            <a:r>
+              <a:rPr lang="zh-CN" altLang="en-US" sz="1800" b="1" dirty="0" smtClean="0">
+                <a:latin typeface="Arial Narrow" panose="020B0606020202030204" pitchFamily="34" charset="0"/>
+              </a:rPr>
+              <a:t> </a:t>
+            </a:r>
+            <a:r>
+              <a:rPr lang="en-US" altLang="zh-CN" sz="1800" b="1" dirty="0" smtClean="0">
+                <a:latin typeface="Arial Narrow" panose="020B0606020202030204" pitchFamily="34" charset="0"/>
+              </a:rPr>
+              <a:t>3</a:t>
+            </a:r>
+          </a:p>
+          <a:p>
+            <a:pPr marL="342900" indent="-342900">
+              <a:buFont typeface="Arial" charset="0"/>
+              <a:buChar char="•"/>
+            </a:pPr>
+            <a:r>
+              <a:rPr lang="en-US" altLang="zh-CN" sz="1800" b="1" dirty="0" smtClean="0">
+                <a:latin typeface="Arial Narrow" panose="020B0606020202030204" pitchFamily="34" charset="0"/>
+              </a:rPr>
+              <a:t>This</a:t>
+            </a:r>
+            <a:r>
+              <a:rPr lang="zh-CN" altLang="en-US" sz="1800" b="1" dirty="0" smtClean="0">
+                <a:latin typeface="Arial Narrow" panose="020B0606020202030204" pitchFamily="34" charset="0"/>
+              </a:rPr>
+              <a:t> </a:t>
+            </a:r>
+            <a:r>
+              <a:rPr lang="en-US" altLang="zh-CN" sz="1800" b="1" dirty="0" smtClean="0">
+                <a:latin typeface="Arial Narrow" panose="020B0606020202030204" pitchFamily="34" charset="0"/>
+              </a:rPr>
+              <a:t>shows</a:t>
+            </a:r>
+            <a:r>
+              <a:rPr lang="zh-CN" altLang="en-US" sz="1800" b="1" dirty="0" smtClean="0">
+                <a:latin typeface="Arial Narrow" panose="020B0606020202030204" pitchFamily="34" charset="0"/>
+              </a:rPr>
+              <a:t> </a:t>
+            </a:r>
+            <a:r>
+              <a:rPr lang="en-US" altLang="zh-CN" sz="1800" b="1" dirty="0" smtClean="0">
+                <a:latin typeface="Arial Narrow" panose="020B0606020202030204" pitchFamily="34" charset="0"/>
+              </a:rPr>
+              <a:t>that</a:t>
+            </a:r>
+            <a:r>
+              <a:rPr lang="zh-CN" altLang="en-US" sz="1800" b="1" dirty="0" smtClean="0">
+                <a:latin typeface="Arial Narrow" panose="020B0606020202030204" pitchFamily="34" charset="0"/>
+              </a:rPr>
+              <a:t> </a:t>
+            </a:r>
+            <a:r>
+              <a:rPr lang="en-US" altLang="zh-CN" sz="1800" b="1" dirty="0" smtClean="0">
+                <a:latin typeface="Arial Narrow" panose="020B0606020202030204" pitchFamily="34" charset="0"/>
+              </a:rPr>
+              <a:t>those</a:t>
+            </a:r>
+            <a:r>
+              <a:rPr lang="zh-CN" altLang="en-US" sz="1800" b="1" dirty="0" smtClean="0">
+                <a:latin typeface="Arial Narrow" panose="020B0606020202030204" pitchFamily="34" charset="0"/>
+              </a:rPr>
+              <a:t> </a:t>
+            </a:r>
+            <a:r>
+              <a:rPr lang="en-US" altLang="zh-CN" sz="1800" b="1" dirty="0" smtClean="0">
+                <a:latin typeface="Arial Narrow" panose="020B0606020202030204" pitchFamily="34" charset="0"/>
+              </a:rPr>
+              <a:t>mentioned</a:t>
+            </a:r>
+            <a:r>
+              <a:rPr lang="zh-CN" altLang="en-US" sz="1800" b="1" dirty="0" smtClean="0">
+                <a:latin typeface="Arial Narrow" panose="020B0606020202030204" pitchFamily="34" charset="0"/>
+              </a:rPr>
+              <a:t> </a:t>
+            </a:r>
+            <a:r>
+              <a:rPr lang="en-US" altLang="zh-CN" sz="1800" b="1" dirty="0" smtClean="0">
+                <a:latin typeface="Arial Narrow" panose="020B0606020202030204" pitchFamily="34" charset="0"/>
+              </a:rPr>
+              <a:t>areas</a:t>
+            </a:r>
+            <a:r>
+              <a:rPr lang="zh-CN" altLang="en-US" sz="1800" b="1" dirty="0" smtClean="0">
+                <a:latin typeface="Arial Narrow" panose="020B0606020202030204" pitchFamily="34" charset="0"/>
+              </a:rPr>
+              <a:t> </a:t>
+            </a:r>
+            <a:r>
+              <a:rPr lang="en-US" altLang="zh-CN" sz="1800" b="1" dirty="0" smtClean="0">
+                <a:latin typeface="Arial Narrow" panose="020B0606020202030204" pitchFamily="34" charset="0"/>
+              </a:rPr>
+              <a:t>above</a:t>
+            </a:r>
+            <a:r>
+              <a:rPr lang="zh-CN" altLang="en-US" sz="1800" b="1" dirty="0" smtClean="0">
+                <a:latin typeface="Arial Narrow" panose="020B0606020202030204" pitchFamily="34" charset="0"/>
+              </a:rPr>
+              <a:t> </a:t>
+            </a:r>
+            <a:r>
+              <a:rPr lang="en-US" altLang="zh-CN" sz="1800" b="1" dirty="0" smtClean="0">
+                <a:latin typeface="Arial Narrow" panose="020B0606020202030204" pitchFamily="34" charset="0"/>
+              </a:rPr>
+              <a:t>may</a:t>
+            </a:r>
+            <a:r>
+              <a:rPr lang="zh-CN" altLang="en-US" sz="1800" b="1" dirty="0" smtClean="0">
+                <a:latin typeface="Arial Narrow" panose="020B0606020202030204" pitchFamily="34" charset="0"/>
+              </a:rPr>
+              <a:t> </a:t>
+            </a:r>
+            <a:r>
+              <a:rPr lang="en-US" altLang="zh-CN" sz="1800" b="1" dirty="0" smtClean="0">
+                <a:latin typeface="Arial Narrow" panose="020B0606020202030204" pitchFamily="34" charset="0"/>
+              </a:rPr>
+              <a:t>have</a:t>
+            </a:r>
+            <a:r>
+              <a:rPr lang="zh-CN" altLang="en-US" sz="1800" b="1" dirty="0" smtClean="0">
+                <a:latin typeface="Arial Narrow" panose="020B0606020202030204" pitchFamily="34" charset="0"/>
+              </a:rPr>
+              <a:t> </a:t>
+            </a:r>
+            <a:r>
+              <a:rPr lang="en-US" altLang="zh-CN" sz="1800" b="1" dirty="0" smtClean="0">
+                <a:latin typeface="Arial Narrow" panose="020B0606020202030204" pitchFamily="34" charset="0"/>
+              </a:rPr>
+              <a:t>a</a:t>
+            </a:r>
+            <a:r>
+              <a:rPr lang="zh-CN" altLang="en-US" sz="1800" b="1" dirty="0" smtClean="0">
+                <a:latin typeface="Arial Narrow" panose="020B0606020202030204" pitchFamily="34" charset="0"/>
+              </a:rPr>
+              <a:t> </a:t>
+            </a:r>
+            <a:r>
+              <a:rPr lang="en-US" altLang="zh-CN" sz="1800" b="1" dirty="0" smtClean="0">
+                <a:latin typeface="Arial Narrow" panose="020B0606020202030204" pitchFamily="34" charset="0"/>
+              </a:rPr>
+              <a:t>higher</a:t>
+            </a:r>
+            <a:r>
+              <a:rPr lang="zh-CN" altLang="en-US" sz="1800" b="1" dirty="0" smtClean="0">
+                <a:latin typeface="Arial Narrow" panose="020B0606020202030204" pitchFamily="34" charset="0"/>
+              </a:rPr>
+              <a:t> </a:t>
+            </a:r>
+            <a:r>
+              <a:rPr lang="en-US" altLang="zh-CN" sz="1800" b="1" dirty="0" smtClean="0">
+                <a:latin typeface="Arial Narrow" panose="020B0606020202030204" pitchFamily="34" charset="0"/>
+              </a:rPr>
+              <a:t>potential</a:t>
+            </a:r>
+            <a:r>
+              <a:rPr lang="zh-CN" altLang="en-US" sz="1800" b="1" dirty="0" smtClean="0">
+                <a:latin typeface="Arial Narrow" panose="020B0606020202030204" pitchFamily="34" charset="0"/>
+              </a:rPr>
+              <a:t> </a:t>
+            </a:r>
+            <a:r>
+              <a:rPr lang="en-US" altLang="zh-CN" sz="1800" b="1" dirty="0" smtClean="0">
+                <a:latin typeface="Arial Narrow" panose="020B0606020202030204" pitchFamily="34" charset="0"/>
+              </a:rPr>
+              <a:t>of</a:t>
+            </a:r>
+            <a:r>
+              <a:rPr lang="zh-CN" altLang="en-US" sz="1800" b="1" dirty="0" smtClean="0">
+                <a:latin typeface="Arial Narrow" panose="020B0606020202030204" pitchFamily="34" charset="0"/>
+              </a:rPr>
+              <a:t> </a:t>
+            </a:r>
+            <a:r>
+              <a:rPr lang="en-US" altLang="zh-CN" sz="1800" b="1" dirty="0" smtClean="0">
+                <a:latin typeface="Arial Narrow" panose="020B0606020202030204" pitchFamily="34" charset="0"/>
+              </a:rPr>
+              <a:t>crime</a:t>
+            </a:r>
+            <a:r>
+              <a:rPr lang="zh-CN" altLang="en-US" sz="1800" b="1" dirty="0" smtClean="0">
+                <a:latin typeface="Arial Narrow" panose="020B0606020202030204" pitchFamily="34" charset="0"/>
+              </a:rPr>
+              <a:t> </a:t>
+            </a:r>
+            <a:r>
+              <a:rPr lang="en-US" altLang="zh-CN" sz="1800" b="1" dirty="0" smtClean="0">
+                <a:latin typeface="Arial Narrow" panose="020B0606020202030204" pitchFamily="34" charset="0"/>
+              </a:rPr>
+              <a:t>rates,</a:t>
+            </a:r>
+            <a:r>
+              <a:rPr lang="zh-CN" altLang="en-US" sz="1800" b="1" dirty="0" smtClean="0">
+                <a:latin typeface="Arial Narrow" panose="020B0606020202030204" pitchFamily="34" charset="0"/>
+              </a:rPr>
+              <a:t> </a:t>
+            </a:r>
+            <a:r>
+              <a:rPr lang="en-US" altLang="zh-CN" sz="1800" b="1" dirty="0" smtClean="0">
+                <a:latin typeface="Arial Narrow" panose="020B0606020202030204" pitchFamily="34" charset="0"/>
+              </a:rPr>
+              <a:t>police</a:t>
+            </a:r>
+            <a:r>
+              <a:rPr lang="zh-CN" altLang="en-US" sz="1800" b="1" dirty="0" smtClean="0">
+                <a:latin typeface="Arial Narrow" panose="020B0606020202030204" pitchFamily="34" charset="0"/>
+              </a:rPr>
+              <a:t> </a:t>
+            </a:r>
+            <a:r>
+              <a:rPr lang="en-US" altLang="zh-CN" sz="1800" b="1" dirty="0" smtClean="0">
+                <a:latin typeface="Arial Narrow" panose="020B0606020202030204" pitchFamily="34" charset="0"/>
+              </a:rPr>
+              <a:t>may</a:t>
+            </a:r>
+            <a:r>
+              <a:rPr lang="zh-CN" altLang="en-US" sz="1800" b="1" dirty="0" smtClean="0">
+                <a:latin typeface="Arial Narrow" panose="020B0606020202030204" pitchFamily="34" charset="0"/>
+              </a:rPr>
+              <a:t> </a:t>
+            </a:r>
+            <a:r>
+              <a:rPr lang="en-US" altLang="zh-CN" sz="1800" b="1" dirty="0" smtClean="0">
+                <a:latin typeface="Arial Narrow" panose="020B0606020202030204" pitchFamily="34" charset="0"/>
+              </a:rPr>
+              <a:t>want</a:t>
+            </a:r>
+            <a:r>
+              <a:rPr lang="zh-CN" altLang="en-US" sz="1800" b="1" dirty="0" smtClean="0">
+                <a:latin typeface="Arial Narrow" panose="020B0606020202030204" pitchFamily="34" charset="0"/>
+              </a:rPr>
+              <a:t> </a:t>
+            </a:r>
+            <a:r>
+              <a:rPr lang="en-US" altLang="zh-CN" sz="1800" b="1" dirty="0" smtClean="0">
+                <a:latin typeface="Arial Narrow" panose="020B0606020202030204" pitchFamily="34" charset="0"/>
+              </a:rPr>
+              <a:t>to</a:t>
+            </a:r>
+            <a:r>
+              <a:rPr lang="zh-CN" altLang="en-US" sz="1800" b="1" dirty="0" smtClean="0">
+                <a:latin typeface="Arial Narrow" panose="020B0606020202030204" pitchFamily="34" charset="0"/>
+              </a:rPr>
+              <a:t> </a:t>
+            </a:r>
+            <a:r>
+              <a:rPr lang="en-US" altLang="zh-CN" sz="1800" b="1" dirty="0" smtClean="0">
+                <a:latin typeface="Arial Narrow" panose="020B0606020202030204" pitchFamily="34" charset="0"/>
+              </a:rPr>
+              <a:t>take</a:t>
+            </a:r>
+            <a:r>
+              <a:rPr lang="zh-CN" altLang="en-US" sz="1800" b="1" dirty="0" smtClean="0">
+                <a:latin typeface="Arial Narrow" panose="020B0606020202030204" pitchFamily="34" charset="0"/>
+              </a:rPr>
+              <a:t> </a:t>
+            </a:r>
+            <a:r>
+              <a:rPr lang="en-US" altLang="zh-CN" sz="1800" b="1" dirty="0" smtClean="0">
+                <a:latin typeface="Arial Narrow" panose="020B0606020202030204" pitchFamily="34" charset="0"/>
+              </a:rPr>
+              <a:t>a</a:t>
+            </a:r>
+            <a:r>
+              <a:rPr lang="zh-CN" altLang="en-US" sz="1800" b="1" dirty="0" smtClean="0">
+                <a:latin typeface="Arial Narrow" panose="020B0606020202030204" pitchFamily="34" charset="0"/>
+              </a:rPr>
+              <a:t> </a:t>
+            </a:r>
+            <a:r>
+              <a:rPr lang="en-US" altLang="zh-CN" sz="1800" b="1" dirty="0" smtClean="0">
+                <a:latin typeface="Arial Narrow" panose="020B0606020202030204" pitchFamily="34" charset="0"/>
+              </a:rPr>
+              <a:t>deeper</a:t>
+            </a:r>
+            <a:r>
+              <a:rPr lang="zh-CN" altLang="en-US" sz="1800" b="1" dirty="0" smtClean="0">
+                <a:latin typeface="Arial Narrow" panose="020B0606020202030204" pitchFamily="34" charset="0"/>
+              </a:rPr>
+              <a:t> </a:t>
+            </a:r>
+            <a:r>
+              <a:rPr lang="en-US" altLang="zh-CN" sz="1800" b="1" dirty="0" smtClean="0">
+                <a:latin typeface="Arial Narrow" panose="020B0606020202030204" pitchFamily="34" charset="0"/>
+              </a:rPr>
+              <a:t>look</a:t>
+            </a:r>
+            <a:r>
+              <a:rPr lang="zh-CN" altLang="en-US" sz="1800" b="1" dirty="0" smtClean="0">
+                <a:latin typeface="Arial Narrow" panose="020B0606020202030204" pitchFamily="34" charset="0"/>
+              </a:rPr>
+              <a:t> </a:t>
+            </a:r>
+            <a:r>
+              <a:rPr lang="en-US" altLang="zh-CN" sz="1800" b="1" dirty="0" smtClean="0">
+                <a:latin typeface="Arial Narrow" panose="020B0606020202030204" pitchFamily="34" charset="0"/>
+              </a:rPr>
+              <a:t>into</a:t>
+            </a:r>
+            <a:r>
+              <a:rPr lang="zh-CN" altLang="en-US" sz="1800" b="1" dirty="0" smtClean="0">
+                <a:latin typeface="Arial Narrow" panose="020B0606020202030204" pitchFamily="34" charset="0"/>
+              </a:rPr>
+              <a:t> </a:t>
+            </a:r>
+            <a:r>
+              <a:rPr lang="en-US" altLang="zh-CN" sz="1800" b="1" dirty="0" smtClean="0">
+                <a:latin typeface="Arial Narrow" panose="020B0606020202030204" pitchFamily="34" charset="0"/>
+              </a:rPr>
+              <a:t>this</a:t>
+            </a:r>
+          </a:p>
+        </p:txBody>
+      </p:sp>
+      <p:sp>
+        <p:nvSpPr>
+          <p:cNvPr id="9" name="Oval 8"/>
+          <p:cNvSpPr/>
+          <p:nvPr/>
+        </p:nvSpPr>
+        <p:spPr>
+          <a:xfrm>
+            <a:off x="6646027" y="629333"/>
+            <a:ext cx="367561" cy="367561"/>
+          </a:xfrm>
+          <a:prstGeom prst="ellipse">
+            <a:avLst/>
+          </a:prstGeom>
+        </p:spPr>
+        <p:style>
+          <a:lnRef idx="2">
+            <a:schemeClr val="accent1">
+              <a:shade val="50000"/>
+            </a:schemeClr>
+          </a:lnRef>
+          <a:fillRef idx="1">
+            <a:schemeClr val="accent1"/>
+          </a:fillRef>
+          <a:effectRef idx="0">
+            <a:schemeClr val="accent1"/>
+          </a:effectRef>
+          <a:fontRef idx="minor">
+            <a:schemeClr val="lt1"/>
+          </a:fontRef>
+        </p:style>
+        <p:txBody>
+          <a:bodyPr rtlCol="0" anchor="ctr"/>
+          <a:lstStyle/>
+          <a:p>
+            <a:pPr algn="ctr"/>
+            <a:r>
+              <a:rPr lang="en-US" altLang="zh-CN" dirty="0"/>
+              <a:t>2</a:t>
+            </a:r>
+            <a:endParaRPr lang="en-US" dirty="0"/>
+          </a:p>
+        </p:txBody>
+      </p:sp>
+      <p:sp>
+        <p:nvSpPr>
+          <p:cNvPr id="14" name="Rectangle 2"/>
+          <p:cNvSpPr>
+            <a:spLocks noGrp="1" noChangeArrowheads="1"/>
+          </p:cNvSpPr>
+          <p:nvPr>
+            <p:ph type="title"/>
+            <p:custDataLst>
+              <p:tags r:id="rId4"/>
+            </p:custDataLst>
+          </p:nvPr>
+        </p:nvSpPr>
+        <p:spPr bwMode="gray">
+          <a:xfrm>
+            <a:off x="212737" y="220071"/>
+            <a:ext cx="8793595" cy="298327"/>
+          </a:xfrm>
+        </p:spPr>
+        <p:txBody>
+          <a:bodyPr>
+            <a:noAutofit/>
+          </a:bodyPr>
+          <a:lstStyle/>
+          <a:p>
+            <a:r>
+              <a:rPr lang="en-US" altLang="zh-CN" sz="2400" b="1" dirty="0" smtClean="0">
+                <a:solidFill>
+                  <a:srgbClr val="954F72"/>
+                </a:solidFill>
+                <a:latin typeface="Arial Narrow" panose="020B0606020202030204" pitchFamily="34" charset="0"/>
+              </a:rPr>
+              <a:t>Analysis</a:t>
+            </a:r>
+            <a:r>
+              <a:rPr lang="zh-CN" altLang="en-US" sz="2400" b="1" dirty="0" smtClean="0">
+                <a:solidFill>
+                  <a:srgbClr val="954F72"/>
+                </a:solidFill>
+                <a:latin typeface="Arial Narrow" panose="020B0606020202030204" pitchFamily="34" charset="0"/>
+              </a:rPr>
+              <a:t> </a:t>
+            </a:r>
+            <a:r>
+              <a:rPr lang="en-US" altLang="zh-CN" sz="2400" b="1" dirty="0" smtClean="0">
+                <a:solidFill>
+                  <a:srgbClr val="954F72"/>
+                </a:solidFill>
+                <a:latin typeface="Arial Narrow" panose="020B0606020202030204" pitchFamily="34" charset="0"/>
+              </a:rPr>
+              <a:t>of</a:t>
+            </a:r>
+            <a:r>
+              <a:rPr lang="zh-CN" altLang="en-US" sz="2400" b="1" dirty="0" smtClean="0">
+                <a:solidFill>
+                  <a:srgbClr val="954F72"/>
+                </a:solidFill>
+                <a:latin typeface="Arial Narrow" panose="020B0606020202030204" pitchFamily="34" charset="0"/>
+              </a:rPr>
+              <a:t> </a:t>
+            </a:r>
+            <a:r>
+              <a:rPr lang="en-US" altLang="zh-CN" sz="2400" b="1" dirty="0" smtClean="0">
+                <a:solidFill>
+                  <a:srgbClr val="954F72"/>
+                </a:solidFill>
+                <a:latin typeface="Arial Narrow" panose="020B0606020202030204" pitchFamily="34" charset="0"/>
+              </a:rPr>
+              <a:t>Stop</a:t>
+            </a:r>
+            <a:r>
+              <a:rPr lang="zh-CN" altLang="en-US" sz="2400" b="1" dirty="0" smtClean="0">
+                <a:solidFill>
+                  <a:srgbClr val="954F72"/>
+                </a:solidFill>
+                <a:latin typeface="Arial Narrow" panose="020B0606020202030204" pitchFamily="34" charset="0"/>
+              </a:rPr>
+              <a:t> </a:t>
+            </a:r>
+            <a:r>
+              <a:rPr lang="en-US" altLang="zh-CN" sz="2400" b="1" dirty="0" smtClean="0">
+                <a:solidFill>
+                  <a:srgbClr val="954F72"/>
+                </a:solidFill>
+                <a:latin typeface="Arial Narrow" panose="020B0606020202030204" pitchFamily="34" charset="0"/>
+              </a:rPr>
+              <a:t>and</a:t>
+            </a:r>
+            <a:r>
+              <a:rPr lang="zh-CN" altLang="en-US" sz="2400" b="1" dirty="0" smtClean="0">
+                <a:solidFill>
+                  <a:srgbClr val="954F72"/>
+                </a:solidFill>
+                <a:latin typeface="Arial Narrow" panose="020B0606020202030204" pitchFamily="34" charset="0"/>
+              </a:rPr>
+              <a:t> </a:t>
+            </a:r>
+            <a:r>
+              <a:rPr lang="en-US" altLang="zh-CN" sz="2400" b="1" smtClean="0">
+                <a:solidFill>
+                  <a:srgbClr val="954F72"/>
+                </a:solidFill>
+                <a:latin typeface="Arial Narrow" panose="020B0606020202030204" pitchFamily="34" charset="0"/>
+              </a:rPr>
+              <a:t>Search</a:t>
+            </a:r>
+            <a:endParaRPr lang="en-US" altLang="en-US" sz="2400" b="1" dirty="0">
+              <a:solidFill>
+                <a:srgbClr val="954F72"/>
+              </a:solidFill>
+              <a:latin typeface="Arial Narrow" panose="020B0606020202030204" pitchFamily="34" charset="0"/>
+            </a:endParaRPr>
+          </a:p>
+        </p:txBody>
+      </p:sp>
+      <p:pic>
+        <p:nvPicPr>
+          <p:cNvPr id="3" name="Picture 2"/>
+          <p:cNvPicPr>
+            <a:picLocks noChangeAspect="1"/>
+          </p:cNvPicPr>
+          <p:nvPr/>
+        </p:nvPicPr>
+        <p:blipFill>
+          <a:blip r:embed="rId7" cstate="print">
+            <a:extLst>
+              <a:ext uri="{28A0092B-C50C-407E-A947-70E740481C1C}">
+                <a14:useLocalDpi xmlns:a14="http://schemas.microsoft.com/office/drawing/2010/main" val="0"/>
+              </a:ext>
+            </a:extLst>
+          </a:blip>
+          <a:stretch>
+            <a:fillRect/>
+          </a:stretch>
+        </p:blipFill>
+        <p:spPr>
+          <a:xfrm>
+            <a:off x="-9602" y="1394079"/>
+            <a:ext cx="6546879" cy="5295331"/>
+          </a:xfrm>
+          <a:prstGeom prst="rect">
+            <a:avLst/>
+          </a:prstGeom>
+        </p:spPr>
+      </p:pic>
+    </p:spTree>
+    <p:extLst>
+      <p:ext uri="{BB962C8B-B14F-4D97-AF65-F5344CB8AC3E}">
+        <p14:creationId xmlns:p14="http://schemas.microsoft.com/office/powerpoint/2010/main" val="1486901249"/>
+      </p:ext>
+    </p:extLst>
+  </p:cSld>
+  <p:clrMapOvr>
+    <a:masterClrMapping/>
+  </p:clrMapOvr>
+  <p:transition>
+    <p:wipe dir="r"/>
+  </p:transition>
+</p:sld>
+</file>
+
 <file path=ppt/tags/tag1.xml><?xml version="1.0" encoding="utf-8"?>
+<p:tagLst xmlns:a="http://schemas.openxmlformats.org/drawingml/2006/main" xmlns:r="http://schemas.openxmlformats.org/officeDocument/2006/relationships" xmlns:p="http://schemas.openxmlformats.org/presentationml/2006/main">
+  <p:tag name="RESIZE" val="Yes"/>
+</p:tagLst>
+</file>
+
+<file path=ppt/tags/tag10.xml><?xml version="1.0" encoding="utf-8"?>
+<p:tagLst xmlns:a="http://schemas.openxmlformats.org/drawingml/2006/main" xmlns:r="http://schemas.openxmlformats.org/officeDocument/2006/relationships" xmlns:p="http://schemas.openxmlformats.org/presentationml/2006/main">
+  <p:tag name="RESIZE" val="Yes"/>
+</p:tagLst>
+</file>
+
+<file path=ppt/tags/tag11.xml><?xml version="1.0" encoding="utf-8"?>
+<p:tagLst xmlns:a="http://schemas.openxmlformats.org/drawingml/2006/main" xmlns:r="http://schemas.openxmlformats.org/officeDocument/2006/relationships" xmlns:p="http://schemas.openxmlformats.org/presentationml/2006/main">
+  <p:tag name="RESIZE" val="Yes"/>
+</p:tagLst>
+</file>
+
+<file path=ppt/tags/tag12.xml><?xml version="1.0" encoding="utf-8"?>
+<p:tagLst xmlns:a="http://schemas.openxmlformats.org/drawingml/2006/main" xmlns:r="http://schemas.openxmlformats.org/officeDocument/2006/relationships" xmlns:p="http://schemas.openxmlformats.org/presentationml/2006/main">
+  <p:tag name="RESIZE" val="Yes"/>
+</p:tagLst>
+</file>
+
+<file path=ppt/tags/tag13.xml><?xml version="1.0" encoding="utf-8"?>
+<p:tagLst xmlns:a="http://schemas.openxmlformats.org/drawingml/2006/main" xmlns:r="http://schemas.openxmlformats.org/officeDocument/2006/relationships" xmlns:p="http://schemas.openxmlformats.org/presentationml/2006/main">
+  <p:tag name="RESIZE" val="Yes"/>
+</p:tagLst>
+</file>
+
+<file path=ppt/tags/tag14.xml><?xml version="1.0" encoding="utf-8"?>
+<p:tagLst xmlns:a="http://schemas.openxmlformats.org/drawingml/2006/main" xmlns:r="http://schemas.openxmlformats.org/officeDocument/2006/relationships" xmlns:p="http://schemas.openxmlformats.org/presentationml/2006/main">
+  <p:tag name="RESIZE" val="Yes"/>
+</p:tagLst>
+</file>
+
+<file path=ppt/tags/tag15.xml><?xml version="1.0" encoding="utf-8"?>
+<p:tagLst xmlns:a="http://schemas.openxmlformats.org/drawingml/2006/main" xmlns:r="http://schemas.openxmlformats.org/officeDocument/2006/relationships" xmlns:p="http://schemas.openxmlformats.org/presentationml/2006/main">
+  <p:tag name="RESIZE" val="Yes"/>
+</p:tagLst>
+</file>
+
+<file path=ppt/tags/tag16.xml><?xml version="1.0" encoding="utf-8"?>
+<p:tagLst xmlns:a="http://schemas.openxmlformats.org/drawingml/2006/main" xmlns:r="http://schemas.openxmlformats.org/officeDocument/2006/relationships" xmlns:p="http://schemas.openxmlformats.org/presentationml/2006/main">
+  <p:tag name="RESIZE" val="Yes"/>
+</p:tagLst>
+</file>
+
+<file path=ppt/tags/tag17.xml><?xml version="1.0" encoding="utf-8"?>
+<p:tagLst xmlns:a="http://schemas.openxmlformats.org/drawingml/2006/main" xmlns:r="http://schemas.openxmlformats.org/officeDocument/2006/relationships" xmlns:p="http://schemas.openxmlformats.org/presentationml/2006/main">
+  <p:tag name="RESIZE" val="Yes"/>
+</p:tagLst>
+</file>
+
+<file path=ppt/tags/tag18.xml><?xml version="1.0" encoding="utf-8"?>
+<p:tagLst xmlns:a="http://schemas.openxmlformats.org/drawingml/2006/main" xmlns:r="http://schemas.openxmlformats.org/officeDocument/2006/relationships" xmlns:p="http://schemas.openxmlformats.org/presentationml/2006/main">
+  <p:tag name="RESIZE" val="Yes"/>
+</p:tagLst>
+</file>
+
+<file path=ppt/tags/tag19.xml><?xml version="1.0" encoding="utf-8"?>
+<p:tagLst xmlns:a="http://schemas.openxmlformats.org/drawingml/2006/main" xmlns:r="http://schemas.openxmlformats.org/officeDocument/2006/relationships" xmlns:p="http://schemas.openxmlformats.org/presentationml/2006/main">
+  <p:tag name="RESIZE" val="Yes"/>
+</p:tagLst>
+</file>
+
+<file path=ppt/tags/tag2.xml><?xml version="1.0" encoding="utf-8"?>
+<p:tagLst xmlns:a="http://schemas.openxmlformats.org/drawingml/2006/main" xmlns:r="http://schemas.openxmlformats.org/officeDocument/2006/relationships" xmlns:p="http://schemas.openxmlformats.org/presentationml/2006/main">
+  <p:tag name="RESIZE" val="Yes"/>
+</p:tagLst>
+</file>
+
+<file path=ppt/tags/tag20.xml><?xml version="1.0" encoding="utf-8"?>
+<p:tagLst xmlns:a="http://schemas.openxmlformats.org/drawingml/2006/main" xmlns:r="http://schemas.openxmlformats.org/officeDocument/2006/relationships" xmlns:p="http://schemas.openxmlformats.org/presentationml/2006/main">
+  <p:tag name="RESIZE" val="Yes"/>
+</p:tagLst>
+</file>
+
+<file path=ppt/tags/tag21.xml><?xml version="1.0" encoding="utf-8"?>
+<p:tagLst xmlns:a="http://schemas.openxmlformats.org/drawingml/2006/main" xmlns:r="http://schemas.openxmlformats.org/officeDocument/2006/relationships" xmlns:p="http://schemas.openxmlformats.org/presentationml/2006/main">
+  <p:tag name="RESIZE" val="Yes"/>
+</p:tagLst>
+</file>
+
+<file path=ppt/tags/tag22.xml><?xml version="1.0" encoding="utf-8"?>
+<p:tagLst xmlns:a="http://schemas.openxmlformats.org/drawingml/2006/main" xmlns:r="http://schemas.openxmlformats.org/officeDocument/2006/relationships" xmlns:p="http://schemas.openxmlformats.org/presentationml/2006/main">
+  <p:tag name="RESIZE" val="Yes"/>
+</p:tagLst>
+</file>
+
+<file path=ppt/tags/tag23.xml><?xml version="1.0" encoding="utf-8"?>
+<p:tagLst xmlns:a="http://schemas.openxmlformats.org/drawingml/2006/main" xmlns:r="http://schemas.openxmlformats.org/officeDocument/2006/relationships" xmlns:p="http://schemas.openxmlformats.org/presentationml/2006/main">
+  <p:tag name="RESIZE" val="Yes"/>
+</p:tagLst>
+</file>
+
+<file path=ppt/tags/tag24.xml><?xml version="1.0" encoding="utf-8"?>
+<p:tagLst xmlns:a="http://schemas.openxmlformats.org/drawingml/2006/main" xmlns:r="http://schemas.openxmlformats.org/officeDocument/2006/relationships" xmlns:p="http://schemas.openxmlformats.org/presentationml/2006/main">
+  <p:tag name="RESIZE" val="Yes"/>
+</p:tagLst>
+</file>
+
+<file path=ppt/tags/tag25.xml><?xml version="1.0" encoding="utf-8"?>
+<p:tagLst xmlns:a="http://schemas.openxmlformats.org/drawingml/2006/main" xmlns:r="http://schemas.openxmlformats.org/officeDocument/2006/relationships" xmlns:p="http://schemas.openxmlformats.org/presentationml/2006/main">
+  <p:tag name="RESIZE" val="Yes"/>
+</p:tagLst>
+</file>
+
+<file path=ppt/tags/tag26.xml><?xml version="1.0" encoding="utf-8"?>
+<p:tagLst xmlns:a="http://schemas.openxmlformats.org/drawingml/2006/main" xmlns:r="http://schemas.openxmlformats.org/officeDocument/2006/relationships" xmlns:p="http://schemas.openxmlformats.org/presentationml/2006/main">
+  <p:tag name="RESIZE" val="Yes"/>
+</p:tagLst>
+</file>
+
+<file path=ppt/tags/tag27.xml><?xml version="1.0" encoding="utf-8"?>
+<p:tagLst xmlns:a="http://schemas.openxmlformats.org/drawingml/2006/main" xmlns:r="http://schemas.openxmlformats.org/officeDocument/2006/relationships" xmlns:p="http://schemas.openxmlformats.org/presentationml/2006/main">
+  <p:tag name="RESIZE" val="Yes"/>
+</p:tagLst>
+</file>
+
+<file path=ppt/tags/tag28.xml><?xml version="1.0" encoding="utf-8"?>
+<p:tagLst xmlns:a="http://schemas.openxmlformats.org/drawingml/2006/main" xmlns:r="http://schemas.openxmlformats.org/officeDocument/2006/relationships" xmlns:p="http://schemas.openxmlformats.org/presentationml/2006/main">
+  <p:tag name="RESIZE" val="Yes"/>
+</p:tagLst>
+</file>
+
+<file path=ppt/tags/tag29.xml><?xml version="1.0" encoding="utf-8"?>
+<p:tagLst xmlns:a="http://schemas.openxmlformats.org/drawingml/2006/main" xmlns:r="http://schemas.openxmlformats.org/officeDocument/2006/relationships" xmlns:p="http://schemas.openxmlformats.org/presentationml/2006/main">
+  <p:tag name="RESIZE" val="Yes"/>
+</p:tagLst>
+</file>
+
+<file path=ppt/tags/tag3.xml><?xml version="1.0" encoding="utf-8"?>
+<p:tagLst xmlns:a="http://schemas.openxmlformats.org/drawingml/2006/main" xmlns:r="http://schemas.openxmlformats.org/officeDocument/2006/relationships" xmlns:p="http://schemas.openxmlformats.org/presentationml/2006/main">
+  <p:tag name="RESIZE" val="Yes"/>
+</p:tagLst>
+</file>
+
+<file path=ppt/tags/tag30.xml><?xml version="1.0" encoding="utf-8"?>
+<p:tagLst xmlns:a="http://schemas.openxmlformats.org/drawingml/2006/main" xmlns:r="http://schemas.openxmlformats.org/officeDocument/2006/relationships" xmlns:p="http://schemas.openxmlformats.org/presentationml/2006/main">
+  <p:tag name="RESIZE" val="Yes"/>
+</p:tagLst>
+</file>
+
+<file path=ppt/tags/tag31.xml><?xml version="1.0" encoding="utf-8"?>
+<p:tagLst xmlns:a="http://schemas.openxmlformats.org/drawingml/2006/main" xmlns:r="http://schemas.openxmlformats.org/officeDocument/2006/relationships" xmlns:p="http://schemas.openxmlformats.org/presentationml/2006/main">
+  <p:tag name="RESIZE" val="Yes"/>
+</p:tagLst>
+</file>
+
+<file path=ppt/tags/tag32.xml><?xml version="1.0" encoding="utf-8"?>
+<p:tagLst xmlns:a="http://schemas.openxmlformats.org/drawingml/2006/main" xmlns:r="http://schemas.openxmlformats.org/officeDocument/2006/relationships" xmlns:p="http://schemas.openxmlformats.org/presentationml/2006/main">
+  <p:tag name="RESIZE" val="Yes"/>
+</p:tagLst>
+</file>
+
+<file path=ppt/tags/tag33.xml><?xml version="1.0" encoding="utf-8"?>
+<p:tagLst xmlns:a="http://schemas.openxmlformats.org/drawingml/2006/main" xmlns:r="http://schemas.openxmlformats.org/officeDocument/2006/relationships" xmlns:p="http://schemas.openxmlformats.org/presentationml/2006/main">
+  <p:tag name="RESIZE" val="Yes"/>
+</p:tagLst>
+</file>
+
+<file path=ppt/tags/tag34.xml><?xml version="1.0" encoding="utf-8"?>
+<p:tagLst xmlns:a="http://schemas.openxmlformats.org/drawingml/2006/main" xmlns:r="http://schemas.openxmlformats.org/officeDocument/2006/relationships" xmlns:p="http://schemas.openxmlformats.org/presentationml/2006/main">
+  <p:tag name="RESIZE" val="Yes"/>
+</p:tagLst>
+</file>
+
+<file path=ppt/tags/tag35.xml><?xml version="1.0" encoding="utf-8"?>
+<p:tagLst xmlns:a="http://schemas.openxmlformats.org/drawingml/2006/main" xmlns:r="http://schemas.openxmlformats.org/officeDocument/2006/relationships" xmlns:p="http://schemas.openxmlformats.org/presentationml/2006/main">
+  <p:tag name="RESIZE" val="Yes"/>
+</p:tagLst>
+</file>
+
+<file path=ppt/tags/tag4.xml><?xml version="1.0" encoding="utf-8"?>
+<p:tagLst xmlns:a="http://schemas.openxmlformats.org/drawingml/2006/main" xmlns:r="http://schemas.openxmlformats.org/officeDocument/2006/relationships" xmlns:p="http://schemas.openxmlformats.org/presentationml/2006/main">
+  <p:tag name="RESIZE" val="Yes"/>
+</p:tagLst>
+</file>
+
+<file path=ppt/tags/tag5.xml><?xml version="1.0" encoding="utf-8"?>
+<p:tagLst xmlns:a="http://schemas.openxmlformats.org/drawingml/2006/main" xmlns:r="http://schemas.openxmlformats.org/officeDocument/2006/relationships" xmlns:p="http://schemas.openxmlformats.org/presentationml/2006/main">
+  <p:tag name="RESIZE" val="Yes"/>
+</p:tagLst>
+</file>
+
+<file path=ppt/tags/tag6.xml><?xml version="1.0" encoding="utf-8"?>
+<p:tagLst xmlns:a="http://schemas.openxmlformats.org/drawingml/2006/main" xmlns:r="http://schemas.openxmlformats.org/officeDocument/2006/relationships" xmlns:p="http://schemas.openxmlformats.org/presentationml/2006/main">
+  <p:tag name="RESIZE" val="Yes"/>
+</p:tagLst>
+</file>
+
+<file path=ppt/tags/tag7.xml><?xml version="1.0" encoding="utf-8"?>
+<p:tagLst xmlns:a="http://schemas.openxmlformats.org/drawingml/2006/main" xmlns:r="http://schemas.openxmlformats.org/officeDocument/2006/relationships" xmlns:p="http://schemas.openxmlformats.org/presentationml/2006/main">
+  <p:tag name="RESIZE" val="Yes"/>
+</p:tagLst>
+</file>
+
+<file path=ppt/tags/tag8.xml><?xml version="1.0" encoding="utf-8"?>
+<p:tagLst xmlns:a="http://schemas.openxmlformats.org/drawingml/2006/main" xmlns:r="http://schemas.openxmlformats.org/officeDocument/2006/relationships" xmlns:p="http://schemas.openxmlformats.org/presentationml/2006/main">
+  <p:tag name="RESIZE" val="Yes"/>
+</p:tagLst>
+</file>
+
+<file path=ppt/tags/tag9.xml><?xml version="1.0" encoding="utf-8"?>
 <p:tagLst xmlns:a="http://schemas.openxmlformats.org/drawingml/2006/main" xmlns:r="http://schemas.openxmlformats.org/officeDocument/2006/relationships" xmlns:p="http://schemas.openxmlformats.org/presentationml/2006/main">
   <p:tag name="RESIZE" val="Yes"/>
 </p:tagLst>
